--- a/docs/Trabajo práctico integrador.pptx
+++ b/docs/Trabajo práctico integrador.pptx
@@ -1,34 +1,37 @@
 
 <file path=ppt/presentation.xml><?xml version="1.0" encoding="utf-8"?>
-<p:presentation xmlns:a="http://schemas.openxmlformats.org/drawingml/2006/main" xmlns:r="http://schemas.openxmlformats.org/officeDocument/2006/relationships" xmlns:mc="http://schemas.openxmlformats.org/markup-compatibility/2006" xmlns:mv="urn:schemas-microsoft-com:mac:vml" xmlns:p="http://schemas.openxmlformats.org/presentationml/2006/main" xmlns:c="http://schemas.openxmlformats.org/drawingml/2006/chart" xmlns:dgm="http://schemas.openxmlformats.org/drawingml/2006/diagram" xmlns:o="urn:schemas-microsoft-com:office:office" xmlns:v="urn:schemas-microsoft-com:vml" xmlns:pvml="urn:schemas-microsoft-com:office:powerpoint" xmlns:com="http://schemas.openxmlformats.org/drawingml/2006/compatibility" xmlns:p14="http://schemas.microsoft.com/office/powerpoint/2010/main" xmlns:p15="http://schemas.microsoft.com/office/powerpoint/2012/main" xmlns:ahyp="http://schemas.microsoft.com/office/drawing/2018/hyperlinkcolor" autoCompressPictures="0" strictFirstAndLastChars="0" saveSubsetFonts="1">
+<p:presentation xmlns:a="http://schemas.openxmlformats.org/drawingml/2006/main" xmlns:r="http://schemas.openxmlformats.org/officeDocument/2006/relationships" xmlns:p="http://schemas.openxmlformats.org/presentationml/2006/main" strictFirstAndLastChars="0" saveSubsetFonts="1" autoCompressPictures="0">
   <p:sldMasterIdLst>
-    <p:sldMasterId id="2147483659" r:id="rId4"/>
+    <p:sldMasterId id="2147483659" r:id="rId1"/>
   </p:sldMasterIdLst>
   <p:notesMasterIdLst>
-    <p:notesMasterId r:id="rId5"/>
+    <p:notesMasterId r:id="rId21"/>
   </p:notesMasterIdLst>
   <p:sldIdLst>
-    <p:sldId id="256" r:id="rId6"/>
-    <p:sldId id="257" r:id="rId7"/>
-    <p:sldId id="258" r:id="rId8"/>
-    <p:sldId id="259" r:id="rId9"/>
-    <p:sldId id="260" r:id="rId10"/>
-    <p:sldId id="261" r:id="rId11"/>
-    <p:sldId id="262" r:id="rId12"/>
-    <p:sldId id="263" r:id="rId13"/>
-    <p:sldId id="264" r:id="rId14"/>
-    <p:sldId id="265" r:id="rId15"/>
-    <p:sldId id="266" r:id="rId16"/>
-    <p:sldId id="267" r:id="rId17"/>
-    <p:sldId id="268" r:id="rId18"/>
-    <p:sldId id="269" r:id="rId19"/>
-    <p:sldId id="270" r:id="rId20"/>
-    <p:sldId id="271" r:id="rId21"/>
+    <p:sldId id="256" r:id="rId2"/>
+    <p:sldId id="257" r:id="rId3"/>
+    <p:sldId id="258" r:id="rId4"/>
+    <p:sldId id="272" r:id="rId5"/>
+    <p:sldId id="274" r:id="rId6"/>
+    <p:sldId id="273" r:id="rId7"/>
+    <p:sldId id="259" r:id="rId8"/>
+    <p:sldId id="260" r:id="rId9"/>
+    <p:sldId id="261" r:id="rId10"/>
+    <p:sldId id="262" r:id="rId11"/>
+    <p:sldId id="263" r:id="rId12"/>
+    <p:sldId id="264" r:id="rId13"/>
+    <p:sldId id="265" r:id="rId14"/>
+    <p:sldId id="266" r:id="rId15"/>
+    <p:sldId id="267" r:id="rId16"/>
+    <p:sldId id="268" r:id="rId17"/>
+    <p:sldId id="269" r:id="rId18"/>
+    <p:sldId id="270" r:id="rId19"/>
+    <p:sldId id="271" r:id="rId20"/>
   </p:sldIdLst>
-  <p:sldSz cy="5143500" cx="9144000"/>
+  <p:sldSz cx="9144000" cy="5143500" type="screen16x9"/>
   <p:notesSz cx="6858000" cy="9144000"/>
   <p:defaultTextStyle>
-    <a:defPPr lvl="0" marR="0" rtl="0" algn="l">
+    <a:defPPr marR="0" lvl="0" algn="l" rtl="0">
       <a:lnSpc>
         <a:spcPct val="100000"/>
       </a:lnSpc>
@@ -39,7 +42,7 @@
         <a:spcPts val="0"/>
       </a:spcAft>
     </a:defPPr>
-    <a:lvl1pPr lvl="0" marR="0" rtl="0" algn="l">
+    <a:lvl1pPr marR="0" lvl="0" algn="l" rtl="0">
       <a:lnSpc>
         <a:spcPct val="100000"/>
       </a:lnSpc>
@@ -53,7 +56,7 @@
         <a:srgbClr val="000000"/>
       </a:buClr>
       <a:buFont typeface="Arial"/>
-      <a:defRPr b="0" i="0" sz="1400" u="none" cap="none" strike="noStrike">
+      <a:defRPr sz="1400" b="0" i="0" u="none" strike="noStrike" cap="none">
         <a:solidFill>
           <a:srgbClr val="000000"/>
         </a:solidFill>
@@ -63,7 +66,7 @@
         <a:sym typeface="Arial"/>
       </a:defRPr>
     </a:lvl1pPr>
-    <a:lvl2pPr lvl="1" marR="0" rtl="0" algn="l">
+    <a:lvl2pPr marR="0" lvl="1" algn="l" rtl="0">
       <a:lnSpc>
         <a:spcPct val="100000"/>
       </a:lnSpc>
@@ -77,7 +80,7 @@
         <a:srgbClr val="000000"/>
       </a:buClr>
       <a:buFont typeface="Arial"/>
-      <a:defRPr b="0" i="0" sz="1400" u="none" cap="none" strike="noStrike">
+      <a:defRPr sz="1400" b="0" i="0" u="none" strike="noStrike" cap="none">
         <a:solidFill>
           <a:srgbClr val="000000"/>
         </a:solidFill>
@@ -87,7 +90,7 @@
         <a:sym typeface="Arial"/>
       </a:defRPr>
     </a:lvl2pPr>
-    <a:lvl3pPr lvl="2" marR="0" rtl="0" algn="l">
+    <a:lvl3pPr marR="0" lvl="2" algn="l" rtl="0">
       <a:lnSpc>
         <a:spcPct val="100000"/>
       </a:lnSpc>
@@ -101,7 +104,7 @@
         <a:srgbClr val="000000"/>
       </a:buClr>
       <a:buFont typeface="Arial"/>
-      <a:defRPr b="0" i="0" sz="1400" u="none" cap="none" strike="noStrike">
+      <a:defRPr sz="1400" b="0" i="0" u="none" strike="noStrike" cap="none">
         <a:solidFill>
           <a:srgbClr val="000000"/>
         </a:solidFill>
@@ -111,7 +114,7 @@
         <a:sym typeface="Arial"/>
       </a:defRPr>
     </a:lvl3pPr>
-    <a:lvl4pPr lvl="3" marR="0" rtl="0" algn="l">
+    <a:lvl4pPr marR="0" lvl="3" algn="l" rtl="0">
       <a:lnSpc>
         <a:spcPct val="100000"/>
       </a:lnSpc>
@@ -125,7 +128,7 @@
         <a:srgbClr val="000000"/>
       </a:buClr>
       <a:buFont typeface="Arial"/>
-      <a:defRPr b="0" i="0" sz="1400" u="none" cap="none" strike="noStrike">
+      <a:defRPr sz="1400" b="0" i="0" u="none" strike="noStrike" cap="none">
         <a:solidFill>
           <a:srgbClr val="000000"/>
         </a:solidFill>
@@ -135,7 +138,7 @@
         <a:sym typeface="Arial"/>
       </a:defRPr>
     </a:lvl4pPr>
-    <a:lvl5pPr lvl="4" marR="0" rtl="0" algn="l">
+    <a:lvl5pPr marR="0" lvl="4" algn="l" rtl="0">
       <a:lnSpc>
         <a:spcPct val="100000"/>
       </a:lnSpc>
@@ -149,7 +152,7 @@
         <a:srgbClr val="000000"/>
       </a:buClr>
       <a:buFont typeface="Arial"/>
-      <a:defRPr b="0" i="0" sz="1400" u="none" cap="none" strike="noStrike">
+      <a:defRPr sz="1400" b="0" i="0" u="none" strike="noStrike" cap="none">
         <a:solidFill>
           <a:srgbClr val="000000"/>
         </a:solidFill>
@@ -159,7 +162,7 @@
         <a:sym typeface="Arial"/>
       </a:defRPr>
     </a:lvl5pPr>
-    <a:lvl6pPr lvl="5" marR="0" rtl="0" algn="l">
+    <a:lvl6pPr marR="0" lvl="5" algn="l" rtl="0">
       <a:lnSpc>
         <a:spcPct val="100000"/>
       </a:lnSpc>
@@ -173,7 +176,7 @@
         <a:srgbClr val="000000"/>
       </a:buClr>
       <a:buFont typeface="Arial"/>
-      <a:defRPr b="0" i="0" sz="1400" u="none" cap="none" strike="noStrike">
+      <a:defRPr sz="1400" b="0" i="0" u="none" strike="noStrike" cap="none">
         <a:solidFill>
           <a:srgbClr val="000000"/>
         </a:solidFill>
@@ -183,7 +186,7 @@
         <a:sym typeface="Arial"/>
       </a:defRPr>
     </a:lvl6pPr>
-    <a:lvl7pPr lvl="6" marR="0" rtl="0" algn="l">
+    <a:lvl7pPr marR="0" lvl="6" algn="l" rtl="0">
       <a:lnSpc>
         <a:spcPct val="100000"/>
       </a:lnSpc>
@@ -197,7 +200,7 @@
         <a:srgbClr val="000000"/>
       </a:buClr>
       <a:buFont typeface="Arial"/>
-      <a:defRPr b="0" i="0" sz="1400" u="none" cap="none" strike="noStrike">
+      <a:defRPr sz="1400" b="0" i="0" u="none" strike="noStrike" cap="none">
         <a:solidFill>
           <a:srgbClr val="000000"/>
         </a:solidFill>
@@ -207,7 +210,7 @@
         <a:sym typeface="Arial"/>
       </a:defRPr>
     </a:lvl7pPr>
-    <a:lvl8pPr lvl="7" marR="0" rtl="0" algn="l">
+    <a:lvl8pPr marR="0" lvl="7" algn="l" rtl="0">
       <a:lnSpc>
         <a:spcPct val="100000"/>
       </a:lnSpc>
@@ -221,7 +224,7 @@
         <a:srgbClr val="000000"/>
       </a:buClr>
       <a:buFont typeface="Arial"/>
-      <a:defRPr b="0" i="0" sz="1400" u="none" cap="none" strike="noStrike">
+      <a:defRPr sz="1400" b="0" i="0" u="none" strike="noStrike" cap="none">
         <a:solidFill>
           <a:srgbClr val="000000"/>
         </a:solidFill>
@@ -231,7 +234,7 @@
         <a:sym typeface="Arial"/>
       </a:defRPr>
     </a:lvl8pPr>
-    <a:lvl9pPr lvl="8" marR="0" rtl="0" algn="l">
+    <a:lvl9pPr marR="0" lvl="8" algn="l" rtl="0">
       <a:lnSpc>
         <a:spcPct val="100000"/>
       </a:lnSpc>
@@ -245,7 +248,7 @@
         <a:srgbClr val="000000"/>
       </a:buClr>
       <a:buFont typeface="Arial"/>
-      <a:defRPr b="0" i="0" sz="1400" u="none" cap="none" strike="noStrike">
+      <a:defRPr sz="1400" b="0" i="0" u="none" strike="noStrike" cap="none">
         <a:solidFill>
           <a:srgbClr val="000000"/>
         </a:solidFill>
@@ -258,7 +261,7 @@
   </p:defaultTextStyle>
   <p:extLst>
     <p:ext uri="{EFAFB233-063F-42B5-8137-9DF3F51BA10A}">
-      <p15:sldGuideLst>
+      <p15:sldGuideLst xmlns:ahyp="http://schemas.microsoft.com/office/drawing/2018/hyperlinkcolor" xmlns:p15="http://schemas.microsoft.com/office/powerpoint/2012/main" xmlns:p14="http://schemas.microsoft.com/office/powerpoint/2010/main" xmlns:com="http://schemas.openxmlformats.org/drawingml/2006/compatibility" xmlns:pvml="urn:schemas-microsoft-com:office:powerpoint" xmlns:v="urn:schemas-microsoft-com:vml" xmlns:o="urn:schemas-microsoft-com:office:office" xmlns:dgm="http://schemas.openxmlformats.org/drawingml/2006/diagram" xmlns:c="http://schemas.openxmlformats.org/drawingml/2006/chart" xmlns:mv="urn:schemas-microsoft-com:mac:vml" xmlns:mc="http://schemas.openxmlformats.org/markup-compatibility/2006" xmlns="">
         <p15:guide id="1" orient="horz" pos="1620">
           <p15:clr>
             <a:srgbClr val="747775"/>
@@ -276,11 +279,16 @@
 </file>
 
 <file path=ppt/notesMasters/notesMaster1.xml><?xml version="1.0" encoding="utf-8"?>
-<p:notesMaster xmlns:a="http://schemas.openxmlformats.org/drawingml/2006/main" xmlns:r="http://schemas.openxmlformats.org/officeDocument/2006/relationships" xmlns:mc="http://schemas.openxmlformats.org/markup-compatibility/2006" xmlns:mv="urn:schemas-microsoft-com:mac:vml" xmlns:p="http://schemas.openxmlformats.org/presentationml/2006/main" xmlns:c="http://schemas.openxmlformats.org/drawingml/2006/chart" xmlns:dgm="http://schemas.openxmlformats.org/drawingml/2006/diagram" xmlns:o="urn:schemas-microsoft-com:office:office" xmlns:v="urn:schemas-microsoft-com:vml" xmlns:pvml="urn:schemas-microsoft-com:office:powerpoint" xmlns:com="http://schemas.openxmlformats.org/drawingml/2006/compatibility" xmlns:p14="http://schemas.microsoft.com/office/powerpoint/2010/main" xmlns:p15="http://schemas.microsoft.com/office/powerpoint/2012/main" xmlns:ahyp="http://schemas.microsoft.com/office/drawing/2018/hyperlinkcolor">
+<p:notesMaster xmlns:a="http://schemas.openxmlformats.org/drawingml/2006/main" xmlns:r="http://schemas.openxmlformats.org/officeDocument/2006/relationships" xmlns:p="http://schemas.openxmlformats.org/presentationml/2006/main">
   <p:cSld>
+    <p:bg>
+      <p:bgRef idx="1001">
+        <a:schemeClr val="bg1"/>
+      </p:bgRef>
+    </p:bg>
     <p:spTree>
       <p:nvGrpSpPr>
-        <p:cNvPr id="2" name="Shape 2"/>
+        <p:cNvPr id="1" name="Shape 2"/>
         <p:cNvGrpSpPr/>
         <p:nvPr/>
       </p:nvGrpSpPr>
@@ -295,9 +303,11 @@
       <p:sp>
         <p:nvSpPr>
           <p:cNvPr id="3" name="Google Shape;3;n"/>
-          <p:cNvSpPr/>
+          <p:cNvSpPr>
+            <a:spLocks noGrp="1" noRot="1" noChangeAspect="1"/>
+          </p:cNvSpPr>
           <p:nvPr>
-            <p:ph idx="2" type="sldImg"/>
+            <p:ph type="sldImg" idx="2"/>
           </p:nvPr>
         </p:nvSpPr>
         <p:spPr>
@@ -306,9 +316,13 @@
             <a:ext cx="6096075" cy="3429000"/>
           </a:xfrm>
           <a:custGeom>
-            <a:rect b="b" l="l" r="r" t="t"/>
+            <a:avLst/>
+            <a:gdLst/>
+            <a:ahLst/>
+            <a:cxnLst/>
+            <a:rect l="l" t="t" r="r" b="b"/>
             <a:pathLst>
-              <a:path extrusionOk="0" h="120000" w="120000">
+              <a:path w="120000" h="120000" extrusionOk="0">
                 <a:moveTo>
                   <a:pt x="0" y="0"/>
                 </a:moveTo>
@@ -326,23 +340,25 @@
             </a:pathLst>
           </a:custGeom>
           <a:noFill/>
-          <a:ln cap="flat" cmpd="sng" w="9525">
+          <a:ln w="9525" cap="flat" cmpd="sng">
             <a:solidFill>
               <a:srgbClr val="000000"/>
             </a:solidFill>
             <a:prstDash val="solid"/>
             <a:round/>
-            <a:headEnd len="sm" w="sm" type="none"/>
-            <a:tailEnd len="sm" w="sm" type="none"/>
+            <a:headEnd type="none" w="sm" len="sm"/>
+            <a:tailEnd type="none" w="sm" len="sm"/>
           </a:ln>
         </p:spPr>
       </p:sp>
       <p:sp>
         <p:nvSpPr>
           <p:cNvPr id="4" name="Google Shape;4;n"/>
-          <p:cNvSpPr txBox="1"/>
+          <p:cNvSpPr txBox="1">
+            <a:spLocks noGrp="1"/>
+          </p:cNvSpPr>
           <p:nvPr>
-            <p:ph idx="1" type="body"/>
+            <p:ph type="body" idx="1"/>
           </p:nvPr>
         </p:nvSpPr>
         <p:spPr>
@@ -359,11 +375,11 @@
           </a:ln>
         </p:spPr>
         <p:txBody>
-          <a:bodyPr anchorCtr="0" anchor="t" bIns="91425" lIns="91425" spcFirstLastPara="1" rIns="91425" wrap="square" tIns="91425">
+          <a:bodyPr spcFirstLastPara="1" wrap="square" lIns="91425" tIns="91425" rIns="91425" bIns="91425" anchor="t" anchorCtr="0">
             <a:noAutofit/>
           </a:bodyPr>
           <a:lstStyle>
-            <a:lvl1pPr indent="-298450" lvl="0" marL="457200">
+            <a:lvl1pPr marL="457200" lvl="0" indent="-298450">
               <a:spcBef>
                 <a:spcPts val="0"/>
               </a:spcBef>
@@ -374,7 +390,7 @@
               <a:buChar char="●"/>
               <a:defRPr sz="1100"/>
             </a:lvl1pPr>
-            <a:lvl2pPr indent="-298450" lvl="1" marL="914400">
+            <a:lvl2pPr marL="914400" lvl="1" indent="-298450">
               <a:spcBef>
                 <a:spcPts val="0"/>
               </a:spcBef>
@@ -385,7 +401,7 @@
               <a:buChar char="○"/>
               <a:defRPr sz="1100"/>
             </a:lvl2pPr>
-            <a:lvl3pPr indent="-298450" lvl="2" marL="1371600">
+            <a:lvl3pPr marL="1371600" lvl="2" indent="-298450">
               <a:spcBef>
                 <a:spcPts val="0"/>
               </a:spcBef>
@@ -396,7 +412,7 @@
               <a:buChar char="■"/>
               <a:defRPr sz="1100"/>
             </a:lvl3pPr>
-            <a:lvl4pPr indent="-298450" lvl="3" marL="1828800">
+            <a:lvl4pPr marL="1828800" lvl="3" indent="-298450">
               <a:spcBef>
                 <a:spcPts val="0"/>
               </a:spcBef>
@@ -407,7 +423,7 @@
               <a:buChar char="●"/>
               <a:defRPr sz="1100"/>
             </a:lvl4pPr>
-            <a:lvl5pPr indent="-298450" lvl="4" marL="2286000">
+            <a:lvl5pPr marL="2286000" lvl="4" indent="-298450">
               <a:spcBef>
                 <a:spcPts val="0"/>
               </a:spcBef>
@@ -418,7 +434,7 @@
               <a:buChar char="○"/>
               <a:defRPr sz="1100"/>
             </a:lvl5pPr>
-            <a:lvl6pPr indent="-298450" lvl="5" marL="2743200">
+            <a:lvl6pPr marL="2743200" lvl="5" indent="-298450">
               <a:spcBef>
                 <a:spcPts val="0"/>
               </a:spcBef>
@@ -429,7 +445,7 @@
               <a:buChar char="■"/>
               <a:defRPr sz="1100"/>
             </a:lvl6pPr>
-            <a:lvl7pPr indent="-298450" lvl="6" marL="3200400">
+            <a:lvl7pPr marL="3200400" lvl="6" indent="-298450">
               <a:spcBef>
                 <a:spcPts val="0"/>
               </a:spcBef>
@@ -440,7 +456,7 @@
               <a:buChar char="●"/>
               <a:defRPr sz="1100"/>
             </a:lvl7pPr>
-            <a:lvl8pPr indent="-298450" lvl="7" marL="3657600">
+            <a:lvl8pPr marL="3657600" lvl="7" indent="-298450">
               <a:spcBef>
                 <a:spcPts val="0"/>
               </a:spcBef>
@@ -451,7 +467,7 @@
               <a:buChar char="○"/>
               <a:defRPr sz="1100"/>
             </a:lvl8pPr>
-            <a:lvl9pPr indent="-298450" lvl="8" marL="4114800">
+            <a:lvl9pPr marL="4114800" lvl="8" indent="-298450">
               <a:spcBef>
                 <a:spcPts val="0"/>
               </a:spcBef>
@@ -463,14 +479,21 @@
               <a:defRPr sz="1100"/>
             </a:lvl9pPr>
           </a:lstStyle>
-          <a:p/>
+          <a:p>
+            <a:endParaRPr/>
+          </a:p>
         </p:txBody>
       </p:sp>
     </p:spTree>
+    <p:extLst>
+      <p:ext uri="{BB962C8B-B14F-4D97-AF65-F5344CB8AC3E}">
+        <p14:creationId xmlns:p14="http://schemas.microsoft.com/office/powerpoint/2010/main" val="509631211"/>
+      </p:ext>
+    </p:extLst>
   </p:cSld>
-  <p:clrMap accent1="accent1" accent2="accent2" accent3="accent3" accent4="accent4" accent5="accent5" accent6="accent6" bg1="lt1" bg2="dk2" tx1="dk1" tx2="lt2" folHlink="folHlink" hlink="hlink"/>
+  <p:clrMap bg1="lt1" tx1="dk1" bg2="dk2" tx2="lt2" accent1="accent1" accent2="accent2" accent3="accent3" accent4="accent4" accent5="accent5" accent6="accent6" hlink="hlink" folHlink="folHlink"/>
   <p:notesStyle>
-    <a:defPPr lvl="0" marR="0" rtl="0" algn="l">
+    <a:defPPr marR="0" lvl="0" algn="l" rtl="0">
       <a:lnSpc>
         <a:spcPct val="100000"/>
       </a:lnSpc>
@@ -481,7 +504,7 @@
         <a:spcPts val="0"/>
       </a:spcAft>
     </a:defPPr>
-    <a:lvl1pPr lvl="0" marR="0" rtl="0" algn="l">
+    <a:lvl1pPr marR="0" lvl="0" algn="l" rtl="0">
       <a:lnSpc>
         <a:spcPct val="100000"/>
       </a:lnSpc>
@@ -495,7 +518,7 @@
         <a:srgbClr val="000000"/>
       </a:buClr>
       <a:buFont typeface="Arial"/>
-      <a:defRPr b="0" i="0" sz="1400" u="none" cap="none" strike="noStrike">
+      <a:defRPr sz="1400" b="0" i="0" u="none" strike="noStrike" cap="none">
         <a:solidFill>
           <a:srgbClr val="000000"/>
         </a:solidFill>
@@ -505,7 +528,7 @@
         <a:sym typeface="Arial"/>
       </a:defRPr>
     </a:lvl1pPr>
-    <a:lvl2pPr lvl="1" marR="0" rtl="0" algn="l">
+    <a:lvl2pPr marR="0" lvl="1" algn="l" rtl="0">
       <a:lnSpc>
         <a:spcPct val="100000"/>
       </a:lnSpc>
@@ -519,7 +542,7 @@
         <a:srgbClr val="000000"/>
       </a:buClr>
       <a:buFont typeface="Arial"/>
-      <a:defRPr b="0" i="0" sz="1400" u="none" cap="none" strike="noStrike">
+      <a:defRPr sz="1400" b="0" i="0" u="none" strike="noStrike" cap="none">
         <a:solidFill>
           <a:srgbClr val="000000"/>
         </a:solidFill>
@@ -529,7 +552,7 @@
         <a:sym typeface="Arial"/>
       </a:defRPr>
     </a:lvl2pPr>
-    <a:lvl3pPr lvl="2" marR="0" rtl="0" algn="l">
+    <a:lvl3pPr marR="0" lvl="2" algn="l" rtl="0">
       <a:lnSpc>
         <a:spcPct val="100000"/>
       </a:lnSpc>
@@ -543,7 +566,7 @@
         <a:srgbClr val="000000"/>
       </a:buClr>
       <a:buFont typeface="Arial"/>
-      <a:defRPr b="0" i="0" sz="1400" u="none" cap="none" strike="noStrike">
+      <a:defRPr sz="1400" b="0" i="0" u="none" strike="noStrike" cap="none">
         <a:solidFill>
           <a:srgbClr val="000000"/>
         </a:solidFill>
@@ -553,7 +576,7 @@
         <a:sym typeface="Arial"/>
       </a:defRPr>
     </a:lvl3pPr>
-    <a:lvl4pPr lvl="3" marR="0" rtl="0" algn="l">
+    <a:lvl4pPr marR="0" lvl="3" algn="l" rtl="0">
       <a:lnSpc>
         <a:spcPct val="100000"/>
       </a:lnSpc>
@@ -567,7 +590,7 @@
         <a:srgbClr val="000000"/>
       </a:buClr>
       <a:buFont typeface="Arial"/>
-      <a:defRPr b="0" i="0" sz="1400" u="none" cap="none" strike="noStrike">
+      <a:defRPr sz="1400" b="0" i="0" u="none" strike="noStrike" cap="none">
         <a:solidFill>
           <a:srgbClr val="000000"/>
         </a:solidFill>
@@ -577,7 +600,7 @@
         <a:sym typeface="Arial"/>
       </a:defRPr>
     </a:lvl4pPr>
-    <a:lvl5pPr lvl="4" marR="0" rtl="0" algn="l">
+    <a:lvl5pPr marR="0" lvl="4" algn="l" rtl="0">
       <a:lnSpc>
         <a:spcPct val="100000"/>
       </a:lnSpc>
@@ -591,7 +614,7 @@
         <a:srgbClr val="000000"/>
       </a:buClr>
       <a:buFont typeface="Arial"/>
-      <a:defRPr b="0" i="0" sz="1400" u="none" cap="none" strike="noStrike">
+      <a:defRPr sz="1400" b="0" i="0" u="none" strike="noStrike" cap="none">
         <a:solidFill>
           <a:srgbClr val="000000"/>
         </a:solidFill>
@@ -601,7 +624,7 @@
         <a:sym typeface="Arial"/>
       </a:defRPr>
     </a:lvl5pPr>
-    <a:lvl6pPr lvl="5" marR="0" rtl="0" algn="l">
+    <a:lvl6pPr marR="0" lvl="5" algn="l" rtl="0">
       <a:lnSpc>
         <a:spcPct val="100000"/>
       </a:lnSpc>
@@ -615,7 +638,7 @@
         <a:srgbClr val="000000"/>
       </a:buClr>
       <a:buFont typeface="Arial"/>
-      <a:defRPr b="0" i="0" sz="1400" u="none" cap="none" strike="noStrike">
+      <a:defRPr sz="1400" b="0" i="0" u="none" strike="noStrike" cap="none">
         <a:solidFill>
           <a:srgbClr val="000000"/>
         </a:solidFill>
@@ -625,7 +648,7 @@
         <a:sym typeface="Arial"/>
       </a:defRPr>
     </a:lvl6pPr>
-    <a:lvl7pPr lvl="6" marR="0" rtl="0" algn="l">
+    <a:lvl7pPr marR="0" lvl="6" algn="l" rtl="0">
       <a:lnSpc>
         <a:spcPct val="100000"/>
       </a:lnSpc>
@@ -639,7 +662,7 @@
         <a:srgbClr val="000000"/>
       </a:buClr>
       <a:buFont typeface="Arial"/>
-      <a:defRPr b="0" i="0" sz="1400" u="none" cap="none" strike="noStrike">
+      <a:defRPr sz="1400" b="0" i="0" u="none" strike="noStrike" cap="none">
         <a:solidFill>
           <a:srgbClr val="000000"/>
         </a:solidFill>
@@ -649,7 +672,7 @@
         <a:sym typeface="Arial"/>
       </a:defRPr>
     </a:lvl7pPr>
-    <a:lvl8pPr lvl="7" marR="0" rtl="0" algn="l">
+    <a:lvl8pPr marR="0" lvl="7" algn="l" rtl="0">
       <a:lnSpc>
         <a:spcPct val="100000"/>
       </a:lnSpc>
@@ -663,7 +686,7 @@
         <a:srgbClr val="000000"/>
       </a:buClr>
       <a:buFont typeface="Arial"/>
-      <a:defRPr b="0" i="0" sz="1400" u="none" cap="none" strike="noStrike">
+      <a:defRPr sz="1400" b="0" i="0" u="none" strike="noStrike" cap="none">
         <a:solidFill>
           <a:srgbClr val="000000"/>
         </a:solidFill>
@@ -673,7 +696,7 @@
         <a:sym typeface="Arial"/>
       </a:defRPr>
     </a:lvl8pPr>
-    <a:lvl9pPr lvl="8" marR="0" rtl="0" algn="l">
+    <a:lvl9pPr marR="0" lvl="8" algn="l" rtl="0">
       <a:lnSpc>
         <a:spcPct val="100000"/>
       </a:lnSpc>
@@ -687,7 +710,7 @@
         <a:srgbClr val="000000"/>
       </a:buClr>
       <a:buFont typeface="Arial"/>
-      <a:defRPr b="0" i="0" sz="1400" u="none" cap="none" strike="noStrike">
+      <a:defRPr sz="1400" b="0" i="0" u="none" strike="noStrike" cap="none">
         <a:solidFill>
           <a:srgbClr val="000000"/>
         </a:solidFill>
@@ -702,11 +725,11 @@
 </file>
 
 <file path=ppt/notesSlides/notesSlide1.xml><?xml version="1.0" encoding="utf-8"?>
-<p:notes xmlns:a="http://schemas.openxmlformats.org/drawingml/2006/main" xmlns:r="http://schemas.openxmlformats.org/officeDocument/2006/relationships" xmlns:mc="http://schemas.openxmlformats.org/markup-compatibility/2006" xmlns:mv="urn:schemas-microsoft-com:mac:vml" xmlns:p="http://schemas.openxmlformats.org/presentationml/2006/main" xmlns:c="http://schemas.openxmlformats.org/drawingml/2006/chart" xmlns:dgm="http://schemas.openxmlformats.org/drawingml/2006/diagram" xmlns:o="urn:schemas-microsoft-com:office:office" xmlns:v="urn:schemas-microsoft-com:vml" xmlns:pvml="urn:schemas-microsoft-com:office:powerpoint" xmlns:com="http://schemas.openxmlformats.org/drawingml/2006/compatibility" xmlns:p14="http://schemas.microsoft.com/office/powerpoint/2010/main" xmlns:p15="http://schemas.microsoft.com/office/powerpoint/2012/main" xmlns:ahyp="http://schemas.microsoft.com/office/drawing/2018/hyperlinkcolor" showMasterPhAnim="0" showMasterSp="0">
+<p:notes xmlns:a="http://schemas.openxmlformats.org/drawingml/2006/main" xmlns:r="http://schemas.openxmlformats.org/officeDocument/2006/relationships" xmlns:p="http://schemas.openxmlformats.org/presentationml/2006/main" showMasterSp="0" showMasterPhAnim="0">
   <p:cSld>
     <p:spTree>
       <p:nvGrpSpPr>
-        <p:cNvPr id="50" name="Shape 50"/>
+        <p:cNvPr id="1" name="Shape 50"/>
         <p:cNvGrpSpPr/>
         <p:nvPr/>
       </p:nvGrpSpPr>
@@ -721,20 +744,26 @@
       <p:sp>
         <p:nvSpPr>
           <p:cNvPr id="51" name="Google Shape;51;p:notes"/>
-          <p:cNvSpPr/>
+          <p:cNvSpPr>
+            <a:spLocks noGrp="1" noRot="1" noChangeAspect="1"/>
+          </p:cNvSpPr>
           <p:nvPr>
-            <p:ph idx="2" type="sldImg"/>
+            <p:ph type="sldImg" idx="2"/>
           </p:nvPr>
         </p:nvSpPr>
         <p:spPr>
           <a:xfrm>
-            <a:off x="381300" y="685800"/>
-            <a:ext cx="6096075" cy="3429000"/>
+            <a:off x="381000" y="685800"/>
+            <a:ext cx="6096000" cy="3429000"/>
           </a:xfrm>
           <a:custGeom>
-            <a:rect b="b" l="l" r="r" t="t"/>
+            <a:avLst/>
+            <a:gdLst/>
+            <a:ahLst/>
+            <a:cxnLst/>
+            <a:rect l="l" t="t" r="r" b="b"/>
             <a:pathLst>
-              <a:path extrusionOk="0" h="120000" w="120000">
+              <a:path w="120000" h="120000" extrusionOk="0">
                 <a:moveTo>
                   <a:pt x="0" y="0"/>
                 </a:moveTo>
@@ -756,9 +785,11 @@
       <p:sp>
         <p:nvSpPr>
           <p:cNvPr id="52" name="Google Shape;52;p:notes"/>
-          <p:cNvSpPr txBox="1"/>
+          <p:cNvSpPr txBox="1">
+            <a:spLocks noGrp="1"/>
+          </p:cNvSpPr>
           <p:nvPr>
-            <p:ph idx="1" type="body"/>
+            <p:ph type="body" idx="1"/>
           </p:nvPr>
         </p:nvSpPr>
         <p:spPr>
@@ -771,12 +802,12 @@
           </a:prstGeom>
         </p:spPr>
         <p:txBody>
-          <a:bodyPr anchorCtr="0" anchor="t" bIns="91425" lIns="91425" spcFirstLastPara="1" rIns="91425" wrap="square" tIns="91425">
+          <a:bodyPr spcFirstLastPara="1" wrap="square" lIns="91425" tIns="91425" rIns="91425" bIns="91425" anchor="t" anchorCtr="0">
             <a:noAutofit/>
           </a:bodyPr>
           <a:lstStyle/>
           <a:p>
-            <a:pPr indent="0" lvl="0" marL="0" rtl="0" algn="l">
+            <a:pPr marL="0" lvl="0" indent="0" algn="l" rtl="0">
               <a:spcBef>
                 <a:spcPts val="0"/>
               </a:spcBef>
@@ -785,9 +816,6 @@
               </a:spcAft>
               <a:buNone/>
             </a:pPr>
-            <a:r>
-              <a:t/>
-            </a:r>
             <a:endParaRPr/>
           </a:p>
         </p:txBody>
@@ -801,11 +829,11 @@
 </file>
 
 <file path=ppt/notesSlides/notesSlide10.xml><?xml version="1.0" encoding="utf-8"?>
-<p:notes xmlns:a="http://schemas.openxmlformats.org/drawingml/2006/main" xmlns:r="http://schemas.openxmlformats.org/officeDocument/2006/relationships" xmlns:mc="http://schemas.openxmlformats.org/markup-compatibility/2006" xmlns:mv="urn:schemas-microsoft-com:mac:vml" xmlns:p="http://schemas.openxmlformats.org/presentationml/2006/main" xmlns:c="http://schemas.openxmlformats.org/drawingml/2006/chart" xmlns:dgm="http://schemas.openxmlformats.org/drawingml/2006/diagram" xmlns:o="urn:schemas-microsoft-com:office:office" xmlns:v="urn:schemas-microsoft-com:vml" xmlns:pvml="urn:schemas-microsoft-com:office:powerpoint" xmlns:com="http://schemas.openxmlformats.org/drawingml/2006/compatibility" xmlns:p14="http://schemas.microsoft.com/office/powerpoint/2010/main" xmlns:p15="http://schemas.microsoft.com/office/powerpoint/2012/main" xmlns:ahyp="http://schemas.microsoft.com/office/drawing/2018/hyperlinkcolor" showMasterPhAnim="0" showMasterSp="0">
+<p:notes xmlns:a="http://schemas.openxmlformats.org/drawingml/2006/main" xmlns:r="http://schemas.openxmlformats.org/officeDocument/2006/relationships" xmlns:p="http://schemas.openxmlformats.org/presentationml/2006/main" showMasterSp="0" showMasterPhAnim="0">
   <p:cSld>
     <p:spTree>
       <p:nvGrpSpPr>
-        <p:cNvPr id="107" name="Shape 107"/>
+        <p:cNvPr id="1" name="Shape 107"/>
         <p:cNvGrpSpPr/>
         <p:nvPr/>
       </p:nvGrpSpPr>
@@ -820,20 +848,26 @@
       <p:sp>
         <p:nvSpPr>
           <p:cNvPr id="108" name="Google Shape;108;g3a3b52e892d_3_0:notes"/>
-          <p:cNvSpPr/>
+          <p:cNvSpPr>
+            <a:spLocks noGrp="1" noRot="1" noChangeAspect="1"/>
+          </p:cNvSpPr>
           <p:nvPr>
-            <p:ph idx="2" type="sldImg"/>
+            <p:ph type="sldImg" idx="2"/>
           </p:nvPr>
         </p:nvSpPr>
         <p:spPr>
           <a:xfrm>
-            <a:off x="381300" y="685800"/>
+            <a:off x="381000" y="685800"/>
             <a:ext cx="6096000" cy="3429000"/>
           </a:xfrm>
           <a:custGeom>
-            <a:rect b="b" l="l" r="r" t="t"/>
+            <a:avLst/>
+            <a:gdLst/>
+            <a:ahLst/>
+            <a:cxnLst/>
+            <a:rect l="l" t="t" r="r" b="b"/>
             <a:pathLst>
-              <a:path extrusionOk="0" h="120000" w="120000">
+              <a:path w="120000" h="120000" extrusionOk="0">
                 <a:moveTo>
                   <a:pt x="0" y="0"/>
                 </a:moveTo>
@@ -855,9 +889,11 @@
       <p:sp>
         <p:nvSpPr>
           <p:cNvPr id="109" name="Google Shape;109;g3a3b52e892d_3_0:notes"/>
-          <p:cNvSpPr txBox="1"/>
+          <p:cNvSpPr txBox="1">
+            <a:spLocks noGrp="1"/>
+          </p:cNvSpPr>
           <p:nvPr>
-            <p:ph idx="1" type="body"/>
+            <p:ph type="body" idx="1"/>
           </p:nvPr>
         </p:nvSpPr>
         <p:spPr>
@@ -870,12 +906,12 @@
           </a:prstGeom>
         </p:spPr>
         <p:txBody>
-          <a:bodyPr anchorCtr="0" anchor="t" bIns="91425" lIns="91425" spcFirstLastPara="1" rIns="91425" wrap="square" tIns="91425">
+          <a:bodyPr spcFirstLastPara="1" wrap="square" lIns="91425" tIns="91425" rIns="91425" bIns="91425" anchor="t" anchorCtr="0">
             <a:noAutofit/>
           </a:bodyPr>
           <a:lstStyle/>
           <a:p>
-            <a:pPr indent="0" lvl="0" marL="0" rtl="0" algn="l">
+            <a:pPr marL="0" lvl="0" indent="0" algn="l" rtl="0">
               <a:spcBef>
                 <a:spcPts val="0"/>
               </a:spcBef>
@@ -884,9 +920,6 @@
               </a:spcAft>
               <a:buNone/>
             </a:pPr>
-            <a:r>
-              <a:t/>
-            </a:r>
             <a:endParaRPr/>
           </a:p>
         </p:txBody>
@@ -900,11 +933,11 @@
 </file>
 
 <file path=ppt/notesSlides/notesSlide11.xml><?xml version="1.0" encoding="utf-8"?>
-<p:notes xmlns:a="http://schemas.openxmlformats.org/drawingml/2006/main" xmlns:r="http://schemas.openxmlformats.org/officeDocument/2006/relationships" xmlns:mc="http://schemas.openxmlformats.org/markup-compatibility/2006" xmlns:mv="urn:schemas-microsoft-com:mac:vml" xmlns:p="http://schemas.openxmlformats.org/presentationml/2006/main" xmlns:c="http://schemas.openxmlformats.org/drawingml/2006/chart" xmlns:dgm="http://schemas.openxmlformats.org/drawingml/2006/diagram" xmlns:o="urn:schemas-microsoft-com:office:office" xmlns:v="urn:schemas-microsoft-com:vml" xmlns:pvml="urn:schemas-microsoft-com:office:powerpoint" xmlns:com="http://schemas.openxmlformats.org/drawingml/2006/compatibility" xmlns:p14="http://schemas.microsoft.com/office/powerpoint/2010/main" xmlns:p15="http://schemas.microsoft.com/office/powerpoint/2012/main" xmlns:ahyp="http://schemas.microsoft.com/office/drawing/2018/hyperlinkcolor" showMasterPhAnim="0" showMasterSp="0">
+<p:notes xmlns:a="http://schemas.openxmlformats.org/drawingml/2006/main" xmlns:r="http://schemas.openxmlformats.org/officeDocument/2006/relationships" xmlns:p="http://schemas.openxmlformats.org/presentationml/2006/main" showMasterSp="0" showMasterPhAnim="0">
   <p:cSld>
     <p:spTree>
       <p:nvGrpSpPr>
-        <p:cNvPr id="114" name="Shape 114"/>
+        <p:cNvPr id="1" name="Shape 114"/>
         <p:cNvGrpSpPr/>
         <p:nvPr/>
       </p:nvGrpSpPr>
@@ -919,20 +952,26 @@
       <p:sp>
         <p:nvSpPr>
           <p:cNvPr id="115" name="Google Shape;115;g3a3b52e892d_3_5:notes"/>
-          <p:cNvSpPr/>
+          <p:cNvSpPr>
+            <a:spLocks noGrp="1" noRot="1" noChangeAspect="1"/>
+          </p:cNvSpPr>
           <p:nvPr>
-            <p:ph idx="2" type="sldImg"/>
+            <p:ph type="sldImg" idx="2"/>
           </p:nvPr>
         </p:nvSpPr>
         <p:spPr>
           <a:xfrm>
-            <a:off x="381300" y="685800"/>
+            <a:off x="381000" y="685800"/>
             <a:ext cx="6096000" cy="3429000"/>
           </a:xfrm>
           <a:custGeom>
-            <a:rect b="b" l="l" r="r" t="t"/>
+            <a:avLst/>
+            <a:gdLst/>
+            <a:ahLst/>
+            <a:cxnLst/>
+            <a:rect l="l" t="t" r="r" b="b"/>
             <a:pathLst>
-              <a:path extrusionOk="0" h="120000" w="120000">
+              <a:path w="120000" h="120000" extrusionOk="0">
                 <a:moveTo>
                   <a:pt x="0" y="0"/>
                 </a:moveTo>
@@ -954,9 +993,11 @@
       <p:sp>
         <p:nvSpPr>
           <p:cNvPr id="116" name="Google Shape;116;g3a3b52e892d_3_5:notes"/>
-          <p:cNvSpPr txBox="1"/>
+          <p:cNvSpPr txBox="1">
+            <a:spLocks noGrp="1"/>
+          </p:cNvSpPr>
           <p:nvPr>
-            <p:ph idx="1" type="body"/>
+            <p:ph type="body" idx="1"/>
           </p:nvPr>
         </p:nvSpPr>
         <p:spPr>
@@ -969,12 +1010,12 @@
           </a:prstGeom>
         </p:spPr>
         <p:txBody>
-          <a:bodyPr anchorCtr="0" anchor="t" bIns="91425" lIns="91425" spcFirstLastPara="1" rIns="91425" wrap="square" tIns="91425">
+          <a:bodyPr spcFirstLastPara="1" wrap="square" lIns="91425" tIns="91425" rIns="91425" bIns="91425" anchor="t" anchorCtr="0">
             <a:noAutofit/>
           </a:bodyPr>
           <a:lstStyle/>
           <a:p>
-            <a:pPr indent="0" lvl="0" marL="0" rtl="0" algn="l">
+            <a:pPr marL="0" lvl="0" indent="0" algn="l" rtl="0">
               <a:spcBef>
                 <a:spcPts val="0"/>
               </a:spcBef>
@@ -983,9 +1024,6 @@
               </a:spcAft>
               <a:buNone/>
             </a:pPr>
-            <a:r>
-              <a:t/>
-            </a:r>
             <a:endParaRPr/>
           </a:p>
         </p:txBody>
@@ -999,11 +1037,11 @@
 </file>
 
 <file path=ppt/notesSlides/notesSlide12.xml><?xml version="1.0" encoding="utf-8"?>
-<p:notes xmlns:a="http://schemas.openxmlformats.org/drawingml/2006/main" xmlns:r="http://schemas.openxmlformats.org/officeDocument/2006/relationships" xmlns:mc="http://schemas.openxmlformats.org/markup-compatibility/2006" xmlns:mv="urn:schemas-microsoft-com:mac:vml" xmlns:p="http://schemas.openxmlformats.org/presentationml/2006/main" xmlns:c="http://schemas.openxmlformats.org/drawingml/2006/chart" xmlns:dgm="http://schemas.openxmlformats.org/drawingml/2006/diagram" xmlns:o="urn:schemas-microsoft-com:office:office" xmlns:v="urn:schemas-microsoft-com:vml" xmlns:pvml="urn:schemas-microsoft-com:office:powerpoint" xmlns:com="http://schemas.openxmlformats.org/drawingml/2006/compatibility" xmlns:p14="http://schemas.microsoft.com/office/powerpoint/2010/main" xmlns:p15="http://schemas.microsoft.com/office/powerpoint/2012/main" xmlns:ahyp="http://schemas.microsoft.com/office/drawing/2018/hyperlinkcolor" showMasterPhAnim="0" showMasterSp="0">
+<p:notes xmlns:a="http://schemas.openxmlformats.org/drawingml/2006/main" xmlns:r="http://schemas.openxmlformats.org/officeDocument/2006/relationships" xmlns:p="http://schemas.openxmlformats.org/presentationml/2006/main" showMasterSp="0" showMasterPhAnim="0">
   <p:cSld>
     <p:spTree>
       <p:nvGrpSpPr>
-        <p:cNvPr id="122" name="Shape 122"/>
+        <p:cNvPr id="1" name="Shape 122"/>
         <p:cNvGrpSpPr/>
         <p:nvPr/>
       </p:nvGrpSpPr>
@@ -1018,20 +1056,26 @@
       <p:sp>
         <p:nvSpPr>
           <p:cNvPr id="123" name="Google Shape;123;g3a3b52e892d_3_10:notes"/>
-          <p:cNvSpPr/>
+          <p:cNvSpPr>
+            <a:spLocks noGrp="1" noRot="1" noChangeAspect="1"/>
+          </p:cNvSpPr>
           <p:nvPr>
-            <p:ph idx="2" type="sldImg"/>
+            <p:ph type="sldImg" idx="2"/>
           </p:nvPr>
         </p:nvSpPr>
         <p:spPr>
           <a:xfrm>
-            <a:off x="381300" y="685800"/>
+            <a:off x="381000" y="685800"/>
             <a:ext cx="6096000" cy="3429000"/>
           </a:xfrm>
           <a:custGeom>
-            <a:rect b="b" l="l" r="r" t="t"/>
+            <a:avLst/>
+            <a:gdLst/>
+            <a:ahLst/>
+            <a:cxnLst/>
+            <a:rect l="l" t="t" r="r" b="b"/>
             <a:pathLst>
-              <a:path extrusionOk="0" h="120000" w="120000">
+              <a:path w="120000" h="120000" extrusionOk="0">
                 <a:moveTo>
                   <a:pt x="0" y="0"/>
                 </a:moveTo>
@@ -1053,9 +1097,11 @@
       <p:sp>
         <p:nvSpPr>
           <p:cNvPr id="124" name="Google Shape;124;g3a3b52e892d_3_10:notes"/>
-          <p:cNvSpPr txBox="1"/>
+          <p:cNvSpPr txBox="1">
+            <a:spLocks noGrp="1"/>
+          </p:cNvSpPr>
           <p:nvPr>
-            <p:ph idx="1" type="body"/>
+            <p:ph type="body" idx="1"/>
           </p:nvPr>
         </p:nvSpPr>
         <p:spPr>
@@ -1068,12 +1114,12 @@
           </a:prstGeom>
         </p:spPr>
         <p:txBody>
-          <a:bodyPr anchorCtr="0" anchor="t" bIns="91425" lIns="91425" spcFirstLastPara="1" rIns="91425" wrap="square" tIns="91425">
+          <a:bodyPr spcFirstLastPara="1" wrap="square" lIns="91425" tIns="91425" rIns="91425" bIns="91425" anchor="t" anchorCtr="0">
             <a:noAutofit/>
           </a:bodyPr>
           <a:lstStyle/>
           <a:p>
-            <a:pPr indent="0" lvl="0" marL="0" rtl="0" algn="l">
+            <a:pPr marL="0" lvl="0" indent="0" algn="l" rtl="0">
               <a:spcBef>
                 <a:spcPts val="0"/>
               </a:spcBef>
@@ -1082,9 +1128,6 @@
               </a:spcAft>
               <a:buNone/>
             </a:pPr>
-            <a:r>
-              <a:t/>
-            </a:r>
             <a:endParaRPr/>
           </a:p>
         </p:txBody>
@@ -1098,11 +1141,11 @@
 </file>
 
 <file path=ppt/notesSlides/notesSlide13.xml><?xml version="1.0" encoding="utf-8"?>
-<p:notes xmlns:a="http://schemas.openxmlformats.org/drawingml/2006/main" xmlns:r="http://schemas.openxmlformats.org/officeDocument/2006/relationships" xmlns:mc="http://schemas.openxmlformats.org/markup-compatibility/2006" xmlns:mv="urn:schemas-microsoft-com:mac:vml" xmlns:p="http://schemas.openxmlformats.org/presentationml/2006/main" xmlns:c="http://schemas.openxmlformats.org/drawingml/2006/chart" xmlns:dgm="http://schemas.openxmlformats.org/drawingml/2006/diagram" xmlns:o="urn:schemas-microsoft-com:office:office" xmlns:v="urn:schemas-microsoft-com:vml" xmlns:pvml="urn:schemas-microsoft-com:office:powerpoint" xmlns:com="http://schemas.openxmlformats.org/drawingml/2006/compatibility" xmlns:p14="http://schemas.microsoft.com/office/powerpoint/2010/main" xmlns:p15="http://schemas.microsoft.com/office/powerpoint/2012/main" xmlns:ahyp="http://schemas.microsoft.com/office/drawing/2018/hyperlinkcolor" showMasterPhAnim="0" showMasterSp="0">
+<p:notes xmlns:a="http://schemas.openxmlformats.org/drawingml/2006/main" xmlns:r="http://schemas.openxmlformats.org/officeDocument/2006/relationships" xmlns:p="http://schemas.openxmlformats.org/presentationml/2006/main" showMasterSp="0" showMasterPhAnim="0">
   <p:cSld>
     <p:spTree>
       <p:nvGrpSpPr>
-        <p:cNvPr id="128" name="Shape 128"/>
+        <p:cNvPr id="1" name="Shape 128"/>
         <p:cNvGrpSpPr/>
         <p:nvPr/>
       </p:nvGrpSpPr>
@@ -1117,20 +1160,26 @@
       <p:sp>
         <p:nvSpPr>
           <p:cNvPr id="129" name="Google Shape;129;g3a3b52e892d_3_15:notes"/>
-          <p:cNvSpPr/>
+          <p:cNvSpPr>
+            <a:spLocks noGrp="1" noRot="1" noChangeAspect="1"/>
+          </p:cNvSpPr>
           <p:nvPr>
-            <p:ph idx="2" type="sldImg"/>
+            <p:ph type="sldImg" idx="2"/>
           </p:nvPr>
         </p:nvSpPr>
         <p:spPr>
           <a:xfrm>
-            <a:off x="381300" y="685800"/>
+            <a:off x="381000" y="685800"/>
             <a:ext cx="6096000" cy="3429000"/>
           </a:xfrm>
           <a:custGeom>
-            <a:rect b="b" l="l" r="r" t="t"/>
+            <a:avLst/>
+            <a:gdLst/>
+            <a:ahLst/>
+            <a:cxnLst/>
+            <a:rect l="l" t="t" r="r" b="b"/>
             <a:pathLst>
-              <a:path extrusionOk="0" h="120000" w="120000">
+              <a:path w="120000" h="120000" extrusionOk="0">
                 <a:moveTo>
                   <a:pt x="0" y="0"/>
                 </a:moveTo>
@@ -1152,9 +1201,11 @@
       <p:sp>
         <p:nvSpPr>
           <p:cNvPr id="130" name="Google Shape;130;g3a3b52e892d_3_15:notes"/>
-          <p:cNvSpPr txBox="1"/>
+          <p:cNvSpPr txBox="1">
+            <a:spLocks noGrp="1"/>
+          </p:cNvSpPr>
           <p:nvPr>
-            <p:ph idx="1" type="body"/>
+            <p:ph type="body" idx="1"/>
           </p:nvPr>
         </p:nvSpPr>
         <p:spPr>
@@ -1167,12 +1218,12 @@
           </a:prstGeom>
         </p:spPr>
         <p:txBody>
-          <a:bodyPr anchorCtr="0" anchor="t" bIns="91425" lIns="91425" spcFirstLastPara="1" rIns="91425" wrap="square" tIns="91425">
+          <a:bodyPr spcFirstLastPara="1" wrap="square" lIns="91425" tIns="91425" rIns="91425" bIns="91425" anchor="t" anchorCtr="0">
             <a:noAutofit/>
           </a:bodyPr>
           <a:lstStyle/>
           <a:p>
-            <a:pPr indent="0" lvl="0" marL="0" rtl="0" algn="l">
+            <a:pPr marL="0" lvl="0" indent="0" algn="l" rtl="0">
               <a:spcBef>
                 <a:spcPts val="0"/>
               </a:spcBef>
@@ -1181,9 +1232,6 @@
               </a:spcAft>
               <a:buNone/>
             </a:pPr>
-            <a:r>
-              <a:t/>
-            </a:r>
             <a:endParaRPr/>
           </a:p>
         </p:txBody>
@@ -1197,11 +1245,11 @@
 </file>
 
 <file path=ppt/notesSlides/notesSlide14.xml><?xml version="1.0" encoding="utf-8"?>
-<p:notes xmlns:a="http://schemas.openxmlformats.org/drawingml/2006/main" xmlns:r="http://schemas.openxmlformats.org/officeDocument/2006/relationships" xmlns:mc="http://schemas.openxmlformats.org/markup-compatibility/2006" xmlns:mv="urn:schemas-microsoft-com:mac:vml" xmlns:p="http://schemas.openxmlformats.org/presentationml/2006/main" xmlns:c="http://schemas.openxmlformats.org/drawingml/2006/chart" xmlns:dgm="http://schemas.openxmlformats.org/drawingml/2006/diagram" xmlns:o="urn:schemas-microsoft-com:office:office" xmlns:v="urn:schemas-microsoft-com:vml" xmlns:pvml="urn:schemas-microsoft-com:office:powerpoint" xmlns:com="http://schemas.openxmlformats.org/drawingml/2006/compatibility" xmlns:p14="http://schemas.microsoft.com/office/powerpoint/2010/main" xmlns:p15="http://schemas.microsoft.com/office/powerpoint/2012/main" xmlns:ahyp="http://schemas.microsoft.com/office/drawing/2018/hyperlinkcolor" showMasterPhAnim="0" showMasterSp="0">
+<p:notes xmlns:a="http://schemas.openxmlformats.org/drawingml/2006/main" xmlns:r="http://schemas.openxmlformats.org/officeDocument/2006/relationships" xmlns:p="http://schemas.openxmlformats.org/presentationml/2006/main" showMasterSp="0" showMasterPhAnim="0">
   <p:cSld>
     <p:spTree>
       <p:nvGrpSpPr>
-        <p:cNvPr id="135" name="Shape 135"/>
+        <p:cNvPr id="1" name="Shape 135"/>
         <p:cNvGrpSpPr/>
         <p:nvPr/>
       </p:nvGrpSpPr>
@@ -1216,20 +1264,26 @@
       <p:sp>
         <p:nvSpPr>
           <p:cNvPr id="136" name="Google Shape;136;g3a3b52e892d_6_6:notes"/>
-          <p:cNvSpPr/>
+          <p:cNvSpPr>
+            <a:spLocks noGrp="1" noRot="1" noChangeAspect="1"/>
+          </p:cNvSpPr>
           <p:nvPr>
-            <p:ph idx="2" type="sldImg"/>
+            <p:ph type="sldImg" idx="2"/>
           </p:nvPr>
         </p:nvSpPr>
         <p:spPr>
           <a:xfrm>
-            <a:off x="381300" y="685800"/>
+            <a:off x="381000" y="685800"/>
             <a:ext cx="6096000" cy="3429000"/>
           </a:xfrm>
           <a:custGeom>
-            <a:rect b="b" l="l" r="r" t="t"/>
+            <a:avLst/>
+            <a:gdLst/>
+            <a:ahLst/>
+            <a:cxnLst/>
+            <a:rect l="l" t="t" r="r" b="b"/>
             <a:pathLst>
-              <a:path extrusionOk="0" h="120000" w="120000">
+              <a:path w="120000" h="120000" extrusionOk="0">
                 <a:moveTo>
                   <a:pt x="0" y="0"/>
                 </a:moveTo>
@@ -1251,9 +1305,11 @@
       <p:sp>
         <p:nvSpPr>
           <p:cNvPr id="137" name="Google Shape;137;g3a3b52e892d_6_6:notes"/>
-          <p:cNvSpPr txBox="1"/>
+          <p:cNvSpPr txBox="1">
+            <a:spLocks noGrp="1"/>
+          </p:cNvSpPr>
           <p:nvPr>
-            <p:ph idx="1" type="body"/>
+            <p:ph type="body" idx="1"/>
           </p:nvPr>
         </p:nvSpPr>
         <p:spPr>
@@ -1266,12 +1322,12 @@
           </a:prstGeom>
         </p:spPr>
         <p:txBody>
-          <a:bodyPr anchorCtr="0" anchor="t" bIns="91425" lIns="91425" spcFirstLastPara="1" rIns="91425" wrap="square" tIns="91425">
+          <a:bodyPr spcFirstLastPara="1" wrap="square" lIns="91425" tIns="91425" rIns="91425" bIns="91425" anchor="t" anchorCtr="0">
             <a:noAutofit/>
           </a:bodyPr>
           <a:lstStyle/>
           <a:p>
-            <a:pPr indent="0" lvl="0" marL="0" rtl="0" algn="l">
+            <a:pPr marL="0" lvl="0" indent="0" algn="l" rtl="0">
               <a:spcBef>
                 <a:spcPts val="0"/>
               </a:spcBef>
@@ -1280,9 +1336,6 @@
               </a:spcAft>
               <a:buNone/>
             </a:pPr>
-            <a:r>
-              <a:t/>
-            </a:r>
             <a:endParaRPr/>
           </a:p>
         </p:txBody>
@@ -1296,11 +1349,11 @@
 </file>
 
 <file path=ppt/notesSlides/notesSlide15.xml><?xml version="1.0" encoding="utf-8"?>
-<p:notes xmlns:a="http://schemas.openxmlformats.org/drawingml/2006/main" xmlns:r="http://schemas.openxmlformats.org/officeDocument/2006/relationships" xmlns:mc="http://schemas.openxmlformats.org/markup-compatibility/2006" xmlns:mv="urn:schemas-microsoft-com:mac:vml" xmlns:p="http://schemas.openxmlformats.org/presentationml/2006/main" xmlns:c="http://schemas.openxmlformats.org/drawingml/2006/chart" xmlns:dgm="http://schemas.openxmlformats.org/drawingml/2006/diagram" xmlns:o="urn:schemas-microsoft-com:office:office" xmlns:v="urn:schemas-microsoft-com:vml" xmlns:pvml="urn:schemas-microsoft-com:office:powerpoint" xmlns:com="http://schemas.openxmlformats.org/drawingml/2006/compatibility" xmlns:p14="http://schemas.microsoft.com/office/powerpoint/2010/main" xmlns:p15="http://schemas.microsoft.com/office/powerpoint/2012/main" xmlns:ahyp="http://schemas.microsoft.com/office/drawing/2018/hyperlinkcolor" showMasterPhAnim="0" showMasterSp="0">
+<p:notes xmlns:a="http://schemas.openxmlformats.org/drawingml/2006/main" xmlns:r="http://schemas.openxmlformats.org/officeDocument/2006/relationships" xmlns:p="http://schemas.openxmlformats.org/presentationml/2006/main" showMasterSp="0" showMasterPhAnim="0">
   <p:cSld>
     <p:spTree>
       <p:nvGrpSpPr>
-        <p:cNvPr id="141" name="Shape 141"/>
+        <p:cNvPr id="1" name="Shape 141"/>
         <p:cNvGrpSpPr/>
         <p:nvPr/>
       </p:nvGrpSpPr>
@@ -1315,20 +1368,26 @@
       <p:sp>
         <p:nvSpPr>
           <p:cNvPr id="142" name="Google Shape;142;g3a3b52e892d_6_11:notes"/>
-          <p:cNvSpPr/>
+          <p:cNvSpPr>
+            <a:spLocks noGrp="1" noRot="1" noChangeAspect="1"/>
+          </p:cNvSpPr>
           <p:nvPr>
-            <p:ph idx="2" type="sldImg"/>
+            <p:ph type="sldImg" idx="2"/>
           </p:nvPr>
         </p:nvSpPr>
         <p:spPr>
           <a:xfrm>
-            <a:off x="381300" y="685800"/>
+            <a:off x="381000" y="685800"/>
             <a:ext cx="6096000" cy="3429000"/>
           </a:xfrm>
           <a:custGeom>
-            <a:rect b="b" l="l" r="r" t="t"/>
+            <a:avLst/>
+            <a:gdLst/>
+            <a:ahLst/>
+            <a:cxnLst/>
+            <a:rect l="l" t="t" r="r" b="b"/>
             <a:pathLst>
-              <a:path extrusionOk="0" h="120000" w="120000">
+              <a:path w="120000" h="120000" extrusionOk="0">
                 <a:moveTo>
                   <a:pt x="0" y="0"/>
                 </a:moveTo>
@@ -1350,9 +1409,11 @@
       <p:sp>
         <p:nvSpPr>
           <p:cNvPr id="143" name="Google Shape;143;g3a3b52e892d_6_11:notes"/>
-          <p:cNvSpPr txBox="1"/>
+          <p:cNvSpPr txBox="1">
+            <a:spLocks noGrp="1"/>
+          </p:cNvSpPr>
           <p:nvPr>
-            <p:ph idx="1" type="body"/>
+            <p:ph type="body" idx="1"/>
           </p:nvPr>
         </p:nvSpPr>
         <p:spPr>
@@ -1365,12 +1426,12 @@
           </a:prstGeom>
         </p:spPr>
         <p:txBody>
-          <a:bodyPr anchorCtr="0" anchor="t" bIns="91425" lIns="91425" spcFirstLastPara="1" rIns="91425" wrap="square" tIns="91425">
+          <a:bodyPr spcFirstLastPara="1" wrap="square" lIns="91425" tIns="91425" rIns="91425" bIns="91425" anchor="t" anchorCtr="0">
             <a:noAutofit/>
           </a:bodyPr>
           <a:lstStyle/>
           <a:p>
-            <a:pPr indent="0" lvl="0" marL="0" rtl="0" algn="l">
+            <a:pPr marL="0" lvl="0" indent="0" algn="l" rtl="0">
               <a:spcBef>
                 <a:spcPts val="0"/>
               </a:spcBef>
@@ -1379,9 +1440,6 @@
               </a:spcAft>
               <a:buNone/>
             </a:pPr>
-            <a:r>
-              <a:t/>
-            </a:r>
             <a:endParaRPr/>
           </a:p>
         </p:txBody>
@@ -1395,11 +1453,11 @@
 </file>
 
 <file path=ppt/notesSlides/notesSlide16.xml><?xml version="1.0" encoding="utf-8"?>
-<p:notes xmlns:a="http://schemas.openxmlformats.org/drawingml/2006/main" xmlns:r="http://schemas.openxmlformats.org/officeDocument/2006/relationships" xmlns:mc="http://schemas.openxmlformats.org/markup-compatibility/2006" xmlns:mv="urn:schemas-microsoft-com:mac:vml" xmlns:p="http://schemas.openxmlformats.org/presentationml/2006/main" xmlns:c="http://schemas.openxmlformats.org/drawingml/2006/chart" xmlns:dgm="http://schemas.openxmlformats.org/drawingml/2006/diagram" xmlns:o="urn:schemas-microsoft-com:office:office" xmlns:v="urn:schemas-microsoft-com:vml" xmlns:pvml="urn:schemas-microsoft-com:office:powerpoint" xmlns:com="http://schemas.openxmlformats.org/drawingml/2006/compatibility" xmlns:p14="http://schemas.microsoft.com/office/powerpoint/2010/main" xmlns:p15="http://schemas.microsoft.com/office/powerpoint/2012/main" xmlns:ahyp="http://schemas.microsoft.com/office/drawing/2018/hyperlinkcolor" showMasterPhAnim="0" showMasterSp="0">
+<p:notes xmlns:a="http://schemas.openxmlformats.org/drawingml/2006/main" xmlns:r="http://schemas.openxmlformats.org/officeDocument/2006/relationships" xmlns:p="http://schemas.openxmlformats.org/presentationml/2006/main" showMasterSp="0" showMasterPhAnim="0">
   <p:cSld>
     <p:spTree>
       <p:nvGrpSpPr>
-        <p:cNvPr id="147" name="Shape 147"/>
+        <p:cNvPr id="1" name="Shape 147"/>
         <p:cNvGrpSpPr/>
         <p:nvPr/>
       </p:nvGrpSpPr>
@@ -1414,20 +1472,26 @@
       <p:sp>
         <p:nvSpPr>
           <p:cNvPr id="148" name="Google Shape;148;g3a3b52e892d_6_19:notes"/>
-          <p:cNvSpPr/>
+          <p:cNvSpPr>
+            <a:spLocks noGrp="1" noRot="1" noChangeAspect="1"/>
+          </p:cNvSpPr>
           <p:nvPr>
-            <p:ph idx="2" type="sldImg"/>
+            <p:ph type="sldImg" idx="2"/>
           </p:nvPr>
         </p:nvSpPr>
         <p:spPr>
           <a:xfrm>
-            <a:off x="381300" y="685800"/>
+            <a:off x="381000" y="685800"/>
             <a:ext cx="6096000" cy="3429000"/>
           </a:xfrm>
           <a:custGeom>
-            <a:rect b="b" l="l" r="r" t="t"/>
+            <a:avLst/>
+            <a:gdLst/>
+            <a:ahLst/>
+            <a:cxnLst/>
+            <a:rect l="l" t="t" r="r" b="b"/>
             <a:pathLst>
-              <a:path extrusionOk="0" h="120000" w="120000">
+              <a:path w="120000" h="120000" extrusionOk="0">
                 <a:moveTo>
                   <a:pt x="0" y="0"/>
                 </a:moveTo>
@@ -1449,9 +1513,11 @@
       <p:sp>
         <p:nvSpPr>
           <p:cNvPr id="149" name="Google Shape;149;g3a3b52e892d_6_19:notes"/>
-          <p:cNvSpPr txBox="1"/>
+          <p:cNvSpPr txBox="1">
+            <a:spLocks noGrp="1"/>
+          </p:cNvSpPr>
           <p:nvPr>
-            <p:ph idx="1" type="body"/>
+            <p:ph type="body" idx="1"/>
           </p:nvPr>
         </p:nvSpPr>
         <p:spPr>
@@ -1464,12 +1530,12 @@
           </a:prstGeom>
         </p:spPr>
         <p:txBody>
-          <a:bodyPr anchorCtr="0" anchor="t" bIns="91425" lIns="91425" spcFirstLastPara="1" rIns="91425" wrap="square" tIns="91425">
+          <a:bodyPr spcFirstLastPara="1" wrap="square" lIns="91425" tIns="91425" rIns="91425" bIns="91425" anchor="t" anchorCtr="0">
             <a:noAutofit/>
           </a:bodyPr>
           <a:lstStyle/>
           <a:p>
-            <a:pPr indent="0" lvl="0" marL="0" rtl="0" algn="l">
+            <a:pPr marL="0" lvl="0" indent="0" algn="l" rtl="0">
               <a:spcBef>
                 <a:spcPts val="0"/>
               </a:spcBef>
@@ -1478,9 +1544,6 @@
               </a:spcAft>
               <a:buNone/>
             </a:pPr>
-            <a:r>
-              <a:t/>
-            </a:r>
             <a:endParaRPr/>
           </a:p>
         </p:txBody>
@@ -1494,11 +1557,11 @@
 </file>
 
 <file path=ppt/notesSlides/notesSlide2.xml><?xml version="1.0" encoding="utf-8"?>
-<p:notes xmlns:a="http://schemas.openxmlformats.org/drawingml/2006/main" xmlns:r="http://schemas.openxmlformats.org/officeDocument/2006/relationships" xmlns:mc="http://schemas.openxmlformats.org/markup-compatibility/2006" xmlns:mv="urn:schemas-microsoft-com:mac:vml" xmlns:p="http://schemas.openxmlformats.org/presentationml/2006/main" xmlns:c="http://schemas.openxmlformats.org/drawingml/2006/chart" xmlns:dgm="http://schemas.openxmlformats.org/drawingml/2006/diagram" xmlns:o="urn:schemas-microsoft-com:office:office" xmlns:v="urn:schemas-microsoft-com:vml" xmlns:pvml="urn:schemas-microsoft-com:office:powerpoint" xmlns:com="http://schemas.openxmlformats.org/drawingml/2006/compatibility" xmlns:p14="http://schemas.microsoft.com/office/powerpoint/2010/main" xmlns:p15="http://schemas.microsoft.com/office/powerpoint/2012/main" xmlns:ahyp="http://schemas.microsoft.com/office/drawing/2018/hyperlinkcolor" showMasterPhAnim="0" showMasterSp="0">
+<p:notes xmlns:a="http://schemas.openxmlformats.org/drawingml/2006/main" xmlns:r="http://schemas.openxmlformats.org/officeDocument/2006/relationships" xmlns:p="http://schemas.openxmlformats.org/presentationml/2006/main" showMasterSp="0" showMasterPhAnim="0">
   <p:cSld>
     <p:spTree>
       <p:nvGrpSpPr>
-        <p:cNvPr id="56" name="Shape 56"/>
+        <p:cNvPr id="1" name="Shape 56"/>
         <p:cNvGrpSpPr/>
         <p:nvPr/>
       </p:nvGrpSpPr>
@@ -1513,20 +1576,26 @@
       <p:sp>
         <p:nvSpPr>
           <p:cNvPr id="57" name="Google Shape;57;g3a808d2933a_0_0:notes"/>
-          <p:cNvSpPr/>
+          <p:cNvSpPr>
+            <a:spLocks noGrp="1" noRot="1" noChangeAspect="1"/>
+          </p:cNvSpPr>
           <p:nvPr>
-            <p:ph idx="2" type="sldImg"/>
+            <p:ph type="sldImg" idx="2"/>
           </p:nvPr>
         </p:nvSpPr>
         <p:spPr>
           <a:xfrm>
-            <a:off x="381300" y="685800"/>
+            <a:off x="381000" y="685800"/>
             <a:ext cx="6096000" cy="3429000"/>
           </a:xfrm>
           <a:custGeom>
-            <a:rect b="b" l="l" r="r" t="t"/>
+            <a:avLst/>
+            <a:gdLst/>
+            <a:ahLst/>
+            <a:cxnLst/>
+            <a:rect l="l" t="t" r="r" b="b"/>
             <a:pathLst>
-              <a:path extrusionOk="0" h="120000" w="120000">
+              <a:path w="120000" h="120000" extrusionOk="0">
                 <a:moveTo>
                   <a:pt x="0" y="0"/>
                 </a:moveTo>
@@ -1548,9 +1617,11 @@
       <p:sp>
         <p:nvSpPr>
           <p:cNvPr id="58" name="Google Shape;58;g3a808d2933a_0_0:notes"/>
-          <p:cNvSpPr txBox="1"/>
+          <p:cNvSpPr txBox="1">
+            <a:spLocks noGrp="1"/>
+          </p:cNvSpPr>
           <p:nvPr>
-            <p:ph idx="1" type="body"/>
+            <p:ph type="body" idx="1"/>
           </p:nvPr>
         </p:nvSpPr>
         <p:spPr>
@@ -1563,12 +1634,12 @@
           </a:prstGeom>
         </p:spPr>
         <p:txBody>
-          <a:bodyPr anchorCtr="0" anchor="t" bIns="91425" lIns="91425" spcFirstLastPara="1" rIns="91425" wrap="square" tIns="91425">
+          <a:bodyPr spcFirstLastPara="1" wrap="square" lIns="91425" tIns="91425" rIns="91425" bIns="91425" anchor="t" anchorCtr="0">
             <a:noAutofit/>
           </a:bodyPr>
           <a:lstStyle/>
           <a:p>
-            <a:pPr indent="0" lvl="0" marL="0" rtl="0" algn="l">
+            <a:pPr marL="0" lvl="0" indent="0" algn="l" rtl="0">
               <a:spcBef>
                 <a:spcPts val="0"/>
               </a:spcBef>
@@ -1577,9 +1648,6 @@
               </a:spcAft>
               <a:buNone/>
             </a:pPr>
-            <a:r>
-              <a:t/>
-            </a:r>
             <a:endParaRPr/>
           </a:p>
         </p:txBody>
@@ -1593,11 +1661,11 @@
 </file>
 
 <file path=ppt/notesSlides/notesSlide3.xml><?xml version="1.0" encoding="utf-8"?>
-<p:notes xmlns:a="http://schemas.openxmlformats.org/drawingml/2006/main" xmlns:r="http://schemas.openxmlformats.org/officeDocument/2006/relationships" xmlns:mc="http://schemas.openxmlformats.org/markup-compatibility/2006" xmlns:mv="urn:schemas-microsoft-com:mac:vml" xmlns:p="http://schemas.openxmlformats.org/presentationml/2006/main" xmlns:c="http://schemas.openxmlformats.org/drawingml/2006/chart" xmlns:dgm="http://schemas.openxmlformats.org/drawingml/2006/diagram" xmlns:o="urn:schemas-microsoft-com:office:office" xmlns:v="urn:schemas-microsoft-com:vml" xmlns:pvml="urn:schemas-microsoft-com:office:powerpoint" xmlns:com="http://schemas.openxmlformats.org/drawingml/2006/compatibility" xmlns:p14="http://schemas.microsoft.com/office/powerpoint/2010/main" xmlns:p15="http://schemas.microsoft.com/office/powerpoint/2012/main" xmlns:ahyp="http://schemas.microsoft.com/office/drawing/2018/hyperlinkcolor" showMasterPhAnim="0" showMasterSp="0">
+<p:notes xmlns:a="http://schemas.openxmlformats.org/drawingml/2006/main" xmlns:r="http://schemas.openxmlformats.org/officeDocument/2006/relationships" xmlns:p="http://schemas.openxmlformats.org/presentationml/2006/main" showMasterSp="0" showMasterPhAnim="0">
   <p:cSld>
     <p:spTree>
       <p:nvGrpSpPr>
-        <p:cNvPr id="62" name="Shape 62"/>
+        <p:cNvPr id="1" name="Shape 62"/>
         <p:cNvGrpSpPr/>
         <p:nvPr/>
       </p:nvGrpSpPr>
@@ -1612,20 +1680,26 @@
       <p:sp>
         <p:nvSpPr>
           <p:cNvPr id="63" name="Google Shape;63;g3a808d2933a_0_5:notes"/>
-          <p:cNvSpPr/>
+          <p:cNvSpPr>
+            <a:spLocks noGrp="1" noRot="1" noChangeAspect="1"/>
+          </p:cNvSpPr>
           <p:nvPr>
-            <p:ph idx="2" type="sldImg"/>
+            <p:ph type="sldImg" idx="2"/>
           </p:nvPr>
         </p:nvSpPr>
         <p:spPr>
           <a:xfrm>
-            <a:off x="381300" y="685800"/>
+            <a:off x="381000" y="685800"/>
             <a:ext cx="6096000" cy="3429000"/>
           </a:xfrm>
           <a:custGeom>
-            <a:rect b="b" l="l" r="r" t="t"/>
+            <a:avLst/>
+            <a:gdLst/>
+            <a:ahLst/>
+            <a:cxnLst/>
+            <a:rect l="l" t="t" r="r" b="b"/>
             <a:pathLst>
-              <a:path extrusionOk="0" h="120000" w="120000">
+              <a:path w="120000" h="120000" extrusionOk="0">
                 <a:moveTo>
                   <a:pt x="0" y="0"/>
                 </a:moveTo>
@@ -1647,9 +1721,11 @@
       <p:sp>
         <p:nvSpPr>
           <p:cNvPr id="64" name="Google Shape;64;g3a808d2933a_0_5:notes"/>
-          <p:cNvSpPr txBox="1"/>
+          <p:cNvSpPr txBox="1">
+            <a:spLocks noGrp="1"/>
+          </p:cNvSpPr>
           <p:nvPr>
-            <p:ph idx="1" type="body"/>
+            <p:ph type="body" idx="1"/>
           </p:nvPr>
         </p:nvSpPr>
         <p:spPr>
@@ -1662,12 +1738,12 @@
           </a:prstGeom>
         </p:spPr>
         <p:txBody>
-          <a:bodyPr anchorCtr="0" anchor="t" bIns="91425" lIns="91425" spcFirstLastPara="1" rIns="91425" wrap="square" tIns="91425">
+          <a:bodyPr spcFirstLastPara="1" wrap="square" lIns="91425" tIns="91425" rIns="91425" bIns="91425" anchor="t" anchorCtr="0">
             <a:noAutofit/>
           </a:bodyPr>
           <a:lstStyle/>
           <a:p>
-            <a:pPr indent="0" lvl="0" marL="0" rtl="0" algn="l">
+            <a:pPr marL="0" lvl="0" indent="0" algn="l" rtl="0">
               <a:spcBef>
                 <a:spcPts val="0"/>
               </a:spcBef>
@@ -1676,9 +1752,6 @@
               </a:spcAft>
               <a:buNone/>
             </a:pPr>
-            <a:r>
-              <a:t/>
-            </a:r>
             <a:endParaRPr/>
           </a:p>
         </p:txBody>
@@ -1692,11 +1765,11 @@
 </file>
 
 <file path=ppt/notesSlides/notesSlide4.xml><?xml version="1.0" encoding="utf-8"?>
-<p:notes xmlns:a="http://schemas.openxmlformats.org/drawingml/2006/main" xmlns:r="http://schemas.openxmlformats.org/officeDocument/2006/relationships" xmlns:mc="http://schemas.openxmlformats.org/markup-compatibility/2006" xmlns:mv="urn:schemas-microsoft-com:mac:vml" xmlns:p="http://schemas.openxmlformats.org/presentationml/2006/main" xmlns:c="http://schemas.openxmlformats.org/drawingml/2006/chart" xmlns:dgm="http://schemas.openxmlformats.org/drawingml/2006/diagram" xmlns:o="urn:schemas-microsoft-com:office:office" xmlns:v="urn:schemas-microsoft-com:vml" xmlns:pvml="urn:schemas-microsoft-com:office:powerpoint" xmlns:com="http://schemas.openxmlformats.org/drawingml/2006/compatibility" xmlns:p14="http://schemas.microsoft.com/office/powerpoint/2010/main" xmlns:p15="http://schemas.microsoft.com/office/powerpoint/2012/main" xmlns:ahyp="http://schemas.microsoft.com/office/drawing/2018/hyperlinkcolor" showMasterPhAnim="0" showMasterSp="0">
+<p:notes xmlns:a="http://schemas.openxmlformats.org/drawingml/2006/main" xmlns:r="http://schemas.openxmlformats.org/officeDocument/2006/relationships" xmlns:p="http://schemas.openxmlformats.org/presentationml/2006/main" showMasterSp="0" showMasterPhAnim="0">
   <p:cSld>
     <p:spTree>
       <p:nvGrpSpPr>
-        <p:cNvPr id="68" name="Shape 68"/>
+        <p:cNvPr id="1" name="Shape 68"/>
         <p:cNvGrpSpPr/>
         <p:nvPr/>
       </p:nvGrpSpPr>
@@ -1711,20 +1784,26 @@
       <p:sp>
         <p:nvSpPr>
           <p:cNvPr id="69" name="Google Shape;69;g3a3b52e892d_0_5:notes"/>
-          <p:cNvSpPr/>
+          <p:cNvSpPr>
+            <a:spLocks noGrp="1" noRot="1" noChangeAspect="1"/>
+          </p:cNvSpPr>
           <p:nvPr>
-            <p:ph idx="2" type="sldImg"/>
+            <p:ph type="sldImg" idx="2"/>
           </p:nvPr>
         </p:nvSpPr>
         <p:spPr>
           <a:xfrm>
-            <a:off x="381300" y="685800"/>
+            <a:off x="381000" y="685800"/>
             <a:ext cx="6096000" cy="3429000"/>
           </a:xfrm>
           <a:custGeom>
-            <a:rect b="b" l="l" r="r" t="t"/>
+            <a:avLst/>
+            <a:gdLst/>
+            <a:ahLst/>
+            <a:cxnLst/>
+            <a:rect l="l" t="t" r="r" b="b"/>
             <a:pathLst>
-              <a:path extrusionOk="0" h="120000" w="120000">
+              <a:path w="120000" h="120000" extrusionOk="0">
                 <a:moveTo>
                   <a:pt x="0" y="0"/>
                 </a:moveTo>
@@ -1746,9 +1825,11 @@
       <p:sp>
         <p:nvSpPr>
           <p:cNvPr id="70" name="Google Shape;70;g3a3b52e892d_0_5:notes"/>
-          <p:cNvSpPr txBox="1"/>
+          <p:cNvSpPr txBox="1">
+            <a:spLocks noGrp="1"/>
+          </p:cNvSpPr>
           <p:nvPr>
-            <p:ph idx="1" type="body"/>
+            <p:ph type="body" idx="1"/>
           </p:nvPr>
         </p:nvSpPr>
         <p:spPr>
@@ -1761,12 +1842,12 @@
           </a:prstGeom>
         </p:spPr>
         <p:txBody>
-          <a:bodyPr anchorCtr="0" anchor="t" bIns="91425" lIns="91425" spcFirstLastPara="1" rIns="91425" wrap="square" tIns="91425">
+          <a:bodyPr spcFirstLastPara="1" wrap="square" lIns="91425" tIns="91425" rIns="91425" bIns="91425" anchor="t" anchorCtr="0">
             <a:noAutofit/>
           </a:bodyPr>
           <a:lstStyle/>
           <a:p>
-            <a:pPr indent="0" lvl="0" marL="0" rtl="0" algn="l">
+            <a:pPr marL="0" lvl="0" indent="0" algn="l" rtl="0">
               <a:spcBef>
                 <a:spcPts val="0"/>
               </a:spcBef>
@@ -1775,9 +1856,6 @@
               </a:spcAft>
               <a:buNone/>
             </a:pPr>
-            <a:r>
-              <a:t/>
-            </a:r>
             <a:endParaRPr/>
           </a:p>
         </p:txBody>
@@ -1791,11 +1869,11 @@
 </file>
 
 <file path=ppt/notesSlides/notesSlide5.xml><?xml version="1.0" encoding="utf-8"?>
-<p:notes xmlns:a="http://schemas.openxmlformats.org/drawingml/2006/main" xmlns:r="http://schemas.openxmlformats.org/officeDocument/2006/relationships" xmlns:mc="http://schemas.openxmlformats.org/markup-compatibility/2006" xmlns:mv="urn:schemas-microsoft-com:mac:vml" xmlns:p="http://schemas.openxmlformats.org/presentationml/2006/main" xmlns:c="http://schemas.openxmlformats.org/drawingml/2006/chart" xmlns:dgm="http://schemas.openxmlformats.org/drawingml/2006/diagram" xmlns:o="urn:schemas-microsoft-com:office:office" xmlns:v="urn:schemas-microsoft-com:vml" xmlns:pvml="urn:schemas-microsoft-com:office:powerpoint" xmlns:com="http://schemas.openxmlformats.org/drawingml/2006/compatibility" xmlns:p14="http://schemas.microsoft.com/office/powerpoint/2010/main" xmlns:p15="http://schemas.microsoft.com/office/powerpoint/2012/main" xmlns:ahyp="http://schemas.microsoft.com/office/drawing/2018/hyperlinkcolor" showMasterPhAnim="0" showMasterSp="0">
+<p:notes xmlns:a="http://schemas.openxmlformats.org/drawingml/2006/main" xmlns:r="http://schemas.openxmlformats.org/officeDocument/2006/relationships" xmlns:p="http://schemas.openxmlformats.org/presentationml/2006/main" showMasterSp="0" showMasterPhAnim="0">
   <p:cSld>
     <p:spTree>
       <p:nvGrpSpPr>
-        <p:cNvPr id="75" name="Shape 75"/>
+        <p:cNvPr id="1" name="Shape 75"/>
         <p:cNvGrpSpPr/>
         <p:nvPr/>
       </p:nvGrpSpPr>
@@ -1810,20 +1888,26 @@
       <p:sp>
         <p:nvSpPr>
           <p:cNvPr id="76" name="Google Shape;76;g3a3b52e892d_2_4:notes"/>
-          <p:cNvSpPr/>
+          <p:cNvSpPr>
+            <a:spLocks noGrp="1" noRot="1" noChangeAspect="1"/>
+          </p:cNvSpPr>
           <p:nvPr>
-            <p:ph idx="2" type="sldImg"/>
+            <p:ph type="sldImg" idx="2"/>
           </p:nvPr>
         </p:nvSpPr>
         <p:spPr>
           <a:xfrm>
-            <a:off x="381300" y="685800"/>
+            <a:off x="381000" y="685800"/>
             <a:ext cx="6096000" cy="3429000"/>
           </a:xfrm>
           <a:custGeom>
-            <a:rect b="b" l="l" r="r" t="t"/>
+            <a:avLst/>
+            <a:gdLst/>
+            <a:ahLst/>
+            <a:cxnLst/>
+            <a:rect l="l" t="t" r="r" b="b"/>
             <a:pathLst>
-              <a:path extrusionOk="0" h="120000" w="120000">
+              <a:path w="120000" h="120000" extrusionOk="0">
                 <a:moveTo>
                   <a:pt x="0" y="0"/>
                 </a:moveTo>
@@ -1845,9 +1929,11 @@
       <p:sp>
         <p:nvSpPr>
           <p:cNvPr id="77" name="Google Shape;77;g3a3b52e892d_2_4:notes"/>
-          <p:cNvSpPr txBox="1"/>
+          <p:cNvSpPr txBox="1">
+            <a:spLocks noGrp="1"/>
+          </p:cNvSpPr>
           <p:nvPr>
-            <p:ph idx="1" type="body"/>
+            <p:ph type="body" idx="1"/>
           </p:nvPr>
         </p:nvSpPr>
         <p:spPr>
@@ -1860,12 +1946,12 @@
           </a:prstGeom>
         </p:spPr>
         <p:txBody>
-          <a:bodyPr anchorCtr="0" anchor="t" bIns="91425" lIns="91425" spcFirstLastPara="1" rIns="91425" wrap="square" tIns="91425">
+          <a:bodyPr spcFirstLastPara="1" wrap="square" lIns="91425" tIns="91425" rIns="91425" bIns="91425" anchor="t" anchorCtr="0">
             <a:noAutofit/>
           </a:bodyPr>
           <a:lstStyle/>
           <a:p>
-            <a:pPr indent="0" lvl="0" marL="0" rtl="0" algn="l">
+            <a:pPr marL="0" lvl="0" indent="0" algn="l" rtl="0">
               <a:spcBef>
                 <a:spcPts val="0"/>
               </a:spcBef>
@@ -1874,9 +1960,6 @@
               </a:spcAft>
               <a:buNone/>
             </a:pPr>
-            <a:r>
-              <a:t/>
-            </a:r>
             <a:endParaRPr/>
           </a:p>
         </p:txBody>
@@ -1890,11 +1973,11 @@
 </file>
 
 <file path=ppt/notesSlides/notesSlide6.xml><?xml version="1.0" encoding="utf-8"?>
-<p:notes xmlns:a="http://schemas.openxmlformats.org/drawingml/2006/main" xmlns:r="http://schemas.openxmlformats.org/officeDocument/2006/relationships" xmlns:mc="http://schemas.openxmlformats.org/markup-compatibility/2006" xmlns:mv="urn:schemas-microsoft-com:mac:vml" xmlns:p="http://schemas.openxmlformats.org/presentationml/2006/main" xmlns:c="http://schemas.openxmlformats.org/drawingml/2006/chart" xmlns:dgm="http://schemas.openxmlformats.org/drawingml/2006/diagram" xmlns:o="urn:schemas-microsoft-com:office:office" xmlns:v="urn:schemas-microsoft-com:vml" xmlns:pvml="urn:schemas-microsoft-com:office:powerpoint" xmlns:com="http://schemas.openxmlformats.org/drawingml/2006/compatibility" xmlns:p14="http://schemas.microsoft.com/office/powerpoint/2010/main" xmlns:p15="http://schemas.microsoft.com/office/powerpoint/2012/main" xmlns:ahyp="http://schemas.microsoft.com/office/drawing/2018/hyperlinkcolor" showMasterPhAnim="0" showMasterSp="0">
+<p:notes xmlns:a="http://schemas.openxmlformats.org/drawingml/2006/main" xmlns:r="http://schemas.openxmlformats.org/officeDocument/2006/relationships" xmlns:p="http://schemas.openxmlformats.org/presentationml/2006/main" showMasterSp="0" showMasterPhAnim="0">
   <p:cSld>
     <p:spTree>
       <p:nvGrpSpPr>
-        <p:cNvPr id="83" name="Shape 83"/>
+        <p:cNvPr id="1" name="Shape 83"/>
         <p:cNvGrpSpPr/>
         <p:nvPr/>
       </p:nvGrpSpPr>
@@ -1909,20 +1992,26 @@
       <p:sp>
         <p:nvSpPr>
           <p:cNvPr id="84" name="Google Shape;84;g3a3b52e892d_2_12:notes"/>
-          <p:cNvSpPr/>
+          <p:cNvSpPr>
+            <a:spLocks noGrp="1" noRot="1" noChangeAspect="1"/>
+          </p:cNvSpPr>
           <p:nvPr>
-            <p:ph idx="2" type="sldImg"/>
+            <p:ph type="sldImg" idx="2"/>
           </p:nvPr>
         </p:nvSpPr>
         <p:spPr>
           <a:xfrm>
-            <a:off x="381300" y="685800"/>
+            <a:off x="381000" y="685800"/>
             <a:ext cx="6096000" cy="3429000"/>
           </a:xfrm>
           <a:custGeom>
-            <a:rect b="b" l="l" r="r" t="t"/>
+            <a:avLst/>
+            <a:gdLst/>
+            <a:ahLst/>
+            <a:cxnLst/>
+            <a:rect l="l" t="t" r="r" b="b"/>
             <a:pathLst>
-              <a:path extrusionOk="0" h="120000" w="120000">
+              <a:path w="120000" h="120000" extrusionOk="0">
                 <a:moveTo>
                   <a:pt x="0" y="0"/>
                 </a:moveTo>
@@ -1944,9 +2033,11 @@
       <p:sp>
         <p:nvSpPr>
           <p:cNvPr id="85" name="Google Shape;85;g3a3b52e892d_2_12:notes"/>
-          <p:cNvSpPr txBox="1"/>
+          <p:cNvSpPr txBox="1">
+            <a:spLocks noGrp="1"/>
+          </p:cNvSpPr>
           <p:nvPr>
-            <p:ph idx="1" type="body"/>
+            <p:ph type="body" idx="1"/>
           </p:nvPr>
         </p:nvSpPr>
         <p:spPr>
@@ -1959,12 +2050,12 @@
           </a:prstGeom>
         </p:spPr>
         <p:txBody>
-          <a:bodyPr anchorCtr="0" anchor="t" bIns="91425" lIns="91425" spcFirstLastPara="1" rIns="91425" wrap="square" tIns="91425">
+          <a:bodyPr spcFirstLastPara="1" wrap="square" lIns="91425" tIns="91425" rIns="91425" bIns="91425" anchor="t" anchorCtr="0">
             <a:noAutofit/>
           </a:bodyPr>
           <a:lstStyle/>
           <a:p>
-            <a:pPr indent="0" lvl="0" marL="0" rtl="0" algn="l">
+            <a:pPr marL="0" lvl="0" indent="0" algn="l" rtl="0">
               <a:spcBef>
                 <a:spcPts val="0"/>
               </a:spcBef>
@@ -1973,9 +2064,6 @@
               </a:spcAft>
               <a:buNone/>
             </a:pPr>
-            <a:r>
-              <a:t/>
-            </a:r>
             <a:endParaRPr/>
           </a:p>
         </p:txBody>
@@ -1989,11 +2077,11 @@
 </file>
 
 <file path=ppt/notesSlides/notesSlide7.xml><?xml version="1.0" encoding="utf-8"?>
-<p:notes xmlns:a="http://schemas.openxmlformats.org/drawingml/2006/main" xmlns:r="http://schemas.openxmlformats.org/officeDocument/2006/relationships" xmlns:mc="http://schemas.openxmlformats.org/markup-compatibility/2006" xmlns:mv="urn:schemas-microsoft-com:mac:vml" xmlns:p="http://schemas.openxmlformats.org/presentationml/2006/main" xmlns:c="http://schemas.openxmlformats.org/drawingml/2006/chart" xmlns:dgm="http://schemas.openxmlformats.org/drawingml/2006/diagram" xmlns:o="urn:schemas-microsoft-com:office:office" xmlns:v="urn:schemas-microsoft-com:vml" xmlns:pvml="urn:schemas-microsoft-com:office:powerpoint" xmlns:com="http://schemas.openxmlformats.org/drawingml/2006/compatibility" xmlns:p14="http://schemas.microsoft.com/office/powerpoint/2010/main" xmlns:p15="http://schemas.microsoft.com/office/powerpoint/2012/main" xmlns:ahyp="http://schemas.microsoft.com/office/drawing/2018/hyperlinkcolor" showMasterPhAnim="0" showMasterSp="0">
+<p:notes xmlns:a="http://schemas.openxmlformats.org/drawingml/2006/main" xmlns:r="http://schemas.openxmlformats.org/officeDocument/2006/relationships" xmlns:p="http://schemas.openxmlformats.org/presentationml/2006/main" showMasterSp="0" showMasterPhAnim="0">
   <p:cSld>
     <p:spTree>
       <p:nvGrpSpPr>
-        <p:cNvPr id="89" name="Shape 89"/>
+        <p:cNvPr id="1" name="Shape 89"/>
         <p:cNvGrpSpPr/>
         <p:nvPr/>
       </p:nvGrpSpPr>
@@ -2008,20 +2096,26 @@
       <p:sp>
         <p:nvSpPr>
           <p:cNvPr id="90" name="Google Shape;90;g3a3b52e892d_2_18:notes"/>
-          <p:cNvSpPr/>
+          <p:cNvSpPr>
+            <a:spLocks noGrp="1" noRot="1" noChangeAspect="1"/>
+          </p:cNvSpPr>
           <p:nvPr>
-            <p:ph idx="2" type="sldImg"/>
+            <p:ph type="sldImg" idx="2"/>
           </p:nvPr>
         </p:nvSpPr>
         <p:spPr>
           <a:xfrm>
-            <a:off x="381300" y="685800"/>
+            <a:off x="381000" y="685800"/>
             <a:ext cx="6096000" cy="3429000"/>
           </a:xfrm>
           <a:custGeom>
-            <a:rect b="b" l="l" r="r" t="t"/>
+            <a:avLst/>
+            <a:gdLst/>
+            <a:ahLst/>
+            <a:cxnLst/>
+            <a:rect l="l" t="t" r="r" b="b"/>
             <a:pathLst>
-              <a:path extrusionOk="0" h="120000" w="120000">
+              <a:path w="120000" h="120000" extrusionOk="0">
                 <a:moveTo>
                   <a:pt x="0" y="0"/>
                 </a:moveTo>
@@ -2043,9 +2137,11 @@
       <p:sp>
         <p:nvSpPr>
           <p:cNvPr id="91" name="Google Shape;91;g3a3b52e892d_2_18:notes"/>
-          <p:cNvSpPr txBox="1"/>
+          <p:cNvSpPr txBox="1">
+            <a:spLocks noGrp="1"/>
+          </p:cNvSpPr>
           <p:nvPr>
-            <p:ph idx="1" type="body"/>
+            <p:ph type="body" idx="1"/>
           </p:nvPr>
         </p:nvSpPr>
         <p:spPr>
@@ -2058,12 +2154,12 @@
           </a:prstGeom>
         </p:spPr>
         <p:txBody>
-          <a:bodyPr anchorCtr="0" anchor="t" bIns="91425" lIns="91425" spcFirstLastPara="1" rIns="91425" wrap="square" tIns="91425">
+          <a:bodyPr spcFirstLastPara="1" wrap="square" lIns="91425" tIns="91425" rIns="91425" bIns="91425" anchor="t" anchorCtr="0">
             <a:noAutofit/>
           </a:bodyPr>
           <a:lstStyle/>
           <a:p>
-            <a:pPr indent="0" lvl="0" marL="0" rtl="0" algn="l">
+            <a:pPr marL="0" lvl="0" indent="0" algn="l" rtl="0">
               <a:spcBef>
                 <a:spcPts val="0"/>
               </a:spcBef>
@@ -2072,9 +2168,6 @@
               </a:spcAft>
               <a:buNone/>
             </a:pPr>
-            <a:r>
-              <a:t/>
-            </a:r>
             <a:endParaRPr/>
           </a:p>
         </p:txBody>
@@ -2088,11 +2181,11 @@
 </file>
 
 <file path=ppt/notesSlides/notesSlide8.xml><?xml version="1.0" encoding="utf-8"?>
-<p:notes xmlns:a="http://schemas.openxmlformats.org/drawingml/2006/main" xmlns:r="http://schemas.openxmlformats.org/officeDocument/2006/relationships" xmlns:mc="http://schemas.openxmlformats.org/markup-compatibility/2006" xmlns:mv="urn:schemas-microsoft-com:mac:vml" xmlns:p="http://schemas.openxmlformats.org/presentationml/2006/main" xmlns:c="http://schemas.openxmlformats.org/drawingml/2006/chart" xmlns:dgm="http://schemas.openxmlformats.org/drawingml/2006/diagram" xmlns:o="urn:schemas-microsoft-com:office:office" xmlns:v="urn:schemas-microsoft-com:vml" xmlns:pvml="urn:schemas-microsoft-com:office:powerpoint" xmlns:com="http://schemas.openxmlformats.org/drawingml/2006/compatibility" xmlns:p14="http://schemas.microsoft.com/office/powerpoint/2010/main" xmlns:p15="http://schemas.microsoft.com/office/powerpoint/2012/main" xmlns:ahyp="http://schemas.microsoft.com/office/drawing/2018/hyperlinkcolor" showMasterPhAnim="0" showMasterSp="0">
+<p:notes xmlns:a="http://schemas.openxmlformats.org/drawingml/2006/main" xmlns:r="http://schemas.openxmlformats.org/officeDocument/2006/relationships" xmlns:p="http://schemas.openxmlformats.org/presentationml/2006/main" showMasterSp="0" showMasterPhAnim="0">
   <p:cSld>
     <p:spTree>
       <p:nvGrpSpPr>
-        <p:cNvPr id="95" name="Shape 95"/>
+        <p:cNvPr id="1" name="Shape 95"/>
         <p:cNvGrpSpPr/>
         <p:nvPr/>
       </p:nvGrpSpPr>
@@ -2107,20 +2200,26 @@
       <p:sp>
         <p:nvSpPr>
           <p:cNvPr id="96" name="Google Shape;96;g3a3b52e892d_2_24:notes"/>
-          <p:cNvSpPr/>
+          <p:cNvSpPr>
+            <a:spLocks noGrp="1" noRot="1" noChangeAspect="1"/>
+          </p:cNvSpPr>
           <p:nvPr>
-            <p:ph idx="2" type="sldImg"/>
+            <p:ph type="sldImg" idx="2"/>
           </p:nvPr>
         </p:nvSpPr>
         <p:spPr>
           <a:xfrm>
-            <a:off x="381300" y="685800"/>
+            <a:off x="381000" y="685800"/>
             <a:ext cx="6096000" cy="3429000"/>
           </a:xfrm>
           <a:custGeom>
-            <a:rect b="b" l="l" r="r" t="t"/>
+            <a:avLst/>
+            <a:gdLst/>
+            <a:ahLst/>
+            <a:cxnLst/>
+            <a:rect l="l" t="t" r="r" b="b"/>
             <a:pathLst>
-              <a:path extrusionOk="0" h="120000" w="120000">
+              <a:path w="120000" h="120000" extrusionOk="0">
                 <a:moveTo>
                   <a:pt x="0" y="0"/>
                 </a:moveTo>
@@ -2142,9 +2241,11 @@
       <p:sp>
         <p:nvSpPr>
           <p:cNvPr id="97" name="Google Shape;97;g3a3b52e892d_2_24:notes"/>
-          <p:cNvSpPr txBox="1"/>
+          <p:cNvSpPr txBox="1">
+            <a:spLocks noGrp="1"/>
+          </p:cNvSpPr>
           <p:nvPr>
-            <p:ph idx="1" type="body"/>
+            <p:ph type="body" idx="1"/>
           </p:nvPr>
         </p:nvSpPr>
         <p:spPr>
@@ -2157,12 +2258,12 @@
           </a:prstGeom>
         </p:spPr>
         <p:txBody>
-          <a:bodyPr anchorCtr="0" anchor="t" bIns="91425" lIns="91425" spcFirstLastPara="1" rIns="91425" wrap="square" tIns="91425">
+          <a:bodyPr spcFirstLastPara="1" wrap="square" lIns="91425" tIns="91425" rIns="91425" bIns="91425" anchor="t" anchorCtr="0">
             <a:noAutofit/>
           </a:bodyPr>
           <a:lstStyle/>
           <a:p>
-            <a:pPr indent="0" lvl="0" marL="0" rtl="0" algn="l">
+            <a:pPr marL="0" lvl="0" indent="0" algn="l" rtl="0">
               <a:spcBef>
                 <a:spcPts val="0"/>
               </a:spcBef>
@@ -2171,9 +2272,6 @@
               </a:spcAft>
               <a:buNone/>
             </a:pPr>
-            <a:r>
-              <a:t/>
-            </a:r>
             <a:endParaRPr/>
           </a:p>
         </p:txBody>
@@ -2187,11 +2285,11 @@
 </file>
 
 <file path=ppt/notesSlides/notesSlide9.xml><?xml version="1.0" encoding="utf-8"?>
-<p:notes xmlns:a="http://schemas.openxmlformats.org/drawingml/2006/main" xmlns:r="http://schemas.openxmlformats.org/officeDocument/2006/relationships" xmlns:mc="http://schemas.openxmlformats.org/markup-compatibility/2006" xmlns:mv="urn:schemas-microsoft-com:mac:vml" xmlns:p="http://schemas.openxmlformats.org/presentationml/2006/main" xmlns:c="http://schemas.openxmlformats.org/drawingml/2006/chart" xmlns:dgm="http://schemas.openxmlformats.org/drawingml/2006/diagram" xmlns:o="urn:schemas-microsoft-com:office:office" xmlns:v="urn:schemas-microsoft-com:vml" xmlns:pvml="urn:schemas-microsoft-com:office:powerpoint" xmlns:com="http://schemas.openxmlformats.org/drawingml/2006/compatibility" xmlns:p14="http://schemas.microsoft.com/office/powerpoint/2010/main" xmlns:p15="http://schemas.microsoft.com/office/powerpoint/2012/main" xmlns:ahyp="http://schemas.microsoft.com/office/drawing/2018/hyperlinkcolor" showMasterPhAnim="0" showMasterSp="0">
+<p:notes xmlns:a="http://schemas.openxmlformats.org/drawingml/2006/main" xmlns:r="http://schemas.openxmlformats.org/officeDocument/2006/relationships" xmlns:p="http://schemas.openxmlformats.org/presentationml/2006/main" showMasterSp="0" showMasterPhAnim="0">
   <p:cSld>
     <p:spTree>
       <p:nvGrpSpPr>
-        <p:cNvPr id="101" name="Shape 101"/>
+        <p:cNvPr id="1" name="Shape 101"/>
         <p:cNvGrpSpPr/>
         <p:nvPr/>
       </p:nvGrpSpPr>
@@ -2206,20 +2304,26 @@
       <p:sp>
         <p:nvSpPr>
           <p:cNvPr id="102" name="Google Shape;102;g3a3b52e892d_2_31:notes"/>
-          <p:cNvSpPr/>
+          <p:cNvSpPr>
+            <a:spLocks noGrp="1" noRot="1" noChangeAspect="1"/>
+          </p:cNvSpPr>
           <p:nvPr>
-            <p:ph idx="2" type="sldImg"/>
+            <p:ph type="sldImg" idx="2"/>
           </p:nvPr>
         </p:nvSpPr>
         <p:spPr>
           <a:xfrm>
-            <a:off x="381300" y="685800"/>
+            <a:off x="381000" y="685800"/>
             <a:ext cx="6096000" cy="3429000"/>
           </a:xfrm>
           <a:custGeom>
-            <a:rect b="b" l="l" r="r" t="t"/>
+            <a:avLst/>
+            <a:gdLst/>
+            <a:ahLst/>
+            <a:cxnLst/>
+            <a:rect l="l" t="t" r="r" b="b"/>
             <a:pathLst>
-              <a:path extrusionOk="0" h="120000" w="120000">
+              <a:path w="120000" h="120000" extrusionOk="0">
                 <a:moveTo>
                   <a:pt x="0" y="0"/>
                 </a:moveTo>
@@ -2241,9 +2345,11 @@
       <p:sp>
         <p:nvSpPr>
           <p:cNvPr id="103" name="Google Shape;103;g3a3b52e892d_2_31:notes"/>
-          <p:cNvSpPr txBox="1"/>
+          <p:cNvSpPr txBox="1">
+            <a:spLocks noGrp="1"/>
+          </p:cNvSpPr>
           <p:nvPr>
-            <p:ph idx="1" type="body"/>
+            <p:ph type="body" idx="1"/>
           </p:nvPr>
         </p:nvSpPr>
         <p:spPr>
@@ -2256,12 +2362,12 @@
           </a:prstGeom>
         </p:spPr>
         <p:txBody>
-          <a:bodyPr anchorCtr="0" anchor="t" bIns="91425" lIns="91425" spcFirstLastPara="1" rIns="91425" wrap="square" tIns="91425">
+          <a:bodyPr spcFirstLastPara="1" wrap="square" lIns="91425" tIns="91425" rIns="91425" bIns="91425" anchor="t" anchorCtr="0">
             <a:noAutofit/>
           </a:bodyPr>
           <a:lstStyle/>
           <a:p>
-            <a:pPr indent="0" lvl="0" marL="0" rtl="0" algn="l">
+            <a:pPr marL="0" lvl="0" indent="0" algn="l" rtl="0">
               <a:spcBef>
                 <a:spcPts val="0"/>
               </a:spcBef>
@@ -2270,9 +2376,6 @@
               </a:spcAft>
               <a:buNone/>
             </a:pPr>
-            <a:r>
-              <a:t/>
-            </a:r>
             <a:endParaRPr/>
           </a:p>
         </p:txBody>
@@ -2286,11 +2389,11 @@
 </file>
 
 <file path=ppt/slideLayouts/slideLayout1.xml><?xml version="1.0" encoding="utf-8"?>
-<p:sldLayout xmlns:a="http://schemas.openxmlformats.org/drawingml/2006/main" xmlns:r="http://schemas.openxmlformats.org/officeDocument/2006/relationships" xmlns:mc="http://schemas.openxmlformats.org/markup-compatibility/2006" xmlns:mv="urn:schemas-microsoft-com:mac:vml" xmlns:p="http://schemas.openxmlformats.org/presentationml/2006/main" xmlns:c="http://schemas.openxmlformats.org/drawingml/2006/chart" xmlns:dgm="http://schemas.openxmlformats.org/drawingml/2006/diagram" xmlns:o="urn:schemas-microsoft-com:office:office" xmlns:v="urn:schemas-microsoft-com:vml" xmlns:pvml="urn:schemas-microsoft-com:office:powerpoint" xmlns:com="http://schemas.openxmlformats.org/drawingml/2006/compatibility" xmlns:p14="http://schemas.microsoft.com/office/powerpoint/2010/main" xmlns:p15="http://schemas.microsoft.com/office/powerpoint/2012/main" xmlns:ahyp="http://schemas.microsoft.com/office/drawing/2018/hyperlinkcolor" matchingName="Title slide" type="title">
+<p:sldLayout xmlns:a="http://schemas.openxmlformats.org/drawingml/2006/main" xmlns:r="http://schemas.openxmlformats.org/officeDocument/2006/relationships" xmlns:p="http://schemas.openxmlformats.org/presentationml/2006/main" matchingName="Title slide" type="title">
   <p:cSld name="TITLE">
     <p:spTree>
       <p:nvGrpSpPr>
-        <p:cNvPr id="9" name="Shape 9"/>
+        <p:cNvPr id="1" name="Shape 9"/>
         <p:cNvGrpSpPr/>
         <p:nvPr/>
       </p:nvGrpSpPr>
@@ -2305,7 +2408,9 @@
       <p:sp>
         <p:nvSpPr>
           <p:cNvPr id="10" name="Google Shape;10;p2"/>
-          <p:cNvSpPr txBox="1"/>
+          <p:cNvSpPr txBox="1">
+            <a:spLocks noGrp="1"/>
+          </p:cNvSpPr>
           <p:nvPr>
             <p:ph type="ctrTitle"/>
           </p:nvPr>
@@ -2320,7 +2425,7 @@
           </a:prstGeom>
         </p:spPr>
         <p:txBody>
-          <a:bodyPr anchorCtr="0" anchor="b" bIns="91425" lIns="91425" spcFirstLastPara="1" rIns="91425" wrap="square" tIns="91425">
+          <a:bodyPr spcFirstLastPara="1" wrap="square" lIns="91425" tIns="91425" rIns="91425" bIns="91425" anchor="b" anchorCtr="0">
             <a:normAutofit/>
           </a:bodyPr>
           <a:lstStyle>
@@ -2424,15 +2529,19 @@
               <a:defRPr sz="5200"/>
             </a:lvl9pPr>
           </a:lstStyle>
-          <a:p/>
+          <a:p>
+            <a:endParaRPr/>
+          </a:p>
         </p:txBody>
       </p:sp>
       <p:sp>
         <p:nvSpPr>
           <p:cNvPr id="11" name="Google Shape;11;p2"/>
-          <p:cNvSpPr txBox="1"/>
+          <p:cNvSpPr txBox="1">
+            <a:spLocks noGrp="1"/>
+          </p:cNvSpPr>
           <p:nvPr>
-            <p:ph idx="1" type="subTitle"/>
+            <p:ph type="subTitle" idx="1"/>
           </p:nvPr>
         </p:nvSpPr>
         <p:spPr>
@@ -2445,7 +2554,7 @@
           </a:prstGeom>
         </p:spPr>
         <p:txBody>
-          <a:bodyPr anchorCtr="0" anchor="t" bIns="91425" lIns="91425" spcFirstLastPara="1" rIns="91425" wrap="square" tIns="91425">
+          <a:bodyPr spcFirstLastPara="1" wrap="square" lIns="91425" tIns="91425" rIns="91425" bIns="91425" anchor="t" anchorCtr="0">
             <a:normAutofit/>
           </a:bodyPr>
           <a:lstStyle>
@@ -2576,15 +2685,19 @@
               <a:defRPr sz="2800"/>
             </a:lvl9pPr>
           </a:lstStyle>
-          <a:p/>
+          <a:p>
+            <a:endParaRPr/>
+          </a:p>
         </p:txBody>
       </p:sp>
       <p:sp>
         <p:nvSpPr>
           <p:cNvPr id="12" name="Google Shape;12;p2"/>
-          <p:cNvSpPr txBox="1"/>
+          <p:cNvSpPr txBox="1">
+            <a:spLocks noGrp="1"/>
+          </p:cNvSpPr>
           <p:nvPr>
-            <p:ph idx="12" type="sldNum"/>
+            <p:ph type="sldNum" idx="12"/>
           </p:nvPr>
         </p:nvSpPr>
         <p:spPr>
@@ -2597,7 +2710,7 @@
           </a:prstGeom>
         </p:spPr>
         <p:txBody>
-          <a:bodyPr anchorCtr="0" anchor="ctr" bIns="91425" lIns="91425" spcFirstLastPara="1" rIns="91425" wrap="square" tIns="91425">
+          <a:bodyPr spcFirstLastPara="1" wrap="square" lIns="91425" tIns="91425" rIns="91425" bIns="91425" anchor="ctr" anchorCtr="0">
             <a:normAutofit/>
           </a:bodyPr>
           <a:lstStyle>
@@ -2639,7 +2752,7 @@
             </a:lvl9pPr>
           </a:lstStyle>
           <a:p>
-            <a:pPr indent="0" lvl="0" marL="0" rtl="0" algn="r">
+            <a:pPr marL="0" lvl="0" indent="0" algn="r" rtl="0">
               <a:spcBef>
                 <a:spcPts val="0"/>
               </a:spcBef>
@@ -2650,7 +2763,7 @@
             </a:pPr>
             <a:fld id="{00000000-1234-1234-1234-123412341234}" type="slidenum">
               <a:rPr lang="es"/>
-              <a:t>‹#›</a:t>
+              <a:t>‹Nº›</a:t>
             </a:fld>
             <a:endParaRPr/>
           </a:p>
@@ -2665,11 +2778,11 @@
 </file>
 
 <file path=ppt/slideLayouts/slideLayout10.xml><?xml version="1.0" encoding="utf-8"?>
-<p:sldLayout xmlns:a="http://schemas.openxmlformats.org/drawingml/2006/main" xmlns:r="http://schemas.openxmlformats.org/officeDocument/2006/relationships" xmlns:mc="http://schemas.openxmlformats.org/markup-compatibility/2006" xmlns:mv="urn:schemas-microsoft-com:mac:vml" xmlns:p="http://schemas.openxmlformats.org/presentationml/2006/main" xmlns:c="http://schemas.openxmlformats.org/drawingml/2006/chart" xmlns:dgm="http://schemas.openxmlformats.org/drawingml/2006/diagram" xmlns:o="urn:schemas-microsoft-com:office:office" xmlns:v="urn:schemas-microsoft-com:vml" xmlns:pvml="urn:schemas-microsoft-com:office:powerpoint" xmlns:com="http://schemas.openxmlformats.org/drawingml/2006/compatibility" xmlns:p14="http://schemas.microsoft.com/office/powerpoint/2010/main" xmlns:p15="http://schemas.microsoft.com/office/powerpoint/2012/main" xmlns:ahyp="http://schemas.microsoft.com/office/drawing/2018/hyperlinkcolor" matchingName="Big number">
+<p:sldLayout xmlns:a="http://schemas.openxmlformats.org/drawingml/2006/main" xmlns:r="http://schemas.openxmlformats.org/officeDocument/2006/relationships" xmlns:p="http://schemas.openxmlformats.org/presentationml/2006/main" matchingName="Big number">
   <p:cSld name="BIG_NUMBER">
     <p:spTree>
       <p:nvGrpSpPr>
-        <p:cNvPr id="44" name="Shape 44"/>
+        <p:cNvPr id="1" name="Shape 44"/>
         <p:cNvGrpSpPr/>
         <p:nvPr/>
       </p:nvGrpSpPr>
@@ -2684,9 +2797,11 @@
       <p:sp>
         <p:nvSpPr>
           <p:cNvPr id="45" name="Google Shape;45;p11"/>
-          <p:cNvSpPr txBox="1"/>
+          <p:cNvSpPr txBox="1">
+            <a:spLocks noGrp="1"/>
+          </p:cNvSpPr>
           <p:nvPr>
-            <p:ph hasCustomPrompt="1" type="title"/>
+            <p:ph type="title" hasCustomPrompt="1"/>
           </p:nvPr>
         </p:nvSpPr>
         <p:spPr>
@@ -2699,7 +2814,7 @@
           </a:prstGeom>
         </p:spPr>
         <p:txBody>
-          <a:bodyPr anchorCtr="0" anchor="b" bIns="91425" lIns="91425" spcFirstLastPara="1" rIns="91425" wrap="square" tIns="91425">
+          <a:bodyPr spcFirstLastPara="1" wrap="square" lIns="91425" tIns="91425" rIns="91425" bIns="91425" anchor="b" anchorCtr="0">
             <a:normAutofit/>
           </a:bodyPr>
           <a:lstStyle>
@@ -2813,9 +2928,11 @@
       <p:sp>
         <p:nvSpPr>
           <p:cNvPr id="46" name="Google Shape;46;p11"/>
-          <p:cNvSpPr txBox="1"/>
+          <p:cNvSpPr txBox="1">
+            <a:spLocks noGrp="1"/>
+          </p:cNvSpPr>
           <p:nvPr>
-            <p:ph idx="1" type="body"/>
+            <p:ph type="body" idx="1"/>
           </p:nvPr>
         </p:nvSpPr>
         <p:spPr>
@@ -2828,11 +2945,11 @@
           </a:prstGeom>
         </p:spPr>
         <p:txBody>
-          <a:bodyPr anchorCtr="0" anchor="t" bIns="91425" lIns="91425" spcFirstLastPara="1" rIns="91425" wrap="square" tIns="91425">
+          <a:bodyPr spcFirstLastPara="1" wrap="square" lIns="91425" tIns="91425" rIns="91425" bIns="91425" anchor="t" anchorCtr="0">
             <a:normAutofit/>
           </a:bodyPr>
           <a:lstStyle>
-            <a:lvl1pPr indent="-342900" lvl="0" marL="457200" algn="ctr">
+            <a:lvl1pPr marL="457200" lvl="0" indent="-342900" algn="ctr">
               <a:spcBef>
                 <a:spcPts val="0"/>
               </a:spcBef>
@@ -2843,7 +2960,7 @@
               <a:buChar char="●"/>
               <a:defRPr/>
             </a:lvl1pPr>
-            <a:lvl2pPr indent="-317500" lvl="1" marL="914400" algn="ctr">
+            <a:lvl2pPr marL="914400" lvl="1" indent="-317500" algn="ctr">
               <a:spcBef>
                 <a:spcPts val="0"/>
               </a:spcBef>
@@ -2854,7 +2971,7 @@
               <a:buChar char="○"/>
               <a:defRPr/>
             </a:lvl2pPr>
-            <a:lvl3pPr indent="-317500" lvl="2" marL="1371600" algn="ctr">
+            <a:lvl3pPr marL="1371600" lvl="2" indent="-317500" algn="ctr">
               <a:spcBef>
                 <a:spcPts val="0"/>
               </a:spcBef>
@@ -2865,7 +2982,7 @@
               <a:buChar char="■"/>
               <a:defRPr/>
             </a:lvl3pPr>
-            <a:lvl4pPr indent="-317500" lvl="3" marL="1828800" algn="ctr">
+            <a:lvl4pPr marL="1828800" lvl="3" indent="-317500" algn="ctr">
               <a:spcBef>
                 <a:spcPts val="0"/>
               </a:spcBef>
@@ -2876,7 +2993,7 @@
               <a:buChar char="●"/>
               <a:defRPr/>
             </a:lvl4pPr>
-            <a:lvl5pPr indent="-317500" lvl="4" marL="2286000" algn="ctr">
+            <a:lvl5pPr marL="2286000" lvl="4" indent="-317500" algn="ctr">
               <a:spcBef>
                 <a:spcPts val="0"/>
               </a:spcBef>
@@ -2887,7 +3004,7 @@
               <a:buChar char="○"/>
               <a:defRPr/>
             </a:lvl5pPr>
-            <a:lvl6pPr indent="-317500" lvl="5" marL="2743200" algn="ctr">
+            <a:lvl6pPr marL="2743200" lvl="5" indent="-317500" algn="ctr">
               <a:spcBef>
                 <a:spcPts val="0"/>
               </a:spcBef>
@@ -2898,7 +3015,7 @@
               <a:buChar char="■"/>
               <a:defRPr/>
             </a:lvl6pPr>
-            <a:lvl7pPr indent="-317500" lvl="6" marL="3200400" algn="ctr">
+            <a:lvl7pPr marL="3200400" lvl="6" indent="-317500" algn="ctr">
               <a:spcBef>
                 <a:spcPts val="0"/>
               </a:spcBef>
@@ -2909,7 +3026,7 @@
               <a:buChar char="●"/>
               <a:defRPr/>
             </a:lvl7pPr>
-            <a:lvl8pPr indent="-317500" lvl="7" marL="3657600" algn="ctr">
+            <a:lvl8pPr marL="3657600" lvl="7" indent="-317500" algn="ctr">
               <a:spcBef>
                 <a:spcPts val="0"/>
               </a:spcBef>
@@ -2920,7 +3037,7 @@
               <a:buChar char="○"/>
               <a:defRPr/>
             </a:lvl8pPr>
-            <a:lvl9pPr indent="-317500" lvl="8" marL="4114800" algn="ctr">
+            <a:lvl9pPr marL="4114800" lvl="8" indent="-317500" algn="ctr">
               <a:spcBef>
                 <a:spcPts val="0"/>
               </a:spcBef>
@@ -2932,15 +3049,19 @@
               <a:defRPr/>
             </a:lvl9pPr>
           </a:lstStyle>
-          <a:p/>
+          <a:p>
+            <a:endParaRPr/>
+          </a:p>
         </p:txBody>
       </p:sp>
       <p:sp>
         <p:nvSpPr>
           <p:cNvPr id="47" name="Google Shape;47;p11"/>
-          <p:cNvSpPr txBox="1"/>
+          <p:cNvSpPr txBox="1">
+            <a:spLocks noGrp="1"/>
+          </p:cNvSpPr>
           <p:nvPr>
-            <p:ph idx="12" type="sldNum"/>
+            <p:ph type="sldNum" idx="12"/>
           </p:nvPr>
         </p:nvSpPr>
         <p:spPr>
@@ -2953,7 +3074,7 @@
           </a:prstGeom>
         </p:spPr>
         <p:txBody>
-          <a:bodyPr anchorCtr="0" anchor="ctr" bIns="91425" lIns="91425" spcFirstLastPara="1" rIns="91425" wrap="square" tIns="91425">
+          <a:bodyPr spcFirstLastPara="1" wrap="square" lIns="91425" tIns="91425" rIns="91425" bIns="91425" anchor="ctr" anchorCtr="0">
             <a:normAutofit/>
           </a:bodyPr>
           <a:lstStyle>
@@ -2995,7 +3116,7 @@
             </a:lvl9pPr>
           </a:lstStyle>
           <a:p>
-            <a:pPr indent="0" lvl="0" marL="0" rtl="0" algn="r">
+            <a:pPr marL="0" lvl="0" indent="0" algn="r" rtl="0">
               <a:spcBef>
                 <a:spcPts val="0"/>
               </a:spcBef>
@@ -3006,7 +3127,7 @@
             </a:pPr>
             <a:fld id="{00000000-1234-1234-1234-123412341234}" type="slidenum">
               <a:rPr lang="es"/>
-              <a:t>‹#›</a:t>
+              <a:t>‹Nº›</a:t>
             </a:fld>
             <a:endParaRPr/>
           </a:p>
@@ -3021,11 +3142,11 @@
 </file>
 
 <file path=ppt/slideLayouts/slideLayout11.xml><?xml version="1.0" encoding="utf-8"?>
-<p:sldLayout xmlns:a="http://schemas.openxmlformats.org/drawingml/2006/main" xmlns:r="http://schemas.openxmlformats.org/officeDocument/2006/relationships" xmlns:mc="http://schemas.openxmlformats.org/markup-compatibility/2006" xmlns:mv="urn:schemas-microsoft-com:mac:vml" xmlns:p="http://schemas.openxmlformats.org/presentationml/2006/main" xmlns:c="http://schemas.openxmlformats.org/drawingml/2006/chart" xmlns:dgm="http://schemas.openxmlformats.org/drawingml/2006/diagram" xmlns:o="urn:schemas-microsoft-com:office:office" xmlns:v="urn:schemas-microsoft-com:vml" xmlns:pvml="urn:schemas-microsoft-com:office:powerpoint" xmlns:com="http://schemas.openxmlformats.org/drawingml/2006/compatibility" xmlns:p14="http://schemas.microsoft.com/office/powerpoint/2010/main" xmlns:p15="http://schemas.microsoft.com/office/powerpoint/2012/main" xmlns:ahyp="http://schemas.microsoft.com/office/drawing/2018/hyperlinkcolor" matchingName="Blank" type="blank">
+<p:sldLayout xmlns:a="http://schemas.openxmlformats.org/drawingml/2006/main" xmlns:r="http://schemas.openxmlformats.org/officeDocument/2006/relationships" xmlns:p="http://schemas.openxmlformats.org/presentationml/2006/main" matchingName="Blank" type="blank">
   <p:cSld name="BLANK">
     <p:spTree>
       <p:nvGrpSpPr>
-        <p:cNvPr id="48" name="Shape 48"/>
+        <p:cNvPr id="1" name="Shape 48"/>
         <p:cNvGrpSpPr/>
         <p:nvPr/>
       </p:nvGrpSpPr>
@@ -3040,9 +3161,11 @@
       <p:sp>
         <p:nvSpPr>
           <p:cNvPr id="49" name="Google Shape;49;p12"/>
-          <p:cNvSpPr txBox="1"/>
+          <p:cNvSpPr txBox="1">
+            <a:spLocks noGrp="1"/>
+          </p:cNvSpPr>
           <p:nvPr>
-            <p:ph idx="12" type="sldNum"/>
+            <p:ph type="sldNum" idx="12"/>
           </p:nvPr>
         </p:nvSpPr>
         <p:spPr>
@@ -3055,7 +3178,7 @@
           </a:prstGeom>
         </p:spPr>
         <p:txBody>
-          <a:bodyPr anchorCtr="0" anchor="ctr" bIns="91425" lIns="91425" spcFirstLastPara="1" rIns="91425" wrap="square" tIns="91425">
+          <a:bodyPr spcFirstLastPara="1" wrap="square" lIns="91425" tIns="91425" rIns="91425" bIns="91425" anchor="ctr" anchorCtr="0">
             <a:normAutofit/>
           </a:bodyPr>
           <a:lstStyle>
@@ -3097,7 +3220,7 @@
             </a:lvl9pPr>
           </a:lstStyle>
           <a:p>
-            <a:pPr indent="0" lvl="0" marL="0" rtl="0" algn="r">
+            <a:pPr marL="0" lvl="0" indent="0" algn="r" rtl="0">
               <a:spcBef>
                 <a:spcPts val="0"/>
               </a:spcBef>
@@ -3108,7 +3231,7 @@
             </a:pPr>
             <a:fld id="{00000000-1234-1234-1234-123412341234}" type="slidenum">
               <a:rPr lang="es"/>
-              <a:t>‹#›</a:t>
+              <a:t>‹Nº›</a:t>
             </a:fld>
             <a:endParaRPr/>
           </a:p>
@@ -3123,11 +3246,11 @@
 </file>
 
 <file path=ppt/slideLayouts/slideLayout2.xml><?xml version="1.0" encoding="utf-8"?>
-<p:sldLayout xmlns:a="http://schemas.openxmlformats.org/drawingml/2006/main" xmlns:r="http://schemas.openxmlformats.org/officeDocument/2006/relationships" xmlns:mc="http://schemas.openxmlformats.org/markup-compatibility/2006" xmlns:mv="urn:schemas-microsoft-com:mac:vml" xmlns:p="http://schemas.openxmlformats.org/presentationml/2006/main" xmlns:c="http://schemas.openxmlformats.org/drawingml/2006/chart" xmlns:dgm="http://schemas.openxmlformats.org/drawingml/2006/diagram" xmlns:o="urn:schemas-microsoft-com:office:office" xmlns:v="urn:schemas-microsoft-com:vml" xmlns:pvml="urn:schemas-microsoft-com:office:powerpoint" xmlns:com="http://schemas.openxmlformats.org/drawingml/2006/compatibility" xmlns:p14="http://schemas.microsoft.com/office/powerpoint/2010/main" xmlns:p15="http://schemas.microsoft.com/office/powerpoint/2012/main" xmlns:ahyp="http://schemas.microsoft.com/office/drawing/2018/hyperlinkcolor" matchingName="Section header" type="secHead">
+<p:sldLayout xmlns:a="http://schemas.openxmlformats.org/drawingml/2006/main" xmlns:r="http://schemas.openxmlformats.org/officeDocument/2006/relationships" xmlns:p="http://schemas.openxmlformats.org/presentationml/2006/main" matchingName="Section header" type="secHead">
   <p:cSld name="SECTION_HEADER">
     <p:spTree>
       <p:nvGrpSpPr>
-        <p:cNvPr id="13" name="Shape 13"/>
+        <p:cNvPr id="1" name="Shape 13"/>
         <p:cNvGrpSpPr/>
         <p:nvPr/>
       </p:nvGrpSpPr>
@@ -3142,7 +3265,9 @@
       <p:sp>
         <p:nvSpPr>
           <p:cNvPr id="14" name="Google Shape;14;p3"/>
-          <p:cNvSpPr txBox="1"/>
+          <p:cNvSpPr txBox="1">
+            <a:spLocks noGrp="1"/>
+          </p:cNvSpPr>
           <p:nvPr>
             <p:ph type="title"/>
           </p:nvPr>
@@ -3157,7 +3282,7 @@
           </a:prstGeom>
         </p:spPr>
         <p:txBody>
-          <a:bodyPr anchorCtr="0" anchor="ctr" bIns="91425" lIns="91425" spcFirstLastPara="1" rIns="91425" wrap="square" tIns="91425">
+          <a:bodyPr spcFirstLastPara="1" wrap="square" lIns="91425" tIns="91425" rIns="91425" bIns="91425" anchor="ctr" anchorCtr="0">
             <a:normAutofit/>
           </a:bodyPr>
           <a:lstStyle>
@@ -3261,15 +3386,19 @@
               <a:defRPr sz="3600"/>
             </a:lvl9pPr>
           </a:lstStyle>
-          <a:p/>
+          <a:p>
+            <a:endParaRPr/>
+          </a:p>
         </p:txBody>
       </p:sp>
       <p:sp>
         <p:nvSpPr>
           <p:cNvPr id="15" name="Google Shape;15;p3"/>
-          <p:cNvSpPr txBox="1"/>
+          <p:cNvSpPr txBox="1">
+            <a:spLocks noGrp="1"/>
+          </p:cNvSpPr>
           <p:nvPr>
-            <p:ph idx="12" type="sldNum"/>
+            <p:ph type="sldNum" idx="12"/>
           </p:nvPr>
         </p:nvSpPr>
         <p:spPr>
@@ -3282,7 +3411,7 @@
           </a:prstGeom>
         </p:spPr>
         <p:txBody>
-          <a:bodyPr anchorCtr="0" anchor="ctr" bIns="91425" lIns="91425" spcFirstLastPara="1" rIns="91425" wrap="square" tIns="91425">
+          <a:bodyPr spcFirstLastPara="1" wrap="square" lIns="91425" tIns="91425" rIns="91425" bIns="91425" anchor="ctr" anchorCtr="0">
             <a:normAutofit/>
           </a:bodyPr>
           <a:lstStyle>
@@ -3324,7 +3453,7 @@
             </a:lvl9pPr>
           </a:lstStyle>
           <a:p>
-            <a:pPr indent="0" lvl="0" marL="0" rtl="0" algn="r">
+            <a:pPr marL="0" lvl="0" indent="0" algn="r" rtl="0">
               <a:spcBef>
                 <a:spcPts val="0"/>
               </a:spcBef>
@@ -3335,7 +3464,7 @@
             </a:pPr>
             <a:fld id="{00000000-1234-1234-1234-123412341234}" type="slidenum">
               <a:rPr lang="es"/>
-              <a:t>‹#›</a:t>
+              <a:t>‹Nº›</a:t>
             </a:fld>
             <a:endParaRPr/>
           </a:p>
@@ -3350,11 +3479,11 @@
 </file>
 
 <file path=ppt/slideLayouts/slideLayout3.xml><?xml version="1.0" encoding="utf-8"?>
-<p:sldLayout xmlns:a="http://schemas.openxmlformats.org/drawingml/2006/main" xmlns:r="http://schemas.openxmlformats.org/officeDocument/2006/relationships" xmlns:mc="http://schemas.openxmlformats.org/markup-compatibility/2006" xmlns:mv="urn:schemas-microsoft-com:mac:vml" xmlns:p="http://schemas.openxmlformats.org/presentationml/2006/main" xmlns:c="http://schemas.openxmlformats.org/drawingml/2006/chart" xmlns:dgm="http://schemas.openxmlformats.org/drawingml/2006/diagram" xmlns:o="urn:schemas-microsoft-com:office:office" xmlns:v="urn:schemas-microsoft-com:vml" xmlns:pvml="urn:schemas-microsoft-com:office:powerpoint" xmlns:com="http://schemas.openxmlformats.org/drawingml/2006/compatibility" xmlns:p14="http://schemas.microsoft.com/office/powerpoint/2010/main" xmlns:p15="http://schemas.microsoft.com/office/powerpoint/2012/main" xmlns:ahyp="http://schemas.microsoft.com/office/drawing/2018/hyperlinkcolor" matchingName="Title and body" type="tx">
+<p:sldLayout xmlns:a="http://schemas.openxmlformats.org/drawingml/2006/main" xmlns:r="http://schemas.openxmlformats.org/officeDocument/2006/relationships" xmlns:p="http://schemas.openxmlformats.org/presentationml/2006/main" matchingName="Title and body" type="tx">
   <p:cSld name="TITLE_AND_BODY">
     <p:spTree>
       <p:nvGrpSpPr>
-        <p:cNvPr id="16" name="Shape 16"/>
+        <p:cNvPr id="1" name="Shape 16"/>
         <p:cNvGrpSpPr/>
         <p:nvPr/>
       </p:nvGrpSpPr>
@@ -3369,7 +3498,9 @@
       <p:sp>
         <p:nvSpPr>
           <p:cNvPr id="17" name="Google Shape;17;p4"/>
-          <p:cNvSpPr txBox="1"/>
+          <p:cNvSpPr txBox="1">
+            <a:spLocks noGrp="1"/>
+          </p:cNvSpPr>
           <p:nvPr>
             <p:ph type="title"/>
           </p:nvPr>
@@ -3384,7 +3515,7 @@
           </a:prstGeom>
         </p:spPr>
         <p:txBody>
-          <a:bodyPr anchorCtr="0" anchor="t" bIns="91425" lIns="91425" spcFirstLastPara="1" rIns="91425" wrap="square" tIns="91425">
+          <a:bodyPr spcFirstLastPara="1" wrap="square" lIns="91425" tIns="91425" rIns="91425" bIns="91425" anchor="t" anchorCtr="0">
             <a:normAutofit/>
           </a:bodyPr>
           <a:lstStyle>
@@ -3488,15 +3619,19 @@
               <a:defRPr/>
             </a:lvl9pPr>
           </a:lstStyle>
-          <a:p/>
+          <a:p>
+            <a:endParaRPr/>
+          </a:p>
         </p:txBody>
       </p:sp>
       <p:sp>
         <p:nvSpPr>
           <p:cNvPr id="18" name="Google Shape;18;p4"/>
-          <p:cNvSpPr txBox="1"/>
+          <p:cNvSpPr txBox="1">
+            <a:spLocks noGrp="1"/>
+          </p:cNvSpPr>
           <p:nvPr>
-            <p:ph idx="1" type="body"/>
+            <p:ph type="body" idx="1"/>
           </p:nvPr>
         </p:nvSpPr>
         <p:spPr>
@@ -3509,11 +3644,11 @@
           </a:prstGeom>
         </p:spPr>
         <p:txBody>
-          <a:bodyPr anchorCtr="0" anchor="t" bIns="91425" lIns="91425" spcFirstLastPara="1" rIns="91425" wrap="square" tIns="91425">
+          <a:bodyPr spcFirstLastPara="1" wrap="square" lIns="91425" tIns="91425" rIns="91425" bIns="91425" anchor="t" anchorCtr="0">
             <a:normAutofit/>
           </a:bodyPr>
           <a:lstStyle>
-            <a:lvl1pPr indent="-342900" lvl="0" marL="457200">
+            <a:lvl1pPr marL="457200" lvl="0" indent="-342900">
               <a:spcBef>
                 <a:spcPts val="0"/>
               </a:spcBef>
@@ -3524,7 +3659,7 @@
               <a:buChar char="●"/>
               <a:defRPr/>
             </a:lvl1pPr>
-            <a:lvl2pPr indent="-317500" lvl="1" marL="914400">
+            <a:lvl2pPr marL="914400" lvl="1" indent="-317500">
               <a:spcBef>
                 <a:spcPts val="0"/>
               </a:spcBef>
@@ -3535,7 +3670,7 @@
               <a:buChar char="○"/>
               <a:defRPr/>
             </a:lvl2pPr>
-            <a:lvl3pPr indent="-317500" lvl="2" marL="1371600">
+            <a:lvl3pPr marL="1371600" lvl="2" indent="-317500">
               <a:spcBef>
                 <a:spcPts val="0"/>
               </a:spcBef>
@@ -3546,7 +3681,7 @@
               <a:buChar char="■"/>
               <a:defRPr/>
             </a:lvl3pPr>
-            <a:lvl4pPr indent="-317500" lvl="3" marL="1828800">
+            <a:lvl4pPr marL="1828800" lvl="3" indent="-317500">
               <a:spcBef>
                 <a:spcPts val="0"/>
               </a:spcBef>
@@ -3557,7 +3692,7 @@
               <a:buChar char="●"/>
               <a:defRPr/>
             </a:lvl4pPr>
-            <a:lvl5pPr indent="-317500" lvl="4" marL="2286000">
+            <a:lvl5pPr marL="2286000" lvl="4" indent="-317500">
               <a:spcBef>
                 <a:spcPts val="0"/>
               </a:spcBef>
@@ -3568,7 +3703,7 @@
               <a:buChar char="○"/>
               <a:defRPr/>
             </a:lvl5pPr>
-            <a:lvl6pPr indent="-317500" lvl="5" marL="2743200">
+            <a:lvl6pPr marL="2743200" lvl="5" indent="-317500">
               <a:spcBef>
                 <a:spcPts val="0"/>
               </a:spcBef>
@@ -3579,7 +3714,7 @@
               <a:buChar char="■"/>
               <a:defRPr/>
             </a:lvl6pPr>
-            <a:lvl7pPr indent="-317500" lvl="6" marL="3200400">
+            <a:lvl7pPr marL="3200400" lvl="6" indent="-317500">
               <a:spcBef>
                 <a:spcPts val="0"/>
               </a:spcBef>
@@ -3590,7 +3725,7 @@
               <a:buChar char="●"/>
               <a:defRPr/>
             </a:lvl7pPr>
-            <a:lvl8pPr indent="-317500" lvl="7" marL="3657600">
+            <a:lvl8pPr marL="3657600" lvl="7" indent="-317500">
               <a:spcBef>
                 <a:spcPts val="0"/>
               </a:spcBef>
@@ -3601,7 +3736,7 @@
               <a:buChar char="○"/>
               <a:defRPr/>
             </a:lvl8pPr>
-            <a:lvl9pPr indent="-317500" lvl="8" marL="4114800">
+            <a:lvl9pPr marL="4114800" lvl="8" indent="-317500">
               <a:spcBef>
                 <a:spcPts val="0"/>
               </a:spcBef>
@@ -3613,15 +3748,19 @@
               <a:defRPr/>
             </a:lvl9pPr>
           </a:lstStyle>
-          <a:p/>
+          <a:p>
+            <a:endParaRPr/>
+          </a:p>
         </p:txBody>
       </p:sp>
       <p:sp>
         <p:nvSpPr>
           <p:cNvPr id="19" name="Google Shape;19;p4"/>
-          <p:cNvSpPr txBox="1"/>
+          <p:cNvSpPr txBox="1">
+            <a:spLocks noGrp="1"/>
+          </p:cNvSpPr>
           <p:nvPr>
-            <p:ph idx="12" type="sldNum"/>
+            <p:ph type="sldNum" idx="12"/>
           </p:nvPr>
         </p:nvSpPr>
         <p:spPr>
@@ -3634,7 +3773,7 @@
           </a:prstGeom>
         </p:spPr>
         <p:txBody>
-          <a:bodyPr anchorCtr="0" anchor="ctr" bIns="91425" lIns="91425" spcFirstLastPara="1" rIns="91425" wrap="square" tIns="91425">
+          <a:bodyPr spcFirstLastPara="1" wrap="square" lIns="91425" tIns="91425" rIns="91425" bIns="91425" anchor="ctr" anchorCtr="0">
             <a:normAutofit/>
           </a:bodyPr>
           <a:lstStyle>
@@ -3676,7 +3815,7 @@
             </a:lvl9pPr>
           </a:lstStyle>
           <a:p>
-            <a:pPr indent="0" lvl="0" marL="0" rtl="0" algn="r">
+            <a:pPr marL="0" lvl="0" indent="0" algn="r" rtl="0">
               <a:spcBef>
                 <a:spcPts val="0"/>
               </a:spcBef>
@@ -3687,7 +3826,7 @@
             </a:pPr>
             <a:fld id="{00000000-1234-1234-1234-123412341234}" type="slidenum">
               <a:rPr lang="es"/>
-              <a:t>‹#›</a:t>
+              <a:t>‹Nº›</a:t>
             </a:fld>
             <a:endParaRPr/>
           </a:p>
@@ -3702,11 +3841,11 @@
 </file>
 
 <file path=ppt/slideLayouts/slideLayout4.xml><?xml version="1.0" encoding="utf-8"?>
-<p:sldLayout xmlns:a="http://schemas.openxmlformats.org/drawingml/2006/main" xmlns:r="http://schemas.openxmlformats.org/officeDocument/2006/relationships" xmlns:mc="http://schemas.openxmlformats.org/markup-compatibility/2006" xmlns:mv="urn:schemas-microsoft-com:mac:vml" xmlns:p="http://schemas.openxmlformats.org/presentationml/2006/main" xmlns:c="http://schemas.openxmlformats.org/drawingml/2006/chart" xmlns:dgm="http://schemas.openxmlformats.org/drawingml/2006/diagram" xmlns:o="urn:schemas-microsoft-com:office:office" xmlns:v="urn:schemas-microsoft-com:vml" xmlns:pvml="urn:schemas-microsoft-com:office:powerpoint" xmlns:com="http://schemas.openxmlformats.org/drawingml/2006/compatibility" xmlns:p14="http://schemas.microsoft.com/office/powerpoint/2010/main" xmlns:p15="http://schemas.microsoft.com/office/powerpoint/2012/main" xmlns:ahyp="http://schemas.microsoft.com/office/drawing/2018/hyperlinkcolor" matchingName="Title and two columns" type="twoColTx">
+<p:sldLayout xmlns:a="http://schemas.openxmlformats.org/drawingml/2006/main" xmlns:r="http://schemas.openxmlformats.org/officeDocument/2006/relationships" xmlns:p="http://schemas.openxmlformats.org/presentationml/2006/main" matchingName="Title and two columns" type="twoColTx">
   <p:cSld name="TITLE_AND_TWO_COLUMNS">
     <p:spTree>
       <p:nvGrpSpPr>
-        <p:cNvPr id="20" name="Shape 20"/>
+        <p:cNvPr id="1" name="Shape 20"/>
         <p:cNvGrpSpPr/>
         <p:nvPr/>
       </p:nvGrpSpPr>
@@ -3721,7 +3860,9 @@
       <p:sp>
         <p:nvSpPr>
           <p:cNvPr id="21" name="Google Shape;21;p5"/>
-          <p:cNvSpPr txBox="1"/>
+          <p:cNvSpPr txBox="1">
+            <a:spLocks noGrp="1"/>
+          </p:cNvSpPr>
           <p:nvPr>
             <p:ph type="title"/>
           </p:nvPr>
@@ -3736,7 +3877,7 @@
           </a:prstGeom>
         </p:spPr>
         <p:txBody>
-          <a:bodyPr anchorCtr="0" anchor="t" bIns="91425" lIns="91425" spcFirstLastPara="1" rIns="91425" wrap="square" tIns="91425">
+          <a:bodyPr spcFirstLastPara="1" wrap="square" lIns="91425" tIns="91425" rIns="91425" bIns="91425" anchor="t" anchorCtr="0">
             <a:normAutofit/>
           </a:bodyPr>
           <a:lstStyle>
@@ -3840,15 +3981,19 @@
               <a:defRPr/>
             </a:lvl9pPr>
           </a:lstStyle>
-          <a:p/>
+          <a:p>
+            <a:endParaRPr/>
+          </a:p>
         </p:txBody>
       </p:sp>
       <p:sp>
         <p:nvSpPr>
           <p:cNvPr id="22" name="Google Shape;22;p5"/>
-          <p:cNvSpPr txBox="1"/>
+          <p:cNvSpPr txBox="1">
+            <a:spLocks noGrp="1"/>
+          </p:cNvSpPr>
           <p:nvPr>
-            <p:ph idx="1" type="body"/>
+            <p:ph type="body" idx="1"/>
           </p:nvPr>
         </p:nvSpPr>
         <p:spPr>
@@ -3861,11 +4006,11 @@
           </a:prstGeom>
         </p:spPr>
         <p:txBody>
-          <a:bodyPr anchorCtr="0" anchor="t" bIns="91425" lIns="91425" spcFirstLastPara="1" rIns="91425" wrap="square" tIns="91425">
+          <a:bodyPr spcFirstLastPara="1" wrap="square" lIns="91425" tIns="91425" rIns="91425" bIns="91425" anchor="t" anchorCtr="0">
             <a:normAutofit/>
           </a:bodyPr>
           <a:lstStyle>
-            <a:lvl1pPr indent="-317500" lvl="0" marL="457200">
+            <a:lvl1pPr marL="457200" lvl="0" indent="-317500">
               <a:spcBef>
                 <a:spcPts val="0"/>
               </a:spcBef>
@@ -3876,7 +4021,7 @@
               <a:buChar char="●"/>
               <a:defRPr sz="1400"/>
             </a:lvl1pPr>
-            <a:lvl2pPr indent="-304800" lvl="1" marL="914400">
+            <a:lvl2pPr marL="914400" lvl="1" indent="-304800">
               <a:spcBef>
                 <a:spcPts val="0"/>
               </a:spcBef>
@@ -3887,7 +4032,7 @@
               <a:buChar char="○"/>
               <a:defRPr sz="1200"/>
             </a:lvl2pPr>
-            <a:lvl3pPr indent="-304800" lvl="2" marL="1371600">
+            <a:lvl3pPr marL="1371600" lvl="2" indent="-304800">
               <a:spcBef>
                 <a:spcPts val="0"/>
               </a:spcBef>
@@ -3898,7 +4043,7 @@
               <a:buChar char="■"/>
               <a:defRPr sz="1200"/>
             </a:lvl3pPr>
-            <a:lvl4pPr indent="-304800" lvl="3" marL="1828800">
+            <a:lvl4pPr marL="1828800" lvl="3" indent="-304800">
               <a:spcBef>
                 <a:spcPts val="0"/>
               </a:spcBef>
@@ -3909,7 +4054,7 @@
               <a:buChar char="●"/>
               <a:defRPr sz="1200"/>
             </a:lvl4pPr>
-            <a:lvl5pPr indent="-304800" lvl="4" marL="2286000">
+            <a:lvl5pPr marL="2286000" lvl="4" indent="-304800">
               <a:spcBef>
                 <a:spcPts val="0"/>
               </a:spcBef>
@@ -3920,7 +4065,7 @@
               <a:buChar char="○"/>
               <a:defRPr sz="1200"/>
             </a:lvl5pPr>
-            <a:lvl6pPr indent="-304800" lvl="5" marL="2743200">
+            <a:lvl6pPr marL="2743200" lvl="5" indent="-304800">
               <a:spcBef>
                 <a:spcPts val="0"/>
               </a:spcBef>
@@ -3931,7 +4076,7 @@
               <a:buChar char="■"/>
               <a:defRPr sz="1200"/>
             </a:lvl6pPr>
-            <a:lvl7pPr indent="-304800" lvl="6" marL="3200400">
+            <a:lvl7pPr marL="3200400" lvl="6" indent="-304800">
               <a:spcBef>
                 <a:spcPts val="0"/>
               </a:spcBef>
@@ -3942,7 +4087,7 @@
               <a:buChar char="●"/>
               <a:defRPr sz="1200"/>
             </a:lvl7pPr>
-            <a:lvl8pPr indent="-304800" lvl="7" marL="3657600">
+            <a:lvl8pPr marL="3657600" lvl="7" indent="-304800">
               <a:spcBef>
                 <a:spcPts val="0"/>
               </a:spcBef>
@@ -3953,7 +4098,7 @@
               <a:buChar char="○"/>
               <a:defRPr sz="1200"/>
             </a:lvl8pPr>
-            <a:lvl9pPr indent="-304800" lvl="8" marL="4114800">
+            <a:lvl9pPr marL="4114800" lvl="8" indent="-304800">
               <a:spcBef>
                 <a:spcPts val="0"/>
               </a:spcBef>
@@ -3965,15 +4110,19 @@
               <a:defRPr sz="1200"/>
             </a:lvl9pPr>
           </a:lstStyle>
-          <a:p/>
+          <a:p>
+            <a:endParaRPr/>
+          </a:p>
         </p:txBody>
       </p:sp>
       <p:sp>
         <p:nvSpPr>
           <p:cNvPr id="23" name="Google Shape;23;p5"/>
-          <p:cNvSpPr txBox="1"/>
+          <p:cNvSpPr txBox="1">
+            <a:spLocks noGrp="1"/>
+          </p:cNvSpPr>
           <p:nvPr>
-            <p:ph idx="2" type="body"/>
+            <p:ph type="body" idx="2"/>
           </p:nvPr>
         </p:nvSpPr>
         <p:spPr>
@@ -3986,11 +4135,11 @@
           </a:prstGeom>
         </p:spPr>
         <p:txBody>
-          <a:bodyPr anchorCtr="0" anchor="t" bIns="91425" lIns="91425" spcFirstLastPara="1" rIns="91425" wrap="square" tIns="91425">
+          <a:bodyPr spcFirstLastPara="1" wrap="square" lIns="91425" tIns="91425" rIns="91425" bIns="91425" anchor="t" anchorCtr="0">
             <a:normAutofit/>
           </a:bodyPr>
           <a:lstStyle>
-            <a:lvl1pPr indent="-317500" lvl="0" marL="457200">
+            <a:lvl1pPr marL="457200" lvl="0" indent="-317500">
               <a:spcBef>
                 <a:spcPts val="0"/>
               </a:spcBef>
@@ -4001,7 +4150,7 @@
               <a:buChar char="●"/>
               <a:defRPr sz="1400"/>
             </a:lvl1pPr>
-            <a:lvl2pPr indent="-304800" lvl="1" marL="914400">
+            <a:lvl2pPr marL="914400" lvl="1" indent="-304800">
               <a:spcBef>
                 <a:spcPts val="0"/>
               </a:spcBef>
@@ -4012,7 +4161,7 @@
               <a:buChar char="○"/>
               <a:defRPr sz="1200"/>
             </a:lvl2pPr>
-            <a:lvl3pPr indent="-304800" lvl="2" marL="1371600">
+            <a:lvl3pPr marL="1371600" lvl="2" indent="-304800">
               <a:spcBef>
                 <a:spcPts val="0"/>
               </a:spcBef>
@@ -4023,7 +4172,7 @@
               <a:buChar char="■"/>
               <a:defRPr sz="1200"/>
             </a:lvl3pPr>
-            <a:lvl4pPr indent="-304800" lvl="3" marL="1828800">
+            <a:lvl4pPr marL="1828800" lvl="3" indent="-304800">
               <a:spcBef>
                 <a:spcPts val="0"/>
               </a:spcBef>
@@ -4034,7 +4183,7 @@
               <a:buChar char="●"/>
               <a:defRPr sz="1200"/>
             </a:lvl4pPr>
-            <a:lvl5pPr indent="-304800" lvl="4" marL="2286000">
+            <a:lvl5pPr marL="2286000" lvl="4" indent="-304800">
               <a:spcBef>
                 <a:spcPts val="0"/>
               </a:spcBef>
@@ -4045,7 +4194,7 @@
               <a:buChar char="○"/>
               <a:defRPr sz="1200"/>
             </a:lvl5pPr>
-            <a:lvl6pPr indent="-304800" lvl="5" marL="2743200">
+            <a:lvl6pPr marL="2743200" lvl="5" indent="-304800">
               <a:spcBef>
                 <a:spcPts val="0"/>
               </a:spcBef>
@@ -4056,7 +4205,7 @@
               <a:buChar char="■"/>
               <a:defRPr sz="1200"/>
             </a:lvl6pPr>
-            <a:lvl7pPr indent="-304800" lvl="6" marL="3200400">
+            <a:lvl7pPr marL="3200400" lvl="6" indent="-304800">
               <a:spcBef>
                 <a:spcPts val="0"/>
               </a:spcBef>
@@ -4067,7 +4216,7 @@
               <a:buChar char="●"/>
               <a:defRPr sz="1200"/>
             </a:lvl7pPr>
-            <a:lvl8pPr indent="-304800" lvl="7" marL="3657600">
+            <a:lvl8pPr marL="3657600" lvl="7" indent="-304800">
               <a:spcBef>
                 <a:spcPts val="0"/>
               </a:spcBef>
@@ -4078,7 +4227,7 @@
               <a:buChar char="○"/>
               <a:defRPr sz="1200"/>
             </a:lvl8pPr>
-            <a:lvl9pPr indent="-304800" lvl="8" marL="4114800">
+            <a:lvl9pPr marL="4114800" lvl="8" indent="-304800">
               <a:spcBef>
                 <a:spcPts val="0"/>
               </a:spcBef>
@@ -4090,15 +4239,19 @@
               <a:defRPr sz="1200"/>
             </a:lvl9pPr>
           </a:lstStyle>
-          <a:p/>
+          <a:p>
+            <a:endParaRPr/>
+          </a:p>
         </p:txBody>
       </p:sp>
       <p:sp>
         <p:nvSpPr>
           <p:cNvPr id="24" name="Google Shape;24;p5"/>
-          <p:cNvSpPr txBox="1"/>
+          <p:cNvSpPr txBox="1">
+            <a:spLocks noGrp="1"/>
+          </p:cNvSpPr>
           <p:nvPr>
-            <p:ph idx="12" type="sldNum"/>
+            <p:ph type="sldNum" idx="12"/>
           </p:nvPr>
         </p:nvSpPr>
         <p:spPr>
@@ -4111,7 +4264,7 @@
           </a:prstGeom>
         </p:spPr>
         <p:txBody>
-          <a:bodyPr anchorCtr="0" anchor="ctr" bIns="91425" lIns="91425" spcFirstLastPara="1" rIns="91425" wrap="square" tIns="91425">
+          <a:bodyPr spcFirstLastPara="1" wrap="square" lIns="91425" tIns="91425" rIns="91425" bIns="91425" anchor="ctr" anchorCtr="0">
             <a:normAutofit/>
           </a:bodyPr>
           <a:lstStyle>
@@ -4153,7 +4306,7 @@
             </a:lvl9pPr>
           </a:lstStyle>
           <a:p>
-            <a:pPr indent="0" lvl="0" marL="0" rtl="0" algn="r">
+            <a:pPr marL="0" lvl="0" indent="0" algn="r" rtl="0">
               <a:spcBef>
                 <a:spcPts val="0"/>
               </a:spcBef>
@@ -4164,7 +4317,7 @@
             </a:pPr>
             <a:fld id="{00000000-1234-1234-1234-123412341234}" type="slidenum">
               <a:rPr lang="es"/>
-              <a:t>‹#›</a:t>
+              <a:t>‹Nº›</a:t>
             </a:fld>
             <a:endParaRPr/>
           </a:p>
@@ -4179,11 +4332,11 @@
 </file>
 
 <file path=ppt/slideLayouts/slideLayout5.xml><?xml version="1.0" encoding="utf-8"?>
-<p:sldLayout xmlns:a="http://schemas.openxmlformats.org/drawingml/2006/main" xmlns:r="http://schemas.openxmlformats.org/officeDocument/2006/relationships" xmlns:mc="http://schemas.openxmlformats.org/markup-compatibility/2006" xmlns:mv="urn:schemas-microsoft-com:mac:vml" xmlns:p="http://schemas.openxmlformats.org/presentationml/2006/main" xmlns:c="http://schemas.openxmlformats.org/drawingml/2006/chart" xmlns:dgm="http://schemas.openxmlformats.org/drawingml/2006/diagram" xmlns:o="urn:schemas-microsoft-com:office:office" xmlns:v="urn:schemas-microsoft-com:vml" xmlns:pvml="urn:schemas-microsoft-com:office:powerpoint" xmlns:com="http://schemas.openxmlformats.org/drawingml/2006/compatibility" xmlns:p14="http://schemas.microsoft.com/office/powerpoint/2010/main" xmlns:p15="http://schemas.microsoft.com/office/powerpoint/2012/main" xmlns:ahyp="http://schemas.microsoft.com/office/drawing/2018/hyperlinkcolor" matchingName="Title only" type="titleOnly">
+<p:sldLayout xmlns:a="http://schemas.openxmlformats.org/drawingml/2006/main" xmlns:r="http://schemas.openxmlformats.org/officeDocument/2006/relationships" xmlns:p="http://schemas.openxmlformats.org/presentationml/2006/main" matchingName="Title only" type="titleOnly">
   <p:cSld name="TITLE_ONLY">
     <p:spTree>
       <p:nvGrpSpPr>
-        <p:cNvPr id="25" name="Shape 25"/>
+        <p:cNvPr id="1" name="Shape 25"/>
         <p:cNvGrpSpPr/>
         <p:nvPr/>
       </p:nvGrpSpPr>
@@ -4198,7 +4351,9 @@
       <p:sp>
         <p:nvSpPr>
           <p:cNvPr id="26" name="Google Shape;26;p6"/>
-          <p:cNvSpPr txBox="1"/>
+          <p:cNvSpPr txBox="1">
+            <a:spLocks noGrp="1"/>
+          </p:cNvSpPr>
           <p:nvPr>
             <p:ph type="title"/>
           </p:nvPr>
@@ -4213,7 +4368,7 @@
           </a:prstGeom>
         </p:spPr>
         <p:txBody>
-          <a:bodyPr anchorCtr="0" anchor="t" bIns="91425" lIns="91425" spcFirstLastPara="1" rIns="91425" wrap="square" tIns="91425">
+          <a:bodyPr spcFirstLastPara="1" wrap="square" lIns="91425" tIns="91425" rIns="91425" bIns="91425" anchor="t" anchorCtr="0">
             <a:normAutofit/>
           </a:bodyPr>
           <a:lstStyle>
@@ -4317,15 +4472,19 @@
               <a:defRPr/>
             </a:lvl9pPr>
           </a:lstStyle>
-          <a:p/>
+          <a:p>
+            <a:endParaRPr/>
+          </a:p>
         </p:txBody>
       </p:sp>
       <p:sp>
         <p:nvSpPr>
           <p:cNvPr id="27" name="Google Shape;27;p6"/>
-          <p:cNvSpPr txBox="1"/>
+          <p:cNvSpPr txBox="1">
+            <a:spLocks noGrp="1"/>
+          </p:cNvSpPr>
           <p:nvPr>
-            <p:ph idx="12" type="sldNum"/>
+            <p:ph type="sldNum" idx="12"/>
           </p:nvPr>
         </p:nvSpPr>
         <p:spPr>
@@ -4338,7 +4497,7 @@
           </a:prstGeom>
         </p:spPr>
         <p:txBody>
-          <a:bodyPr anchorCtr="0" anchor="ctr" bIns="91425" lIns="91425" spcFirstLastPara="1" rIns="91425" wrap="square" tIns="91425">
+          <a:bodyPr spcFirstLastPara="1" wrap="square" lIns="91425" tIns="91425" rIns="91425" bIns="91425" anchor="ctr" anchorCtr="0">
             <a:normAutofit/>
           </a:bodyPr>
           <a:lstStyle>
@@ -4380,7 +4539,7 @@
             </a:lvl9pPr>
           </a:lstStyle>
           <a:p>
-            <a:pPr indent="0" lvl="0" marL="0" rtl="0" algn="r">
+            <a:pPr marL="0" lvl="0" indent="0" algn="r" rtl="0">
               <a:spcBef>
                 <a:spcPts val="0"/>
               </a:spcBef>
@@ -4391,7 +4550,7 @@
             </a:pPr>
             <a:fld id="{00000000-1234-1234-1234-123412341234}" type="slidenum">
               <a:rPr lang="es"/>
-              <a:t>‹#›</a:t>
+              <a:t>‹Nº›</a:t>
             </a:fld>
             <a:endParaRPr/>
           </a:p>
@@ -4406,11 +4565,11 @@
 </file>
 
 <file path=ppt/slideLayouts/slideLayout6.xml><?xml version="1.0" encoding="utf-8"?>
-<p:sldLayout xmlns:a="http://schemas.openxmlformats.org/drawingml/2006/main" xmlns:r="http://schemas.openxmlformats.org/officeDocument/2006/relationships" xmlns:mc="http://schemas.openxmlformats.org/markup-compatibility/2006" xmlns:mv="urn:schemas-microsoft-com:mac:vml" xmlns:p="http://schemas.openxmlformats.org/presentationml/2006/main" xmlns:c="http://schemas.openxmlformats.org/drawingml/2006/chart" xmlns:dgm="http://schemas.openxmlformats.org/drawingml/2006/diagram" xmlns:o="urn:schemas-microsoft-com:office:office" xmlns:v="urn:schemas-microsoft-com:vml" xmlns:pvml="urn:schemas-microsoft-com:office:powerpoint" xmlns:com="http://schemas.openxmlformats.org/drawingml/2006/compatibility" xmlns:p14="http://schemas.microsoft.com/office/powerpoint/2010/main" xmlns:p15="http://schemas.microsoft.com/office/powerpoint/2012/main" xmlns:ahyp="http://schemas.microsoft.com/office/drawing/2018/hyperlinkcolor" matchingName="One column text">
+<p:sldLayout xmlns:a="http://schemas.openxmlformats.org/drawingml/2006/main" xmlns:r="http://schemas.openxmlformats.org/officeDocument/2006/relationships" xmlns:p="http://schemas.openxmlformats.org/presentationml/2006/main" matchingName="One column text">
   <p:cSld name="ONE_COLUMN_TEXT">
     <p:spTree>
       <p:nvGrpSpPr>
-        <p:cNvPr id="28" name="Shape 28"/>
+        <p:cNvPr id="1" name="Shape 28"/>
         <p:cNvGrpSpPr/>
         <p:nvPr/>
       </p:nvGrpSpPr>
@@ -4425,7 +4584,9 @@
       <p:sp>
         <p:nvSpPr>
           <p:cNvPr id="29" name="Google Shape;29;p7"/>
-          <p:cNvSpPr txBox="1"/>
+          <p:cNvSpPr txBox="1">
+            <a:spLocks noGrp="1"/>
+          </p:cNvSpPr>
           <p:nvPr>
             <p:ph type="title"/>
           </p:nvPr>
@@ -4440,7 +4601,7 @@
           </a:prstGeom>
         </p:spPr>
         <p:txBody>
-          <a:bodyPr anchorCtr="0" anchor="b" bIns="91425" lIns="91425" spcFirstLastPara="1" rIns="91425" wrap="square" tIns="91425">
+          <a:bodyPr spcFirstLastPara="1" wrap="square" lIns="91425" tIns="91425" rIns="91425" bIns="91425" anchor="b" anchorCtr="0">
             <a:normAutofit/>
           </a:bodyPr>
           <a:lstStyle>
@@ -4544,15 +4705,19 @@
               <a:defRPr sz="2400"/>
             </a:lvl9pPr>
           </a:lstStyle>
-          <a:p/>
+          <a:p>
+            <a:endParaRPr/>
+          </a:p>
         </p:txBody>
       </p:sp>
       <p:sp>
         <p:nvSpPr>
           <p:cNvPr id="30" name="Google Shape;30;p7"/>
-          <p:cNvSpPr txBox="1"/>
+          <p:cNvSpPr txBox="1">
+            <a:spLocks noGrp="1"/>
+          </p:cNvSpPr>
           <p:nvPr>
-            <p:ph idx="1" type="body"/>
+            <p:ph type="body" idx="1"/>
           </p:nvPr>
         </p:nvSpPr>
         <p:spPr>
@@ -4565,11 +4730,11 @@
           </a:prstGeom>
         </p:spPr>
         <p:txBody>
-          <a:bodyPr anchorCtr="0" anchor="t" bIns="91425" lIns="91425" spcFirstLastPara="1" rIns="91425" wrap="square" tIns="91425">
+          <a:bodyPr spcFirstLastPara="1" wrap="square" lIns="91425" tIns="91425" rIns="91425" bIns="91425" anchor="t" anchorCtr="0">
             <a:normAutofit/>
           </a:bodyPr>
           <a:lstStyle>
-            <a:lvl1pPr indent="-304800" lvl="0" marL="457200">
+            <a:lvl1pPr marL="457200" lvl="0" indent="-304800">
               <a:spcBef>
                 <a:spcPts val="0"/>
               </a:spcBef>
@@ -4580,7 +4745,7 @@
               <a:buChar char="●"/>
               <a:defRPr sz="1200"/>
             </a:lvl1pPr>
-            <a:lvl2pPr indent="-304800" lvl="1" marL="914400">
+            <a:lvl2pPr marL="914400" lvl="1" indent="-304800">
               <a:spcBef>
                 <a:spcPts val="0"/>
               </a:spcBef>
@@ -4591,7 +4756,7 @@
               <a:buChar char="○"/>
               <a:defRPr sz="1200"/>
             </a:lvl2pPr>
-            <a:lvl3pPr indent="-304800" lvl="2" marL="1371600">
+            <a:lvl3pPr marL="1371600" lvl="2" indent="-304800">
               <a:spcBef>
                 <a:spcPts val="0"/>
               </a:spcBef>
@@ -4602,7 +4767,7 @@
               <a:buChar char="■"/>
               <a:defRPr sz="1200"/>
             </a:lvl3pPr>
-            <a:lvl4pPr indent="-304800" lvl="3" marL="1828800">
+            <a:lvl4pPr marL="1828800" lvl="3" indent="-304800">
               <a:spcBef>
                 <a:spcPts val="0"/>
               </a:spcBef>
@@ -4613,7 +4778,7 @@
               <a:buChar char="●"/>
               <a:defRPr sz="1200"/>
             </a:lvl4pPr>
-            <a:lvl5pPr indent="-304800" lvl="4" marL="2286000">
+            <a:lvl5pPr marL="2286000" lvl="4" indent="-304800">
               <a:spcBef>
                 <a:spcPts val="0"/>
               </a:spcBef>
@@ -4624,7 +4789,7 @@
               <a:buChar char="○"/>
               <a:defRPr sz="1200"/>
             </a:lvl5pPr>
-            <a:lvl6pPr indent="-304800" lvl="5" marL="2743200">
+            <a:lvl6pPr marL="2743200" lvl="5" indent="-304800">
               <a:spcBef>
                 <a:spcPts val="0"/>
               </a:spcBef>
@@ -4635,7 +4800,7 @@
               <a:buChar char="■"/>
               <a:defRPr sz="1200"/>
             </a:lvl6pPr>
-            <a:lvl7pPr indent="-304800" lvl="6" marL="3200400">
+            <a:lvl7pPr marL="3200400" lvl="6" indent="-304800">
               <a:spcBef>
                 <a:spcPts val="0"/>
               </a:spcBef>
@@ -4646,7 +4811,7 @@
               <a:buChar char="●"/>
               <a:defRPr sz="1200"/>
             </a:lvl7pPr>
-            <a:lvl8pPr indent="-304800" lvl="7" marL="3657600">
+            <a:lvl8pPr marL="3657600" lvl="7" indent="-304800">
               <a:spcBef>
                 <a:spcPts val="0"/>
               </a:spcBef>
@@ -4657,7 +4822,7 @@
               <a:buChar char="○"/>
               <a:defRPr sz="1200"/>
             </a:lvl8pPr>
-            <a:lvl9pPr indent="-304800" lvl="8" marL="4114800">
+            <a:lvl9pPr marL="4114800" lvl="8" indent="-304800">
               <a:spcBef>
                 <a:spcPts val="0"/>
               </a:spcBef>
@@ -4669,15 +4834,19 @@
               <a:defRPr sz="1200"/>
             </a:lvl9pPr>
           </a:lstStyle>
-          <a:p/>
+          <a:p>
+            <a:endParaRPr/>
+          </a:p>
         </p:txBody>
       </p:sp>
       <p:sp>
         <p:nvSpPr>
           <p:cNvPr id="31" name="Google Shape;31;p7"/>
-          <p:cNvSpPr txBox="1"/>
+          <p:cNvSpPr txBox="1">
+            <a:spLocks noGrp="1"/>
+          </p:cNvSpPr>
           <p:nvPr>
-            <p:ph idx="12" type="sldNum"/>
+            <p:ph type="sldNum" idx="12"/>
           </p:nvPr>
         </p:nvSpPr>
         <p:spPr>
@@ -4690,7 +4859,7 @@
           </a:prstGeom>
         </p:spPr>
         <p:txBody>
-          <a:bodyPr anchorCtr="0" anchor="ctr" bIns="91425" lIns="91425" spcFirstLastPara="1" rIns="91425" wrap="square" tIns="91425">
+          <a:bodyPr spcFirstLastPara="1" wrap="square" lIns="91425" tIns="91425" rIns="91425" bIns="91425" anchor="ctr" anchorCtr="0">
             <a:normAutofit/>
           </a:bodyPr>
           <a:lstStyle>
@@ -4732,7 +4901,7 @@
             </a:lvl9pPr>
           </a:lstStyle>
           <a:p>
-            <a:pPr indent="0" lvl="0" marL="0" rtl="0" algn="r">
+            <a:pPr marL="0" lvl="0" indent="0" algn="r" rtl="0">
               <a:spcBef>
                 <a:spcPts val="0"/>
               </a:spcBef>
@@ -4743,7 +4912,7 @@
             </a:pPr>
             <a:fld id="{00000000-1234-1234-1234-123412341234}" type="slidenum">
               <a:rPr lang="es"/>
-              <a:t>‹#›</a:t>
+              <a:t>‹Nº›</a:t>
             </a:fld>
             <a:endParaRPr/>
           </a:p>
@@ -4758,11 +4927,11 @@
 </file>
 
 <file path=ppt/slideLayouts/slideLayout7.xml><?xml version="1.0" encoding="utf-8"?>
-<p:sldLayout xmlns:a="http://schemas.openxmlformats.org/drawingml/2006/main" xmlns:r="http://schemas.openxmlformats.org/officeDocument/2006/relationships" xmlns:mc="http://schemas.openxmlformats.org/markup-compatibility/2006" xmlns:mv="urn:schemas-microsoft-com:mac:vml" xmlns:p="http://schemas.openxmlformats.org/presentationml/2006/main" xmlns:c="http://schemas.openxmlformats.org/drawingml/2006/chart" xmlns:dgm="http://schemas.openxmlformats.org/drawingml/2006/diagram" xmlns:o="urn:schemas-microsoft-com:office:office" xmlns:v="urn:schemas-microsoft-com:vml" xmlns:pvml="urn:schemas-microsoft-com:office:powerpoint" xmlns:com="http://schemas.openxmlformats.org/drawingml/2006/compatibility" xmlns:p14="http://schemas.microsoft.com/office/powerpoint/2010/main" xmlns:p15="http://schemas.microsoft.com/office/powerpoint/2012/main" xmlns:ahyp="http://schemas.microsoft.com/office/drawing/2018/hyperlinkcolor" matchingName="Main point">
+<p:sldLayout xmlns:a="http://schemas.openxmlformats.org/drawingml/2006/main" xmlns:r="http://schemas.openxmlformats.org/officeDocument/2006/relationships" xmlns:p="http://schemas.openxmlformats.org/presentationml/2006/main" matchingName="Main point">
   <p:cSld name="MAIN_POINT">
     <p:spTree>
       <p:nvGrpSpPr>
-        <p:cNvPr id="32" name="Shape 32"/>
+        <p:cNvPr id="1" name="Shape 32"/>
         <p:cNvGrpSpPr/>
         <p:nvPr/>
       </p:nvGrpSpPr>
@@ -4777,7 +4946,9 @@
       <p:sp>
         <p:nvSpPr>
           <p:cNvPr id="33" name="Google Shape;33;p8"/>
-          <p:cNvSpPr txBox="1"/>
+          <p:cNvSpPr txBox="1">
+            <a:spLocks noGrp="1"/>
+          </p:cNvSpPr>
           <p:nvPr>
             <p:ph type="title"/>
           </p:nvPr>
@@ -4792,7 +4963,7 @@
           </a:prstGeom>
         </p:spPr>
         <p:txBody>
-          <a:bodyPr anchorCtr="0" anchor="ctr" bIns="91425" lIns="91425" spcFirstLastPara="1" rIns="91425" wrap="square" tIns="91425">
+          <a:bodyPr spcFirstLastPara="1" wrap="square" lIns="91425" tIns="91425" rIns="91425" bIns="91425" anchor="ctr" anchorCtr="0">
             <a:normAutofit/>
           </a:bodyPr>
           <a:lstStyle>
@@ -4896,15 +5067,19 @@
               <a:defRPr sz="4800"/>
             </a:lvl9pPr>
           </a:lstStyle>
-          <a:p/>
+          <a:p>
+            <a:endParaRPr/>
+          </a:p>
         </p:txBody>
       </p:sp>
       <p:sp>
         <p:nvSpPr>
           <p:cNvPr id="34" name="Google Shape;34;p8"/>
-          <p:cNvSpPr txBox="1"/>
+          <p:cNvSpPr txBox="1">
+            <a:spLocks noGrp="1"/>
+          </p:cNvSpPr>
           <p:nvPr>
-            <p:ph idx="12" type="sldNum"/>
+            <p:ph type="sldNum" idx="12"/>
           </p:nvPr>
         </p:nvSpPr>
         <p:spPr>
@@ -4917,7 +5092,7 @@
           </a:prstGeom>
         </p:spPr>
         <p:txBody>
-          <a:bodyPr anchorCtr="0" anchor="ctr" bIns="91425" lIns="91425" spcFirstLastPara="1" rIns="91425" wrap="square" tIns="91425">
+          <a:bodyPr spcFirstLastPara="1" wrap="square" lIns="91425" tIns="91425" rIns="91425" bIns="91425" anchor="ctr" anchorCtr="0">
             <a:normAutofit/>
           </a:bodyPr>
           <a:lstStyle>
@@ -4959,7 +5134,7 @@
             </a:lvl9pPr>
           </a:lstStyle>
           <a:p>
-            <a:pPr indent="0" lvl="0" marL="0" rtl="0" algn="r">
+            <a:pPr marL="0" lvl="0" indent="0" algn="r" rtl="0">
               <a:spcBef>
                 <a:spcPts val="0"/>
               </a:spcBef>
@@ -4970,7 +5145,7 @@
             </a:pPr>
             <a:fld id="{00000000-1234-1234-1234-123412341234}" type="slidenum">
               <a:rPr lang="es"/>
-              <a:t>‹#›</a:t>
+              <a:t>‹Nº›</a:t>
             </a:fld>
             <a:endParaRPr/>
           </a:p>
@@ -4985,11 +5160,11 @@
 </file>
 
 <file path=ppt/slideLayouts/slideLayout8.xml><?xml version="1.0" encoding="utf-8"?>
-<p:sldLayout xmlns:a="http://schemas.openxmlformats.org/drawingml/2006/main" xmlns:r="http://schemas.openxmlformats.org/officeDocument/2006/relationships" xmlns:mc="http://schemas.openxmlformats.org/markup-compatibility/2006" xmlns:mv="urn:schemas-microsoft-com:mac:vml" xmlns:p="http://schemas.openxmlformats.org/presentationml/2006/main" xmlns:c="http://schemas.openxmlformats.org/drawingml/2006/chart" xmlns:dgm="http://schemas.openxmlformats.org/drawingml/2006/diagram" xmlns:o="urn:schemas-microsoft-com:office:office" xmlns:v="urn:schemas-microsoft-com:vml" xmlns:pvml="urn:schemas-microsoft-com:office:powerpoint" xmlns:com="http://schemas.openxmlformats.org/drawingml/2006/compatibility" xmlns:p14="http://schemas.microsoft.com/office/powerpoint/2010/main" xmlns:p15="http://schemas.microsoft.com/office/powerpoint/2012/main" xmlns:ahyp="http://schemas.microsoft.com/office/drawing/2018/hyperlinkcolor" matchingName="Section title and description">
+<p:sldLayout xmlns:a="http://schemas.openxmlformats.org/drawingml/2006/main" xmlns:r="http://schemas.openxmlformats.org/officeDocument/2006/relationships" xmlns:p="http://schemas.openxmlformats.org/presentationml/2006/main" matchingName="Section title and description">
   <p:cSld name="SECTION_TITLE_AND_DESCRIPTION">
     <p:spTree>
       <p:nvGrpSpPr>
-        <p:cNvPr id="35" name="Shape 35"/>
+        <p:cNvPr id="1" name="Shape 35"/>
         <p:cNvGrpSpPr/>
         <p:nvPr/>
       </p:nvGrpSpPr>
@@ -5023,12 +5198,12 @@
           </a:ln>
         </p:spPr>
         <p:txBody>
-          <a:bodyPr anchorCtr="0" anchor="ctr" bIns="91425" lIns="91425" spcFirstLastPara="1" rIns="91425" wrap="square" tIns="91425">
+          <a:bodyPr spcFirstLastPara="1" wrap="square" lIns="91425" tIns="91425" rIns="91425" bIns="91425" anchor="ctr" anchorCtr="0">
             <a:noAutofit/>
           </a:bodyPr>
           <a:lstStyle/>
           <a:p>
-            <a:pPr indent="0" lvl="0" marL="0" rtl="0" algn="l">
+            <a:pPr marL="0" lvl="0" indent="0" algn="l" rtl="0">
               <a:spcBef>
                 <a:spcPts val="0"/>
               </a:spcBef>
@@ -5037,9 +5212,6 @@
               </a:spcAft>
               <a:buNone/>
             </a:pPr>
-            <a:r>
-              <a:t/>
-            </a:r>
             <a:endParaRPr/>
           </a:p>
         </p:txBody>
@@ -5047,7 +5219,9 @@
       <p:sp>
         <p:nvSpPr>
           <p:cNvPr id="37" name="Google Shape;37;p9"/>
-          <p:cNvSpPr txBox="1"/>
+          <p:cNvSpPr txBox="1">
+            <a:spLocks noGrp="1"/>
+          </p:cNvSpPr>
           <p:nvPr>
             <p:ph type="title"/>
           </p:nvPr>
@@ -5062,7 +5236,7 @@
           </a:prstGeom>
         </p:spPr>
         <p:txBody>
-          <a:bodyPr anchorCtr="0" anchor="b" bIns="91425" lIns="91425" spcFirstLastPara="1" rIns="91425" wrap="square" tIns="91425">
+          <a:bodyPr spcFirstLastPara="1" wrap="square" lIns="91425" tIns="91425" rIns="91425" bIns="91425" anchor="b" anchorCtr="0">
             <a:normAutofit/>
           </a:bodyPr>
           <a:lstStyle>
@@ -5166,15 +5340,19 @@
               <a:defRPr sz="4200"/>
             </a:lvl9pPr>
           </a:lstStyle>
-          <a:p/>
+          <a:p>
+            <a:endParaRPr/>
+          </a:p>
         </p:txBody>
       </p:sp>
       <p:sp>
         <p:nvSpPr>
           <p:cNvPr id="38" name="Google Shape;38;p9"/>
-          <p:cNvSpPr txBox="1"/>
+          <p:cNvSpPr txBox="1">
+            <a:spLocks noGrp="1"/>
+          </p:cNvSpPr>
           <p:nvPr>
-            <p:ph idx="1" type="subTitle"/>
+            <p:ph type="subTitle" idx="1"/>
           </p:nvPr>
         </p:nvSpPr>
         <p:spPr>
@@ -5187,7 +5365,7 @@
           </a:prstGeom>
         </p:spPr>
         <p:txBody>
-          <a:bodyPr anchorCtr="0" anchor="t" bIns="91425" lIns="91425" spcFirstLastPara="1" rIns="91425" wrap="square" tIns="91425">
+          <a:bodyPr spcFirstLastPara="1" wrap="square" lIns="91425" tIns="91425" rIns="91425" bIns="91425" anchor="t" anchorCtr="0">
             <a:normAutofit/>
           </a:bodyPr>
           <a:lstStyle>
@@ -5318,15 +5496,19 @@
               <a:defRPr sz="2100"/>
             </a:lvl9pPr>
           </a:lstStyle>
-          <a:p/>
+          <a:p>
+            <a:endParaRPr/>
+          </a:p>
         </p:txBody>
       </p:sp>
       <p:sp>
         <p:nvSpPr>
           <p:cNvPr id="39" name="Google Shape;39;p9"/>
-          <p:cNvSpPr txBox="1"/>
+          <p:cNvSpPr txBox="1">
+            <a:spLocks noGrp="1"/>
+          </p:cNvSpPr>
           <p:nvPr>
-            <p:ph idx="2" type="body"/>
+            <p:ph type="body" idx="2"/>
           </p:nvPr>
         </p:nvSpPr>
         <p:spPr>
@@ -5339,11 +5521,11 @@
           </a:prstGeom>
         </p:spPr>
         <p:txBody>
-          <a:bodyPr anchorCtr="0" anchor="ctr" bIns="91425" lIns="91425" spcFirstLastPara="1" rIns="91425" wrap="square" tIns="91425">
+          <a:bodyPr spcFirstLastPara="1" wrap="square" lIns="91425" tIns="91425" rIns="91425" bIns="91425" anchor="ctr" anchorCtr="0">
             <a:normAutofit/>
           </a:bodyPr>
           <a:lstStyle>
-            <a:lvl1pPr indent="-342900" lvl="0" marL="457200">
+            <a:lvl1pPr marL="457200" lvl="0" indent="-342900">
               <a:spcBef>
                 <a:spcPts val="0"/>
               </a:spcBef>
@@ -5354,7 +5536,7 @@
               <a:buChar char="●"/>
               <a:defRPr/>
             </a:lvl1pPr>
-            <a:lvl2pPr indent="-317500" lvl="1" marL="914400">
+            <a:lvl2pPr marL="914400" lvl="1" indent="-317500">
               <a:spcBef>
                 <a:spcPts val="0"/>
               </a:spcBef>
@@ -5365,7 +5547,7 @@
               <a:buChar char="○"/>
               <a:defRPr/>
             </a:lvl2pPr>
-            <a:lvl3pPr indent="-317500" lvl="2" marL="1371600">
+            <a:lvl3pPr marL="1371600" lvl="2" indent="-317500">
               <a:spcBef>
                 <a:spcPts val="0"/>
               </a:spcBef>
@@ -5376,7 +5558,7 @@
               <a:buChar char="■"/>
               <a:defRPr/>
             </a:lvl3pPr>
-            <a:lvl4pPr indent="-317500" lvl="3" marL="1828800">
+            <a:lvl4pPr marL="1828800" lvl="3" indent="-317500">
               <a:spcBef>
                 <a:spcPts val="0"/>
               </a:spcBef>
@@ -5387,7 +5569,7 @@
               <a:buChar char="●"/>
               <a:defRPr/>
             </a:lvl4pPr>
-            <a:lvl5pPr indent="-317500" lvl="4" marL="2286000">
+            <a:lvl5pPr marL="2286000" lvl="4" indent="-317500">
               <a:spcBef>
                 <a:spcPts val="0"/>
               </a:spcBef>
@@ -5398,7 +5580,7 @@
               <a:buChar char="○"/>
               <a:defRPr/>
             </a:lvl5pPr>
-            <a:lvl6pPr indent="-317500" lvl="5" marL="2743200">
+            <a:lvl6pPr marL="2743200" lvl="5" indent="-317500">
               <a:spcBef>
                 <a:spcPts val="0"/>
               </a:spcBef>
@@ -5409,7 +5591,7 @@
               <a:buChar char="■"/>
               <a:defRPr/>
             </a:lvl6pPr>
-            <a:lvl7pPr indent="-317500" lvl="6" marL="3200400">
+            <a:lvl7pPr marL="3200400" lvl="6" indent="-317500">
               <a:spcBef>
                 <a:spcPts val="0"/>
               </a:spcBef>
@@ -5420,7 +5602,7 @@
               <a:buChar char="●"/>
               <a:defRPr/>
             </a:lvl7pPr>
-            <a:lvl8pPr indent="-317500" lvl="7" marL="3657600">
+            <a:lvl8pPr marL="3657600" lvl="7" indent="-317500">
               <a:spcBef>
                 <a:spcPts val="0"/>
               </a:spcBef>
@@ -5431,7 +5613,7 @@
               <a:buChar char="○"/>
               <a:defRPr/>
             </a:lvl8pPr>
-            <a:lvl9pPr indent="-317500" lvl="8" marL="4114800">
+            <a:lvl9pPr marL="4114800" lvl="8" indent="-317500">
               <a:spcBef>
                 <a:spcPts val="0"/>
               </a:spcBef>
@@ -5443,15 +5625,19 @@
               <a:defRPr/>
             </a:lvl9pPr>
           </a:lstStyle>
-          <a:p/>
+          <a:p>
+            <a:endParaRPr/>
+          </a:p>
         </p:txBody>
       </p:sp>
       <p:sp>
         <p:nvSpPr>
           <p:cNvPr id="40" name="Google Shape;40;p9"/>
-          <p:cNvSpPr txBox="1"/>
+          <p:cNvSpPr txBox="1">
+            <a:spLocks noGrp="1"/>
+          </p:cNvSpPr>
           <p:nvPr>
-            <p:ph idx="12" type="sldNum"/>
+            <p:ph type="sldNum" idx="12"/>
           </p:nvPr>
         </p:nvSpPr>
         <p:spPr>
@@ -5464,7 +5650,7 @@
           </a:prstGeom>
         </p:spPr>
         <p:txBody>
-          <a:bodyPr anchorCtr="0" anchor="ctr" bIns="91425" lIns="91425" spcFirstLastPara="1" rIns="91425" wrap="square" tIns="91425">
+          <a:bodyPr spcFirstLastPara="1" wrap="square" lIns="91425" tIns="91425" rIns="91425" bIns="91425" anchor="ctr" anchorCtr="0">
             <a:normAutofit/>
           </a:bodyPr>
           <a:lstStyle>
@@ -5506,7 +5692,7 @@
             </a:lvl9pPr>
           </a:lstStyle>
           <a:p>
-            <a:pPr indent="0" lvl="0" marL="0" rtl="0" algn="r">
+            <a:pPr marL="0" lvl="0" indent="0" algn="r" rtl="0">
               <a:spcBef>
                 <a:spcPts val="0"/>
               </a:spcBef>
@@ -5517,7 +5703,7 @@
             </a:pPr>
             <a:fld id="{00000000-1234-1234-1234-123412341234}" type="slidenum">
               <a:rPr lang="es"/>
-              <a:t>‹#›</a:t>
+              <a:t>‹Nº›</a:t>
             </a:fld>
             <a:endParaRPr/>
           </a:p>
@@ -5532,11 +5718,11 @@
 </file>
 
 <file path=ppt/slideLayouts/slideLayout9.xml><?xml version="1.0" encoding="utf-8"?>
-<p:sldLayout xmlns:a="http://schemas.openxmlformats.org/drawingml/2006/main" xmlns:r="http://schemas.openxmlformats.org/officeDocument/2006/relationships" xmlns:mc="http://schemas.openxmlformats.org/markup-compatibility/2006" xmlns:mv="urn:schemas-microsoft-com:mac:vml" xmlns:p="http://schemas.openxmlformats.org/presentationml/2006/main" xmlns:c="http://schemas.openxmlformats.org/drawingml/2006/chart" xmlns:dgm="http://schemas.openxmlformats.org/drawingml/2006/diagram" xmlns:o="urn:schemas-microsoft-com:office:office" xmlns:v="urn:schemas-microsoft-com:vml" xmlns:pvml="urn:schemas-microsoft-com:office:powerpoint" xmlns:com="http://schemas.openxmlformats.org/drawingml/2006/compatibility" xmlns:p14="http://schemas.microsoft.com/office/powerpoint/2010/main" xmlns:p15="http://schemas.microsoft.com/office/powerpoint/2012/main" xmlns:ahyp="http://schemas.microsoft.com/office/drawing/2018/hyperlinkcolor" matchingName="Caption">
+<p:sldLayout xmlns:a="http://schemas.openxmlformats.org/drawingml/2006/main" xmlns:r="http://schemas.openxmlformats.org/officeDocument/2006/relationships" xmlns:p="http://schemas.openxmlformats.org/presentationml/2006/main" matchingName="Caption">
   <p:cSld name="CAPTION_ONLY">
     <p:spTree>
       <p:nvGrpSpPr>
-        <p:cNvPr id="41" name="Shape 41"/>
+        <p:cNvPr id="1" name="Shape 41"/>
         <p:cNvGrpSpPr/>
         <p:nvPr/>
       </p:nvGrpSpPr>
@@ -5551,9 +5737,11 @@
       <p:sp>
         <p:nvSpPr>
           <p:cNvPr id="42" name="Google Shape;42;p10"/>
-          <p:cNvSpPr txBox="1"/>
+          <p:cNvSpPr txBox="1">
+            <a:spLocks noGrp="1"/>
+          </p:cNvSpPr>
           <p:nvPr>
-            <p:ph idx="1" type="body"/>
+            <p:ph type="body" idx="1"/>
           </p:nvPr>
         </p:nvSpPr>
         <p:spPr>
@@ -5566,11 +5754,11 @@
           </a:prstGeom>
         </p:spPr>
         <p:txBody>
-          <a:bodyPr anchorCtr="0" anchor="ctr" bIns="91425" lIns="91425" spcFirstLastPara="1" rIns="91425" wrap="square" tIns="91425">
+          <a:bodyPr spcFirstLastPara="1" wrap="square" lIns="91425" tIns="91425" rIns="91425" bIns="91425" anchor="ctr" anchorCtr="0">
             <a:normAutofit/>
           </a:bodyPr>
           <a:lstStyle>
-            <a:lvl1pPr indent="-228600" lvl="0" marL="457200">
+            <a:lvl1pPr marL="457200" lvl="0" indent="-228600">
               <a:lnSpc>
                 <a:spcPct val="100000"/>
               </a:lnSpc>
@@ -5585,15 +5773,19 @@
               <a:defRPr/>
             </a:lvl1pPr>
           </a:lstStyle>
-          <a:p/>
+          <a:p>
+            <a:endParaRPr/>
+          </a:p>
         </p:txBody>
       </p:sp>
       <p:sp>
         <p:nvSpPr>
           <p:cNvPr id="43" name="Google Shape;43;p10"/>
-          <p:cNvSpPr txBox="1"/>
+          <p:cNvSpPr txBox="1">
+            <a:spLocks noGrp="1"/>
+          </p:cNvSpPr>
           <p:nvPr>
-            <p:ph idx="12" type="sldNum"/>
+            <p:ph type="sldNum" idx="12"/>
           </p:nvPr>
         </p:nvSpPr>
         <p:spPr>
@@ -5606,7 +5798,7 @@
           </a:prstGeom>
         </p:spPr>
         <p:txBody>
-          <a:bodyPr anchorCtr="0" anchor="ctr" bIns="91425" lIns="91425" spcFirstLastPara="1" rIns="91425" wrap="square" tIns="91425">
+          <a:bodyPr spcFirstLastPara="1" wrap="square" lIns="91425" tIns="91425" rIns="91425" bIns="91425" anchor="ctr" anchorCtr="0">
             <a:normAutofit/>
           </a:bodyPr>
           <a:lstStyle>
@@ -5648,7 +5840,7 @@
             </a:lvl9pPr>
           </a:lstStyle>
           <a:p>
-            <a:pPr indent="0" lvl="0" marL="0" rtl="0" algn="r">
+            <a:pPr marL="0" lvl="0" indent="0" algn="r" rtl="0">
               <a:spcBef>
                 <a:spcPts val="0"/>
               </a:spcBef>
@@ -5659,7 +5851,7 @@
             </a:pPr>
             <a:fld id="{00000000-1234-1234-1234-123412341234}" type="slidenum">
               <a:rPr lang="es"/>
-              <a:t>‹#›</a:t>
+              <a:t>‹Nº›</a:t>
             </a:fld>
             <a:endParaRPr/>
           </a:p>
@@ -5674,18 +5866,19 @@
 </file>
 
 <file path=ppt/slideMasters/slideMaster1.xml><?xml version="1.0" encoding="utf-8"?>
-<p:sldMaster xmlns:a="http://schemas.openxmlformats.org/drawingml/2006/main" xmlns:r="http://schemas.openxmlformats.org/officeDocument/2006/relationships" xmlns:mc="http://schemas.openxmlformats.org/markup-compatibility/2006" xmlns:mv="urn:schemas-microsoft-com:mac:vml" xmlns:p="http://schemas.openxmlformats.org/presentationml/2006/main" xmlns:c="http://schemas.openxmlformats.org/drawingml/2006/chart" xmlns:dgm="http://schemas.openxmlformats.org/drawingml/2006/diagram" xmlns:o="urn:schemas-microsoft-com:office:office" xmlns:v="urn:schemas-microsoft-com:vml" xmlns:pvml="urn:schemas-microsoft-com:office:powerpoint" xmlns:com="http://schemas.openxmlformats.org/drawingml/2006/compatibility" xmlns:p14="http://schemas.microsoft.com/office/powerpoint/2010/main" xmlns:p15="http://schemas.microsoft.com/office/powerpoint/2012/main" xmlns:ahyp="http://schemas.microsoft.com/office/drawing/2018/hyperlinkcolor">
+<p:sldMaster xmlns:a="http://schemas.openxmlformats.org/drawingml/2006/main" xmlns:r="http://schemas.openxmlformats.org/officeDocument/2006/relationships" xmlns:p="http://schemas.openxmlformats.org/presentationml/2006/main">
   <p:cSld name="simple-light-2">
     <p:bg>
       <p:bgPr>
         <a:solidFill>
           <a:schemeClr val="lt1"/>
         </a:solidFill>
+        <a:effectLst/>
       </p:bgPr>
     </p:bg>
     <p:spTree>
       <p:nvGrpSpPr>
-        <p:cNvPr id="5" name="Shape 5"/>
+        <p:cNvPr id="1" name="Shape 5"/>
         <p:cNvGrpSpPr/>
         <p:nvPr/>
       </p:nvGrpSpPr>
@@ -5700,7 +5893,9 @@
       <p:sp>
         <p:nvSpPr>
           <p:cNvPr id="6" name="Google Shape;6;p1"/>
-          <p:cNvSpPr txBox="1"/>
+          <p:cNvSpPr txBox="1">
+            <a:spLocks noGrp="1"/>
+          </p:cNvSpPr>
           <p:nvPr>
             <p:ph type="title"/>
           </p:nvPr>
@@ -5719,7 +5914,7 @@
           </a:ln>
         </p:spPr>
         <p:txBody>
-          <a:bodyPr anchorCtr="0" anchor="t" bIns="91425" lIns="91425" spcFirstLastPara="1" rIns="91425" wrap="square" tIns="91425">
+          <a:bodyPr spcFirstLastPara="1" wrap="square" lIns="91425" tIns="91425" rIns="91425" bIns="91425" anchor="t" anchorCtr="0">
             <a:normAutofit/>
           </a:bodyPr>
           <a:lstStyle>
@@ -5886,15 +6081,19 @@
               </a:defRPr>
             </a:lvl9pPr>
           </a:lstStyle>
-          <a:p/>
+          <a:p>
+            <a:endParaRPr/>
+          </a:p>
         </p:txBody>
       </p:sp>
       <p:sp>
         <p:nvSpPr>
           <p:cNvPr id="7" name="Google Shape;7;p1"/>
-          <p:cNvSpPr txBox="1"/>
+          <p:cNvSpPr txBox="1">
+            <a:spLocks noGrp="1"/>
+          </p:cNvSpPr>
           <p:nvPr>
-            <p:ph idx="1" type="body"/>
+            <p:ph type="body" idx="1"/>
           </p:nvPr>
         </p:nvSpPr>
         <p:spPr>
@@ -5911,11 +6110,11 @@
           </a:ln>
         </p:spPr>
         <p:txBody>
-          <a:bodyPr anchorCtr="0" anchor="t" bIns="91425" lIns="91425" spcFirstLastPara="1" rIns="91425" wrap="square" tIns="91425">
+          <a:bodyPr spcFirstLastPara="1" wrap="square" lIns="91425" tIns="91425" rIns="91425" bIns="91425" anchor="t" anchorCtr="0">
             <a:normAutofit/>
           </a:bodyPr>
           <a:lstStyle>
-            <a:lvl1pPr indent="-342900" lvl="0" marL="457200">
+            <a:lvl1pPr marL="457200" lvl="0" indent="-342900">
               <a:lnSpc>
                 <a:spcPct val="115000"/>
               </a:lnSpc>
@@ -5936,7 +6135,7 @@
                 </a:solidFill>
               </a:defRPr>
             </a:lvl1pPr>
-            <a:lvl2pPr indent="-317500" lvl="1" marL="914400">
+            <a:lvl2pPr marL="914400" lvl="1" indent="-317500">
               <a:lnSpc>
                 <a:spcPct val="115000"/>
               </a:lnSpc>
@@ -5957,7 +6156,7 @@
                 </a:solidFill>
               </a:defRPr>
             </a:lvl2pPr>
-            <a:lvl3pPr indent="-317500" lvl="2" marL="1371600">
+            <a:lvl3pPr marL="1371600" lvl="2" indent="-317500">
               <a:lnSpc>
                 <a:spcPct val="115000"/>
               </a:lnSpc>
@@ -5978,7 +6177,7 @@
                 </a:solidFill>
               </a:defRPr>
             </a:lvl3pPr>
-            <a:lvl4pPr indent="-317500" lvl="3" marL="1828800">
+            <a:lvl4pPr marL="1828800" lvl="3" indent="-317500">
               <a:lnSpc>
                 <a:spcPct val="115000"/>
               </a:lnSpc>
@@ -5999,7 +6198,7 @@
                 </a:solidFill>
               </a:defRPr>
             </a:lvl4pPr>
-            <a:lvl5pPr indent="-317500" lvl="4" marL="2286000">
+            <a:lvl5pPr marL="2286000" lvl="4" indent="-317500">
               <a:lnSpc>
                 <a:spcPct val="115000"/>
               </a:lnSpc>
@@ -6020,7 +6219,7 @@
                 </a:solidFill>
               </a:defRPr>
             </a:lvl5pPr>
-            <a:lvl6pPr indent="-317500" lvl="5" marL="2743200">
+            <a:lvl6pPr marL="2743200" lvl="5" indent="-317500">
               <a:lnSpc>
                 <a:spcPct val="115000"/>
               </a:lnSpc>
@@ -6041,7 +6240,7 @@
                 </a:solidFill>
               </a:defRPr>
             </a:lvl6pPr>
-            <a:lvl7pPr indent="-317500" lvl="6" marL="3200400">
+            <a:lvl7pPr marL="3200400" lvl="6" indent="-317500">
               <a:lnSpc>
                 <a:spcPct val="115000"/>
               </a:lnSpc>
@@ -6062,7 +6261,7 @@
                 </a:solidFill>
               </a:defRPr>
             </a:lvl7pPr>
-            <a:lvl8pPr indent="-317500" lvl="7" marL="3657600">
+            <a:lvl8pPr marL="3657600" lvl="7" indent="-317500">
               <a:lnSpc>
                 <a:spcPct val="115000"/>
               </a:lnSpc>
@@ -6083,7 +6282,7 @@
                 </a:solidFill>
               </a:defRPr>
             </a:lvl8pPr>
-            <a:lvl9pPr indent="-317500" lvl="8" marL="4114800">
+            <a:lvl9pPr marL="4114800" lvl="8" indent="-317500">
               <a:lnSpc>
                 <a:spcPct val="115000"/>
               </a:lnSpc>
@@ -6105,15 +6304,19 @@
               </a:defRPr>
             </a:lvl9pPr>
           </a:lstStyle>
-          <a:p/>
+          <a:p>
+            <a:endParaRPr/>
+          </a:p>
         </p:txBody>
       </p:sp>
       <p:sp>
         <p:nvSpPr>
           <p:cNvPr id="8" name="Google Shape;8;p1"/>
-          <p:cNvSpPr txBox="1"/>
+          <p:cNvSpPr txBox="1">
+            <a:spLocks noGrp="1"/>
+          </p:cNvSpPr>
           <p:nvPr>
-            <p:ph idx="12" type="sldNum"/>
+            <p:ph type="sldNum" idx="12"/>
           </p:nvPr>
         </p:nvSpPr>
         <p:spPr>
@@ -6130,7 +6333,7 @@
           </a:ln>
         </p:spPr>
         <p:txBody>
-          <a:bodyPr anchorCtr="0" anchor="ctr" bIns="91425" lIns="91425" spcFirstLastPara="1" rIns="91425" wrap="square" tIns="91425">
+          <a:bodyPr spcFirstLastPara="1" wrap="square" lIns="91425" tIns="91425" rIns="91425" bIns="91425" anchor="ctr" anchorCtr="0">
             <a:normAutofit/>
           </a:bodyPr>
           <a:lstStyle>
@@ -6208,7 +6411,7 @@
             </a:lvl9pPr>
           </a:lstStyle>
           <a:p>
-            <a:pPr indent="0" lvl="0" marL="0" rtl="0" algn="r">
+            <a:pPr marL="0" lvl="0" indent="0" algn="r" rtl="0">
               <a:spcBef>
                 <a:spcPts val="0"/>
               </a:spcBef>
@@ -6219,7 +6422,7 @@
             </a:pPr>
             <a:fld id="{00000000-1234-1234-1234-123412341234}" type="slidenum">
               <a:rPr lang="es"/>
-              <a:t>‹#›</a:t>
+              <a:t>‹Nº›</a:t>
             </a:fld>
             <a:endParaRPr/>
           </a:p>
@@ -6227,7 +6430,7 @@
       </p:sp>
     </p:spTree>
   </p:cSld>
-  <p:clrMap accent1="accent1" accent2="accent2" accent3="accent3" accent4="accent4" accent5="accent5" accent6="accent6" bg1="lt1" bg2="dk2" tx1="dk1" tx2="lt2" folHlink="folHlink" hlink="hlink"/>
+  <p:clrMap bg1="lt1" tx1="dk1" bg2="dk2" tx2="lt2" accent1="accent1" accent2="accent2" accent3="accent3" accent4="accent4" accent5="accent5" accent6="accent6" hlink="hlink" folHlink="folHlink"/>
   <p:sldLayoutIdLst>
     <p:sldLayoutId id="2147483648" r:id="rId1"/>
     <p:sldLayoutId id="2147483649" r:id="rId2"/>
@@ -6241,10 +6444,10 @@
     <p:sldLayoutId id="2147483657" r:id="rId10"/>
     <p:sldLayoutId id="2147483658" r:id="rId11"/>
   </p:sldLayoutIdLst>
-  <p:hf dt="0" ftr="0" hdr="0" sldNum="0"/>
+  <p:hf sldNum="0" hdr="0" ftr="0" dt="0"/>
   <p:txStyles>
     <p:titleStyle>
-      <a:defPPr lvl="0" marR="0" rtl="0" algn="l">
+      <a:defPPr marR="0" lvl="0" algn="l" rtl="0">
         <a:lnSpc>
           <a:spcPct val="100000"/>
         </a:lnSpc>
@@ -6255,7 +6458,7 @@
           <a:spcPts val="0"/>
         </a:spcAft>
       </a:defPPr>
-      <a:lvl1pPr lvl="0" marR="0" rtl="0" algn="l">
+      <a:lvl1pPr marR="0" lvl="0" algn="l" rtl="0">
         <a:lnSpc>
           <a:spcPct val="100000"/>
         </a:lnSpc>
@@ -6269,7 +6472,7 @@
           <a:srgbClr val="000000"/>
         </a:buClr>
         <a:buFont typeface="Arial"/>
-        <a:defRPr b="0" i="0" sz="1400" u="none" cap="none" strike="noStrike">
+        <a:defRPr sz="1400" b="0" i="0" u="none" strike="noStrike" cap="none">
           <a:solidFill>
             <a:srgbClr val="000000"/>
           </a:solidFill>
@@ -6279,7 +6482,7 @@
           <a:sym typeface="Arial"/>
         </a:defRPr>
       </a:lvl1pPr>
-      <a:lvl2pPr lvl="1" marR="0" rtl="0" algn="l">
+      <a:lvl2pPr marR="0" lvl="1" algn="l" rtl="0">
         <a:lnSpc>
           <a:spcPct val="100000"/>
         </a:lnSpc>
@@ -6293,7 +6496,7 @@
           <a:srgbClr val="000000"/>
         </a:buClr>
         <a:buFont typeface="Arial"/>
-        <a:defRPr b="0" i="0" sz="1400" u="none" cap="none" strike="noStrike">
+        <a:defRPr sz="1400" b="0" i="0" u="none" strike="noStrike" cap="none">
           <a:solidFill>
             <a:srgbClr val="000000"/>
           </a:solidFill>
@@ -6303,7 +6506,7 @@
           <a:sym typeface="Arial"/>
         </a:defRPr>
       </a:lvl2pPr>
-      <a:lvl3pPr lvl="2" marR="0" rtl="0" algn="l">
+      <a:lvl3pPr marR="0" lvl="2" algn="l" rtl="0">
         <a:lnSpc>
           <a:spcPct val="100000"/>
         </a:lnSpc>
@@ -6317,7 +6520,7 @@
           <a:srgbClr val="000000"/>
         </a:buClr>
         <a:buFont typeface="Arial"/>
-        <a:defRPr b="0" i="0" sz="1400" u="none" cap="none" strike="noStrike">
+        <a:defRPr sz="1400" b="0" i="0" u="none" strike="noStrike" cap="none">
           <a:solidFill>
             <a:srgbClr val="000000"/>
           </a:solidFill>
@@ -6327,7 +6530,7 @@
           <a:sym typeface="Arial"/>
         </a:defRPr>
       </a:lvl3pPr>
-      <a:lvl4pPr lvl="3" marR="0" rtl="0" algn="l">
+      <a:lvl4pPr marR="0" lvl="3" algn="l" rtl="0">
         <a:lnSpc>
           <a:spcPct val="100000"/>
         </a:lnSpc>
@@ -6341,7 +6544,7 @@
           <a:srgbClr val="000000"/>
         </a:buClr>
         <a:buFont typeface="Arial"/>
-        <a:defRPr b="0" i="0" sz="1400" u="none" cap="none" strike="noStrike">
+        <a:defRPr sz="1400" b="0" i="0" u="none" strike="noStrike" cap="none">
           <a:solidFill>
             <a:srgbClr val="000000"/>
           </a:solidFill>
@@ -6351,7 +6554,7 @@
           <a:sym typeface="Arial"/>
         </a:defRPr>
       </a:lvl4pPr>
-      <a:lvl5pPr lvl="4" marR="0" rtl="0" algn="l">
+      <a:lvl5pPr marR="0" lvl="4" algn="l" rtl="0">
         <a:lnSpc>
           <a:spcPct val="100000"/>
         </a:lnSpc>
@@ -6365,7 +6568,7 @@
           <a:srgbClr val="000000"/>
         </a:buClr>
         <a:buFont typeface="Arial"/>
-        <a:defRPr b="0" i="0" sz="1400" u="none" cap="none" strike="noStrike">
+        <a:defRPr sz="1400" b="0" i="0" u="none" strike="noStrike" cap="none">
           <a:solidFill>
             <a:srgbClr val="000000"/>
           </a:solidFill>
@@ -6375,7 +6578,7 @@
           <a:sym typeface="Arial"/>
         </a:defRPr>
       </a:lvl5pPr>
-      <a:lvl6pPr lvl="5" marR="0" rtl="0" algn="l">
+      <a:lvl6pPr marR="0" lvl="5" algn="l" rtl="0">
         <a:lnSpc>
           <a:spcPct val="100000"/>
         </a:lnSpc>
@@ -6389,7 +6592,7 @@
           <a:srgbClr val="000000"/>
         </a:buClr>
         <a:buFont typeface="Arial"/>
-        <a:defRPr b="0" i="0" sz="1400" u="none" cap="none" strike="noStrike">
+        <a:defRPr sz="1400" b="0" i="0" u="none" strike="noStrike" cap="none">
           <a:solidFill>
             <a:srgbClr val="000000"/>
           </a:solidFill>
@@ -6399,7 +6602,7 @@
           <a:sym typeface="Arial"/>
         </a:defRPr>
       </a:lvl6pPr>
-      <a:lvl7pPr lvl="6" marR="0" rtl="0" algn="l">
+      <a:lvl7pPr marR="0" lvl="6" algn="l" rtl="0">
         <a:lnSpc>
           <a:spcPct val="100000"/>
         </a:lnSpc>
@@ -6413,7 +6616,7 @@
           <a:srgbClr val="000000"/>
         </a:buClr>
         <a:buFont typeface="Arial"/>
-        <a:defRPr b="0" i="0" sz="1400" u="none" cap="none" strike="noStrike">
+        <a:defRPr sz="1400" b="0" i="0" u="none" strike="noStrike" cap="none">
           <a:solidFill>
             <a:srgbClr val="000000"/>
           </a:solidFill>
@@ -6423,7 +6626,7 @@
           <a:sym typeface="Arial"/>
         </a:defRPr>
       </a:lvl7pPr>
-      <a:lvl8pPr lvl="7" marR="0" rtl="0" algn="l">
+      <a:lvl8pPr marR="0" lvl="7" algn="l" rtl="0">
         <a:lnSpc>
           <a:spcPct val="100000"/>
         </a:lnSpc>
@@ -6437,7 +6640,7 @@
           <a:srgbClr val="000000"/>
         </a:buClr>
         <a:buFont typeface="Arial"/>
-        <a:defRPr b="0" i="0" sz="1400" u="none" cap="none" strike="noStrike">
+        <a:defRPr sz="1400" b="0" i="0" u="none" strike="noStrike" cap="none">
           <a:solidFill>
             <a:srgbClr val="000000"/>
           </a:solidFill>
@@ -6447,7 +6650,7 @@
           <a:sym typeface="Arial"/>
         </a:defRPr>
       </a:lvl8pPr>
-      <a:lvl9pPr lvl="8" marR="0" rtl="0" algn="l">
+      <a:lvl9pPr marR="0" lvl="8" algn="l" rtl="0">
         <a:lnSpc>
           <a:spcPct val="100000"/>
         </a:lnSpc>
@@ -6461,7 +6664,7 @@
           <a:srgbClr val="000000"/>
         </a:buClr>
         <a:buFont typeface="Arial"/>
-        <a:defRPr b="0" i="0" sz="1400" u="none" cap="none" strike="noStrike">
+        <a:defRPr sz="1400" b="0" i="0" u="none" strike="noStrike" cap="none">
           <a:solidFill>
             <a:srgbClr val="000000"/>
           </a:solidFill>
@@ -6473,7 +6676,7 @@
       </a:lvl9pPr>
     </p:titleStyle>
     <p:bodyStyle>
-      <a:defPPr lvl="0" marR="0" rtl="0" algn="l">
+      <a:defPPr marR="0" lvl="0" algn="l" rtl="0">
         <a:lnSpc>
           <a:spcPct val="100000"/>
         </a:lnSpc>
@@ -6484,7 +6687,7 @@
           <a:spcPts val="0"/>
         </a:spcAft>
       </a:defPPr>
-      <a:lvl1pPr lvl="0" marR="0" rtl="0" algn="l">
+      <a:lvl1pPr marR="0" lvl="0" algn="l" rtl="0">
         <a:lnSpc>
           <a:spcPct val="100000"/>
         </a:lnSpc>
@@ -6498,7 +6701,7 @@
           <a:srgbClr val="000000"/>
         </a:buClr>
         <a:buFont typeface="Arial"/>
-        <a:defRPr b="0" i="0" sz="1400" u="none" cap="none" strike="noStrike">
+        <a:defRPr sz="1400" b="0" i="0" u="none" strike="noStrike" cap="none">
           <a:solidFill>
             <a:srgbClr val="000000"/>
           </a:solidFill>
@@ -6508,7 +6711,7 @@
           <a:sym typeface="Arial"/>
         </a:defRPr>
       </a:lvl1pPr>
-      <a:lvl2pPr lvl="1" marR="0" rtl="0" algn="l">
+      <a:lvl2pPr marR="0" lvl="1" algn="l" rtl="0">
         <a:lnSpc>
           <a:spcPct val="100000"/>
         </a:lnSpc>
@@ -6522,7 +6725,7 @@
           <a:srgbClr val="000000"/>
         </a:buClr>
         <a:buFont typeface="Arial"/>
-        <a:defRPr b="0" i="0" sz="1400" u="none" cap="none" strike="noStrike">
+        <a:defRPr sz="1400" b="0" i="0" u="none" strike="noStrike" cap="none">
           <a:solidFill>
             <a:srgbClr val="000000"/>
           </a:solidFill>
@@ -6532,7 +6735,7 @@
           <a:sym typeface="Arial"/>
         </a:defRPr>
       </a:lvl2pPr>
-      <a:lvl3pPr lvl="2" marR="0" rtl="0" algn="l">
+      <a:lvl3pPr marR="0" lvl="2" algn="l" rtl="0">
         <a:lnSpc>
           <a:spcPct val="100000"/>
         </a:lnSpc>
@@ -6546,7 +6749,7 @@
           <a:srgbClr val="000000"/>
         </a:buClr>
         <a:buFont typeface="Arial"/>
-        <a:defRPr b="0" i="0" sz="1400" u="none" cap="none" strike="noStrike">
+        <a:defRPr sz="1400" b="0" i="0" u="none" strike="noStrike" cap="none">
           <a:solidFill>
             <a:srgbClr val="000000"/>
           </a:solidFill>
@@ -6556,7 +6759,7 @@
           <a:sym typeface="Arial"/>
         </a:defRPr>
       </a:lvl3pPr>
-      <a:lvl4pPr lvl="3" marR="0" rtl="0" algn="l">
+      <a:lvl4pPr marR="0" lvl="3" algn="l" rtl="0">
         <a:lnSpc>
           <a:spcPct val="100000"/>
         </a:lnSpc>
@@ -6570,7 +6773,7 @@
           <a:srgbClr val="000000"/>
         </a:buClr>
         <a:buFont typeface="Arial"/>
-        <a:defRPr b="0" i="0" sz="1400" u="none" cap="none" strike="noStrike">
+        <a:defRPr sz="1400" b="0" i="0" u="none" strike="noStrike" cap="none">
           <a:solidFill>
             <a:srgbClr val="000000"/>
           </a:solidFill>
@@ -6580,7 +6783,7 @@
           <a:sym typeface="Arial"/>
         </a:defRPr>
       </a:lvl4pPr>
-      <a:lvl5pPr lvl="4" marR="0" rtl="0" algn="l">
+      <a:lvl5pPr marR="0" lvl="4" algn="l" rtl="0">
         <a:lnSpc>
           <a:spcPct val="100000"/>
         </a:lnSpc>
@@ -6594,7 +6797,7 @@
           <a:srgbClr val="000000"/>
         </a:buClr>
         <a:buFont typeface="Arial"/>
-        <a:defRPr b="0" i="0" sz="1400" u="none" cap="none" strike="noStrike">
+        <a:defRPr sz="1400" b="0" i="0" u="none" strike="noStrike" cap="none">
           <a:solidFill>
             <a:srgbClr val="000000"/>
           </a:solidFill>
@@ -6604,7 +6807,7 @@
           <a:sym typeface="Arial"/>
         </a:defRPr>
       </a:lvl5pPr>
-      <a:lvl6pPr lvl="5" marR="0" rtl="0" algn="l">
+      <a:lvl6pPr marR="0" lvl="5" algn="l" rtl="0">
         <a:lnSpc>
           <a:spcPct val="100000"/>
         </a:lnSpc>
@@ -6618,7 +6821,7 @@
           <a:srgbClr val="000000"/>
         </a:buClr>
         <a:buFont typeface="Arial"/>
-        <a:defRPr b="0" i="0" sz="1400" u="none" cap="none" strike="noStrike">
+        <a:defRPr sz="1400" b="0" i="0" u="none" strike="noStrike" cap="none">
           <a:solidFill>
             <a:srgbClr val="000000"/>
           </a:solidFill>
@@ -6628,7 +6831,7 @@
           <a:sym typeface="Arial"/>
         </a:defRPr>
       </a:lvl6pPr>
-      <a:lvl7pPr lvl="6" marR="0" rtl="0" algn="l">
+      <a:lvl7pPr marR="0" lvl="6" algn="l" rtl="0">
         <a:lnSpc>
           <a:spcPct val="100000"/>
         </a:lnSpc>
@@ -6642,7 +6845,7 @@
           <a:srgbClr val="000000"/>
         </a:buClr>
         <a:buFont typeface="Arial"/>
-        <a:defRPr b="0" i="0" sz="1400" u="none" cap="none" strike="noStrike">
+        <a:defRPr sz="1400" b="0" i="0" u="none" strike="noStrike" cap="none">
           <a:solidFill>
             <a:srgbClr val="000000"/>
           </a:solidFill>
@@ -6652,7 +6855,7 @@
           <a:sym typeface="Arial"/>
         </a:defRPr>
       </a:lvl7pPr>
-      <a:lvl8pPr lvl="7" marR="0" rtl="0" algn="l">
+      <a:lvl8pPr marR="0" lvl="7" algn="l" rtl="0">
         <a:lnSpc>
           <a:spcPct val="100000"/>
         </a:lnSpc>
@@ -6666,7 +6869,7 @@
           <a:srgbClr val="000000"/>
         </a:buClr>
         <a:buFont typeface="Arial"/>
-        <a:defRPr b="0" i="0" sz="1400" u="none" cap="none" strike="noStrike">
+        <a:defRPr sz="1400" b="0" i="0" u="none" strike="noStrike" cap="none">
           <a:solidFill>
             <a:srgbClr val="000000"/>
           </a:solidFill>
@@ -6676,7 +6879,7 @@
           <a:sym typeface="Arial"/>
         </a:defRPr>
       </a:lvl8pPr>
-      <a:lvl9pPr lvl="8" marR="0" rtl="0" algn="l">
+      <a:lvl9pPr marR="0" lvl="8" algn="l" rtl="0">
         <a:lnSpc>
           <a:spcPct val="100000"/>
         </a:lnSpc>
@@ -6690,7 +6893,7 @@
           <a:srgbClr val="000000"/>
         </a:buClr>
         <a:buFont typeface="Arial"/>
-        <a:defRPr b="0" i="0" sz="1400" u="none" cap="none" strike="noStrike">
+        <a:defRPr sz="1400" b="0" i="0" u="none" strike="noStrike" cap="none">
           <a:solidFill>
             <a:srgbClr val="000000"/>
           </a:solidFill>
@@ -6702,7 +6905,7 @@
       </a:lvl9pPr>
     </p:bodyStyle>
     <p:otherStyle>
-      <a:defPPr lvl="0" marR="0" rtl="0" algn="l">
+      <a:defPPr marR="0" lvl="0" algn="l" rtl="0">
         <a:lnSpc>
           <a:spcPct val="100000"/>
         </a:lnSpc>
@@ -6713,7 +6916,7 @@
           <a:spcPts val="0"/>
         </a:spcAft>
       </a:defPPr>
-      <a:lvl1pPr lvl="0" marR="0" rtl="0" algn="l">
+      <a:lvl1pPr marR="0" lvl="0" algn="l" rtl="0">
         <a:lnSpc>
           <a:spcPct val="100000"/>
         </a:lnSpc>
@@ -6727,7 +6930,7 @@
           <a:srgbClr val="000000"/>
         </a:buClr>
         <a:buFont typeface="Arial"/>
-        <a:defRPr b="0" i="0" sz="1400" u="none" cap="none" strike="noStrike">
+        <a:defRPr sz="1400" b="0" i="0" u="none" strike="noStrike" cap="none">
           <a:solidFill>
             <a:srgbClr val="000000"/>
           </a:solidFill>
@@ -6737,7 +6940,7 @@
           <a:sym typeface="Arial"/>
         </a:defRPr>
       </a:lvl1pPr>
-      <a:lvl2pPr lvl="1" marR="0" rtl="0" algn="l">
+      <a:lvl2pPr marR="0" lvl="1" algn="l" rtl="0">
         <a:lnSpc>
           <a:spcPct val="100000"/>
         </a:lnSpc>
@@ -6751,7 +6954,7 @@
           <a:srgbClr val="000000"/>
         </a:buClr>
         <a:buFont typeface="Arial"/>
-        <a:defRPr b="0" i="0" sz="1400" u="none" cap="none" strike="noStrike">
+        <a:defRPr sz="1400" b="0" i="0" u="none" strike="noStrike" cap="none">
           <a:solidFill>
             <a:srgbClr val="000000"/>
           </a:solidFill>
@@ -6761,7 +6964,7 @@
           <a:sym typeface="Arial"/>
         </a:defRPr>
       </a:lvl2pPr>
-      <a:lvl3pPr lvl="2" marR="0" rtl="0" algn="l">
+      <a:lvl3pPr marR="0" lvl="2" algn="l" rtl="0">
         <a:lnSpc>
           <a:spcPct val="100000"/>
         </a:lnSpc>
@@ -6775,7 +6978,7 @@
           <a:srgbClr val="000000"/>
         </a:buClr>
         <a:buFont typeface="Arial"/>
-        <a:defRPr b="0" i="0" sz="1400" u="none" cap="none" strike="noStrike">
+        <a:defRPr sz="1400" b="0" i="0" u="none" strike="noStrike" cap="none">
           <a:solidFill>
             <a:srgbClr val="000000"/>
           </a:solidFill>
@@ -6785,7 +6988,7 @@
           <a:sym typeface="Arial"/>
         </a:defRPr>
       </a:lvl3pPr>
-      <a:lvl4pPr lvl="3" marR="0" rtl="0" algn="l">
+      <a:lvl4pPr marR="0" lvl="3" algn="l" rtl="0">
         <a:lnSpc>
           <a:spcPct val="100000"/>
         </a:lnSpc>
@@ -6799,7 +7002,7 @@
           <a:srgbClr val="000000"/>
         </a:buClr>
         <a:buFont typeface="Arial"/>
-        <a:defRPr b="0" i="0" sz="1400" u="none" cap="none" strike="noStrike">
+        <a:defRPr sz="1400" b="0" i="0" u="none" strike="noStrike" cap="none">
           <a:solidFill>
             <a:srgbClr val="000000"/>
           </a:solidFill>
@@ -6809,7 +7012,7 @@
           <a:sym typeface="Arial"/>
         </a:defRPr>
       </a:lvl4pPr>
-      <a:lvl5pPr lvl="4" marR="0" rtl="0" algn="l">
+      <a:lvl5pPr marR="0" lvl="4" algn="l" rtl="0">
         <a:lnSpc>
           <a:spcPct val="100000"/>
         </a:lnSpc>
@@ -6823,7 +7026,7 @@
           <a:srgbClr val="000000"/>
         </a:buClr>
         <a:buFont typeface="Arial"/>
-        <a:defRPr b="0" i="0" sz="1400" u="none" cap="none" strike="noStrike">
+        <a:defRPr sz="1400" b="0" i="0" u="none" strike="noStrike" cap="none">
           <a:solidFill>
             <a:srgbClr val="000000"/>
           </a:solidFill>
@@ -6833,7 +7036,7 @@
           <a:sym typeface="Arial"/>
         </a:defRPr>
       </a:lvl5pPr>
-      <a:lvl6pPr lvl="5" marR="0" rtl="0" algn="l">
+      <a:lvl6pPr marR="0" lvl="5" algn="l" rtl="0">
         <a:lnSpc>
           <a:spcPct val="100000"/>
         </a:lnSpc>
@@ -6847,7 +7050,7 @@
           <a:srgbClr val="000000"/>
         </a:buClr>
         <a:buFont typeface="Arial"/>
-        <a:defRPr b="0" i="0" sz="1400" u="none" cap="none" strike="noStrike">
+        <a:defRPr sz="1400" b="0" i="0" u="none" strike="noStrike" cap="none">
           <a:solidFill>
             <a:srgbClr val="000000"/>
           </a:solidFill>
@@ -6857,7 +7060,7 @@
           <a:sym typeface="Arial"/>
         </a:defRPr>
       </a:lvl6pPr>
-      <a:lvl7pPr lvl="6" marR="0" rtl="0" algn="l">
+      <a:lvl7pPr marR="0" lvl="6" algn="l" rtl="0">
         <a:lnSpc>
           <a:spcPct val="100000"/>
         </a:lnSpc>
@@ -6871,7 +7074,7 @@
           <a:srgbClr val="000000"/>
         </a:buClr>
         <a:buFont typeface="Arial"/>
-        <a:defRPr b="0" i="0" sz="1400" u="none" cap="none" strike="noStrike">
+        <a:defRPr sz="1400" b="0" i="0" u="none" strike="noStrike" cap="none">
           <a:solidFill>
             <a:srgbClr val="000000"/>
           </a:solidFill>
@@ -6881,7 +7084,7 @@
           <a:sym typeface="Arial"/>
         </a:defRPr>
       </a:lvl7pPr>
-      <a:lvl8pPr lvl="7" marR="0" rtl="0" algn="l">
+      <a:lvl8pPr marR="0" lvl="7" algn="l" rtl="0">
         <a:lnSpc>
           <a:spcPct val="100000"/>
         </a:lnSpc>
@@ -6895,7 +7098,7 @@
           <a:srgbClr val="000000"/>
         </a:buClr>
         <a:buFont typeface="Arial"/>
-        <a:defRPr b="0" i="0" sz="1400" u="none" cap="none" strike="noStrike">
+        <a:defRPr sz="1400" b="0" i="0" u="none" strike="noStrike" cap="none">
           <a:solidFill>
             <a:srgbClr val="000000"/>
           </a:solidFill>
@@ -6905,7 +7108,7 @@
           <a:sym typeface="Arial"/>
         </a:defRPr>
       </a:lvl8pPr>
-      <a:lvl9pPr lvl="8" marR="0" rtl="0" algn="l">
+      <a:lvl9pPr marR="0" lvl="8" algn="l" rtl="0">
         <a:lnSpc>
           <a:spcPct val="100000"/>
         </a:lnSpc>
@@ -6919,7 +7122,7 @@
           <a:srgbClr val="000000"/>
         </a:buClr>
         <a:buFont typeface="Arial"/>
-        <a:defRPr b="0" i="0" sz="1400" u="none" cap="none" strike="noStrike">
+        <a:defRPr sz="1400" b="0" i="0" u="none" strike="noStrike" cap="none">
           <a:solidFill>
             <a:srgbClr val="000000"/>
           </a:solidFill>
@@ -6935,11 +7138,11 @@
 </file>
 
 <file path=ppt/slides/slide1.xml><?xml version="1.0" encoding="utf-8"?>
-<p:sld xmlns:a="http://schemas.openxmlformats.org/drawingml/2006/main" xmlns:r="http://schemas.openxmlformats.org/officeDocument/2006/relationships" xmlns:mc="http://schemas.openxmlformats.org/markup-compatibility/2006" xmlns:mv="urn:schemas-microsoft-com:mac:vml" xmlns:p="http://schemas.openxmlformats.org/presentationml/2006/main" xmlns:c="http://schemas.openxmlformats.org/drawingml/2006/chart" xmlns:dgm="http://schemas.openxmlformats.org/drawingml/2006/diagram" xmlns:o="urn:schemas-microsoft-com:office:office" xmlns:v="urn:schemas-microsoft-com:vml" xmlns:pvml="urn:schemas-microsoft-com:office:powerpoint" xmlns:com="http://schemas.openxmlformats.org/drawingml/2006/compatibility" xmlns:p14="http://schemas.microsoft.com/office/powerpoint/2010/main" xmlns:p15="http://schemas.microsoft.com/office/powerpoint/2012/main" xmlns:ahyp="http://schemas.microsoft.com/office/drawing/2018/hyperlinkcolor">
+<p:sld xmlns:a="http://schemas.openxmlformats.org/drawingml/2006/main" xmlns:r="http://schemas.openxmlformats.org/officeDocument/2006/relationships" xmlns:p="http://schemas.openxmlformats.org/presentationml/2006/main">
   <p:cSld>
     <p:spTree>
       <p:nvGrpSpPr>
-        <p:cNvPr id="53" name="Shape 53"/>
+        <p:cNvPr id="1" name="Shape 53"/>
         <p:cNvGrpSpPr/>
         <p:nvPr/>
       </p:nvGrpSpPr>
@@ -6999,12 +7202,12 @@
           </a:ln>
         </p:spPr>
         <p:txBody>
-          <a:bodyPr anchorCtr="0" anchor="t" bIns="91425" lIns="91425" spcFirstLastPara="1" rIns="91425" wrap="square" tIns="91425">
+          <a:bodyPr spcFirstLastPara="1" wrap="square" lIns="91425" tIns="91425" rIns="91425" bIns="91425" anchor="t" anchorCtr="0">
             <a:spAutoFit/>
           </a:bodyPr>
           <a:lstStyle/>
           <a:p>
-            <a:pPr indent="0" lvl="0" marL="0" rtl="0" algn="l">
+            <a:pPr marL="0" lvl="0" indent="0" algn="l" rtl="0">
               <a:spcBef>
                 <a:spcPts val="0"/>
               </a:spcBef>
@@ -7014,21 +7217,21 @@
               <a:buNone/>
             </a:pPr>
             <a:r>
-              <a:rPr b="1" lang="es" sz="1800">
+              <a:rPr lang="es" sz="1800" b="1">
                 <a:solidFill>
                   <a:schemeClr val="dk2"/>
                 </a:solidFill>
               </a:rPr>
               <a:t>Materia: Estructura de datos</a:t>
             </a:r>
-            <a:endParaRPr b="1" sz="1800">
+            <a:endParaRPr sz="1800" b="1">
               <a:solidFill>
                 <a:schemeClr val="dk2"/>
               </a:solidFill>
             </a:endParaRPr>
           </a:p>
           <a:p>
-            <a:pPr indent="0" lvl="0" marL="0" rtl="0" algn="l">
+            <a:pPr marL="0" lvl="0" indent="0" algn="l" rtl="0">
               <a:spcBef>
                 <a:spcPts val="0"/>
               </a:spcBef>
@@ -7037,17 +7240,14 @@
               </a:spcAft>
               <a:buNone/>
             </a:pPr>
-            <a:r>
-              <a:t/>
-            </a:r>
-            <a:endParaRPr b="1" sz="1800">
+            <a:endParaRPr sz="1800" b="1">
               <a:solidFill>
                 <a:schemeClr val="dk2"/>
               </a:solidFill>
             </a:endParaRPr>
           </a:p>
           <a:p>
-            <a:pPr indent="0" lvl="0" marL="0" rtl="0" algn="l">
+            <a:pPr marL="0" lvl="0" indent="0" algn="l" rtl="0">
               <a:spcBef>
                 <a:spcPts val="0"/>
               </a:spcBef>
@@ -7062,21 +7262,21 @@
               <a:buNone/>
             </a:pPr>
             <a:r>
-              <a:rPr b="1" lang="es" sz="1800">
+              <a:rPr lang="es" sz="1800" b="1">
                 <a:solidFill>
                   <a:schemeClr val="dk2"/>
                 </a:solidFill>
               </a:rPr>
               <a:t>Trabajo práctico integrador: Cliente de correo electrónico - Entrega Final.</a:t>
             </a:r>
-            <a:endParaRPr b="1" sz="1800">
+            <a:endParaRPr sz="1800" b="1">
               <a:solidFill>
                 <a:schemeClr val="dk2"/>
               </a:solidFill>
             </a:endParaRPr>
           </a:p>
           <a:p>
-            <a:pPr indent="0" lvl="0" marL="0" rtl="0" algn="l">
+            <a:pPr marL="0" lvl="0" indent="0" algn="l" rtl="0">
               <a:spcBef>
                 <a:spcPts val="0"/>
               </a:spcBef>
@@ -7085,17 +7285,14 @@
               </a:spcAft>
               <a:buNone/>
             </a:pPr>
-            <a:r>
-              <a:t/>
-            </a:r>
-            <a:endParaRPr b="1" sz="1800">
+            <a:endParaRPr sz="1800" b="1">
               <a:solidFill>
                 <a:schemeClr val="dk2"/>
               </a:solidFill>
             </a:endParaRPr>
           </a:p>
           <a:p>
-            <a:pPr indent="0" lvl="0" marL="0" rtl="0" algn="l">
+            <a:pPr marL="0" lvl="0" indent="0" algn="l" rtl="0">
               <a:spcBef>
                 <a:spcPts val="0"/>
               </a:spcBef>
@@ -7105,21 +7302,21 @@
               <a:buNone/>
             </a:pPr>
             <a:r>
-              <a:rPr b="1" lang="es" sz="1800">
+              <a:rPr lang="es" sz="1800" b="1">
                 <a:solidFill>
                   <a:schemeClr val="dk2"/>
                 </a:solidFill>
               </a:rPr>
               <a:t>Comisión: 3</a:t>
             </a:r>
-            <a:endParaRPr b="1" sz="1800">
+            <a:endParaRPr sz="1800" b="1">
               <a:solidFill>
                 <a:schemeClr val="dk2"/>
               </a:solidFill>
             </a:endParaRPr>
           </a:p>
           <a:p>
-            <a:pPr indent="0" lvl="0" marL="0" rtl="0" algn="l">
+            <a:pPr marL="0" lvl="0" indent="0" algn="l" rtl="0">
               <a:spcBef>
                 <a:spcPts val="0"/>
               </a:spcBef>
@@ -7128,17 +7325,14 @@
               </a:spcAft>
               <a:buNone/>
             </a:pPr>
-            <a:r>
-              <a:t/>
-            </a:r>
-            <a:endParaRPr b="1" sz="1800">
+            <a:endParaRPr sz="1800" b="1">
               <a:solidFill>
                 <a:schemeClr val="dk2"/>
               </a:solidFill>
             </a:endParaRPr>
           </a:p>
           <a:p>
-            <a:pPr indent="0" lvl="0" marL="0" rtl="0" algn="l">
+            <a:pPr marL="0" lvl="0" indent="0" algn="l" rtl="0">
               <a:spcBef>
                 <a:spcPts val="0"/>
               </a:spcBef>
@@ -7148,21 +7342,21 @@
               <a:buNone/>
             </a:pPr>
             <a:r>
-              <a:rPr b="1" lang="es" sz="1800">
+              <a:rPr lang="es" sz="1800" b="1">
                 <a:solidFill>
                   <a:schemeClr val="dk2"/>
                 </a:solidFill>
               </a:rPr>
               <a:t>Profesor: Angel Leonardo Bianco</a:t>
             </a:r>
-            <a:endParaRPr b="1" sz="1800">
+            <a:endParaRPr sz="1800" b="1">
               <a:solidFill>
                 <a:schemeClr val="dk2"/>
               </a:solidFill>
             </a:endParaRPr>
           </a:p>
           <a:p>
-            <a:pPr indent="0" lvl="0" marL="0" rtl="0" algn="l">
+            <a:pPr marL="0" lvl="0" indent="0" algn="l" rtl="0">
               <a:spcBef>
                 <a:spcPts val="0"/>
               </a:spcBef>
@@ -7171,17 +7365,14 @@
               </a:spcAft>
               <a:buNone/>
             </a:pPr>
-            <a:r>
-              <a:t/>
-            </a:r>
-            <a:endParaRPr b="1" sz="1800">
+            <a:endParaRPr sz="1800" b="1">
               <a:solidFill>
                 <a:schemeClr val="dk2"/>
               </a:solidFill>
             </a:endParaRPr>
           </a:p>
           <a:p>
-            <a:pPr indent="0" lvl="0" marL="0" rtl="0" algn="l">
+            <a:pPr marL="0" lvl="0" indent="0" algn="l" rtl="0">
               <a:spcBef>
                 <a:spcPts val="0"/>
               </a:spcBef>
@@ -7191,21 +7382,21 @@
               <a:buNone/>
             </a:pPr>
             <a:r>
-              <a:rPr b="1" lang="es" sz="1800">
+              <a:rPr lang="es" sz="1800" b="1">
                 <a:solidFill>
                   <a:schemeClr val="dk2"/>
                 </a:solidFill>
               </a:rPr>
               <a:t>Grupo 11.</a:t>
             </a:r>
-            <a:endParaRPr b="1" sz="1800">
+            <a:endParaRPr sz="1800" b="1">
               <a:solidFill>
                 <a:schemeClr val="dk2"/>
               </a:solidFill>
             </a:endParaRPr>
           </a:p>
           <a:p>
-            <a:pPr indent="0" lvl="0" marL="0" rtl="0" algn="l">
+            <a:pPr marL="0" lvl="0" indent="0" algn="l" rtl="0">
               <a:spcBef>
                 <a:spcPts val="0"/>
               </a:spcBef>
@@ -7214,17 +7405,14 @@
               </a:spcAft>
               <a:buNone/>
             </a:pPr>
-            <a:r>
-              <a:t/>
-            </a:r>
-            <a:endParaRPr b="1" sz="1800">
+            <a:endParaRPr sz="1800" b="1">
               <a:solidFill>
                 <a:schemeClr val="dk2"/>
               </a:solidFill>
             </a:endParaRPr>
           </a:p>
           <a:p>
-            <a:pPr indent="0" lvl="0" marL="0" rtl="0" algn="l">
+            <a:pPr marL="0" lvl="0" indent="0" algn="l" rtl="0">
               <a:spcBef>
                 <a:spcPts val="0"/>
               </a:spcBef>
@@ -7234,21 +7422,21 @@
               <a:buNone/>
             </a:pPr>
             <a:r>
-              <a:rPr b="1" lang="es" sz="1800">
+              <a:rPr lang="es" sz="1800" b="1">
                 <a:solidFill>
                   <a:schemeClr val="dk2"/>
                 </a:solidFill>
               </a:rPr>
               <a:t>Alumnos: Brizuela Carla, Vergara Lucas.</a:t>
             </a:r>
-            <a:endParaRPr b="1" sz="1800">
+            <a:endParaRPr sz="1800" b="1">
               <a:solidFill>
                 <a:schemeClr val="dk2"/>
               </a:solidFill>
             </a:endParaRPr>
           </a:p>
           <a:p>
-            <a:pPr indent="0" lvl="0" marL="0" rtl="0" algn="l">
+            <a:pPr marL="0" lvl="0" indent="0" algn="l" rtl="0">
               <a:spcBef>
                 <a:spcPts val="0"/>
               </a:spcBef>
@@ -7257,9 +7445,6 @@
               </a:spcAft>
               <a:buNone/>
             </a:pPr>
-            <a:r>
-              <a:t/>
-            </a:r>
             <a:endParaRPr sz="1800">
               <a:solidFill>
                 <a:schemeClr val="dk2"/>
@@ -7277,11 +7462,296 @@
 </file>
 
 <file path=ppt/slides/slide10.xml><?xml version="1.0" encoding="utf-8"?>
-<p:sld xmlns:a="http://schemas.openxmlformats.org/drawingml/2006/main" xmlns:r="http://schemas.openxmlformats.org/officeDocument/2006/relationships" xmlns:mc="http://schemas.openxmlformats.org/markup-compatibility/2006" xmlns:mv="urn:schemas-microsoft-com:mac:vml" xmlns:p="http://schemas.openxmlformats.org/presentationml/2006/main" xmlns:c="http://schemas.openxmlformats.org/drawingml/2006/chart" xmlns:dgm="http://schemas.openxmlformats.org/drawingml/2006/diagram" xmlns:o="urn:schemas-microsoft-com:office:office" xmlns:v="urn:schemas-microsoft-com:vml" xmlns:pvml="urn:schemas-microsoft-com:office:powerpoint" xmlns:com="http://schemas.openxmlformats.org/drawingml/2006/compatibility" xmlns:p14="http://schemas.microsoft.com/office/powerpoint/2010/main" xmlns:p15="http://schemas.microsoft.com/office/powerpoint/2012/main" xmlns:ahyp="http://schemas.microsoft.com/office/drawing/2018/hyperlinkcolor">
+<p:sld xmlns:a="http://schemas.openxmlformats.org/drawingml/2006/main" xmlns:r="http://schemas.openxmlformats.org/officeDocument/2006/relationships" xmlns:p="http://schemas.openxmlformats.org/presentationml/2006/main">
   <p:cSld>
     <p:spTree>
       <p:nvGrpSpPr>
-        <p:cNvPr id="110" name="Shape 110"/>
+        <p:cNvPr id="1" name="Shape 92"/>
+        <p:cNvGrpSpPr/>
+        <p:nvPr/>
+      </p:nvGrpSpPr>
+      <p:grpSpPr>
+        <a:xfrm>
+          <a:off x="0" y="0"/>
+          <a:ext cx="0" cy="0"/>
+          <a:chOff x="0" y="0"/>
+          <a:chExt cx="0" cy="0"/>
+        </a:xfrm>
+      </p:grpSpPr>
+      <p:sp>
+        <p:nvSpPr>
+          <p:cNvPr id="93" name="Google Shape;93;p19"/>
+          <p:cNvSpPr txBox="1">
+            <a:spLocks noGrp="1"/>
+          </p:cNvSpPr>
+          <p:nvPr>
+            <p:ph type="title"/>
+          </p:nvPr>
+        </p:nvSpPr>
+        <p:spPr>
+          <a:xfrm>
+            <a:off x="311700" y="445025"/>
+            <a:ext cx="8520600" cy="572700"/>
+          </a:xfrm>
+          <a:prstGeom prst="rect">
+            <a:avLst/>
+          </a:prstGeom>
+        </p:spPr>
+        <p:txBody>
+          <a:bodyPr spcFirstLastPara="1" wrap="square" lIns="91425" tIns="91425" rIns="91425" bIns="91425" anchor="t" anchorCtr="0">
+            <a:normAutofit fontScale="90000"/>
+          </a:bodyPr>
+          <a:lstStyle/>
+          <a:p>
+            <a:pPr marL="0" lvl="0" indent="0" algn="l" rtl="0">
+              <a:spcBef>
+                <a:spcPts val="0"/>
+              </a:spcBef>
+              <a:spcAft>
+                <a:spcPts val="0"/>
+              </a:spcAft>
+              <a:buNone/>
+            </a:pPr>
+            <a:r>
+              <a:rPr lang="es"/>
+              <a:t>Creamos la interfaz de la bandeja de entrada y salida</a:t>
+            </a:r>
+            <a:endParaRPr/>
+          </a:p>
+        </p:txBody>
+      </p:sp>
+      <p:pic>
+        <p:nvPicPr>
+          <p:cNvPr id="94" name="Google Shape;94;p19"/>
+          <p:cNvPicPr preferRelativeResize="0"/>
+          <p:nvPr/>
+        </p:nvPicPr>
+        <p:blipFill>
+          <a:blip r:embed="rId3">
+            <a:alphaModFix/>
+          </a:blip>
+          <a:stretch>
+            <a:fillRect/>
+          </a:stretch>
+        </p:blipFill>
+        <p:spPr>
+          <a:xfrm>
+            <a:off x="1699400" y="1179975"/>
+            <a:ext cx="5124450" cy="3448050"/>
+          </a:xfrm>
+          <a:prstGeom prst="rect">
+            <a:avLst/>
+          </a:prstGeom>
+          <a:noFill/>
+          <a:ln>
+            <a:noFill/>
+          </a:ln>
+        </p:spPr>
+      </p:pic>
+    </p:spTree>
+  </p:cSld>
+  <p:clrMapOvr>
+    <a:masterClrMapping/>
+  </p:clrMapOvr>
+</p:sld>
+</file>
+
+<file path=ppt/slides/slide11.xml><?xml version="1.0" encoding="utf-8"?>
+<p:sld xmlns:a="http://schemas.openxmlformats.org/drawingml/2006/main" xmlns:r="http://schemas.openxmlformats.org/officeDocument/2006/relationships" xmlns:p="http://schemas.openxmlformats.org/presentationml/2006/main">
+  <p:cSld>
+    <p:spTree>
+      <p:nvGrpSpPr>
+        <p:cNvPr id="1" name="Shape 98"/>
+        <p:cNvGrpSpPr/>
+        <p:nvPr/>
+      </p:nvGrpSpPr>
+      <p:grpSpPr>
+        <a:xfrm>
+          <a:off x="0" y="0"/>
+          <a:ext cx="0" cy="0"/>
+          <a:chOff x="0" y="0"/>
+          <a:chExt cx="0" cy="0"/>
+        </a:xfrm>
+      </p:grpSpPr>
+      <p:sp>
+        <p:nvSpPr>
+          <p:cNvPr id="99" name="Google Shape;99;p20"/>
+          <p:cNvSpPr txBox="1">
+            <a:spLocks noGrp="1"/>
+          </p:cNvSpPr>
+          <p:nvPr>
+            <p:ph type="title"/>
+          </p:nvPr>
+        </p:nvSpPr>
+        <p:spPr>
+          <a:xfrm>
+            <a:off x="2252825" y="336650"/>
+            <a:ext cx="4536300" cy="572700"/>
+          </a:xfrm>
+          <a:prstGeom prst="rect">
+            <a:avLst/>
+          </a:prstGeom>
+        </p:spPr>
+        <p:txBody>
+          <a:bodyPr spcFirstLastPara="1" wrap="square" lIns="91425" tIns="91425" rIns="91425" bIns="91425" anchor="t" anchorCtr="0">
+            <a:normAutofit fontScale="90000"/>
+          </a:bodyPr>
+          <a:lstStyle/>
+          <a:p>
+            <a:pPr marL="0" lvl="0" indent="0" algn="l" rtl="0">
+              <a:spcBef>
+                <a:spcPts val="0"/>
+              </a:spcBef>
+              <a:spcAft>
+                <a:spcPts val="0"/>
+              </a:spcAft>
+              <a:buNone/>
+            </a:pPr>
+            <a:r>
+              <a:rPr lang="es"/>
+              <a:t>Cambiamos la clase Usuario</a:t>
+            </a:r>
+            <a:endParaRPr/>
+          </a:p>
+        </p:txBody>
+      </p:sp>
+      <p:pic>
+        <p:nvPicPr>
+          <p:cNvPr id="100" name="Google Shape;100;p20"/>
+          <p:cNvPicPr preferRelativeResize="0"/>
+          <p:nvPr/>
+        </p:nvPicPr>
+        <p:blipFill>
+          <a:blip r:embed="rId3">
+            <a:alphaModFix/>
+          </a:blip>
+          <a:stretch>
+            <a:fillRect/>
+          </a:stretch>
+        </p:blipFill>
+        <p:spPr>
+          <a:xfrm>
+            <a:off x="1869463" y="1170125"/>
+            <a:ext cx="5523315" cy="3820974"/>
+          </a:xfrm>
+          <a:prstGeom prst="rect">
+            <a:avLst/>
+          </a:prstGeom>
+          <a:noFill/>
+          <a:ln>
+            <a:noFill/>
+          </a:ln>
+        </p:spPr>
+      </p:pic>
+    </p:spTree>
+  </p:cSld>
+  <p:clrMapOvr>
+    <a:masterClrMapping/>
+  </p:clrMapOvr>
+</p:sld>
+</file>
+
+<file path=ppt/slides/slide12.xml><?xml version="1.0" encoding="utf-8"?>
+<p:sld xmlns:a="http://schemas.openxmlformats.org/drawingml/2006/main" xmlns:r="http://schemas.openxmlformats.org/officeDocument/2006/relationships" xmlns:p="http://schemas.openxmlformats.org/presentationml/2006/main">
+  <p:cSld>
+    <p:spTree>
+      <p:nvGrpSpPr>
+        <p:cNvPr id="1" name="Shape 104"/>
+        <p:cNvGrpSpPr/>
+        <p:nvPr/>
+      </p:nvGrpSpPr>
+      <p:grpSpPr>
+        <a:xfrm>
+          <a:off x="0" y="0"/>
+          <a:ext cx="0" cy="0"/>
+          <a:chOff x="0" y="0"/>
+          <a:chExt cx="0" cy="0"/>
+        </a:xfrm>
+      </p:grpSpPr>
+      <p:sp>
+        <p:nvSpPr>
+          <p:cNvPr id="105" name="Google Shape;105;p21"/>
+          <p:cNvSpPr txBox="1">
+            <a:spLocks noGrp="1"/>
+          </p:cNvSpPr>
+          <p:nvPr>
+            <p:ph type="title"/>
+          </p:nvPr>
+        </p:nvSpPr>
+        <p:spPr>
+          <a:xfrm>
+            <a:off x="2328600" y="425325"/>
+            <a:ext cx="4486800" cy="572700"/>
+          </a:xfrm>
+          <a:prstGeom prst="rect">
+            <a:avLst/>
+          </a:prstGeom>
+        </p:spPr>
+        <p:txBody>
+          <a:bodyPr spcFirstLastPara="1" wrap="square" lIns="91425" tIns="91425" rIns="91425" bIns="91425" anchor="t" anchorCtr="0">
+            <a:normAutofit fontScale="90000"/>
+          </a:bodyPr>
+          <a:lstStyle/>
+          <a:p>
+            <a:pPr marL="0" lvl="0" indent="0" algn="l" rtl="0">
+              <a:spcBef>
+                <a:spcPts val="0"/>
+              </a:spcBef>
+              <a:spcAft>
+                <a:spcPts val="0"/>
+              </a:spcAft>
+              <a:buNone/>
+            </a:pPr>
+            <a:r>
+              <a:rPr lang="es"/>
+              <a:t>Cambios en la clase Servidor</a:t>
+            </a:r>
+            <a:endParaRPr/>
+          </a:p>
+        </p:txBody>
+      </p:sp>
+      <p:pic>
+        <p:nvPicPr>
+          <p:cNvPr id="106" name="Google Shape;106;p21"/>
+          <p:cNvPicPr preferRelativeResize="0"/>
+          <p:nvPr/>
+        </p:nvPicPr>
+        <p:blipFill>
+          <a:blip r:embed="rId3">
+            <a:alphaModFix/>
+          </a:blip>
+          <a:stretch>
+            <a:fillRect/>
+          </a:stretch>
+        </p:blipFill>
+        <p:spPr>
+          <a:xfrm>
+            <a:off x="1679675" y="1515000"/>
+            <a:ext cx="5553075" cy="2790825"/>
+          </a:xfrm>
+          <a:prstGeom prst="rect">
+            <a:avLst/>
+          </a:prstGeom>
+          <a:noFill/>
+          <a:ln>
+            <a:noFill/>
+          </a:ln>
+        </p:spPr>
+      </p:pic>
+    </p:spTree>
+  </p:cSld>
+  <p:clrMapOvr>
+    <a:masterClrMapping/>
+  </p:clrMapOvr>
+</p:sld>
+</file>
+
+<file path=ppt/slides/slide13.xml><?xml version="1.0" encoding="utf-8"?>
+<p:sld xmlns:a="http://schemas.openxmlformats.org/drawingml/2006/main" xmlns:r="http://schemas.openxmlformats.org/officeDocument/2006/relationships" xmlns:p="http://schemas.openxmlformats.org/presentationml/2006/main">
+  <p:cSld>
+    <p:spTree>
+      <p:nvGrpSpPr>
+        <p:cNvPr id="1" name="Shape 110"/>
         <p:cNvGrpSpPr/>
         <p:nvPr/>
       </p:nvGrpSpPr>
@@ -7296,7 +7766,9 @@
       <p:sp>
         <p:nvSpPr>
           <p:cNvPr id="111" name="Google Shape;111;p22"/>
-          <p:cNvSpPr txBox="1"/>
+          <p:cNvSpPr txBox="1">
+            <a:spLocks noGrp="1"/>
+          </p:cNvSpPr>
           <p:nvPr>
             <p:ph type="title"/>
           </p:nvPr>
@@ -7311,12 +7783,12 @@
           </a:prstGeom>
         </p:spPr>
         <p:txBody>
-          <a:bodyPr anchorCtr="0" anchor="t" bIns="91425" lIns="91425" spcFirstLastPara="1" rIns="91425" wrap="square" tIns="91425">
+          <a:bodyPr spcFirstLastPara="1" wrap="square" lIns="91425" tIns="91425" rIns="91425" bIns="91425" anchor="t" anchorCtr="0">
             <a:normAutofit fontScale="90000"/>
           </a:bodyPr>
           <a:lstStyle/>
           <a:p>
-            <a:pPr indent="0" lvl="0" marL="0" rtl="0" algn="l">
+            <a:pPr marL="0" lvl="0" indent="0" algn="l" rtl="0">
               <a:spcBef>
                 <a:spcPts val="0"/>
               </a:spcBef>
@@ -7341,7 +7813,7 @@
             <a:endParaRPr/>
           </a:p>
           <a:p>
-            <a:pPr indent="0" lvl="0" marL="0" rtl="0" algn="l">
+            <a:pPr marL="0" lvl="0" indent="0" algn="l" rtl="0">
               <a:spcBef>
                 <a:spcPts val="0"/>
               </a:spcBef>
@@ -7350,9 +7822,6 @@
               </a:spcAft>
               <a:buNone/>
             </a:pPr>
-            <a:r>
-              <a:t/>
-            </a:r>
             <a:endParaRPr/>
           </a:p>
         </p:txBody>
@@ -7421,12 +7890,12 @@
 </p:sld>
 </file>
 
-<file path=ppt/slides/slide11.xml><?xml version="1.0" encoding="utf-8"?>
-<p:sld xmlns:a="http://schemas.openxmlformats.org/drawingml/2006/main" xmlns:r="http://schemas.openxmlformats.org/officeDocument/2006/relationships" xmlns:mc="http://schemas.openxmlformats.org/markup-compatibility/2006" xmlns:mv="urn:schemas-microsoft-com:mac:vml" xmlns:p="http://schemas.openxmlformats.org/presentationml/2006/main" xmlns:c="http://schemas.openxmlformats.org/drawingml/2006/chart" xmlns:dgm="http://schemas.openxmlformats.org/drawingml/2006/diagram" xmlns:o="urn:schemas-microsoft-com:office:office" xmlns:v="urn:schemas-microsoft-com:vml" xmlns:pvml="urn:schemas-microsoft-com:office:powerpoint" xmlns:com="http://schemas.openxmlformats.org/drawingml/2006/compatibility" xmlns:p14="http://schemas.microsoft.com/office/powerpoint/2010/main" xmlns:p15="http://schemas.microsoft.com/office/powerpoint/2012/main" xmlns:ahyp="http://schemas.microsoft.com/office/drawing/2018/hyperlinkcolor">
+<file path=ppt/slides/slide14.xml><?xml version="1.0" encoding="utf-8"?>
+<p:sld xmlns:a="http://schemas.openxmlformats.org/drawingml/2006/main" xmlns:r="http://schemas.openxmlformats.org/officeDocument/2006/relationships" xmlns:p="http://schemas.openxmlformats.org/presentationml/2006/main">
   <p:cSld>
     <p:spTree>
       <p:nvGrpSpPr>
-        <p:cNvPr id="117" name="Shape 117"/>
+        <p:cNvPr id="1" name="Shape 117"/>
         <p:cNvGrpSpPr/>
         <p:nvPr/>
       </p:nvGrpSpPr>
@@ -7441,7 +7910,9 @@
       <p:sp>
         <p:nvSpPr>
           <p:cNvPr id="118" name="Google Shape;118;p23"/>
-          <p:cNvSpPr txBox="1"/>
+          <p:cNvSpPr txBox="1">
+            <a:spLocks noGrp="1"/>
+          </p:cNvSpPr>
           <p:nvPr>
             <p:ph type="title"/>
           </p:nvPr>
@@ -7456,12 +7927,12 @@
           </a:prstGeom>
         </p:spPr>
         <p:txBody>
-          <a:bodyPr anchorCtr="0" anchor="t" bIns="91425" lIns="91425" spcFirstLastPara="1" rIns="91425" wrap="square" tIns="91425">
+          <a:bodyPr spcFirstLastPara="1" wrap="square" lIns="91425" tIns="91425" rIns="91425" bIns="91425" anchor="t" anchorCtr="0">
             <a:normAutofit fontScale="90000"/>
           </a:bodyPr>
           <a:lstStyle/>
           <a:p>
-            <a:pPr indent="0" lvl="0" marL="0" rtl="0" algn="l">
+            <a:pPr marL="0" lvl="0" indent="0" algn="l" rtl="0">
               <a:spcBef>
                 <a:spcPts val="0"/>
               </a:spcBef>
@@ -7477,7 +7948,7 @@
             <a:endParaRPr/>
           </a:p>
           <a:p>
-            <a:pPr indent="0" lvl="0" marL="0" rtl="0" algn="l">
+            <a:pPr marL="0" lvl="0" indent="0" algn="l" rtl="0">
               <a:spcBef>
                 <a:spcPts val="0"/>
               </a:spcBef>
@@ -7486,9 +7957,6 @@
               </a:spcAft>
               <a:buNone/>
             </a:pPr>
-            <a:r>
-              <a:t/>
-            </a:r>
             <a:endParaRPr/>
           </a:p>
         </p:txBody>
@@ -7585,12 +8053,12 @@
 </p:sld>
 </file>
 
-<file path=ppt/slides/slide12.xml><?xml version="1.0" encoding="utf-8"?>
-<p:sld xmlns:a="http://schemas.openxmlformats.org/drawingml/2006/main" xmlns:r="http://schemas.openxmlformats.org/officeDocument/2006/relationships" xmlns:mc="http://schemas.openxmlformats.org/markup-compatibility/2006" xmlns:mv="urn:schemas-microsoft-com:mac:vml" xmlns:p="http://schemas.openxmlformats.org/presentationml/2006/main" xmlns:c="http://schemas.openxmlformats.org/drawingml/2006/chart" xmlns:dgm="http://schemas.openxmlformats.org/drawingml/2006/diagram" xmlns:o="urn:schemas-microsoft-com:office:office" xmlns:v="urn:schemas-microsoft-com:vml" xmlns:pvml="urn:schemas-microsoft-com:office:powerpoint" xmlns:com="http://schemas.openxmlformats.org/drawingml/2006/compatibility" xmlns:p14="http://schemas.microsoft.com/office/powerpoint/2010/main" xmlns:p15="http://schemas.microsoft.com/office/powerpoint/2012/main" xmlns:ahyp="http://schemas.microsoft.com/office/drawing/2018/hyperlinkcolor">
+<file path=ppt/slides/slide15.xml><?xml version="1.0" encoding="utf-8"?>
+<p:sld xmlns:a="http://schemas.openxmlformats.org/drawingml/2006/main" xmlns:r="http://schemas.openxmlformats.org/officeDocument/2006/relationships" xmlns:p="http://schemas.openxmlformats.org/presentationml/2006/main">
   <p:cSld>
     <p:spTree>
       <p:nvGrpSpPr>
-        <p:cNvPr id="125" name="Shape 125"/>
+        <p:cNvPr id="1" name="Shape 125"/>
         <p:cNvGrpSpPr/>
         <p:nvPr/>
       </p:nvGrpSpPr>
@@ -7605,7 +8073,9 @@
       <p:sp>
         <p:nvSpPr>
           <p:cNvPr id="126" name="Google Shape;126;p24"/>
-          <p:cNvSpPr txBox="1"/>
+          <p:cNvSpPr txBox="1">
+            <a:spLocks noGrp="1"/>
+          </p:cNvSpPr>
           <p:nvPr>
             <p:ph type="title"/>
           </p:nvPr>
@@ -7620,12 +8090,12 @@
           </a:prstGeom>
         </p:spPr>
         <p:txBody>
-          <a:bodyPr anchorCtr="0" anchor="t" bIns="91425" lIns="91425" spcFirstLastPara="1" rIns="91425" wrap="square" tIns="91425">
+          <a:bodyPr spcFirstLastPara="1" wrap="square" lIns="91425" tIns="91425" rIns="91425" bIns="91425" anchor="t" anchorCtr="0">
             <a:normAutofit fontScale="90000"/>
           </a:bodyPr>
           <a:lstStyle/>
           <a:p>
-            <a:pPr indent="0" lvl="0" marL="0" rtl="0" algn="l">
+            <a:pPr marL="0" lvl="0" indent="0" algn="l" rtl="0">
               <a:spcBef>
                 <a:spcPts val="0"/>
               </a:spcBef>
@@ -7641,7 +8111,7 @@
             <a:endParaRPr/>
           </a:p>
           <a:p>
-            <a:pPr indent="0" lvl="0" marL="0" rtl="0" algn="l">
+            <a:pPr marL="0" lvl="0" indent="0" algn="l" rtl="0">
               <a:spcBef>
                 <a:spcPts val="0"/>
               </a:spcBef>
@@ -7650,9 +8120,6 @@
               </a:spcAft>
               <a:buNone/>
             </a:pPr>
-            <a:r>
-              <a:t/>
-            </a:r>
             <a:endParaRPr/>
           </a:p>
         </p:txBody>
@@ -7693,12 +8160,12 @@
 </p:sld>
 </file>
 
-<file path=ppt/slides/slide13.xml><?xml version="1.0" encoding="utf-8"?>
-<p:sld xmlns:a="http://schemas.openxmlformats.org/drawingml/2006/main" xmlns:r="http://schemas.openxmlformats.org/officeDocument/2006/relationships" xmlns:mc="http://schemas.openxmlformats.org/markup-compatibility/2006" xmlns:mv="urn:schemas-microsoft-com:mac:vml" xmlns:p="http://schemas.openxmlformats.org/presentationml/2006/main" xmlns:c="http://schemas.openxmlformats.org/drawingml/2006/chart" xmlns:dgm="http://schemas.openxmlformats.org/drawingml/2006/diagram" xmlns:o="urn:schemas-microsoft-com:office:office" xmlns:v="urn:schemas-microsoft-com:vml" xmlns:pvml="urn:schemas-microsoft-com:office:powerpoint" xmlns:com="http://schemas.openxmlformats.org/drawingml/2006/compatibility" xmlns:p14="http://schemas.microsoft.com/office/powerpoint/2010/main" xmlns:p15="http://schemas.microsoft.com/office/powerpoint/2012/main" xmlns:ahyp="http://schemas.microsoft.com/office/drawing/2018/hyperlinkcolor">
+<file path=ppt/slides/slide16.xml><?xml version="1.0" encoding="utf-8"?>
+<p:sld xmlns:a="http://schemas.openxmlformats.org/drawingml/2006/main" xmlns:r="http://schemas.openxmlformats.org/officeDocument/2006/relationships" xmlns:p="http://schemas.openxmlformats.org/presentationml/2006/main">
   <p:cSld>
     <p:spTree>
       <p:nvGrpSpPr>
-        <p:cNvPr id="131" name="Shape 131"/>
+        <p:cNvPr id="1" name="Shape 131"/>
         <p:cNvGrpSpPr/>
         <p:nvPr/>
       </p:nvGrpSpPr>
@@ -7713,7 +8180,9 @@
       <p:sp>
         <p:nvSpPr>
           <p:cNvPr id="132" name="Google Shape;132;p25"/>
-          <p:cNvSpPr txBox="1"/>
+          <p:cNvSpPr txBox="1">
+            <a:spLocks noGrp="1"/>
+          </p:cNvSpPr>
           <p:nvPr>
             <p:ph type="title"/>
           </p:nvPr>
@@ -7728,12 +8197,12 @@
           </a:prstGeom>
         </p:spPr>
         <p:txBody>
-          <a:bodyPr anchorCtr="0" anchor="t" bIns="91425" lIns="91425" spcFirstLastPara="1" rIns="91425" wrap="square" tIns="91425">
+          <a:bodyPr spcFirstLastPara="1" wrap="square" lIns="91425" tIns="91425" rIns="91425" bIns="91425" anchor="t" anchorCtr="0">
             <a:normAutofit fontScale="90000"/>
           </a:bodyPr>
           <a:lstStyle/>
           <a:p>
-            <a:pPr indent="0" lvl="0" marL="0" rtl="0" algn="l">
+            <a:pPr marL="0" lvl="0" indent="0" algn="l" rtl="0">
               <a:spcBef>
                 <a:spcPts val="0"/>
               </a:spcBef>
@@ -7744,15 +8213,7 @@
             </a:pPr>
             <a:r>
               <a:rPr lang="es"/>
-              <a:t>Main con </a:t>
-            </a:r>
-            <a:r>
-              <a:rPr lang="es"/>
-              <a:t>línea</a:t>
-            </a:r>
-            <a:r>
-              <a:rPr lang="es"/>
-              <a:t> de comandos</a:t>
+              <a:t>Main con línea de comandos</a:t>
             </a:r>
             <a:endParaRPr/>
           </a:p>
@@ -7822,12 +8283,12 @@
 </p:sld>
 </file>
 
-<file path=ppt/slides/slide14.xml><?xml version="1.0" encoding="utf-8"?>
-<p:sld xmlns:a="http://schemas.openxmlformats.org/drawingml/2006/main" xmlns:r="http://schemas.openxmlformats.org/officeDocument/2006/relationships" xmlns:mc="http://schemas.openxmlformats.org/markup-compatibility/2006" xmlns:mv="urn:schemas-microsoft-com:mac:vml" xmlns:p="http://schemas.openxmlformats.org/presentationml/2006/main" xmlns:c="http://schemas.openxmlformats.org/drawingml/2006/chart" xmlns:dgm="http://schemas.openxmlformats.org/drawingml/2006/diagram" xmlns:o="urn:schemas-microsoft-com:office:office" xmlns:v="urn:schemas-microsoft-com:vml" xmlns:pvml="urn:schemas-microsoft-com:office:powerpoint" xmlns:com="http://schemas.openxmlformats.org/drawingml/2006/compatibility" xmlns:p14="http://schemas.microsoft.com/office/powerpoint/2010/main" xmlns:p15="http://schemas.microsoft.com/office/powerpoint/2012/main" xmlns:ahyp="http://schemas.microsoft.com/office/drawing/2018/hyperlinkcolor">
+<file path=ppt/slides/slide17.xml><?xml version="1.0" encoding="utf-8"?>
+<p:sld xmlns:a="http://schemas.openxmlformats.org/drawingml/2006/main" xmlns:r="http://schemas.openxmlformats.org/officeDocument/2006/relationships" xmlns:p="http://schemas.openxmlformats.org/presentationml/2006/main">
   <p:cSld>
     <p:spTree>
       <p:nvGrpSpPr>
-        <p:cNvPr id="138" name="Shape 138"/>
+        <p:cNvPr id="1" name="Shape 138"/>
         <p:cNvGrpSpPr/>
         <p:nvPr/>
       </p:nvGrpSpPr>
@@ -7842,7 +8303,9 @@
       <p:sp>
         <p:nvSpPr>
           <p:cNvPr id="139" name="Google Shape;139;p26"/>
-          <p:cNvSpPr txBox="1"/>
+          <p:cNvSpPr txBox="1">
+            <a:spLocks noGrp="1"/>
+          </p:cNvSpPr>
           <p:nvPr>
             <p:ph type="title"/>
           </p:nvPr>
@@ -7857,12 +8320,12 @@
           </a:prstGeom>
         </p:spPr>
         <p:txBody>
-          <a:bodyPr anchorCtr="0" anchor="t" bIns="91425" lIns="91425" spcFirstLastPara="1" rIns="91425" wrap="square" tIns="91425">
-            <a:normAutofit fontScale="90000"/>
+          <a:bodyPr spcFirstLastPara="1" wrap="square" lIns="91425" tIns="91425" rIns="91425" bIns="91425" anchor="t" anchorCtr="0">
+            <a:normAutofit/>
           </a:bodyPr>
           <a:lstStyle/>
           <a:p>
-            <a:pPr indent="0" lvl="0" marL="0" rtl="0" algn="ctr">
+            <a:pPr marL="0" lvl="0" indent="0" algn="ctr" rtl="0">
               <a:spcBef>
                 <a:spcPts val="0"/>
               </a:spcBef>
@@ -7878,7 +8341,7 @@
             <a:endParaRPr/>
           </a:p>
           <a:p>
-            <a:pPr indent="0" lvl="0" marL="0" rtl="0" algn="l">
+            <a:pPr marL="0" lvl="0" indent="0" algn="l" rtl="0">
               <a:spcBef>
                 <a:spcPts val="0"/>
               </a:spcBef>
@@ -7887,13 +8350,10 @@
               </a:spcAft>
               <a:buNone/>
             </a:pPr>
-            <a:r>
-              <a:t/>
-            </a:r>
             <a:endParaRPr/>
           </a:p>
           <a:p>
-            <a:pPr indent="0" lvl="0" marL="0" rtl="0" algn="l">
+            <a:pPr marL="0" lvl="0" indent="0" algn="l" rtl="0">
               <a:spcBef>
                 <a:spcPts val="0"/>
               </a:spcBef>
@@ -7902,9 +8362,6 @@
               </a:spcAft>
               <a:buNone/>
             </a:pPr>
-            <a:r>
-              <a:t/>
-            </a:r>
             <a:endParaRPr/>
           </a:p>
         </p:txBody>
@@ -7945,12 +8402,12 @@
 </p:sld>
 </file>
 
-<file path=ppt/slides/slide15.xml><?xml version="1.0" encoding="utf-8"?>
-<p:sld xmlns:a="http://schemas.openxmlformats.org/drawingml/2006/main" xmlns:r="http://schemas.openxmlformats.org/officeDocument/2006/relationships" xmlns:mc="http://schemas.openxmlformats.org/markup-compatibility/2006" xmlns:mv="urn:schemas-microsoft-com:mac:vml" xmlns:p="http://schemas.openxmlformats.org/presentationml/2006/main" xmlns:c="http://schemas.openxmlformats.org/drawingml/2006/chart" xmlns:dgm="http://schemas.openxmlformats.org/drawingml/2006/diagram" xmlns:o="urn:schemas-microsoft-com:office:office" xmlns:v="urn:schemas-microsoft-com:vml" xmlns:pvml="urn:schemas-microsoft-com:office:powerpoint" xmlns:com="http://schemas.openxmlformats.org/drawingml/2006/compatibility" xmlns:p14="http://schemas.microsoft.com/office/powerpoint/2010/main" xmlns:p15="http://schemas.microsoft.com/office/powerpoint/2012/main" xmlns:ahyp="http://schemas.microsoft.com/office/drawing/2018/hyperlinkcolor">
+<file path=ppt/slides/slide18.xml><?xml version="1.0" encoding="utf-8"?>
+<p:sld xmlns:a="http://schemas.openxmlformats.org/drawingml/2006/main" xmlns:r="http://schemas.openxmlformats.org/officeDocument/2006/relationships" xmlns:p="http://schemas.openxmlformats.org/presentationml/2006/main">
   <p:cSld>
     <p:spTree>
       <p:nvGrpSpPr>
-        <p:cNvPr id="144" name="Shape 144"/>
+        <p:cNvPr id="1" name="Shape 144"/>
         <p:cNvGrpSpPr/>
         <p:nvPr/>
       </p:nvGrpSpPr>
@@ -7965,7 +8422,9 @@
       <p:sp>
         <p:nvSpPr>
           <p:cNvPr id="145" name="Google Shape;145;p27"/>
-          <p:cNvSpPr txBox="1"/>
+          <p:cNvSpPr txBox="1">
+            <a:spLocks noGrp="1"/>
+          </p:cNvSpPr>
           <p:nvPr>
             <p:ph type="title"/>
           </p:nvPr>
@@ -7980,12 +8439,12 @@
           </a:prstGeom>
         </p:spPr>
         <p:txBody>
-          <a:bodyPr anchorCtr="0" anchor="t" bIns="91425" lIns="91425" spcFirstLastPara="1" rIns="91425" wrap="square" tIns="91425">
+          <a:bodyPr spcFirstLastPara="1" wrap="square" lIns="91425" tIns="91425" rIns="91425" bIns="91425" anchor="t" anchorCtr="0">
             <a:normAutofit fontScale="90000"/>
           </a:bodyPr>
           <a:lstStyle/>
           <a:p>
-            <a:pPr indent="0" lvl="0" marL="0" rtl="0" algn="ctr">
+            <a:pPr marL="0" lvl="0" indent="0" algn="ctr" rtl="0">
               <a:spcBef>
                 <a:spcPts val="0"/>
               </a:spcBef>
@@ -8001,7 +8460,7 @@
             <a:endParaRPr/>
           </a:p>
           <a:p>
-            <a:pPr indent="0" lvl="0" marL="0" rtl="0" algn="l">
+            <a:pPr marL="0" lvl="0" indent="0" algn="l" rtl="0">
               <a:spcBef>
                 <a:spcPts val="0"/>
               </a:spcBef>
@@ -8010,9 +8469,6 @@
               </a:spcAft>
               <a:buNone/>
             </a:pPr>
-            <a:r>
-              <a:t/>
-            </a:r>
             <a:endParaRPr/>
           </a:p>
         </p:txBody>
@@ -8053,12 +8509,12 @@
 </p:sld>
 </file>
 
-<file path=ppt/slides/slide16.xml><?xml version="1.0" encoding="utf-8"?>
-<p:sld xmlns:a="http://schemas.openxmlformats.org/drawingml/2006/main" xmlns:r="http://schemas.openxmlformats.org/officeDocument/2006/relationships" xmlns:mc="http://schemas.openxmlformats.org/markup-compatibility/2006" xmlns:mv="urn:schemas-microsoft-com:mac:vml" xmlns:p="http://schemas.openxmlformats.org/presentationml/2006/main" xmlns:c="http://schemas.openxmlformats.org/drawingml/2006/chart" xmlns:dgm="http://schemas.openxmlformats.org/drawingml/2006/diagram" xmlns:o="urn:schemas-microsoft-com:office:office" xmlns:v="urn:schemas-microsoft-com:vml" xmlns:pvml="urn:schemas-microsoft-com:office:powerpoint" xmlns:com="http://schemas.openxmlformats.org/drawingml/2006/compatibility" xmlns:p14="http://schemas.microsoft.com/office/powerpoint/2010/main" xmlns:p15="http://schemas.microsoft.com/office/powerpoint/2012/main" xmlns:ahyp="http://schemas.microsoft.com/office/drawing/2018/hyperlinkcolor">
+<file path=ppt/slides/slide19.xml><?xml version="1.0" encoding="utf-8"?>
+<p:sld xmlns:a="http://schemas.openxmlformats.org/drawingml/2006/main" xmlns:r="http://schemas.openxmlformats.org/officeDocument/2006/relationships" xmlns:p="http://schemas.openxmlformats.org/presentationml/2006/main">
   <p:cSld>
     <p:spTree>
       <p:nvGrpSpPr>
-        <p:cNvPr id="150" name="Shape 150"/>
+        <p:cNvPr id="1" name="Shape 150"/>
         <p:cNvGrpSpPr/>
         <p:nvPr/>
       </p:nvGrpSpPr>
@@ -8073,7 +8529,9 @@
       <p:sp>
         <p:nvSpPr>
           <p:cNvPr id="151" name="Google Shape;151;p28"/>
-          <p:cNvSpPr txBox="1"/>
+          <p:cNvSpPr txBox="1">
+            <a:spLocks noGrp="1"/>
+          </p:cNvSpPr>
           <p:nvPr>
             <p:ph type="title"/>
           </p:nvPr>
@@ -8088,12 +8546,12 @@
           </a:prstGeom>
         </p:spPr>
         <p:txBody>
-          <a:bodyPr anchorCtr="0" anchor="t" bIns="91425" lIns="91425" spcFirstLastPara="1" rIns="91425" wrap="square" tIns="91425">
+          <a:bodyPr spcFirstLastPara="1" wrap="square" lIns="91425" tIns="91425" rIns="91425" bIns="91425" anchor="t" anchorCtr="0">
             <a:normAutofit fontScale="90000"/>
           </a:bodyPr>
           <a:lstStyle/>
           <a:p>
-            <a:pPr indent="0" lvl="0" marL="0" rtl="0" algn="ctr">
+            <a:pPr marL="0" lvl="0" indent="0" algn="ctr" rtl="0">
               <a:spcBef>
                 <a:spcPts val="0"/>
               </a:spcBef>
@@ -8147,11 +8605,11 @@
 </file>
 
 <file path=ppt/slides/slide2.xml><?xml version="1.0" encoding="utf-8"?>
-<p:sld xmlns:a="http://schemas.openxmlformats.org/drawingml/2006/main" xmlns:r="http://schemas.openxmlformats.org/officeDocument/2006/relationships" xmlns:mc="http://schemas.openxmlformats.org/markup-compatibility/2006" xmlns:mv="urn:schemas-microsoft-com:mac:vml" xmlns:p="http://schemas.openxmlformats.org/presentationml/2006/main" xmlns:c="http://schemas.openxmlformats.org/drawingml/2006/chart" xmlns:dgm="http://schemas.openxmlformats.org/drawingml/2006/diagram" xmlns:o="urn:schemas-microsoft-com:office:office" xmlns:v="urn:schemas-microsoft-com:vml" xmlns:pvml="urn:schemas-microsoft-com:office:powerpoint" xmlns:com="http://schemas.openxmlformats.org/drawingml/2006/compatibility" xmlns:p14="http://schemas.microsoft.com/office/powerpoint/2010/main" xmlns:p15="http://schemas.microsoft.com/office/powerpoint/2012/main" xmlns:ahyp="http://schemas.microsoft.com/office/drawing/2018/hyperlinkcolor">
+<p:sld xmlns:a="http://schemas.openxmlformats.org/drawingml/2006/main" xmlns:r="http://schemas.openxmlformats.org/officeDocument/2006/relationships" xmlns:p="http://schemas.openxmlformats.org/presentationml/2006/main">
   <p:cSld>
     <p:spTree>
       <p:nvGrpSpPr>
-        <p:cNvPr id="59" name="Shape 59"/>
+        <p:cNvPr id="1" name="Shape 59"/>
         <p:cNvGrpSpPr/>
         <p:nvPr/>
       </p:nvGrpSpPr>
@@ -8166,7 +8624,9 @@
       <p:sp>
         <p:nvSpPr>
           <p:cNvPr id="60" name="Google Shape;60;p14"/>
-          <p:cNvSpPr txBox="1"/>
+          <p:cNvSpPr txBox="1">
+            <a:spLocks noGrp="1"/>
+          </p:cNvSpPr>
           <p:nvPr>
             <p:ph type="ctrTitle"/>
           </p:nvPr>
@@ -8181,12 +8641,12 @@
           </a:prstGeom>
         </p:spPr>
         <p:txBody>
-          <a:bodyPr anchorCtr="0" anchor="b" bIns="91425" lIns="91425" spcFirstLastPara="1" rIns="91425" wrap="square" tIns="91425">
+          <a:bodyPr spcFirstLastPara="1" wrap="square" lIns="91425" tIns="91425" rIns="91425" bIns="91425" anchor="b" anchorCtr="0">
             <a:normAutofit/>
           </a:bodyPr>
           <a:lstStyle/>
           <a:p>
-            <a:pPr indent="0" lvl="0" marL="0" rtl="0" algn="ctr">
+            <a:pPr marL="0" lvl="0" indent="0" algn="ctr" rtl="0">
               <a:spcBef>
                 <a:spcPts val="0"/>
               </a:spcBef>
@@ -8206,9 +8666,11 @@
       <p:sp>
         <p:nvSpPr>
           <p:cNvPr id="61" name="Google Shape;61;p14"/>
-          <p:cNvSpPr txBox="1"/>
+          <p:cNvSpPr txBox="1">
+            <a:spLocks noGrp="1"/>
+          </p:cNvSpPr>
           <p:nvPr>
-            <p:ph idx="1" type="subTitle"/>
+            <p:ph type="subTitle" idx="1"/>
           </p:nvPr>
         </p:nvSpPr>
         <p:spPr>
@@ -8221,12 +8683,12 @@
           </a:prstGeom>
         </p:spPr>
         <p:txBody>
-          <a:bodyPr anchorCtr="0" anchor="t" bIns="91425" lIns="91425" spcFirstLastPara="1" rIns="91425" wrap="square" tIns="91425">
-            <a:normAutofit lnSpcReduction="20000"/>
+          <a:bodyPr spcFirstLastPara="1" wrap="square" lIns="91425" tIns="91425" rIns="91425" bIns="91425" anchor="t" anchorCtr="0">
+            <a:normAutofit fontScale="92500"/>
           </a:bodyPr>
           <a:lstStyle/>
           <a:p>
-            <a:pPr indent="0" lvl="0" marL="0" rtl="0" algn="ctr">
+            <a:pPr marL="0" lvl="0" indent="0" algn="ctr" rtl="0">
               <a:spcBef>
                 <a:spcPts val="0"/>
               </a:spcBef>
@@ -8252,11 +8714,11 @@
 </file>
 
 <file path=ppt/slides/slide3.xml><?xml version="1.0" encoding="utf-8"?>
-<p:sld xmlns:a="http://schemas.openxmlformats.org/drawingml/2006/main" xmlns:r="http://schemas.openxmlformats.org/officeDocument/2006/relationships" xmlns:mc="http://schemas.openxmlformats.org/markup-compatibility/2006" xmlns:mv="urn:schemas-microsoft-com:mac:vml" xmlns:p="http://schemas.openxmlformats.org/presentationml/2006/main" xmlns:c="http://schemas.openxmlformats.org/drawingml/2006/chart" xmlns:dgm="http://schemas.openxmlformats.org/drawingml/2006/diagram" xmlns:o="urn:schemas-microsoft-com:office:office" xmlns:v="urn:schemas-microsoft-com:vml" xmlns:pvml="urn:schemas-microsoft-com:office:powerpoint" xmlns:com="http://schemas.openxmlformats.org/drawingml/2006/compatibility" xmlns:p14="http://schemas.microsoft.com/office/powerpoint/2010/main" xmlns:p15="http://schemas.microsoft.com/office/powerpoint/2012/main" xmlns:ahyp="http://schemas.microsoft.com/office/drawing/2018/hyperlinkcolor">
+<p:sld xmlns:a="http://schemas.openxmlformats.org/drawingml/2006/main" xmlns:r="http://schemas.openxmlformats.org/officeDocument/2006/relationships" xmlns:p="http://schemas.openxmlformats.org/presentationml/2006/main">
   <p:cSld>
     <p:spTree>
       <p:nvGrpSpPr>
-        <p:cNvPr id="65" name="Shape 65"/>
+        <p:cNvPr id="1" name="Shape 65"/>
         <p:cNvGrpSpPr/>
         <p:nvPr/>
       </p:nvGrpSpPr>
@@ -8271,7 +8733,9 @@
       <p:sp>
         <p:nvSpPr>
           <p:cNvPr id="66" name="Google Shape;66;p15"/>
-          <p:cNvSpPr txBox="1"/>
+          <p:cNvSpPr txBox="1">
+            <a:spLocks noGrp="1"/>
+          </p:cNvSpPr>
           <p:nvPr>
             <p:ph type="ctrTitle"/>
           </p:nvPr>
@@ -8286,12 +8750,12 @@
           </a:prstGeom>
         </p:spPr>
         <p:txBody>
-          <a:bodyPr anchorCtr="0" anchor="b" bIns="91425" lIns="91425" spcFirstLastPara="1" rIns="91425" wrap="square" tIns="91425">
+          <a:bodyPr spcFirstLastPara="1" wrap="square" lIns="91425" tIns="91425" rIns="91425" bIns="91425" anchor="b" anchorCtr="0">
             <a:normAutofit fontScale="90000"/>
           </a:bodyPr>
           <a:lstStyle/>
           <a:p>
-            <a:pPr indent="0" lvl="0" marL="0" rtl="0" algn="ctr">
+            <a:pPr marL="0" lvl="0" indent="0" algn="ctr" rtl="0">
               <a:spcBef>
                 <a:spcPts val="0"/>
               </a:spcBef>
@@ -8311,9 +8775,11 @@
       <p:sp>
         <p:nvSpPr>
           <p:cNvPr id="67" name="Google Shape;67;p15"/>
-          <p:cNvSpPr txBox="1"/>
+          <p:cNvSpPr txBox="1">
+            <a:spLocks noGrp="1"/>
+          </p:cNvSpPr>
           <p:nvPr>
-            <p:ph idx="1" type="subTitle"/>
+            <p:ph type="subTitle" idx="1"/>
           </p:nvPr>
         </p:nvSpPr>
         <p:spPr>
@@ -8326,12 +8792,12 @@
           </a:prstGeom>
         </p:spPr>
         <p:txBody>
-          <a:bodyPr anchorCtr="0" anchor="t" bIns="91425" lIns="91425" spcFirstLastPara="1" rIns="91425" wrap="square" tIns="91425">
+          <a:bodyPr spcFirstLastPara="1" wrap="square" lIns="91425" tIns="91425" rIns="91425" bIns="91425" anchor="t" anchorCtr="0">
             <a:normAutofit fontScale="77500" lnSpcReduction="20000"/>
           </a:bodyPr>
           <a:lstStyle/>
           <a:p>
-            <a:pPr indent="-366395" lvl="0" marL="457200" rtl="0" algn="ctr">
+            <a:pPr marL="457200" lvl="0" indent="-366395" algn="ctr" rtl="0">
               <a:spcBef>
                 <a:spcPts val="0"/>
               </a:spcBef>
@@ -8348,7 +8814,7 @@
             <a:endParaRPr/>
           </a:p>
           <a:p>
-            <a:pPr indent="-366395" lvl="0" marL="457200" rtl="0" algn="ctr">
+            <a:pPr marL="457200" lvl="0" indent="-366395" algn="ctr" rtl="0">
               <a:spcBef>
                 <a:spcPts val="0"/>
               </a:spcBef>
@@ -8365,7 +8831,7 @@
             <a:endParaRPr/>
           </a:p>
           <a:p>
-            <a:pPr indent="-366395" lvl="0" marL="457200" rtl="0" algn="ctr">
+            <a:pPr marL="457200" lvl="0" indent="-366395" algn="ctr" rtl="0">
               <a:spcBef>
                 <a:spcPts val="0"/>
               </a:spcBef>
@@ -8382,7 +8848,7 @@
             <a:endParaRPr/>
           </a:p>
           <a:p>
-            <a:pPr indent="-366395" lvl="0" marL="457200" rtl="0" algn="ctr">
+            <a:pPr marL="457200" lvl="0" indent="-366395" algn="ctr" rtl="0">
               <a:spcBef>
                 <a:spcPts val="0"/>
               </a:spcBef>
@@ -8399,7 +8865,7 @@
             <a:endParaRPr/>
           </a:p>
           <a:p>
-            <a:pPr indent="-366395" lvl="0" marL="457200" rtl="0" algn="ctr">
+            <a:pPr marL="457200" lvl="0" indent="-366395" algn="ctr" rtl="0">
               <a:spcBef>
                 <a:spcPts val="0"/>
               </a:spcBef>
@@ -8426,11 +8892,316 @@
 </file>
 
 <file path=ppt/slides/slide4.xml><?xml version="1.0" encoding="utf-8"?>
-<p:sld xmlns:a="http://schemas.openxmlformats.org/drawingml/2006/main" xmlns:r="http://schemas.openxmlformats.org/officeDocument/2006/relationships" xmlns:mc="http://schemas.openxmlformats.org/markup-compatibility/2006" xmlns:mv="urn:schemas-microsoft-com:mac:vml" xmlns:p="http://schemas.openxmlformats.org/presentationml/2006/main" xmlns:c="http://schemas.openxmlformats.org/drawingml/2006/chart" xmlns:dgm="http://schemas.openxmlformats.org/drawingml/2006/diagram" xmlns:o="urn:schemas-microsoft-com:office:office" xmlns:v="urn:schemas-microsoft-com:vml" xmlns:pvml="urn:schemas-microsoft-com:office:powerpoint" xmlns:com="http://schemas.openxmlformats.org/drawingml/2006/compatibility" xmlns:p14="http://schemas.microsoft.com/office/powerpoint/2010/main" xmlns:p15="http://schemas.microsoft.com/office/powerpoint/2012/main" xmlns:ahyp="http://schemas.microsoft.com/office/drawing/2018/hyperlinkcolor">
+<p:sld xmlns:a="http://schemas.openxmlformats.org/drawingml/2006/main" xmlns:r="http://schemas.openxmlformats.org/officeDocument/2006/relationships" xmlns:p="http://schemas.openxmlformats.org/presentationml/2006/main">
   <p:cSld>
     <p:spTree>
       <p:nvGrpSpPr>
-        <p:cNvPr id="71" name="Shape 71"/>
+        <p:cNvPr id="1" name=""/>
+        <p:cNvGrpSpPr/>
+        <p:nvPr/>
+      </p:nvGrpSpPr>
+      <p:grpSpPr>
+        <a:xfrm>
+          <a:off x="0" y="0"/>
+          <a:ext cx="0" cy="0"/>
+          <a:chOff x="0" y="0"/>
+          <a:chExt cx="0" cy="0"/>
+        </a:xfrm>
+      </p:grpSpPr>
+      <p:sp>
+        <p:nvSpPr>
+          <p:cNvPr id="2" name="1 Título"/>
+          <p:cNvSpPr>
+            <a:spLocks noGrp="1"/>
+          </p:cNvSpPr>
+          <p:nvPr>
+            <p:ph type="title"/>
+          </p:nvPr>
+        </p:nvSpPr>
+        <p:spPr>
+          <a:xfrm>
+            <a:off x="289123" y="186583"/>
+            <a:ext cx="8520600" cy="841800"/>
+          </a:xfrm>
+        </p:spPr>
+        <p:txBody>
+          <a:bodyPr>
+            <a:normAutofit fontScale="90000"/>
+          </a:bodyPr>
+          <a:lstStyle/>
+          <a:p>
+            <a:r>
+              <a:rPr lang="es-AR" dirty="0" smtClean="0"/>
+              <a:t>Diagrama de flujo</a:t>
+            </a:r>
+            <a:br>
+              <a:rPr lang="es-AR" dirty="0" smtClean="0"/>
+            </a:br>
+            <a:endParaRPr lang="es-AR" dirty="0"/>
+          </a:p>
+        </p:txBody>
+      </p:sp>
+      <p:pic>
+        <p:nvPicPr>
+          <p:cNvPr id="1026" name="Picture 2" descr="C:\Users\USER\Desktop\Diagrama de flujo.jpg"/>
+          <p:cNvPicPr>
+            <a:picLocks noChangeAspect="1" noChangeArrowheads="1"/>
+          </p:cNvPicPr>
+          <p:nvPr/>
+        </p:nvPicPr>
+        <p:blipFill>
+          <a:blip r:embed="rId2">
+            <a:extLst>
+              <a:ext uri="{28A0092B-C50C-407E-A947-70E740481C1C}">
+                <a14:useLocalDpi xmlns:a14="http://schemas.microsoft.com/office/drawing/2010/main" val="0"/>
+              </a:ext>
+            </a:extLst>
+          </a:blip>
+          <a:srcRect/>
+          <a:stretch>
+            <a:fillRect/>
+          </a:stretch>
+        </p:blipFill>
+        <p:spPr bwMode="auto">
+          <a:xfrm>
+            <a:off x="327379" y="598311"/>
+            <a:ext cx="8613018" cy="4447294"/>
+          </a:xfrm>
+          <a:prstGeom prst="rect">
+            <a:avLst/>
+          </a:prstGeom>
+          <a:noFill/>
+          <a:extLst>
+            <a:ext uri="{909E8E84-426E-40DD-AFC4-6F175D3DCCD1}">
+              <a14:hiddenFill xmlns:a14="http://schemas.microsoft.com/office/drawing/2010/main">
+                <a:solidFill>
+                  <a:srgbClr val="FFFFFF"/>
+                </a:solidFill>
+              </a14:hiddenFill>
+            </a:ext>
+          </a:extLst>
+        </p:spPr>
+      </p:pic>
+    </p:spTree>
+    <p:extLst>
+      <p:ext uri="{BB962C8B-B14F-4D97-AF65-F5344CB8AC3E}">
+        <p14:creationId xmlns:p14="http://schemas.microsoft.com/office/powerpoint/2010/main" val="3036487035"/>
+      </p:ext>
+    </p:extLst>
+  </p:cSld>
+  <p:clrMapOvr>
+    <a:masterClrMapping/>
+  </p:clrMapOvr>
+</p:sld>
+</file>
+
+<file path=ppt/slides/slide5.xml><?xml version="1.0" encoding="utf-8"?>
+<p:sld xmlns:a="http://schemas.openxmlformats.org/drawingml/2006/main" xmlns:r="http://schemas.openxmlformats.org/officeDocument/2006/relationships" xmlns:p="http://schemas.openxmlformats.org/presentationml/2006/main">
+  <p:cSld>
+    <p:spTree>
+      <p:nvGrpSpPr>
+        <p:cNvPr id="1" name=""/>
+        <p:cNvGrpSpPr/>
+        <p:nvPr/>
+      </p:nvGrpSpPr>
+      <p:grpSpPr>
+        <a:xfrm>
+          <a:off x="0" y="0"/>
+          <a:ext cx="0" cy="0"/>
+          <a:chOff x="0" y="0"/>
+          <a:chExt cx="0" cy="0"/>
+        </a:xfrm>
+      </p:grpSpPr>
+      <p:pic>
+        <p:nvPicPr>
+          <p:cNvPr id="3074" name="Picture 2"/>
+          <p:cNvPicPr>
+            <a:picLocks noChangeAspect="1" noChangeArrowheads="1"/>
+          </p:cNvPicPr>
+          <p:nvPr/>
+        </p:nvPicPr>
+        <p:blipFill>
+          <a:blip r:embed="rId2">
+            <a:extLst>
+              <a:ext uri="{28A0092B-C50C-407E-A947-70E740481C1C}">
+                <a14:useLocalDpi xmlns:a14="http://schemas.microsoft.com/office/drawing/2010/main" val="0"/>
+              </a:ext>
+            </a:extLst>
+          </a:blip>
+          <a:srcRect/>
+          <a:stretch>
+            <a:fillRect/>
+          </a:stretch>
+        </p:blipFill>
+        <p:spPr bwMode="auto">
+          <a:xfrm>
+            <a:off x="508000" y="0"/>
+            <a:ext cx="8218311" cy="5143500"/>
+          </a:xfrm>
+          <a:prstGeom prst="rect">
+            <a:avLst/>
+          </a:prstGeom>
+          <a:noFill/>
+          <a:ln>
+            <a:noFill/>
+          </a:ln>
+          <a:extLst>
+            <a:ext uri="{909E8E84-426E-40DD-AFC4-6F175D3DCCD1}">
+              <a14:hiddenFill xmlns:a14="http://schemas.microsoft.com/office/drawing/2010/main">
+                <a:solidFill>
+                  <a:schemeClr val="accent1"/>
+                </a:solidFill>
+              </a14:hiddenFill>
+            </a:ext>
+            <a:ext uri="{91240B29-F687-4F45-9708-019B960494DF}">
+              <a14:hiddenLine xmlns:a14="http://schemas.microsoft.com/office/drawing/2010/main" w="9525">
+                <a:solidFill>
+                  <a:schemeClr val="tx1"/>
+                </a:solidFill>
+                <a:miter lim="800000"/>
+                <a:headEnd/>
+                <a:tailEnd/>
+              </a14:hiddenLine>
+            </a:ext>
+          </a:extLst>
+        </p:spPr>
+      </p:pic>
+    </p:spTree>
+    <p:extLst>
+      <p:ext uri="{BB962C8B-B14F-4D97-AF65-F5344CB8AC3E}">
+        <p14:creationId xmlns:p14="http://schemas.microsoft.com/office/powerpoint/2010/main" val="2676219809"/>
+      </p:ext>
+    </p:extLst>
+  </p:cSld>
+  <p:clrMapOvr>
+    <a:masterClrMapping/>
+  </p:clrMapOvr>
+</p:sld>
+</file>
+
+<file path=ppt/slides/slide6.xml><?xml version="1.0" encoding="utf-8"?>
+<p:sld xmlns:a="http://schemas.openxmlformats.org/drawingml/2006/main" xmlns:r="http://schemas.openxmlformats.org/officeDocument/2006/relationships" xmlns:p="http://schemas.openxmlformats.org/presentationml/2006/main">
+  <p:cSld>
+    <p:spTree>
+      <p:nvGrpSpPr>
+        <p:cNvPr id="1" name=""/>
+        <p:cNvGrpSpPr/>
+        <p:nvPr/>
+      </p:nvGrpSpPr>
+      <p:grpSpPr>
+        <a:xfrm>
+          <a:off x="0" y="0"/>
+          <a:ext cx="0" cy="0"/>
+          <a:chOff x="0" y="0"/>
+          <a:chExt cx="0" cy="0"/>
+        </a:xfrm>
+      </p:grpSpPr>
+      <p:sp>
+        <p:nvSpPr>
+          <p:cNvPr id="2" name="1 Título"/>
+          <p:cNvSpPr>
+            <a:spLocks noGrp="1"/>
+          </p:cNvSpPr>
+          <p:nvPr>
+            <p:ph type="title"/>
+          </p:nvPr>
+        </p:nvSpPr>
+        <p:spPr>
+          <a:xfrm>
+            <a:off x="322989" y="118850"/>
+            <a:ext cx="8520600" cy="841800"/>
+          </a:xfrm>
+        </p:spPr>
+        <p:txBody>
+          <a:bodyPr>
+            <a:normAutofit fontScale="90000"/>
+          </a:bodyPr>
+          <a:lstStyle/>
+          <a:p>
+            <a:r>
+              <a:rPr lang="es-AR" dirty="0" smtClean="0"/>
+              <a:t>Diagrama de clases</a:t>
+            </a:r>
+            <a:br>
+              <a:rPr lang="es-AR" dirty="0" smtClean="0"/>
+            </a:br>
+            <a:endParaRPr lang="es-AR" dirty="0"/>
+          </a:p>
+        </p:txBody>
+      </p:sp>
+      <p:pic>
+        <p:nvPicPr>
+          <p:cNvPr id="2051" name="Picture 3"/>
+          <p:cNvPicPr>
+            <a:picLocks noChangeAspect="1" noChangeArrowheads="1"/>
+          </p:cNvPicPr>
+          <p:nvPr/>
+        </p:nvPicPr>
+        <p:blipFill>
+          <a:blip r:embed="rId2">
+            <a:extLst>
+              <a:ext uri="{28A0092B-C50C-407E-A947-70E740481C1C}">
+                <a14:useLocalDpi xmlns:a14="http://schemas.microsoft.com/office/drawing/2010/main" val="0"/>
+              </a:ext>
+            </a:extLst>
+          </a:blip>
+          <a:srcRect/>
+          <a:stretch>
+            <a:fillRect/>
+          </a:stretch>
+        </p:blipFill>
+        <p:spPr bwMode="auto">
+          <a:xfrm>
+            <a:off x="2449689" y="627450"/>
+            <a:ext cx="4111272" cy="4425563"/>
+          </a:xfrm>
+          <a:prstGeom prst="rect">
+            <a:avLst/>
+          </a:prstGeom>
+          <a:noFill/>
+          <a:ln>
+            <a:noFill/>
+          </a:ln>
+          <a:extLst>
+            <a:ext uri="{909E8E84-426E-40DD-AFC4-6F175D3DCCD1}">
+              <a14:hiddenFill xmlns:a14="http://schemas.microsoft.com/office/drawing/2010/main">
+                <a:solidFill>
+                  <a:schemeClr val="accent1"/>
+                </a:solidFill>
+              </a14:hiddenFill>
+            </a:ext>
+            <a:ext uri="{91240B29-F687-4F45-9708-019B960494DF}">
+              <a14:hiddenLine xmlns:a14="http://schemas.microsoft.com/office/drawing/2010/main" w="9525">
+                <a:solidFill>
+                  <a:schemeClr val="tx1"/>
+                </a:solidFill>
+                <a:miter lim="800000"/>
+                <a:headEnd/>
+                <a:tailEnd/>
+              </a14:hiddenLine>
+            </a:ext>
+          </a:extLst>
+        </p:spPr>
+      </p:pic>
+    </p:spTree>
+    <p:extLst>
+      <p:ext uri="{BB962C8B-B14F-4D97-AF65-F5344CB8AC3E}">
+        <p14:creationId xmlns:p14="http://schemas.microsoft.com/office/powerpoint/2010/main" val="85721458"/>
+      </p:ext>
+    </p:extLst>
+  </p:cSld>
+  <p:clrMapOvr>
+    <a:masterClrMapping/>
+  </p:clrMapOvr>
+</p:sld>
+</file>
+
+<file path=ppt/slides/slide7.xml><?xml version="1.0" encoding="utf-8"?>
+<p:sld xmlns:a="http://schemas.openxmlformats.org/drawingml/2006/main" xmlns:r="http://schemas.openxmlformats.org/officeDocument/2006/relationships" xmlns:p="http://schemas.openxmlformats.org/presentationml/2006/main">
+  <p:cSld>
+    <p:spTree>
+      <p:nvGrpSpPr>
+        <p:cNvPr id="1" name="Shape 71"/>
         <p:cNvGrpSpPr/>
         <p:nvPr/>
       </p:nvGrpSpPr>
@@ -8490,12 +9261,12 @@
           </a:ln>
         </p:spPr>
         <p:txBody>
-          <a:bodyPr anchorCtr="0" anchor="t" bIns="91425" lIns="91425" spcFirstLastPara="1" rIns="91425" wrap="square" tIns="91425">
+          <a:bodyPr spcFirstLastPara="1" wrap="square" lIns="91425" tIns="91425" rIns="91425" bIns="91425" anchor="t" anchorCtr="0">
             <a:noAutofit/>
           </a:bodyPr>
           <a:lstStyle/>
           <a:p>
-            <a:pPr indent="0" lvl="0" marL="0" rtl="0" algn="l">
+            <a:pPr marL="0" lvl="0" indent="0" algn="l" rtl="0">
               <a:spcBef>
                 <a:spcPts val="0"/>
               </a:spcBef>
@@ -8505,14 +9276,14 @@
               <a:buNone/>
             </a:pPr>
             <a:r>
-              <a:rPr b="1" lang="es" sz="1800">
+              <a:rPr lang="es" sz="1800" b="1">
                 <a:solidFill>
                   <a:schemeClr val="dk2"/>
                 </a:solidFill>
               </a:rPr>
               <a:t>La primera clase que creamos fue la clase mensaje y su método mostrar.</a:t>
             </a:r>
-            <a:endParaRPr b="1" sz="1800">
+            <a:endParaRPr sz="1800" b="1">
               <a:solidFill>
                 <a:schemeClr val="dk2"/>
               </a:solidFill>
@@ -8540,12 +9311,12 @@
           </a:ln>
         </p:spPr>
         <p:txBody>
-          <a:bodyPr anchorCtr="0" anchor="t" bIns="91425" lIns="91425" spcFirstLastPara="1" rIns="91425" wrap="square" tIns="91425">
+          <a:bodyPr spcFirstLastPara="1" wrap="square" lIns="91425" tIns="91425" rIns="91425" bIns="91425" anchor="t" anchorCtr="0">
             <a:noAutofit/>
           </a:bodyPr>
           <a:lstStyle/>
           <a:p>
-            <a:pPr indent="0" lvl="0" marL="0" rtl="0" algn="l">
+            <a:pPr marL="0" lvl="0" indent="0" algn="l" rtl="0">
               <a:spcBef>
                 <a:spcPts val="0"/>
               </a:spcBef>
@@ -8555,21 +9326,21 @@
               <a:buNone/>
             </a:pPr>
             <a:r>
-              <a:rPr b="1" lang="es" sz="1800">
+              <a:rPr lang="es" sz="1800" b="1">
                 <a:solidFill>
                   <a:schemeClr val="dk2"/>
                 </a:solidFill>
               </a:rPr>
               <a:t>Parámetros:</a:t>
             </a:r>
-            <a:endParaRPr b="1" sz="1800">
+            <a:endParaRPr sz="1800" b="1">
               <a:solidFill>
                 <a:schemeClr val="dk2"/>
               </a:solidFill>
             </a:endParaRPr>
           </a:p>
           <a:p>
-            <a:pPr indent="0" lvl="0" marL="0" rtl="0" algn="l">
+            <a:pPr marL="0" lvl="0" indent="0" algn="l" rtl="0">
               <a:spcBef>
                 <a:spcPts val="0"/>
               </a:spcBef>
@@ -8578,17 +9349,14 @@
               </a:spcAft>
               <a:buNone/>
             </a:pPr>
-            <a:r>
-              <a:t/>
-            </a:r>
-            <a:endParaRPr b="1" sz="1800">
+            <a:endParaRPr sz="1800" b="1">
               <a:solidFill>
                 <a:schemeClr val="dk2"/>
               </a:solidFill>
             </a:endParaRPr>
           </a:p>
           <a:p>
-            <a:pPr indent="0" lvl="0" marL="0" rtl="0" algn="l">
+            <a:pPr marL="0" lvl="0" indent="0" algn="l" rtl="0">
               <a:spcBef>
                 <a:spcPts val="0"/>
               </a:spcBef>
@@ -8598,21 +9366,21 @@
               <a:buNone/>
             </a:pPr>
             <a:r>
-              <a:rPr b="1" lang="es" sz="1800">
+              <a:rPr lang="es" sz="1800" b="1">
                 <a:solidFill>
                   <a:schemeClr val="dk2"/>
                 </a:solidFill>
               </a:rPr>
               <a:t>Remitente</a:t>
             </a:r>
-            <a:endParaRPr b="1" sz="1800">
+            <a:endParaRPr sz="1800" b="1">
               <a:solidFill>
                 <a:schemeClr val="dk2"/>
               </a:solidFill>
             </a:endParaRPr>
           </a:p>
           <a:p>
-            <a:pPr indent="0" lvl="0" marL="0" rtl="0" algn="l">
+            <a:pPr marL="0" lvl="0" indent="0" algn="l" rtl="0">
               <a:spcBef>
                 <a:spcPts val="0"/>
               </a:spcBef>
@@ -8621,17 +9389,14 @@
               </a:spcAft>
               <a:buNone/>
             </a:pPr>
-            <a:r>
-              <a:t/>
-            </a:r>
-            <a:endParaRPr b="1" sz="1800">
+            <a:endParaRPr sz="1800" b="1">
               <a:solidFill>
                 <a:schemeClr val="dk2"/>
               </a:solidFill>
             </a:endParaRPr>
           </a:p>
           <a:p>
-            <a:pPr indent="0" lvl="0" marL="0" rtl="0" algn="l">
+            <a:pPr marL="0" lvl="0" indent="0" algn="l" rtl="0">
               <a:spcBef>
                 <a:spcPts val="0"/>
               </a:spcBef>
@@ -8641,21 +9406,21 @@
               <a:buNone/>
             </a:pPr>
             <a:r>
-              <a:rPr b="1" lang="es" sz="1800">
+              <a:rPr lang="es" sz="1800" b="1">
                 <a:solidFill>
                   <a:schemeClr val="dk2"/>
                 </a:solidFill>
               </a:rPr>
               <a:t>Destinatario</a:t>
             </a:r>
-            <a:endParaRPr b="1" sz="1800">
+            <a:endParaRPr sz="1800" b="1">
               <a:solidFill>
                 <a:schemeClr val="dk2"/>
               </a:solidFill>
             </a:endParaRPr>
           </a:p>
           <a:p>
-            <a:pPr indent="0" lvl="0" marL="0" rtl="0" algn="l">
+            <a:pPr marL="0" lvl="0" indent="0" algn="l" rtl="0">
               <a:spcBef>
                 <a:spcPts val="0"/>
               </a:spcBef>
@@ -8664,17 +9429,14 @@
               </a:spcAft>
               <a:buNone/>
             </a:pPr>
-            <a:r>
-              <a:t/>
-            </a:r>
-            <a:endParaRPr b="1" sz="1800">
+            <a:endParaRPr sz="1800" b="1">
               <a:solidFill>
                 <a:schemeClr val="dk2"/>
               </a:solidFill>
             </a:endParaRPr>
           </a:p>
           <a:p>
-            <a:pPr indent="0" lvl="0" marL="0" rtl="0" algn="l">
+            <a:pPr marL="0" lvl="0" indent="0" algn="l" rtl="0">
               <a:spcBef>
                 <a:spcPts val="0"/>
               </a:spcBef>
@@ -8684,21 +9446,21 @@
               <a:buNone/>
             </a:pPr>
             <a:r>
-              <a:rPr b="1" lang="es" sz="1800">
+              <a:rPr lang="es" sz="1800" b="1">
                 <a:solidFill>
                   <a:schemeClr val="dk2"/>
                 </a:solidFill>
               </a:rPr>
               <a:t>Asunto</a:t>
             </a:r>
-            <a:endParaRPr b="1" sz="1800">
+            <a:endParaRPr sz="1800" b="1">
               <a:solidFill>
                 <a:schemeClr val="dk2"/>
               </a:solidFill>
             </a:endParaRPr>
           </a:p>
           <a:p>
-            <a:pPr indent="0" lvl="0" marL="0" rtl="0" algn="l">
+            <a:pPr marL="0" lvl="0" indent="0" algn="l" rtl="0">
               <a:spcBef>
                 <a:spcPts val="0"/>
               </a:spcBef>
@@ -8707,17 +9469,14 @@
               </a:spcAft>
               <a:buNone/>
             </a:pPr>
-            <a:r>
-              <a:t/>
-            </a:r>
-            <a:endParaRPr b="1" sz="1800">
+            <a:endParaRPr sz="1800" b="1">
               <a:solidFill>
                 <a:schemeClr val="dk2"/>
               </a:solidFill>
             </a:endParaRPr>
           </a:p>
           <a:p>
-            <a:pPr indent="0" lvl="0" marL="0" rtl="0" algn="l">
+            <a:pPr marL="0" lvl="0" indent="0" algn="l" rtl="0">
               <a:spcBef>
                 <a:spcPts val="0"/>
               </a:spcBef>
@@ -8727,14 +9486,14 @@
               <a:buNone/>
             </a:pPr>
             <a:r>
-              <a:rPr b="1" lang="es" sz="1800">
+              <a:rPr lang="es" sz="1800" b="1">
                 <a:solidFill>
                   <a:schemeClr val="dk2"/>
                 </a:solidFill>
               </a:rPr>
               <a:t>Contenido</a:t>
             </a:r>
-            <a:endParaRPr b="1" sz="1800">
+            <a:endParaRPr sz="1800" b="1">
               <a:solidFill>
                 <a:schemeClr val="dk2"/>
               </a:solidFill>
@@ -8750,12 +9509,12 @@
 </p:sld>
 </file>
 
-<file path=ppt/slides/slide5.xml><?xml version="1.0" encoding="utf-8"?>
-<p:sld xmlns:a="http://schemas.openxmlformats.org/drawingml/2006/main" xmlns:r="http://schemas.openxmlformats.org/officeDocument/2006/relationships" xmlns:mc="http://schemas.openxmlformats.org/markup-compatibility/2006" xmlns:mv="urn:schemas-microsoft-com:mac:vml" xmlns:p="http://schemas.openxmlformats.org/presentationml/2006/main" xmlns:c="http://schemas.openxmlformats.org/drawingml/2006/chart" xmlns:dgm="http://schemas.openxmlformats.org/drawingml/2006/diagram" xmlns:o="urn:schemas-microsoft-com:office:office" xmlns:v="urn:schemas-microsoft-com:vml" xmlns:pvml="urn:schemas-microsoft-com:office:powerpoint" xmlns:com="http://schemas.openxmlformats.org/drawingml/2006/compatibility" xmlns:p14="http://schemas.microsoft.com/office/powerpoint/2010/main" xmlns:p15="http://schemas.microsoft.com/office/powerpoint/2012/main" xmlns:ahyp="http://schemas.microsoft.com/office/drawing/2018/hyperlinkcolor">
+<file path=ppt/slides/slide8.xml><?xml version="1.0" encoding="utf-8"?>
+<p:sld xmlns:a="http://schemas.openxmlformats.org/drawingml/2006/main" xmlns:r="http://schemas.openxmlformats.org/officeDocument/2006/relationships" xmlns:p="http://schemas.openxmlformats.org/presentationml/2006/main">
   <p:cSld>
     <p:spTree>
       <p:nvGrpSpPr>
-        <p:cNvPr id="78" name="Shape 78"/>
+        <p:cNvPr id="1" name="Shape 78"/>
         <p:cNvGrpSpPr/>
         <p:nvPr/>
       </p:nvGrpSpPr>
@@ -8770,7 +9529,9 @@
       <p:sp>
         <p:nvSpPr>
           <p:cNvPr id="79" name="Google Shape;79;p17"/>
-          <p:cNvSpPr txBox="1"/>
+          <p:cNvSpPr txBox="1">
+            <a:spLocks noGrp="1"/>
+          </p:cNvSpPr>
           <p:nvPr>
             <p:ph type="title"/>
           </p:nvPr>
@@ -8785,12 +9546,12 @@
           </a:prstGeom>
         </p:spPr>
         <p:txBody>
-          <a:bodyPr anchorCtr="0" anchor="t" bIns="91425" lIns="91425" spcFirstLastPara="1" rIns="91425" wrap="square" tIns="91425">
+          <a:bodyPr spcFirstLastPara="1" wrap="square" lIns="91425" tIns="91425" rIns="91425" bIns="91425" anchor="t" anchorCtr="0">
             <a:normAutofit fontScale="90000"/>
           </a:bodyPr>
           <a:lstStyle/>
           <a:p>
-            <a:pPr indent="0" lvl="0" marL="0" rtl="0" algn="l">
+            <a:pPr marL="0" lvl="0" indent="0" algn="l" rtl="0">
               <a:spcBef>
                 <a:spcPts val="0"/>
               </a:spcBef>
@@ -8899,12 +9660,12 @@
 </p:sld>
 </file>
 
-<file path=ppt/slides/slide6.xml><?xml version="1.0" encoding="utf-8"?>
-<p:sld xmlns:a="http://schemas.openxmlformats.org/drawingml/2006/main" xmlns:r="http://schemas.openxmlformats.org/officeDocument/2006/relationships" xmlns:mc="http://schemas.openxmlformats.org/markup-compatibility/2006" xmlns:mv="urn:schemas-microsoft-com:mac:vml" xmlns:p="http://schemas.openxmlformats.org/presentationml/2006/main" xmlns:c="http://schemas.openxmlformats.org/drawingml/2006/chart" xmlns:dgm="http://schemas.openxmlformats.org/drawingml/2006/diagram" xmlns:o="urn:schemas-microsoft-com:office:office" xmlns:v="urn:schemas-microsoft-com:vml" xmlns:pvml="urn:schemas-microsoft-com:office:powerpoint" xmlns:com="http://schemas.openxmlformats.org/drawingml/2006/compatibility" xmlns:p14="http://schemas.microsoft.com/office/powerpoint/2010/main" xmlns:p15="http://schemas.microsoft.com/office/powerpoint/2012/main" xmlns:ahyp="http://schemas.microsoft.com/office/drawing/2018/hyperlinkcolor">
+<file path=ppt/slides/slide9.xml><?xml version="1.0" encoding="utf-8"?>
+<p:sld xmlns:a="http://schemas.openxmlformats.org/drawingml/2006/main" xmlns:r="http://schemas.openxmlformats.org/officeDocument/2006/relationships" xmlns:p="http://schemas.openxmlformats.org/presentationml/2006/main">
   <p:cSld>
     <p:spTree>
       <p:nvGrpSpPr>
-        <p:cNvPr id="86" name="Shape 86"/>
+        <p:cNvPr id="1" name="Shape 86"/>
         <p:cNvGrpSpPr/>
         <p:nvPr/>
       </p:nvGrpSpPr>
@@ -8919,7 +9680,9 @@
       <p:sp>
         <p:nvSpPr>
           <p:cNvPr id="87" name="Google Shape;87;p18"/>
-          <p:cNvSpPr txBox="1"/>
+          <p:cNvSpPr txBox="1">
+            <a:spLocks noGrp="1"/>
+          </p:cNvSpPr>
           <p:nvPr>
             <p:ph type="title"/>
           </p:nvPr>
@@ -8934,12 +9697,12 @@
           </a:prstGeom>
         </p:spPr>
         <p:txBody>
-          <a:bodyPr anchorCtr="0" anchor="t" bIns="91425" lIns="91425" spcFirstLastPara="1" rIns="91425" wrap="square" tIns="91425">
+          <a:bodyPr spcFirstLastPara="1" wrap="square" lIns="91425" tIns="91425" rIns="91425" bIns="91425" anchor="t" anchorCtr="0">
             <a:normAutofit fontScale="90000"/>
           </a:bodyPr>
           <a:lstStyle/>
           <a:p>
-            <a:pPr indent="0" lvl="0" marL="0" rtl="0" algn="l">
+            <a:pPr marL="0" lvl="0" indent="0" algn="l" rtl="0">
               <a:spcBef>
                 <a:spcPts val="0"/>
               </a:spcBef>
@@ -8955,7 +9718,7 @@
             <a:endParaRPr/>
           </a:p>
           <a:p>
-            <a:pPr indent="0" lvl="0" marL="0" rtl="0" algn="l">
+            <a:pPr marL="0" lvl="0" indent="0" algn="l" rtl="0">
               <a:spcBef>
                 <a:spcPts val="0"/>
               </a:spcBef>
@@ -8964,9 +9727,6 @@
               </a:spcAft>
               <a:buNone/>
             </a:pPr>
-            <a:r>
-              <a:t/>
-            </a:r>
             <a:endParaRPr/>
           </a:p>
         </p:txBody>
@@ -9007,287 +9767,289 @@
 </p:sld>
 </file>
 
-<file path=ppt/slides/slide7.xml><?xml version="1.0" encoding="utf-8"?>
-<p:sld xmlns:a="http://schemas.openxmlformats.org/drawingml/2006/main" xmlns:r="http://schemas.openxmlformats.org/officeDocument/2006/relationships" xmlns:mc="http://schemas.openxmlformats.org/markup-compatibility/2006" xmlns:mv="urn:schemas-microsoft-com:mac:vml" xmlns:p="http://schemas.openxmlformats.org/presentationml/2006/main" xmlns:c="http://schemas.openxmlformats.org/drawingml/2006/chart" xmlns:dgm="http://schemas.openxmlformats.org/drawingml/2006/diagram" xmlns:o="urn:schemas-microsoft-com:office:office" xmlns:v="urn:schemas-microsoft-com:vml" xmlns:pvml="urn:schemas-microsoft-com:office:powerpoint" xmlns:com="http://schemas.openxmlformats.org/drawingml/2006/compatibility" xmlns:p14="http://schemas.microsoft.com/office/powerpoint/2010/main" xmlns:p15="http://schemas.microsoft.com/office/powerpoint/2012/main" xmlns:ahyp="http://schemas.microsoft.com/office/drawing/2018/hyperlinkcolor">
-  <p:cSld>
-    <p:spTree>
-      <p:nvGrpSpPr>
-        <p:cNvPr id="92" name="Shape 92"/>
-        <p:cNvGrpSpPr/>
-        <p:nvPr/>
-      </p:nvGrpSpPr>
-      <p:grpSpPr>
-        <a:xfrm>
-          <a:off x="0" y="0"/>
-          <a:ext cx="0" cy="0"/>
-          <a:chOff x="0" y="0"/>
-          <a:chExt cx="0" cy="0"/>
-        </a:xfrm>
-      </p:grpSpPr>
-      <p:sp>
-        <p:nvSpPr>
-          <p:cNvPr id="93" name="Google Shape;93;p19"/>
-          <p:cNvSpPr txBox="1"/>
-          <p:nvPr>
-            <p:ph type="title"/>
-          </p:nvPr>
-        </p:nvSpPr>
-        <p:spPr>
-          <a:xfrm>
-            <a:off x="311700" y="445025"/>
-            <a:ext cx="8520600" cy="572700"/>
-          </a:xfrm>
-          <a:prstGeom prst="rect">
-            <a:avLst/>
-          </a:prstGeom>
-        </p:spPr>
-        <p:txBody>
-          <a:bodyPr anchorCtr="0" anchor="t" bIns="91425" lIns="91425" spcFirstLastPara="1" rIns="91425" wrap="square" tIns="91425">
-            <a:normAutofit fontScale="90000"/>
-          </a:bodyPr>
-          <a:lstStyle/>
-          <a:p>
-            <a:pPr indent="0" lvl="0" marL="0" rtl="0" algn="l">
-              <a:spcBef>
-                <a:spcPts val="0"/>
-              </a:spcBef>
-              <a:spcAft>
-                <a:spcPts val="0"/>
-              </a:spcAft>
-              <a:buNone/>
-            </a:pPr>
-            <a:r>
-              <a:rPr lang="es"/>
-              <a:t>Creamos la interfaz de la bandeja de entrada y salida</a:t>
-            </a:r>
-            <a:endParaRPr/>
-          </a:p>
-        </p:txBody>
-      </p:sp>
-      <p:pic>
-        <p:nvPicPr>
-          <p:cNvPr id="94" name="Google Shape;94;p19"/>
-          <p:cNvPicPr preferRelativeResize="0"/>
-          <p:nvPr/>
-        </p:nvPicPr>
-        <p:blipFill>
-          <a:blip r:embed="rId3">
-            <a:alphaModFix/>
-          </a:blip>
-          <a:stretch>
-            <a:fillRect/>
-          </a:stretch>
-        </p:blipFill>
-        <p:spPr>
-          <a:xfrm>
-            <a:off x="1699400" y="1179975"/>
-            <a:ext cx="5124450" cy="3448050"/>
-          </a:xfrm>
-          <a:prstGeom prst="rect">
-            <a:avLst/>
-          </a:prstGeom>
-          <a:noFill/>
-          <a:ln>
-            <a:noFill/>
-          </a:ln>
-        </p:spPr>
-      </p:pic>
-    </p:spTree>
-  </p:cSld>
-  <p:clrMapOvr>
-    <a:masterClrMapping/>
-  </p:clrMapOvr>
-</p:sld>
+<file path=ppt/theme/theme1.xml><?xml version="1.0" encoding="utf-8"?>
+<a:theme xmlns:a="http://schemas.openxmlformats.org/drawingml/2006/main" name="Simple Light">
+  <a:themeElements>
+    <a:clrScheme name="Simple Light">
+      <a:dk1>
+        <a:srgbClr val="000000"/>
+      </a:dk1>
+      <a:lt1>
+        <a:srgbClr val="FFFFFF"/>
+      </a:lt1>
+      <a:dk2>
+        <a:srgbClr val="595959"/>
+      </a:dk2>
+      <a:lt2>
+        <a:srgbClr val="EEEEEE"/>
+      </a:lt2>
+      <a:accent1>
+        <a:srgbClr val="4285F4"/>
+      </a:accent1>
+      <a:accent2>
+        <a:srgbClr val="212121"/>
+      </a:accent2>
+      <a:accent3>
+        <a:srgbClr val="78909C"/>
+      </a:accent3>
+      <a:accent4>
+        <a:srgbClr val="FFAB40"/>
+      </a:accent4>
+      <a:accent5>
+        <a:srgbClr val="0097A7"/>
+      </a:accent5>
+      <a:accent6>
+        <a:srgbClr val="EEFF41"/>
+      </a:accent6>
+      <a:hlink>
+        <a:srgbClr val="0097A7"/>
+      </a:hlink>
+      <a:folHlink>
+        <a:srgbClr val="0097A7"/>
+      </a:folHlink>
+    </a:clrScheme>
+    <a:fontScheme name="Office">
+      <a:majorFont>
+        <a:latin typeface="Arial"/>
+        <a:ea typeface=""/>
+        <a:cs typeface=""/>
+        <a:font script="Jpan" typeface="ＭＳ Ｐゴシック"/>
+        <a:font script="Hang" typeface="맑은 고딕"/>
+        <a:font script="Hans" typeface="宋体"/>
+        <a:font script="Hant" typeface="新細明體"/>
+        <a:font script="Arab" typeface="Times New Roman"/>
+        <a:font script="Hebr" typeface="Times New Roman"/>
+        <a:font script="Thai" typeface="Angsana New"/>
+        <a:font script="Ethi" typeface="Nyala"/>
+        <a:font script="Beng" typeface="Vrinda"/>
+        <a:font script="Gujr" typeface="Shruti"/>
+        <a:font script="Khmr" typeface="MoolBoran"/>
+        <a:font script="Knda" typeface="Tunga"/>
+        <a:font script="Guru" typeface="Raavi"/>
+        <a:font script="Cans" typeface="Euphemia"/>
+        <a:font script="Cher" typeface="Plantagenet Cherokee"/>
+        <a:font script="Yiii" typeface="Microsoft Yi Baiti"/>
+        <a:font script="Tibt" typeface="Microsoft Himalaya"/>
+        <a:font script="Thaa" typeface="MV Boli"/>
+        <a:font script="Deva" typeface="Mangal"/>
+        <a:font script="Telu" typeface="Gautami"/>
+        <a:font script="Taml" typeface="Latha"/>
+        <a:font script="Syrc" typeface="Estrangelo Edessa"/>
+        <a:font script="Orya" typeface="Kalinga"/>
+        <a:font script="Mlym" typeface="Kartika"/>
+        <a:font script="Laoo" typeface="DokChampa"/>
+        <a:font script="Sinh" typeface="Iskoola Pota"/>
+        <a:font script="Mong" typeface="Mongolian Baiti"/>
+        <a:font script="Viet" typeface="Times New Roman"/>
+        <a:font script="Uigh" typeface="Microsoft Uighur"/>
+        <a:font script="Geor" typeface="Sylfaen"/>
+      </a:majorFont>
+      <a:minorFont>
+        <a:latin typeface="Arial"/>
+        <a:ea typeface=""/>
+        <a:cs typeface=""/>
+        <a:font script="Jpan" typeface="ＭＳ Ｐゴシック"/>
+        <a:font script="Hang" typeface="맑은 고딕"/>
+        <a:font script="Hans" typeface="宋体"/>
+        <a:font script="Hant" typeface="新細明體"/>
+        <a:font script="Arab" typeface="Arial"/>
+        <a:font script="Hebr" typeface="Arial"/>
+        <a:font script="Thai" typeface="Cordia New"/>
+        <a:font script="Ethi" typeface="Nyala"/>
+        <a:font script="Beng" typeface="Vrinda"/>
+        <a:font script="Gujr" typeface="Shruti"/>
+        <a:font script="Khmr" typeface="DaunPenh"/>
+        <a:font script="Knda" typeface="Tunga"/>
+        <a:font script="Guru" typeface="Raavi"/>
+        <a:font script="Cans" typeface="Euphemia"/>
+        <a:font script="Cher" typeface="Plantagenet Cherokee"/>
+        <a:font script="Yiii" typeface="Microsoft Yi Baiti"/>
+        <a:font script="Tibt" typeface="Microsoft Himalaya"/>
+        <a:font script="Thaa" typeface="MV Boli"/>
+        <a:font script="Deva" typeface="Mangal"/>
+        <a:font script="Telu" typeface="Gautami"/>
+        <a:font script="Taml" typeface="Latha"/>
+        <a:font script="Syrc" typeface="Estrangelo Edessa"/>
+        <a:font script="Orya" typeface="Kalinga"/>
+        <a:font script="Mlym" typeface="Kartika"/>
+        <a:font script="Laoo" typeface="DokChampa"/>
+        <a:font script="Sinh" typeface="Iskoola Pota"/>
+        <a:font script="Mong" typeface="Mongolian Baiti"/>
+        <a:font script="Viet" typeface="Arial"/>
+        <a:font script="Uigh" typeface="Microsoft Uighur"/>
+        <a:font script="Geor" typeface="Sylfaen"/>
+      </a:minorFont>
+    </a:fontScheme>
+    <a:fmtScheme name="Office">
+      <a:fillStyleLst>
+        <a:solidFill>
+          <a:schemeClr val="phClr"/>
+        </a:solidFill>
+        <a:gradFill rotWithShape="1">
+          <a:gsLst>
+            <a:gs pos="0">
+              <a:schemeClr val="phClr">
+                <a:tint val="50000"/>
+                <a:satMod val="300000"/>
+              </a:schemeClr>
+            </a:gs>
+            <a:gs pos="35000">
+              <a:schemeClr val="phClr">
+                <a:tint val="37000"/>
+                <a:satMod val="300000"/>
+              </a:schemeClr>
+            </a:gs>
+            <a:gs pos="100000">
+              <a:schemeClr val="phClr">
+                <a:tint val="15000"/>
+                <a:satMod val="350000"/>
+              </a:schemeClr>
+            </a:gs>
+          </a:gsLst>
+          <a:lin ang="16200000" scaled="1"/>
+        </a:gradFill>
+        <a:gradFill rotWithShape="1">
+          <a:gsLst>
+            <a:gs pos="0">
+              <a:schemeClr val="phClr">
+                <a:tint val="100000"/>
+                <a:shade val="100000"/>
+                <a:satMod val="130000"/>
+              </a:schemeClr>
+            </a:gs>
+            <a:gs pos="100000">
+              <a:schemeClr val="phClr">
+                <a:tint val="50000"/>
+                <a:shade val="100000"/>
+                <a:satMod val="350000"/>
+              </a:schemeClr>
+            </a:gs>
+          </a:gsLst>
+          <a:lin ang="16200000" scaled="0"/>
+        </a:gradFill>
+      </a:fillStyleLst>
+      <a:lnStyleLst>
+        <a:ln w="9525" cap="flat" cmpd="sng" algn="ctr">
+          <a:solidFill>
+            <a:schemeClr val="phClr">
+              <a:shade val="95000"/>
+              <a:satMod val="105000"/>
+            </a:schemeClr>
+          </a:solidFill>
+          <a:prstDash val="solid"/>
+        </a:ln>
+        <a:ln w="25400" cap="flat" cmpd="sng" algn="ctr">
+          <a:solidFill>
+            <a:schemeClr val="phClr"/>
+          </a:solidFill>
+          <a:prstDash val="solid"/>
+        </a:ln>
+        <a:ln w="38100" cap="flat" cmpd="sng" algn="ctr">
+          <a:solidFill>
+            <a:schemeClr val="phClr"/>
+          </a:solidFill>
+          <a:prstDash val="solid"/>
+        </a:ln>
+      </a:lnStyleLst>
+      <a:effectStyleLst>
+        <a:effectStyle>
+          <a:effectLst>
+            <a:outerShdw blurRad="40000" dist="20000" dir="5400000" rotWithShape="0">
+              <a:srgbClr val="000000">
+                <a:alpha val="38000"/>
+              </a:srgbClr>
+            </a:outerShdw>
+          </a:effectLst>
+        </a:effectStyle>
+        <a:effectStyle>
+          <a:effectLst>
+            <a:outerShdw blurRad="40000" dist="23000" dir="5400000" rotWithShape="0">
+              <a:srgbClr val="000000">
+                <a:alpha val="35000"/>
+              </a:srgbClr>
+            </a:outerShdw>
+          </a:effectLst>
+        </a:effectStyle>
+        <a:effectStyle>
+          <a:effectLst>
+            <a:outerShdw blurRad="40000" dist="23000" dir="5400000" rotWithShape="0">
+              <a:srgbClr val="000000">
+                <a:alpha val="35000"/>
+              </a:srgbClr>
+            </a:outerShdw>
+          </a:effectLst>
+          <a:scene3d>
+            <a:camera prst="orthographicFront">
+              <a:rot lat="0" lon="0" rev="0"/>
+            </a:camera>
+            <a:lightRig rig="threePt" dir="t">
+              <a:rot lat="0" lon="0" rev="1200000"/>
+            </a:lightRig>
+          </a:scene3d>
+          <a:sp3d>
+            <a:bevelT w="63500" h="25400"/>
+          </a:sp3d>
+        </a:effectStyle>
+      </a:effectStyleLst>
+      <a:bgFillStyleLst>
+        <a:solidFill>
+          <a:schemeClr val="phClr"/>
+        </a:solidFill>
+        <a:gradFill rotWithShape="1">
+          <a:gsLst>
+            <a:gs pos="0">
+              <a:schemeClr val="phClr">
+                <a:tint val="40000"/>
+                <a:satMod val="350000"/>
+              </a:schemeClr>
+            </a:gs>
+            <a:gs pos="40000">
+              <a:schemeClr val="phClr">
+                <a:tint val="45000"/>
+                <a:shade val="99000"/>
+                <a:satMod val="350000"/>
+              </a:schemeClr>
+            </a:gs>
+            <a:gs pos="100000">
+              <a:schemeClr val="phClr">
+                <a:shade val="20000"/>
+                <a:satMod val="255000"/>
+              </a:schemeClr>
+            </a:gs>
+          </a:gsLst>
+          <a:path path="circle">
+            <a:fillToRect l="50000" t="-80000" r="50000" b="180000"/>
+          </a:path>
+        </a:gradFill>
+        <a:gradFill rotWithShape="1">
+          <a:gsLst>
+            <a:gs pos="0">
+              <a:schemeClr val="phClr">
+                <a:tint val="80000"/>
+                <a:satMod val="300000"/>
+              </a:schemeClr>
+            </a:gs>
+            <a:gs pos="100000">
+              <a:schemeClr val="phClr">
+                <a:shade val="30000"/>
+                <a:satMod val="200000"/>
+              </a:schemeClr>
+            </a:gs>
+          </a:gsLst>
+          <a:path path="circle">
+            <a:fillToRect l="50000" t="50000" r="50000" b="50000"/>
+          </a:path>
+        </a:gradFill>
+      </a:bgFillStyleLst>
+    </a:fmtScheme>
+  </a:themeElements>
+  <a:objectDefaults/>
+  <a:extraClrSchemeLst/>
+</a:theme>
 </file>
 
-<file path=ppt/slides/slide8.xml><?xml version="1.0" encoding="utf-8"?>
-<p:sld xmlns:a="http://schemas.openxmlformats.org/drawingml/2006/main" xmlns:r="http://schemas.openxmlformats.org/officeDocument/2006/relationships" xmlns:mc="http://schemas.openxmlformats.org/markup-compatibility/2006" xmlns:mv="urn:schemas-microsoft-com:mac:vml" xmlns:p="http://schemas.openxmlformats.org/presentationml/2006/main" xmlns:c="http://schemas.openxmlformats.org/drawingml/2006/chart" xmlns:dgm="http://schemas.openxmlformats.org/drawingml/2006/diagram" xmlns:o="urn:schemas-microsoft-com:office:office" xmlns:v="urn:schemas-microsoft-com:vml" xmlns:pvml="urn:schemas-microsoft-com:office:powerpoint" xmlns:com="http://schemas.openxmlformats.org/drawingml/2006/compatibility" xmlns:p14="http://schemas.microsoft.com/office/powerpoint/2010/main" xmlns:p15="http://schemas.microsoft.com/office/powerpoint/2012/main" xmlns:ahyp="http://schemas.microsoft.com/office/drawing/2018/hyperlinkcolor">
-  <p:cSld>
-    <p:spTree>
-      <p:nvGrpSpPr>
-        <p:cNvPr id="98" name="Shape 98"/>
-        <p:cNvGrpSpPr/>
-        <p:nvPr/>
-      </p:nvGrpSpPr>
-      <p:grpSpPr>
-        <a:xfrm>
-          <a:off x="0" y="0"/>
-          <a:ext cx="0" cy="0"/>
-          <a:chOff x="0" y="0"/>
-          <a:chExt cx="0" cy="0"/>
-        </a:xfrm>
-      </p:grpSpPr>
-      <p:sp>
-        <p:nvSpPr>
-          <p:cNvPr id="99" name="Google Shape;99;p20"/>
-          <p:cNvSpPr txBox="1"/>
-          <p:nvPr>
-            <p:ph type="title"/>
-          </p:nvPr>
-        </p:nvSpPr>
-        <p:spPr>
-          <a:xfrm>
-            <a:off x="2252825" y="336650"/>
-            <a:ext cx="4536300" cy="572700"/>
-          </a:xfrm>
-          <a:prstGeom prst="rect">
-            <a:avLst/>
-          </a:prstGeom>
-        </p:spPr>
-        <p:txBody>
-          <a:bodyPr anchorCtr="0" anchor="t" bIns="91425" lIns="91425" spcFirstLastPara="1" rIns="91425" wrap="square" tIns="91425">
-            <a:normAutofit fontScale="90000"/>
-          </a:bodyPr>
-          <a:lstStyle/>
-          <a:p>
-            <a:pPr indent="0" lvl="0" marL="0" rtl="0" algn="l">
-              <a:spcBef>
-                <a:spcPts val="0"/>
-              </a:spcBef>
-              <a:spcAft>
-                <a:spcPts val="0"/>
-              </a:spcAft>
-              <a:buNone/>
-            </a:pPr>
-            <a:r>
-              <a:rPr lang="es"/>
-              <a:t>Cambiamos la clase Usuario</a:t>
-            </a:r>
-            <a:endParaRPr/>
-          </a:p>
-        </p:txBody>
-      </p:sp>
-      <p:pic>
-        <p:nvPicPr>
-          <p:cNvPr id="100" name="Google Shape;100;p20"/>
-          <p:cNvPicPr preferRelativeResize="0"/>
-          <p:nvPr/>
-        </p:nvPicPr>
-        <p:blipFill>
-          <a:blip r:embed="rId3">
-            <a:alphaModFix/>
-          </a:blip>
-          <a:stretch>
-            <a:fillRect/>
-          </a:stretch>
-        </p:blipFill>
-        <p:spPr>
-          <a:xfrm>
-            <a:off x="1869463" y="1170125"/>
-            <a:ext cx="5523315" cy="3820974"/>
-          </a:xfrm>
-          <a:prstGeom prst="rect">
-            <a:avLst/>
-          </a:prstGeom>
-          <a:noFill/>
-          <a:ln>
-            <a:noFill/>
-          </a:ln>
-        </p:spPr>
-      </p:pic>
-    </p:spTree>
-  </p:cSld>
-  <p:clrMapOvr>
-    <a:masterClrMapping/>
-  </p:clrMapOvr>
-</p:sld>
-</file>
-
-<file path=ppt/slides/slide9.xml><?xml version="1.0" encoding="utf-8"?>
-<p:sld xmlns:a="http://schemas.openxmlformats.org/drawingml/2006/main" xmlns:r="http://schemas.openxmlformats.org/officeDocument/2006/relationships" xmlns:mc="http://schemas.openxmlformats.org/markup-compatibility/2006" xmlns:mv="urn:schemas-microsoft-com:mac:vml" xmlns:p="http://schemas.openxmlformats.org/presentationml/2006/main" xmlns:c="http://schemas.openxmlformats.org/drawingml/2006/chart" xmlns:dgm="http://schemas.openxmlformats.org/drawingml/2006/diagram" xmlns:o="urn:schemas-microsoft-com:office:office" xmlns:v="urn:schemas-microsoft-com:vml" xmlns:pvml="urn:schemas-microsoft-com:office:powerpoint" xmlns:com="http://schemas.openxmlformats.org/drawingml/2006/compatibility" xmlns:p14="http://schemas.microsoft.com/office/powerpoint/2010/main" xmlns:p15="http://schemas.microsoft.com/office/powerpoint/2012/main" xmlns:ahyp="http://schemas.microsoft.com/office/drawing/2018/hyperlinkcolor">
-  <p:cSld>
-    <p:spTree>
-      <p:nvGrpSpPr>
-        <p:cNvPr id="104" name="Shape 104"/>
-        <p:cNvGrpSpPr/>
-        <p:nvPr/>
-      </p:nvGrpSpPr>
-      <p:grpSpPr>
-        <a:xfrm>
-          <a:off x="0" y="0"/>
-          <a:ext cx="0" cy="0"/>
-          <a:chOff x="0" y="0"/>
-          <a:chExt cx="0" cy="0"/>
-        </a:xfrm>
-      </p:grpSpPr>
-      <p:sp>
-        <p:nvSpPr>
-          <p:cNvPr id="105" name="Google Shape;105;p21"/>
-          <p:cNvSpPr txBox="1"/>
-          <p:nvPr>
-            <p:ph type="title"/>
-          </p:nvPr>
-        </p:nvSpPr>
-        <p:spPr>
-          <a:xfrm>
-            <a:off x="2328600" y="425325"/>
-            <a:ext cx="4486800" cy="572700"/>
-          </a:xfrm>
-          <a:prstGeom prst="rect">
-            <a:avLst/>
-          </a:prstGeom>
-        </p:spPr>
-        <p:txBody>
-          <a:bodyPr anchorCtr="0" anchor="t" bIns="91425" lIns="91425" spcFirstLastPara="1" rIns="91425" wrap="square" tIns="91425">
-            <a:normAutofit fontScale="90000"/>
-          </a:bodyPr>
-          <a:lstStyle/>
-          <a:p>
-            <a:pPr indent="0" lvl="0" marL="0" rtl="0" algn="l">
-              <a:spcBef>
-                <a:spcPts val="0"/>
-              </a:spcBef>
-              <a:spcAft>
-                <a:spcPts val="0"/>
-              </a:spcAft>
-              <a:buNone/>
-            </a:pPr>
-            <a:r>
-              <a:rPr lang="es"/>
-              <a:t>Cambios en la clase Servidor</a:t>
-            </a:r>
-            <a:endParaRPr/>
-          </a:p>
-        </p:txBody>
-      </p:sp>
-      <p:pic>
-        <p:nvPicPr>
-          <p:cNvPr id="106" name="Google Shape;106;p21"/>
-          <p:cNvPicPr preferRelativeResize="0"/>
-          <p:nvPr/>
-        </p:nvPicPr>
-        <p:blipFill>
-          <a:blip r:embed="rId3">
-            <a:alphaModFix/>
-          </a:blip>
-          <a:stretch>
-            <a:fillRect/>
-          </a:stretch>
-        </p:blipFill>
-        <p:spPr>
-          <a:xfrm>
-            <a:off x="1679675" y="1515000"/>
-            <a:ext cx="5553075" cy="2790825"/>
-          </a:xfrm>
-          <a:prstGeom prst="rect">
-            <a:avLst/>
-          </a:prstGeom>
-          <a:noFill/>
-          <a:ln>
-            <a:noFill/>
-          </a:ln>
-        </p:spPr>
-      </p:pic>
-    </p:spTree>
-  </p:cSld>
-  <p:clrMapOvr>
-    <a:masterClrMapping/>
-  </p:clrMapOvr>
-</p:sld>
-</file>
-
-<file path=ppt/theme/theme1.xml><?xml version="1.0" encoding="utf-8"?>
-<a:theme xmlns:a="http://schemas.openxmlformats.org/drawingml/2006/main" xmlns:r="http://schemas.openxmlformats.org/officeDocument/2006/relationships">
+<file path=ppt/theme/theme2.xml><?xml version="1.0" encoding="utf-8"?>
+<a:theme xmlns:a="http://schemas.openxmlformats.org/drawingml/2006/main">
   <a:themeElements>
     <a:clrScheme name="Default">
       <a:dk1>
@@ -9562,284 +10324,7 @@
       </a:bgFillStyleLst>
     </a:fmtScheme>
   </a:themeElements>
-</a:theme>
-</file>
-
-<file path=ppt/theme/theme2.xml><?xml version="1.0" encoding="utf-8"?>
-<a:theme xmlns:a="http://schemas.openxmlformats.org/drawingml/2006/main" xmlns:r="http://schemas.openxmlformats.org/officeDocument/2006/relationships" name="Simple Light">
-  <a:themeElements>
-    <a:clrScheme name="Simple Light">
-      <a:dk1>
-        <a:srgbClr val="000000"/>
-      </a:dk1>
-      <a:lt1>
-        <a:srgbClr val="FFFFFF"/>
-      </a:lt1>
-      <a:dk2>
-        <a:srgbClr val="595959"/>
-      </a:dk2>
-      <a:lt2>
-        <a:srgbClr val="EEEEEE"/>
-      </a:lt2>
-      <a:accent1>
-        <a:srgbClr val="4285F4"/>
-      </a:accent1>
-      <a:accent2>
-        <a:srgbClr val="212121"/>
-      </a:accent2>
-      <a:accent3>
-        <a:srgbClr val="78909C"/>
-      </a:accent3>
-      <a:accent4>
-        <a:srgbClr val="FFAB40"/>
-      </a:accent4>
-      <a:accent5>
-        <a:srgbClr val="0097A7"/>
-      </a:accent5>
-      <a:accent6>
-        <a:srgbClr val="EEFF41"/>
-      </a:accent6>
-      <a:hlink>
-        <a:srgbClr val="0097A7"/>
-      </a:hlink>
-      <a:folHlink>
-        <a:srgbClr val="0097A7"/>
-      </a:folHlink>
-    </a:clrScheme>
-    <a:fontScheme name="Office">
-      <a:majorFont>
-        <a:latin typeface="Arial"/>
-        <a:ea typeface=""/>
-        <a:cs typeface=""/>
-        <a:font script="Jpan" typeface="ＭＳ Ｐゴシック"/>
-        <a:font script="Hang" typeface="맑은 고딕"/>
-        <a:font script="Hans" typeface="宋体"/>
-        <a:font script="Hant" typeface="新細明體"/>
-        <a:font script="Arab" typeface="Times New Roman"/>
-        <a:font script="Hebr" typeface="Times New Roman"/>
-        <a:font script="Thai" typeface="Angsana New"/>
-        <a:font script="Ethi" typeface="Nyala"/>
-        <a:font script="Beng" typeface="Vrinda"/>
-        <a:font script="Gujr" typeface="Shruti"/>
-        <a:font script="Khmr" typeface="MoolBoran"/>
-        <a:font script="Knda" typeface="Tunga"/>
-        <a:font script="Guru" typeface="Raavi"/>
-        <a:font script="Cans" typeface="Euphemia"/>
-        <a:font script="Cher" typeface="Plantagenet Cherokee"/>
-        <a:font script="Yiii" typeface="Microsoft Yi Baiti"/>
-        <a:font script="Tibt" typeface="Microsoft Himalaya"/>
-        <a:font script="Thaa" typeface="MV Boli"/>
-        <a:font script="Deva" typeface="Mangal"/>
-        <a:font script="Telu" typeface="Gautami"/>
-        <a:font script="Taml" typeface="Latha"/>
-        <a:font script="Syrc" typeface="Estrangelo Edessa"/>
-        <a:font script="Orya" typeface="Kalinga"/>
-        <a:font script="Mlym" typeface="Kartika"/>
-        <a:font script="Laoo" typeface="DokChampa"/>
-        <a:font script="Sinh" typeface="Iskoola Pota"/>
-        <a:font script="Mong" typeface="Mongolian Baiti"/>
-        <a:font script="Viet" typeface="Times New Roman"/>
-        <a:font script="Uigh" typeface="Microsoft Uighur"/>
-        <a:font script="Geor" typeface="Sylfaen"/>
-      </a:majorFont>
-      <a:minorFont>
-        <a:latin typeface="Arial"/>
-        <a:ea typeface=""/>
-        <a:cs typeface=""/>
-        <a:font script="Jpan" typeface="ＭＳ Ｐゴシック"/>
-        <a:font script="Hang" typeface="맑은 고딕"/>
-        <a:font script="Hans" typeface="宋体"/>
-        <a:font script="Hant" typeface="新細明體"/>
-        <a:font script="Arab" typeface="Arial"/>
-        <a:font script="Hebr" typeface="Arial"/>
-        <a:font script="Thai" typeface="Cordia New"/>
-        <a:font script="Ethi" typeface="Nyala"/>
-        <a:font script="Beng" typeface="Vrinda"/>
-        <a:font script="Gujr" typeface="Shruti"/>
-        <a:font script="Khmr" typeface="DaunPenh"/>
-        <a:font script="Knda" typeface="Tunga"/>
-        <a:font script="Guru" typeface="Raavi"/>
-        <a:font script="Cans" typeface="Euphemia"/>
-        <a:font script="Cher" typeface="Plantagenet Cherokee"/>
-        <a:font script="Yiii" typeface="Microsoft Yi Baiti"/>
-        <a:font script="Tibt" typeface="Microsoft Himalaya"/>
-        <a:font script="Thaa" typeface="MV Boli"/>
-        <a:font script="Deva" typeface="Mangal"/>
-        <a:font script="Telu" typeface="Gautami"/>
-        <a:font script="Taml" typeface="Latha"/>
-        <a:font script="Syrc" typeface="Estrangelo Edessa"/>
-        <a:font script="Orya" typeface="Kalinga"/>
-        <a:font script="Mlym" typeface="Kartika"/>
-        <a:font script="Laoo" typeface="DokChampa"/>
-        <a:font script="Sinh" typeface="Iskoola Pota"/>
-        <a:font script="Mong" typeface="Mongolian Baiti"/>
-        <a:font script="Viet" typeface="Arial"/>
-        <a:font script="Uigh" typeface="Microsoft Uighur"/>
-        <a:font script="Geor" typeface="Sylfaen"/>
-      </a:minorFont>
-    </a:fontScheme>
-    <a:fmtScheme name="Office">
-      <a:fillStyleLst>
-        <a:solidFill>
-          <a:schemeClr val="phClr"/>
-        </a:solidFill>
-        <a:gradFill rotWithShape="1">
-          <a:gsLst>
-            <a:gs pos="0">
-              <a:schemeClr val="phClr">
-                <a:tint val="50000"/>
-                <a:satMod val="300000"/>
-              </a:schemeClr>
-            </a:gs>
-            <a:gs pos="35000">
-              <a:schemeClr val="phClr">
-                <a:tint val="37000"/>
-                <a:satMod val="300000"/>
-              </a:schemeClr>
-            </a:gs>
-            <a:gs pos="100000">
-              <a:schemeClr val="phClr">
-                <a:tint val="15000"/>
-                <a:satMod val="350000"/>
-              </a:schemeClr>
-            </a:gs>
-          </a:gsLst>
-          <a:lin ang="16200000" scaled="1"/>
-        </a:gradFill>
-        <a:gradFill rotWithShape="1">
-          <a:gsLst>
-            <a:gs pos="0">
-              <a:schemeClr val="phClr">
-                <a:tint val="100000"/>
-                <a:shade val="100000"/>
-                <a:satMod val="130000"/>
-              </a:schemeClr>
-            </a:gs>
-            <a:gs pos="100000">
-              <a:schemeClr val="phClr">
-                <a:tint val="50000"/>
-                <a:shade val="100000"/>
-                <a:satMod val="350000"/>
-              </a:schemeClr>
-            </a:gs>
-          </a:gsLst>
-          <a:lin ang="16200000" scaled="0"/>
-        </a:gradFill>
-      </a:fillStyleLst>
-      <a:lnStyleLst>
-        <a:ln w="9525" cap="flat" cmpd="sng" algn="ctr">
-          <a:solidFill>
-            <a:schemeClr val="phClr">
-              <a:shade val="95000"/>
-              <a:satMod val="105000"/>
-            </a:schemeClr>
-          </a:solidFill>
-          <a:prstDash val="solid"/>
-        </a:ln>
-        <a:ln w="25400" cap="flat" cmpd="sng" algn="ctr">
-          <a:solidFill>
-            <a:schemeClr val="phClr"/>
-          </a:solidFill>
-          <a:prstDash val="solid"/>
-        </a:ln>
-        <a:ln w="38100" cap="flat" cmpd="sng" algn="ctr">
-          <a:solidFill>
-            <a:schemeClr val="phClr"/>
-          </a:solidFill>
-          <a:prstDash val="solid"/>
-        </a:ln>
-      </a:lnStyleLst>
-      <a:effectStyleLst>
-        <a:effectStyle>
-          <a:effectLst>
-            <a:outerShdw blurRad="40000" dist="20000" dir="5400000" rotWithShape="0">
-              <a:srgbClr val="000000">
-                <a:alpha val="38000"/>
-              </a:srgbClr>
-            </a:outerShdw>
-          </a:effectLst>
-        </a:effectStyle>
-        <a:effectStyle>
-          <a:effectLst>
-            <a:outerShdw blurRad="40000" dist="23000" dir="5400000" rotWithShape="0">
-              <a:srgbClr val="000000">
-                <a:alpha val="35000"/>
-              </a:srgbClr>
-            </a:outerShdw>
-          </a:effectLst>
-        </a:effectStyle>
-        <a:effectStyle>
-          <a:effectLst>
-            <a:outerShdw blurRad="40000" dist="23000" dir="5400000" rotWithShape="0">
-              <a:srgbClr val="000000">
-                <a:alpha val="35000"/>
-              </a:srgbClr>
-            </a:outerShdw>
-          </a:effectLst>
-          <a:scene3d>
-            <a:camera prst="orthographicFront">
-              <a:rot lat="0" lon="0" rev="0"/>
-            </a:camera>
-            <a:lightRig rig="threePt" dir="t">
-              <a:rot lat="0" lon="0" rev="1200000"/>
-            </a:lightRig>
-          </a:scene3d>
-          <a:sp3d>
-            <a:bevelT w="63500" h="25400"/>
-          </a:sp3d>
-        </a:effectStyle>
-      </a:effectStyleLst>
-      <a:bgFillStyleLst>
-        <a:solidFill>
-          <a:schemeClr val="phClr"/>
-        </a:solidFill>
-        <a:gradFill rotWithShape="1">
-          <a:gsLst>
-            <a:gs pos="0">
-              <a:schemeClr val="phClr">
-                <a:tint val="40000"/>
-                <a:satMod val="350000"/>
-              </a:schemeClr>
-            </a:gs>
-            <a:gs pos="40000">
-              <a:schemeClr val="phClr">
-                <a:tint val="45000"/>
-                <a:shade val="99000"/>
-                <a:satMod val="350000"/>
-              </a:schemeClr>
-            </a:gs>
-            <a:gs pos="100000">
-              <a:schemeClr val="phClr">
-                <a:shade val="20000"/>
-                <a:satMod val="255000"/>
-              </a:schemeClr>
-            </a:gs>
-          </a:gsLst>
-          <a:path path="circle">
-            <a:fillToRect l="50000" t="-80000" r="50000" b="180000"/>
-          </a:path>
-        </a:gradFill>
-        <a:gradFill rotWithShape="1">
-          <a:gsLst>
-            <a:gs pos="0">
-              <a:schemeClr val="phClr">
-                <a:tint val="80000"/>
-                <a:satMod val="300000"/>
-              </a:schemeClr>
-            </a:gs>
-            <a:gs pos="100000">
-              <a:schemeClr val="phClr">
-                <a:shade val="30000"/>
-                <a:satMod val="200000"/>
-              </a:schemeClr>
-            </a:gs>
-          </a:gsLst>
-          <a:path path="circle">
-            <a:fillToRect l="50000" t="50000" r="50000" b="50000"/>
-          </a:path>
-        </a:gradFill>
-      </a:bgFillStyleLst>
-    </a:fmtScheme>
-  </a:themeElements>
+  <a:objectDefaults/>
+  <a:extraClrSchemeLst/>
 </a:theme>
 </file>
--- a/docs/Trabajo práctico integrador.pptx
+++ b/docs/Trabajo práctico integrador.pptx
@@ -5,7 +5,7 @@
     <p:sldMasterId id="2147483659" r:id="rId1"/>
   </p:sldMasterIdLst>
   <p:notesMasterIdLst>
-    <p:notesMasterId r:id="rId21"/>
+    <p:notesMasterId r:id="rId22"/>
   </p:notesMasterIdLst>
   <p:sldIdLst>
     <p:sldId id="256" r:id="rId2"/>
@@ -26,7 +26,8 @@
     <p:sldId id="268" r:id="rId17"/>
     <p:sldId id="269" r:id="rId18"/>
     <p:sldId id="270" r:id="rId19"/>
-    <p:sldId id="271" r:id="rId20"/>
+    <p:sldId id="275" r:id="rId20"/>
+    <p:sldId id="271" r:id="rId21"/>
   </p:sldIdLst>
   <p:sldSz cx="9144000" cy="5143500" type="screen16x9"/>
   <p:notesSz cx="6858000" cy="9144000"/>
@@ -261,7 +262,7 @@
   </p:defaultTextStyle>
   <p:extLst>
     <p:ext uri="{EFAFB233-063F-42B5-8137-9DF3F51BA10A}">
-      <p15:sldGuideLst xmlns:ahyp="http://schemas.microsoft.com/office/drawing/2018/hyperlinkcolor" xmlns:p15="http://schemas.microsoft.com/office/powerpoint/2012/main" xmlns:p14="http://schemas.microsoft.com/office/powerpoint/2010/main" xmlns:com="http://schemas.openxmlformats.org/drawingml/2006/compatibility" xmlns:pvml="urn:schemas-microsoft-com:office:powerpoint" xmlns:v="urn:schemas-microsoft-com:vml" xmlns:o="urn:schemas-microsoft-com:office:office" xmlns:dgm="http://schemas.openxmlformats.org/drawingml/2006/diagram" xmlns:c="http://schemas.openxmlformats.org/drawingml/2006/chart" xmlns:mv="urn:schemas-microsoft-com:mac:vml" xmlns:mc="http://schemas.openxmlformats.org/markup-compatibility/2006" xmlns="">
+      <p15:sldGuideLst xmlns="" xmlns:mc="http://schemas.openxmlformats.org/markup-compatibility/2006" xmlns:mv="urn:schemas-microsoft-com:mac:vml" xmlns:c="http://schemas.openxmlformats.org/drawingml/2006/chart" xmlns:dgm="http://schemas.openxmlformats.org/drawingml/2006/diagram" xmlns:o="urn:schemas-microsoft-com:office:office" xmlns:v="urn:schemas-microsoft-com:vml" xmlns:pvml="urn:schemas-microsoft-com:office:powerpoint" xmlns:com="http://schemas.openxmlformats.org/drawingml/2006/compatibility" xmlns:p14="http://schemas.microsoft.com/office/powerpoint/2010/main" xmlns:p15="http://schemas.microsoft.com/office/powerpoint/2012/main" xmlns:ahyp="http://schemas.microsoft.com/office/drawing/2018/hyperlinkcolor">
         <p15:guide id="1" orient="horz" pos="1620">
           <p15:clr>
             <a:srgbClr val="747775"/>
@@ -7680,7 +7681,7 @@
         </p:nvSpPr>
         <p:spPr>
           <a:xfrm>
-            <a:off x="2328600" y="425325"/>
+            <a:off x="3096245" y="425325"/>
             <a:ext cx="4486800" cy="572700"/>
           </a:xfrm>
           <a:prstGeom prst="rect">
@@ -7703,10 +7704,10 @@
               <a:buNone/>
             </a:pPr>
             <a:r>
-              <a:rPr lang="es"/>
-              <a:t>Cambios en la clase Servidor</a:t>
+              <a:rPr lang="es" dirty="0" smtClean="0"/>
+              <a:t>Clase Servidor</a:t>
             </a:r>
-            <a:endParaRPr/>
+            <a:endParaRPr dirty="0"/>
           </a:p>
         </p:txBody>
       </p:sp>
@@ -7726,7 +7727,7 @@
         </p:blipFill>
         <p:spPr>
           <a:xfrm>
-            <a:off x="1679675" y="1515000"/>
+            <a:off x="1679674" y="1244067"/>
             <a:ext cx="5553075" cy="2790825"/>
           </a:xfrm>
           <a:prstGeom prst="rect">
@@ -8382,7 +8383,7 @@
         </p:blipFill>
         <p:spPr>
           <a:xfrm>
-            <a:off x="1151700" y="2048125"/>
+            <a:off x="1151699" y="1743325"/>
             <a:ext cx="7000875" cy="2133600"/>
           </a:xfrm>
           <a:prstGeom prst="rect">
@@ -8454,10 +8455,10 @@
               <a:buNone/>
             </a:pPr>
             <a:r>
-              <a:rPr lang="es"/>
+              <a:rPr lang="es" dirty="0"/>
               <a:t>Mover carpeta recursiva</a:t>
             </a:r>
-            <a:endParaRPr/>
+            <a:endParaRPr dirty="0"/>
           </a:p>
           <a:p>
             <a:pPr marL="0" lvl="0" indent="0" algn="l" rtl="0">
@@ -8469,7 +8470,7 @@
               </a:spcAft>
               <a:buNone/>
             </a:pPr>
-            <a:endParaRPr/>
+            <a:endParaRPr dirty="0"/>
           </a:p>
         </p:txBody>
       </p:sp>
@@ -8489,7 +8490,7 @@
         </p:blipFill>
         <p:spPr>
           <a:xfrm>
-            <a:off x="1485900" y="1478725"/>
+            <a:off x="1485900" y="1173925"/>
             <a:ext cx="6172200" cy="1838325"/>
           </a:xfrm>
           <a:prstGeom prst="rect">
@@ -8501,6 +8502,323 @@
           </a:ln>
         </p:spPr>
       </p:pic>
+      <p:sp>
+        <p:nvSpPr>
+          <p:cNvPr id="5" name="Google Shape;145;p27"/>
+          <p:cNvSpPr txBox="1">
+            <a:spLocks/>
+          </p:cNvSpPr>
+          <p:nvPr/>
+        </p:nvSpPr>
+        <p:spPr>
+          <a:xfrm>
+            <a:off x="311700" y="3318046"/>
+            <a:ext cx="8520600" cy="1558753"/>
+          </a:xfrm>
+          <a:prstGeom prst="rect">
+            <a:avLst/>
+          </a:prstGeom>
+          <a:noFill/>
+          <a:ln>
+            <a:noFill/>
+          </a:ln>
+        </p:spPr>
+        <p:txBody>
+          <a:bodyPr spcFirstLastPara="1" wrap="square" lIns="91425" tIns="91425" rIns="91425" bIns="91425" anchor="t" anchorCtr="0">
+            <a:normAutofit fontScale="77500" lnSpcReduction="20000"/>
+          </a:bodyPr>
+          <a:lstStyle>
+            <a:defPPr marR="0" lvl="0" algn="l" rtl="0">
+              <a:lnSpc>
+                <a:spcPct val="100000"/>
+              </a:lnSpc>
+              <a:spcBef>
+                <a:spcPts val="0"/>
+              </a:spcBef>
+              <a:spcAft>
+                <a:spcPts val="0"/>
+              </a:spcAft>
+            </a:defPPr>
+            <a:lvl1pPr marR="0" lvl="0" algn="l" rtl="0">
+              <a:lnSpc>
+                <a:spcPct val="100000"/>
+              </a:lnSpc>
+              <a:spcBef>
+                <a:spcPts val="0"/>
+              </a:spcBef>
+              <a:spcAft>
+                <a:spcPts val="0"/>
+              </a:spcAft>
+              <a:buClr>
+                <a:schemeClr val="dk1"/>
+              </a:buClr>
+              <a:buSzPts val="2800"/>
+              <a:buFont typeface="Arial"/>
+              <a:buNone/>
+              <a:defRPr sz="2800" b="0" i="0" u="none" strike="noStrike" cap="none">
+                <a:solidFill>
+                  <a:schemeClr val="dk1"/>
+                </a:solidFill>
+                <a:latin typeface="Arial"/>
+                <a:ea typeface="Arial"/>
+                <a:cs typeface="Arial"/>
+                <a:sym typeface="Arial"/>
+              </a:defRPr>
+            </a:lvl1pPr>
+            <a:lvl2pPr marR="0" lvl="1" algn="l" rtl="0">
+              <a:lnSpc>
+                <a:spcPct val="100000"/>
+              </a:lnSpc>
+              <a:spcBef>
+                <a:spcPts val="0"/>
+              </a:spcBef>
+              <a:spcAft>
+                <a:spcPts val="0"/>
+              </a:spcAft>
+              <a:buClr>
+                <a:schemeClr val="dk1"/>
+              </a:buClr>
+              <a:buSzPts val="2800"/>
+              <a:buFont typeface="Arial"/>
+              <a:buNone/>
+              <a:defRPr sz="2800" b="0" i="0" u="none" strike="noStrike" cap="none">
+                <a:solidFill>
+                  <a:schemeClr val="dk1"/>
+                </a:solidFill>
+                <a:latin typeface="Arial"/>
+                <a:ea typeface="Arial"/>
+                <a:cs typeface="Arial"/>
+                <a:sym typeface="Arial"/>
+              </a:defRPr>
+            </a:lvl2pPr>
+            <a:lvl3pPr marR="0" lvl="2" algn="l" rtl="0">
+              <a:lnSpc>
+                <a:spcPct val="100000"/>
+              </a:lnSpc>
+              <a:spcBef>
+                <a:spcPts val="0"/>
+              </a:spcBef>
+              <a:spcAft>
+                <a:spcPts val="0"/>
+              </a:spcAft>
+              <a:buClr>
+                <a:schemeClr val="dk1"/>
+              </a:buClr>
+              <a:buSzPts val="2800"/>
+              <a:buFont typeface="Arial"/>
+              <a:buNone/>
+              <a:defRPr sz="2800" b="0" i="0" u="none" strike="noStrike" cap="none">
+                <a:solidFill>
+                  <a:schemeClr val="dk1"/>
+                </a:solidFill>
+                <a:latin typeface="Arial"/>
+                <a:ea typeface="Arial"/>
+                <a:cs typeface="Arial"/>
+                <a:sym typeface="Arial"/>
+              </a:defRPr>
+            </a:lvl3pPr>
+            <a:lvl4pPr marR="0" lvl="3" algn="l" rtl="0">
+              <a:lnSpc>
+                <a:spcPct val="100000"/>
+              </a:lnSpc>
+              <a:spcBef>
+                <a:spcPts val="0"/>
+              </a:spcBef>
+              <a:spcAft>
+                <a:spcPts val="0"/>
+              </a:spcAft>
+              <a:buClr>
+                <a:schemeClr val="dk1"/>
+              </a:buClr>
+              <a:buSzPts val="2800"/>
+              <a:buFont typeface="Arial"/>
+              <a:buNone/>
+              <a:defRPr sz="2800" b="0" i="0" u="none" strike="noStrike" cap="none">
+                <a:solidFill>
+                  <a:schemeClr val="dk1"/>
+                </a:solidFill>
+                <a:latin typeface="Arial"/>
+                <a:ea typeface="Arial"/>
+                <a:cs typeface="Arial"/>
+                <a:sym typeface="Arial"/>
+              </a:defRPr>
+            </a:lvl4pPr>
+            <a:lvl5pPr marR="0" lvl="4" algn="l" rtl="0">
+              <a:lnSpc>
+                <a:spcPct val="100000"/>
+              </a:lnSpc>
+              <a:spcBef>
+                <a:spcPts val="0"/>
+              </a:spcBef>
+              <a:spcAft>
+                <a:spcPts val="0"/>
+              </a:spcAft>
+              <a:buClr>
+                <a:schemeClr val="dk1"/>
+              </a:buClr>
+              <a:buSzPts val="2800"/>
+              <a:buFont typeface="Arial"/>
+              <a:buNone/>
+              <a:defRPr sz="2800" b="0" i="0" u="none" strike="noStrike" cap="none">
+                <a:solidFill>
+                  <a:schemeClr val="dk1"/>
+                </a:solidFill>
+                <a:latin typeface="Arial"/>
+                <a:ea typeface="Arial"/>
+                <a:cs typeface="Arial"/>
+                <a:sym typeface="Arial"/>
+              </a:defRPr>
+            </a:lvl5pPr>
+            <a:lvl6pPr marR="0" lvl="5" algn="l" rtl="0">
+              <a:lnSpc>
+                <a:spcPct val="100000"/>
+              </a:lnSpc>
+              <a:spcBef>
+                <a:spcPts val="0"/>
+              </a:spcBef>
+              <a:spcAft>
+                <a:spcPts val="0"/>
+              </a:spcAft>
+              <a:buClr>
+                <a:schemeClr val="dk1"/>
+              </a:buClr>
+              <a:buSzPts val="2800"/>
+              <a:buFont typeface="Arial"/>
+              <a:buNone/>
+              <a:defRPr sz="2800" b="0" i="0" u="none" strike="noStrike" cap="none">
+                <a:solidFill>
+                  <a:schemeClr val="dk1"/>
+                </a:solidFill>
+                <a:latin typeface="Arial"/>
+                <a:ea typeface="Arial"/>
+                <a:cs typeface="Arial"/>
+                <a:sym typeface="Arial"/>
+              </a:defRPr>
+            </a:lvl6pPr>
+            <a:lvl7pPr marR="0" lvl="6" algn="l" rtl="0">
+              <a:lnSpc>
+                <a:spcPct val="100000"/>
+              </a:lnSpc>
+              <a:spcBef>
+                <a:spcPts val="0"/>
+              </a:spcBef>
+              <a:spcAft>
+                <a:spcPts val="0"/>
+              </a:spcAft>
+              <a:buClr>
+                <a:schemeClr val="dk1"/>
+              </a:buClr>
+              <a:buSzPts val="2800"/>
+              <a:buFont typeface="Arial"/>
+              <a:buNone/>
+              <a:defRPr sz="2800" b="0" i="0" u="none" strike="noStrike" cap="none">
+                <a:solidFill>
+                  <a:schemeClr val="dk1"/>
+                </a:solidFill>
+                <a:latin typeface="Arial"/>
+                <a:ea typeface="Arial"/>
+                <a:cs typeface="Arial"/>
+                <a:sym typeface="Arial"/>
+              </a:defRPr>
+            </a:lvl7pPr>
+            <a:lvl8pPr marR="0" lvl="7" algn="l" rtl="0">
+              <a:lnSpc>
+                <a:spcPct val="100000"/>
+              </a:lnSpc>
+              <a:spcBef>
+                <a:spcPts val="0"/>
+              </a:spcBef>
+              <a:spcAft>
+                <a:spcPts val="0"/>
+              </a:spcAft>
+              <a:buClr>
+                <a:schemeClr val="dk1"/>
+              </a:buClr>
+              <a:buSzPts val="2800"/>
+              <a:buFont typeface="Arial"/>
+              <a:buNone/>
+              <a:defRPr sz="2800" b="0" i="0" u="none" strike="noStrike" cap="none">
+                <a:solidFill>
+                  <a:schemeClr val="dk1"/>
+                </a:solidFill>
+                <a:latin typeface="Arial"/>
+                <a:ea typeface="Arial"/>
+                <a:cs typeface="Arial"/>
+                <a:sym typeface="Arial"/>
+              </a:defRPr>
+            </a:lvl8pPr>
+            <a:lvl9pPr marR="0" lvl="8" algn="l" rtl="0">
+              <a:lnSpc>
+                <a:spcPct val="100000"/>
+              </a:lnSpc>
+              <a:spcBef>
+                <a:spcPts val="0"/>
+              </a:spcBef>
+              <a:spcAft>
+                <a:spcPts val="0"/>
+              </a:spcAft>
+              <a:buClr>
+                <a:schemeClr val="dk1"/>
+              </a:buClr>
+              <a:buSzPts val="2800"/>
+              <a:buFont typeface="Arial"/>
+              <a:buNone/>
+              <a:defRPr sz="2800" b="0" i="0" u="none" strike="noStrike" cap="none">
+                <a:solidFill>
+                  <a:schemeClr val="dk1"/>
+                </a:solidFill>
+                <a:latin typeface="Arial"/>
+                <a:ea typeface="Arial"/>
+                <a:cs typeface="Arial"/>
+                <a:sym typeface="Arial"/>
+              </a:defRPr>
+            </a:lvl9pPr>
+          </a:lstStyle>
+          <a:p>
+            <a:pPr marL="457200" indent="-457200" algn="ctr">
+              <a:buFont typeface="Arial" panose="020B0604020202020204" pitchFamily="34" charset="0"/>
+              <a:buChar char="•"/>
+            </a:pPr>
+            <a:r>
+              <a:rPr lang="es-AR" dirty="0" smtClean="0"/>
+              <a:t>Busca el mensaje en la carpeta actual.</a:t>
+            </a:r>
+          </a:p>
+          <a:p>
+            <a:pPr marL="457200" indent="-457200" algn="ctr">
+              <a:buFont typeface="Arial" panose="020B0604020202020204" pitchFamily="34" charset="0"/>
+              <a:buChar char="•"/>
+            </a:pPr>
+            <a:r>
+              <a:rPr lang="es-AR" dirty="0" smtClean="0"/>
+              <a:t>Lo elimina de la carpeta de origen y lo agrega en la carpeta destino.</a:t>
+            </a:r>
+          </a:p>
+          <a:p>
+            <a:pPr marL="457200" indent="-457200" algn="ctr">
+              <a:buFont typeface="Arial" panose="020B0604020202020204" pitchFamily="34" charset="0"/>
+              <a:buChar char="•"/>
+            </a:pPr>
+            <a:r>
+              <a:rPr lang="es-AR" dirty="0" smtClean="0"/>
+              <a:t>Revisa recursivamente en subcarpetas.</a:t>
+            </a:r>
+          </a:p>
+          <a:p>
+            <a:pPr marL="457200" indent="-457200" algn="ctr">
+              <a:buFont typeface="Arial" panose="020B0604020202020204" pitchFamily="34" charset="0"/>
+              <a:buChar char="•"/>
+            </a:pPr>
+            <a:r>
+              <a:rPr lang="es-AR" dirty="0" smtClean="0"/>
+              <a:t>Devuelve TRUE si lo movió.</a:t>
+            </a:r>
+          </a:p>
+          <a:p>
+            <a:endParaRPr lang="es-AR" dirty="0"/>
+          </a:p>
+        </p:txBody>
+      </p:sp>
     </p:spTree>
   </p:cSld>
   <p:clrMapOvr>
@@ -8514,7 +8832,7 @@
   <p:cSld>
     <p:spTree>
       <p:nvGrpSpPr>
-        <p:cNvPr id="1" name="Shape 150"/>
+        <p:cNvPr id="1" name=""/>
         <p:cNvGrpSpPr/>
         <p:nvPr/>
       </p:nvGrpSpPr>
@@ -8528,8 +8846,8 @@
       </p:grpSpPr>
       <p:sp>
         <p:nvSpPr>
-          <p:cNvPr id="151" name="Google Shape;151;p28"/>
-          <p:cNvSpPr txBox="1">
+          <p:cNvPr id="2" name="1 Título"/>
+          <p:cNvSpPr>
             <a:spLocks noGrp="1"/>
           </p:cNvSpPr>
           <p:nvPr>
@@ -8538,54 +8856,52 @@
         </p:nvSpPr>
         <p:spPr>
           <a:xfrm>
-            <a:off x="311700" y="445025"/>
-            <a:ext cx="8520600" cy="572700"/>
-          </a:xfrm>
-          <a:prstGeom prst="rect">
-            <a:avLst/>
-          </a:prstGeom>
+            <a:off x="2720621" y="207958"/>
+            <a:ext cx="5773011" cy="572700"/>
+          </a:xfrm>
         </p:spPr>
         <p:txBody>
-          <a:bodyPr spcFirstLastPara="1" wrap="square" lIns="91425" tIns="91425" rIns="91425" bIns="91425" anchor="t" anchorCtr="0">
+          <a:bodyPr>
             <a:normAutofit fontScale="90000"/>
           </a:bodyPr>
           <a:lstStyle/>
           <a:p>
-            <a:pPr marL="0" lvl="0" indent="0" algn="ctr" rtl="0">
-              <a:spcBef>
-                <a:spcPts val="0"/>
-              </a:spcBef>
-              <a:spcAft>
-                <a:spcPts val="0"/>
-              </a:spcAft>
-              <a:buNone/>
-            </a:pPr>
             <a:r>
-              <a:rPr lang="es"/>
-              <a:t>Mostrar árbol completo</a:t>
+              <a:rPr lang="es-AR" dirty="0" smtClean="0"/>
+              <a:t>Cola de prioridad</a:t>
             </a:r>
-            <a:endParaRPr/>
+            <a:br>
+              <a:rPr lang="es-AR" dirty="0" smtClean="0"/>
+            </a:br>
+            <a:endParaRPr lang="es-AR" dirty="0"/>
           </a:p>
         </p:txBody>
       </p:sp>
       <p:pic>
         <p:nvPicPr>
-          <p:cNvPr id="152" name="Google Shape;152;p28"/>
-          <p:cNvPicPr preferRelativeResize="0"/>
+          <p:cNvPr id="2050" name="Picture 2"/>
+          <p:cNvPicPr>
+            <a:picLocks noChangeAspect="1" noChangeArrowheads="1"/>
+          </p:cNvPicPr>
           <p:nvPr/>
         </p:nvPicPr>
         <p:blipFill>
-          <a:blip r:embed="rId3">
-            <a:alphaModFix/>
+          <a:blip r:embed="rId2">
+            <a:extLst>
+              <a:ext uri="{28A0092B-C50C-407E-A947-70E740481C1C}">
+                <a14:useLocalDpi xmlns:a14="http://schemas.microsoft.com/office/drawing/2010/main" val="0"/>
+              </a:ext>
+            </a:extLst>
           </a:blip>
+          <a:srcRect/>
           <a:stretch>
             <a:fillRect/>
           </a:stretch>
         </p:blipFill>
-        <p:spPr>
-          <a:xfrm>
-            <a:off x="2538400" y="1478750"/>
-            <a:ext cx="4067175" cy="1200150"/>
+        <p:spPr bwMode="auto">
+          <a:xfrm>
+            <a:off x="142699" y="798160"/>
+            <a:ext cx="4772025" cy="3095625"/>
           </a:xfrm>
           <a:prstGeom prst="rect">
             <a:avLst/>
@@ -8594,9 +8910,388 @@
           <a:ln>
             <a:noFill/>
           </a:ln>
+          <a:extLst>
+            <a:ext uri="{909E8E84-426E-40DD-AFC4-6F175D3DCCD1}">
+              <a14:hiddenFill xmlns:a14="http://schemas.microsoft.com/office/drawing/2010/main">
+                <a:solidFill>
+                  <a:schemeClr val="accent1"/>
+                </a:solidFill>
+              </a14:hiddenFill>
+            </a:ext>
+            <a:ext uri="{91240B29-F687-4F45-9708-019B960494DF}">
+              <a14:hiddenLine xmlns:a14="http://schemas.microsoft.com/office/drawing/2010/main" w="9525">
+                <a:solidFill>
+                  <a:schemeClr val="tx1"/>
+                </a:solidFill>
+                <a:miter lim="800000"/>
+                <a:headEnd/>
+                <a:tailEnd/>
+              </a14:hiddenLine>
+            </a:ext>
+          </a:extLst>
         </p:spPr>
       </p:pic>
+      <p:pic>
+        <p:nvPicPr>
+          <p:cNvPr id="2051" name="Picture 3"/>
+          <p:cNvPicPr>
+            <a:picLocks noChangeAspect="1" noChangeArrowheads="1"/>
+          </p:cNvPicPr>
+          <p:nvPr/>
+        </p:nvPicPr>
+        <p:blipFill>
+          <a:blip r:embed="rId3">
+            <a:extLst>
+              <a:ext uri="{28A0092B-C50C-407E-A947-70E740481C1C}">
+                <a14:useLocalDpi xmlns:a14="http://schemas.microsoft.com/office/drawing/2010/main" val="0"/>
+              </a:ext>
+            </a:extLst>
+          </a:blip>
+          <a:srcRect/>
+          <a:stretch>
+            <a:fillRect/>
+          </a:stretch>
+        </p:blipFill>
+        <p:spPr bwMode="auto">
+          <a:xfrm>
+            <a:off x="5016324" y="923043"/>
+            <a:ext cx="4019550" cy="2371725"/>
+          </a:xfrm>
+          <a:prstGeom prst="rect">
+            <a:avLst/>
+          </a:prstGeom>
+          <a:noFill/>
+          <a:ln>
+            <a:noFill/>
+          </a:ln>
+          <a:extLst>
+            <a:ext uri="{909E8E84-426E-40DD-AFC4-6F175D3DCCD1}">
+              <a14:hiddenFill xmlns:a14="http://schemas.microsoft.com/office/drawing/2010/main">
+                <a:solidFill>
+                  <a:schemeClr val="accent1"/>
+                </a:solidFill>
+              </a14:hiddenFill>
+            </a:ext>
+            <a:ext uri="{91240B29-F687-4F45-9708-019B960494DF}">
+              <a14:hiddenLine xmlns:a14="http://schemas.microsoft.com/office/drawing/2010/main" w="9525">
+                <a:solidFill>
+                  <a:schemeClr val="tx1"/>
+                </a:solidFill>
+                <a:miter lim="800000"/>
+                <a:headEnd/>
+                <a:tailEnd/>
+              </a14:hiddenLine>
+            </a:ext>
+          </a:extLst>
+        </p:spPr>
+      </p:pic>
+      <p:sp>
+        <p:nvSpPr>
+          <p:cNvPr id="6" name="1 Título"/>
+          <p:cNvSpPr txBox="1">
+            <a:spLocks/>
+          </p:cNvSpPr>
+          <p:nvPr/>
+        </p:nvSpPr>
+        <p:spPr>
+          <a:xfrm>
+            <a:off x="1473198" y="4063118"/>
+            <a:ext cx="5773011" cy="1249715"/>
+          </a:xfrm>
+          <a:prstGeom prst="rect">
+            <a:avLst/>
+          </a:prstGeom>
+          <a:noFill/>
+          <a:ln>
+            <a:noFill/>
+          </a:ln>
+        </p:spPr>
+        <p:txBody>
+          <a:bodyPr spcFirstLastPara="1" wrap="square" lIns="91425" tIns="91425" rIns="91425" bIns="91425" anchor="t" anchorCtr="0">
+            <a:normAutofit fontScale="60000" lnSpcReduction="20000"/>
+          </a:bodyPr>
+          <a:lstStyle>
+            <a:defPPr marR="0" lvl="0" algn="l" rtl="0">
+              <a:lnSpc>
+                <a:spcPct val="100000"/>
+              </a:lnSpc>
+              <a:spcBef>
+                <a:spcPts val="0"/>
+              </a:spcBef>
+              <a:spcAft>
+                <a:spcPts val="0"/>
+              </a:spcAft>
+            </a:defPPr>
+            <a:lvl1pPr marR="0" lvl="0" algn="l" rtl="0">
+              <a:lnSpc>
+                <a:spcPct val="100000"/>
+              </a:lnSpc>
+              <a:spcBef>
+                <a:spcPts val="0"/>
+              </a:spcBef>
+              <a:spcAft>
+                <a:spcPts val="0"/>
+              </a:spcAft>
+              <a:buClr>
+                <a:schemeClr val="dk1"/>
+              </a:buClr>
+              <a:buSzPts val="2800"/>
+              <a:buFont typeface="Arial"/>
+              <a:buNone/>
+              <a:defRPr sz="2800" b="0" i="0" u="none" strike="noStrike" cap="none">
+                <a:solidFill>
+                  <a:schemeClr val="dk1"/>
+                </a:solidFill>
+                <a:latin typeface="Arial"/>
+                <a:ea typeface="Arial"/>
+                <a:cs typeface="Arial"/>
+                <a:sym typeface="Arial"/>
+              </a:defRPr>
+            </a:lvl1pPr>
+            <a:lvl2pPr marR="0" lvl="1" algn="l" rtl="0">
+              <a:lnSpc>
+                <a:spcPct val="100000"/>
+              </a:lnSpc>
+              <a:spcBef>
+                <a:spcPts val="0"/>
+              </a:spcBef>
+              <a:spcAft>
+                <a:spcPts val="0"/>
+              </a:spcAft>
+              <a:buClr>
+                <a:schemeClr val="dk1"/>
+              </a:buClr>
+              <a:buSzPts val="2800"/>
+              <a:buFont typeface="Arial"/>
+              <a:buNone/>
+              <a:defRPr sz="2800" b="0" i="0" u="none" strike="noStrike" cap="none">
+                <a:solidFill>
+                  <a:schemeClr val="dk1"/>
+                </a:solidFill>
+                <a:latin typeface="Arial"/>
+                <a:ea typeface="Arial"/>
+                <a:cs typeface="Arial"/>
+                <a:sym typeface="Arial"/>
+              </a:defRPr>
+            </a:lvl2pPr>
+            <a:lvl3pPr marR="0" lvl="2" algn="l" rtl="0">
+              <a:lnSpc>
+                <a:spcPct val="100000"/>
+              </a:lnSpc>
+              <a:spcBef>
+                <a:spcPts val="0"/>
+              </a:spcBef>
+              <a:spcAft>
+                <a:spcPts val="0"/>
+              </a:spcAft>
+              <a:buClr>
+                <a:schemeClr val="dk1"/>
+              </a:buClr>
+              <a:buSzPts val="2800"/>
+              <a:buFont typeface="Arial"/>
+              <a:buNone/>
+              <a:defRPr sz="2800" b="0" i="0" u="none" strike="noStrike" cap="none">
+                <a:solidFill>
+                  <a:schemeClr val="dk1"/>
+                </a:solidFill>
+                <a:latin typeface="Arial"/>
+                <a:ea typeface="Arial"/>
+                <a:cs typeface="Arial"/>
+                <a:sym typeface="Arial"/>
+              </a:defRPr>
+            </a:lvl3pPr>
+            <a:lvl4pPr marR="0" lvl="3" algn="l" rtl="0">
+              <a:lnSpc>
+                <a:spcPct val="100000"/>
+              </a:lnSpc>
+              <a:spcBef>
+                <a:spcPts val="0"/>
+              </a:spcBef>
+              <a:spcAft>
+                <a:spcPts val="0"/>
+              </a:spcAft>
+              <a:buClr>
+                <a:schemeClr val="dk1"/>
+              </a:buClr>
+              <a:buSzPts val="2800"/>
+              <a:buFont typeface="Arial"/>
+              <a:buNone/>
+              <a:defRPr sz="2800" b="0" i="0" u="none" strike="noStrike" cap="none">
+                <a:solidFill>
+                  <a:schemeClr val="dk1"/>
+                </a:solidFill>
+                <a:latin typeface="Arial"/>
+                <a:ea typeface="Arial"/>
+                <a:cs typeface="Arial"/>
+                <a:sym typeface="Arial"/>
+              </a:defRPr>
+            </a:lvl4pPr>
+            <a:lvl5pPr marR="0" lvl="4" algn="l" rtl="0">
+              <a:lnSpc>
+                <a:spcPct val="100000"/>
+              </a:lnSpc>
+              <a:spcBef>
+                <a:spcPts val="0"/>
+              </a:spcBef>
+              <a:spcAft>
+                <a:spcPts val="0"/>
+              </a:spcAft>
+              <a:buClr>
+                <a:schemeClr val="dk1"/>
+              </a:buClr>
+              <a:buSzPts val="2800"/>
+              <a:buFont typeface="Arial"/>
+              <a:buNone/>
+              <a:defRPr sz="2800" b="0" i="0" u="none" strike="noStrike" cap="none">
+                <a:solidFill>
+                  <a:schemeClr val="dk1"/>
+                </a:solidFill>
+                <a:latin typeface="Arial"/>
+                <a:ea typeface="Arial"/>
+                <a:cs typeface="Arial"/>
+                <a:sym typeface="Arial"/>
+              </a:defRPr>
+            </a:lvl5pPr>
+            <a:lvl6pPr marR="0" lvl="5" algn="l" rtl="0">
+              <a:lnSpc>
+                <a:spcPct val="100000"/>
+              </a:lnSpc>
+              <a:spcBef>
+                <a:spcPts val="0"/>
+              </a:spcBef>
+              <a:spcAft>
+                <a:spcPts val="0"/>
+              </a:spcAft>
+              <a:buClr>
+                <a:schemeClr val="dk1"/>
+              </a:buClr>
+              <a:buSzPts val="2800"/>
+              <a:buFont typeface="Arial"/>
+              <a:buNone/>
+              <a:defRPr sz="2800" b="0" i="0" u="none" strike="noStrike" cap="none">
+                <a:solidFill>
+                  <a:schemeClr val="dk1"/>
+                </a:solidFill>
+                <a:latin typeface="Arial"/>
+                <a:ea typeface="Arial"/>
+                <a:cs typeface="Arial"/>
+                <a:sym typeface="Arial"/>
+              </a:defRPr>
+            </a:lvl6pPr>
+            <a:lvl7pPr marR="0" lvl="6" algn="l" rtl="0">
+              <a:lnSpc>
+                <a:spcPct val="100000"/>
+              </a:lnSpc>
+              <a:spcBef>
+                <a:spcPts val="0"/>
+              </a:spcBef>
+              <a:spcAft>
+                <a:spcPts val="0"/>
+              </a:spcAft>
+              <a:buClr>
+                <a:schemeClr val="dk1"/>
+              </a:buClr>
+              <a:buSzPts val="2800"/>
+              <a:buFont typeface="Arial"/>
+              <a:buNone/>
+              <a:defRPr sz="2800" b="0" i="0" u="none" strike="noStrike" cap="none">
+                <a:solidFill>
+                  <a:schemeClr val="dk1"/>
+                </a:solidFill>
+                <a:latin typeface="Arial"/>
+                <a:ea typeface="Arial"/>
+                <a:cs typeface="Arial"/>
+                <a:sym typeface="Arial"/>
+              </a:defRPr>
+            </a:lvl7pPr>
+            <a:lvl8pPr marR="0" lvl="7" algn="l" rtl="0">
+              <a:lnSpc>
+                <a:spcPct val="100000"/>
+              </a:lnSpc>
+              <a:spcBef>
+                <a:spcPts val="0"/>
+              </a:spcBef>
+              <a:spcAft>
+                <a:spcPts val="0"/>
+              </a:spcAft>
+              <a:buClr>
+                <a:schemeClr val="dk1"/>
+              </a:buClr>
+              <a:buSzPts val="2800"/>
+              <a:buFont typeface="Arial"/>
+              <a:buNone/>
+              <a:defRPr sz="2800" b="0" i="0" u="none" strike="noStrike" cap="none">
+                <a:solidFill>
+                  <a:schemeClr val="dk1"/>
+                </a:solidFill>
+                <a:latin typeface="Arial"/>
+                <a:ea typeface="Arial"/>
+                <a:cs typeface="Arial"/>
+                <a:sym typeface="Arial"/>
+              </a:defRPr>
+            </a:lvl8pPr>
+            <a:lvl9pPr marR="0" lvl="8" algn="l" rtl="0">
+              <a:lnSpc>
+                <a:spcPct val="100000"/>
+              </a:lnSpc>
+              <a:spcBef>
+                <a:spcPts val="0"/>
+              </a:spcBef>
+              <a:spcAft>
+                <a:spcPts val="0"/>
+              </a:spcAft>
+              <a:buClr>
+                <a:schemeClr val="dk1"/>
+              </a:buClr>
+              <a:buSzPts val="2800"/>
+              <a:buFont typeface="Arial"/>
+              <a:buNone/>
+              <a:defRPr sz="2800" b="0" i="0" u="none" strike="noStrike" cap="none">
+                <a:solidFill>
+                  <a:schemeClr val="dk1"/>
+                </a:solidFill>
+                <a:latin typeface="Arial"/>
+                <a:ea typeface="Arial"/>
+                <a:cs typeface="Arial"/>
+                <a:sym typeface="Arial"/>
+              </a:defRPr>
+            </a:lvl9pPr>
+          </a:lstStyle>
+          <a:p>
+            <a:pPr marL="457200" indent="-457200">
+              <a:buFont typeface="Arial" panose="020B0604020202020204" pitchFamily="34" charset="0"/>
+              <a:buChar char="•"/>
+            </a:pPr>
+            <a:r>
+              <a:rPr lang="es-AR" dirty="0" smtClean="0"/>
+              <a:t>Los urgentes se muestran primeros.</a:t>
+            </a:r>
+          </a:p>
+          <a:p>
+            <a:endParaRPr lang="es-AR" dirty="0" smtClean="0"/>
+          </a:p>
+          <a:p>
+            <a:pPr marL="457200" indent="-457200">
+              <a:buFont typeface="Arial" panose="020B0604020202020204" pitchFamily="34" charset="0"/>
+              <a:buChar char="•"/>
+            </a:pPr>
+            <a:r>
+              <a:rPr lang="es-AR" dirty="0" smtClean="0"/>
+              <a:t>Los mensajes van a la cola de prioridad si son urgentes o a mensajes normales.</a:t>
+            </a:r>
+            <a:br>
+              <a:rPr lang="es-AR" dirty="0" smtClean="0"/>
+            </a:br>
+            <a:endParaRPr lang="es-AR" dirty="0"/>
+          </a:p>
+        </p:txBody>
+      </p:sp>
     </p:spTree>
+    <p:extLst>
+      <p:ext uri="{BB962C8B-B14F-4D97-AF65-F5344CB8AC3E}">
+        <p14:creationId xmlns:p14="http://schemas.microsoft.com/office/powerpoint/2010/main" val="1225813568"/>
+      </p:ext>
+    </p:extLst>
   </p:cSld>
   <p:clrMapOvr>
     <a:masterClrMapping/>
@@ -8705,6 +9400,450 @@
           </a:p>
         </p:txBody>
       </p:sp>
+    </p:spTree>
+  </p:cSld>
+  <p:clrMapOvr>
+    <a:masterClrMapping/>
+  </p:clrMapOvr>
+</p:sld>
+</file>
+
+<file path=ppt/slides/slide20.xml><?xml version="1.0" encoding="utf-8"?>
+<p:sld xmlns:a="http://schemas.openxmlformats.org/drawingml/2006/main" xmlns:r="http://schemas.openxmlformats.org/officeDocument/2006/relationships" xmlns:p="http://schemas.openxmlformats.org/presentationml/2006/main">
+  <p:cSld>
+    <p:spTree>
+      <p:nvGrpSpPr>
+        <p:cNvPr id="1" name="Shape 150"/>
+        <p:cNvGrpSpPr/>
+        <p:nvPr/>
+      </p:nvGrpSpPr>
+      <p:grpSpPr>
+        <a:xfrm>
+          <a:off x="0" y="0"/>
+          <a:ext cx="0" cy="0"/>
+          <a:chOff x="0" y="0"/>
+          <a:chExt cx="0" cy="0"/>
+        </a:xfrm>
+      </p:grpSpPr>
+      <p:sp>
+        <p:nvSpPr>
+          <p:cNvPr id="151" name="Google Shape;151;p28"/>
+          <p:cNvSpPr txBox="1">
+            <a:spLocks noGrp="1"/>
+          </p:cNvSpPr>
+          <p:nvPr>
+            <p:ph type="title"/>
+          </p:nvPr>
+        </p:nvSpPr>
+        <p:spPr>
+          <a:xfrm>
+            <a:off x="311700" y="445025"/>
+            <a:ext cx="8520600" cy="572700"/>
+          </a:xfrm>
+          <a:prstGeom prst="rect">
+            <a:avLst/>
+          </a:prstGeom>
+        </p:spPr>
+        <p:txBody>
+          <a:bodyPr spcFirstLastPara="1" wrap="square" lIns="91425" tIns="91425" rIns="91425" bIns="91425" anchor="t" anchorCtr="0">
+            <a:normAutofit fontScale="90000"/>
+          </a:bodyPr>
+          <a:lstStyle/>
+          <a:p>
+            <a:pPr marL="0" lvl="0" indent="0" algn="ctr" rtl="0">
+              <a:spcBef>
+                <a:spcPts val="0"/>
+              </a:spcBef>
+              <a:spcAft>
+                <a:spcPts val="0"/>
+              </a:spcAft>
+              <a:buNone/>
+            </a:pPr>
+            <a:r>
+              <a:rPr lang="es" dirty="0"/>
+              <a:t>Mostrar árbol completo</a:t>
+            </a:r>
+            <a:endParaRPr dirty="0"/>
+          </a:p>
+        </p:txBody>
+      </p:sp>
+      <p:pic>
+        <p:nvPicPr>
+          <p:cNvPr id="152" name="Google Shape;152;p28"/>
+          <p:cNvPicPr preferRelativeResize="0"/>
+          <p:nvPr/>
+        </p:nvPicPr>
+        <p:blipFill>
+          <a:blip r:embed="rId3">
+            <a:alphaModFix/>
+          </a:blip>
+          <a:stretch>
+            <a:fillRect/>
+          </a:stretch>
+        </p:blipFill>
+        <p:spPr>
+          <a:xfrm>
+            <a:off x="307269" y="1478750"/>
+            <a:ext cx="4067175" cy="1200150"/>
+          </a:xfrm>
+          <a:prstGeom prst="rect">
+            <a:avLst/>
+          </a:prstGeom>
+          <a:noFill/>
+          <a:ln>
+            <a:noFill/>
+          </a:ln>
+        </p:spPr>
+      </p:pic>
+      <p:sp>
+        <p:nvSpPr>
+          <p:cNvPr id="4" name="Google Shape;151;p28"/>
+          <p:cNvSpPr txBox="1">
+            <a:spLocks/>
+          </p:cNvSpPr>
+          <p:nvPr/>
+        </p:nvSpPr>
+        <p:spPr>
+          <a:xfrm>
+            <a:off x="114144" y="3070577"/>
+            <a:ext cx="8520600" cy="1034659"/>
+          </a:xfrm>
+          <a:prstGeom prst="rect">
+            <a:avLst/>
+          </a:prstGeom>
+          <a:noFill/>
+          <a:ln>
+            <a:noFill/>
+          </a:ln>
+        </p:spPr>
+        <p:txBody>
+          <a:bodyPr spcFirstLastPara="1" wrap="square" lIns="91425" tIns="91425" rIns="91425" bIns="91425" anchor="t" anchorCtr="0">
+            <a:normAutofit fontScale="97500"/>
+          </a:bodyPr>
+          <a:lstStyle>
+            <a:defPPr marR="0" lvl="0" algn="l" rtl="0">
+              <a:lnSpc>
+                <a:spcPct val="100000"/>
+              </a:lnSpc>
+              <a:spcBef>
+                <a:spcPts val="0"/>
+              </a:spcBef>
+              <a:spcAft>
+                <a:spcPts val="0"/>
+              </a:spcAft>
+            </a:defPPr>
+            <a:lvl1pPr marR="0" lvl="0" algn="l" rtl="0">
+              <a:lnSpc>
+                <a:spcPct val="100000"/>
+              </a:lnSpc>
+              <a:spcBef>
+                <a:spcPts val="0"/>
+              </a:spcBef>
+              <a:spcAft>
+                <a:spcPts val="0"/>
+              </a:spcAft>
+              <a:buClr>
+                <a:schemeClr val="dk1"/>
+              </a:buClr>
+              <a:buSzPts val="2800"/>
+              <a:buFont typeface="Arial"/>
+              <a:buNone/>
+              <a:defRPr sz="2800" b="0" i="0" u="none" strike="noStrike" cap="none">
+                <a:solidFill>
+                  <a:schemeClr val="dk1"/>
+                </a:solidFill>
+                <a:latin typeface="Arial"/>
+                <a:ea typeface="Arial"/>
+                <a:cs typeface="Arial"/>
+                <a:sym typeface="Arial"/>
+              </a:defRPr>
+            </a:lvl1pPr>
+            <a:lvl2pPr marR="0" lvl="1" algn="l" rtl="0">
+              <a:lnSpc>
+                <a:spcPct val="100000"/>
+              </a:lnSpc>
+              <a:spcBef>
+                <a:spcPts val="0"/>
+              </a:spcBef>
+              <a:spcAft>
+                <a:spcPts val="0"/>
+              </a:spcAft>
+              <a:buClr>
+                <a:schemeClr val="dk1"/>
+              </a:buClr>
+              <a:buSzPts val="2800"/>
+              <a:buFont typeface="Arial"/>
+              <a:buNone/>
+              <a:defRPr sz="2800" b="0" i="0" u="none" strike="noStrike" cap="none">
+                <a:solidFill>
+                  <a:schemeClr val="dk1"/>
+                </a:solidFill>
+                <a:latin typeface="Arial"/>
+                <a:ea typeface="Arial"/>
+                <a:cs typeface="Arial"/>
+                <a:sym typeface="Arial"/>
+              </a:defRPr>
+            </a:lvl2pPr>
+            <a:lvl3pPr marR="0" lvl="2" algn="l" rtl="0">
+              <a:lnSpc>
+                <a:spcPct val="100000"/>
+              </a:lnSpc>
+              <a:spcBef>
+                <a:spcPts val="0"/>
+              </a:spcBef>
+              <a:spcAft>
+                <a:spcPts val="0"/>
+              </a:spcAft>
+              <a:buClr>
+                <a:schemeClr val="dk1"/>
+              </a:buClr>
+              <a:buSzPts val="2800"/>
+              <a:buFont typeface="Arial"/>
+              <a:buNone/>
+              <a:defRPr sz="2800" b="0" i="0" u="none" strike="noStrike" cap="none">
+                <a:solidFill>
+                  <a:schemeClr val="dk1"/>
+                </a:solidFill>
+                <a:latin typeface="Arial"/>
+                <a:ea typeface="Arial"/>
+                <a:cs typeface="Arial"/>
+                <a:sym typeface="Arial"/>
+              </a:defRPr>
+            </a:lvl3pPr>
+            <a:lvl4pPr marR="0" lvl="3" algn="l" rtl="0">
+              <a:lnSpc>
+                <a:spcPct val="100000"/>
+              </a:lnSpc>
+              <a:spcBef>
+                <a:spcPts val="0"/>
+              </a:spcBef>
+              <a:spcAft>
+                <a:spcPts val="0"/>
+              </a:spcAft>
+              <a:buClr>
+                <a:schemeClr val="dk1"/>
+              </a:buClr>
+              <a:buSzPts val="2800"/>
+              <a:buFont typeface="Arial"/>
+              <a:buNone/>
+              <a:defRPr sz="2800" b="0" i="0" u="none" strike="noStrike" cap="none">
+                <a:solidFill>
+                  <a:schemeClr val="dk1"/>
+                </a:solidFill>
+                <a:latin typeface="Arial"/>
+                <a:ea typeface="Arial"/>
+                <a:cs typeface="Arial"/>
+                <a:sym typeface="Arial"/>
+              </a:defRPr>
+            </a:lvl4pPr>
+            <a:lvl5pPr marR="0" lvl="4" algn="l" rtl="0">
+              <a:lnSpc>
+                <a:spcPct val="100000"/>
+              </a:lnSpc>
+              <a:spcBef>
+                <a:spcPts val="0"/>
+              </a:spcBef>
+              <a:spcAft>
+                <a:spcPts val="0"/>
+              </a:spcAft>
+              <a:buClr>
+                <a:schemeClr val="dk1"/>
+              </a:buClr>
+              <a:buSzPts val="2800"/>
+              <a:buFont typeface="Arial"/>
+              <a:buNone/>
+              <a:defRPr sz="2800" b="0" i="0" u="none" strike="noStrike" cap="none">
+                <a:solidFill>
+                  <a:schemeClr val="dk1"/>
+                </a:solidFill>
+                <a:latin typeface="Arial"/>
+                <a:ea typeface="Arial"/>
+                <a:cs typeface="Arial"/>
+                <a:sym typeface="Arial"/>
+              </a:defRPr>
+            </a:lvl5pPr>
+            <a:lvl6pPr marR="0" lvl="5" algn="l" rtl="0">
+              <a:lnSpc>
+                <a:spcPct val="100000"/>
+              </a:lnSpc>
+              <a:spcBef>
+                <a:spcPts val="0"/>
+              </a:spcBef>
+              <a:spcAft>
+                <a:spcPts val="0"/>
+              </a:spcAft>
+              <a:buClr>
+                <a:schemeClr val="dk1"/>
+              </a:buClr>
+              <a:buSzPts val="2800"/>
+              <a:buFont typeface="Arial"/>
+              <a:buNone/>
+              <a:defRPr sz="2800" b="0" i="0" u="none" strike="noStrike" cap="none">
+                <a:solidFill>
+                  <a:schemeClr val="dk1"/>
+                </a:solidFill>
+                <a:latin typeface="Arial"/>
+                <a:ea typeface="Arial"/>
+                <a:cs typeface="Arial"/>
+                <a:sym typeface="Arial"/>
+              </a:defRPr>
+            </a:lvl6pPr>
+            <a:lvl7pPr marR="0" lvl="6" algn="l" rtl="0">
+              <a:lnSpc>
+                <a:spcPct val="100000"/>
+              </a:lnSpc>
+              <a:spcBef>
+                <a:spcPts val="0"/>
+              </a:spcBef>
+              <a:spcAft>
+                <a:spcPts val="0"/>
+              </a:spcAft>
+              <a:buClr>
+                <a:schemeClr val="dk1"/>
+              </a:buClr>
+              <a:buSzPts val="2800"/>
+              <a:buFont typeface="Arial"/>
+              <a:buNone/>
+              <a:defRPr sz="2800" b="0" i="0" u="none" strike="noStrike" cap="none">
+                <a:solidFill>
+                  <a:schemeClr val="dk1"/>
+                </a:solidFill>
+                <a:latin typeface="Arial"/>
+                <a:ea typeface="Arial"/>
+                <a:cs typeface="Arial"/>
+                <a:sym typeface="Arial"/>
+              </a:defRPr>
+            </a:lvl7pPr>
+            <a:lvl8pPr marR="0" lvl="7" algn="l" rtl="0">
+              <a:lnSpc>
+                <a:spcPct val="100000"/>
+              </a:lnSpc>
+              <a:spcBef>
+                <a:spcPts val="0"/>
+              </a:spcBef>
+              <a:spcAft>
+                <a:spcPts val="0"/>
+              </a:spcAft>
+              <a:buClr>
+                <a:schemeClr val="dk1"/>
+              </a:buClr>
+              <a:buSzPts val="2800"/>
+              <a:buFont typeface="Arial"/>
+              <a:buNone/>
+              <a:defRPr sz="2800" b="0" i="0" u="none" strike="noStrike" cap="none">
+                <a:solidFill>
+                  <a:schemeClr val="dk1"/>
+                </a:solidFill>
+                <a:latin typeface="Arial"/>
+                <a:ea typeface="Arial"/>
+                <a:cs typeface="Arial"/>
+                <a:sym typeface="Arial"/>
+              </a:defRPr>
+            </a:lvl8pPr>
+            <a:lvl9pPr marR="0" lvl="8" algn="l" rtl="0">
+              <a:lnSpc>
+                <a:spcPct val="100000"/>
+              </a:lnSpc>
+              <a:spcBef>
+                <a:spcPts val="0"/>
+              </a:spcBef>
+              <a:spcAft>
+                <a:spcPts val="0"/>
+              </a:spcAft>
+              <a:buClr>
+                <a:schemeClr val="dk1"/>
+              </a:buClr>
+              <a:buSzPts val="2800"/>
+              <a:buFont typeface="Arial"/>
+              <a:buNone/>
+              <a:defRPr sz="2800" b="0" i="0" u="none" strike="noStrike" cap="none">
+                <a:solidFill>
+                  <a:schemeClr val="dk1"/>
+                </a:solidFill>
+                <a:latin typeface="Arial"/>
+                <a:ea typeface="Arial"/>
+                <a:cs typeface="Arial"/>
+                <a:sym typeface="Arial"/>
+              </a:defRPr>
+            </a:lvl9pPr>
+          </a:lstStyle>
+          <a:p>
+            <a:pPr marL="457200" indent="-457200" algn="ctr">
+              <a:buFont typeface="Arial" panose="020B0604020202020204" pitchFamily="34" charset="0"/>
+              <a:buChar char="•"/>
+            </a:pPr>
+            <a:r>
+              <a:rPr lang="es-AR" dirty="0" smtClean="0"/>
+              <a:t>Permite visualizar toda la estructura.</a:t>
+            </a:r>
+          </a:p>
+          <a:p>
+            <a:pPr marL="457200" indent="-457200" algn="ctr">
+              <a:buFont typeface="Arial" panose="020B0604020202020204" pitchFamily="34" charset="0"/>
+              <a:buChar char="•"/>
+            </a:pPr>
+            <a:r>
+              <a:rPr lang="es-AR" dirty="0" smtClean="0"/>
+              <a:t>Permite navegar todas la carpetas y subcarpetas</a:t>
+            </a:r>
+            <a:endParaRPr lang="es-AR" dirty="0"/>
+          </a:p>
+        </p:txBody>
+      </p:sp>
+      <p:pic>
+        <p:nvPicPr>
+          <p:cNvPr id="1026" name="Picture 2"/>
+          <p:cNvPicPr>
+            <a:picLocks noChangeAspect="1" noChangeArrowheads="1"/>
+          </p:cNvPicPr>
+          <p:nvPr/>
+        </p:nvPicPr>
+        <p:blipFill>
+          <a:blip r:embed="rId4">
+            <a:extLst>
+              <a:ext uri="{28A0092B-C50C-407E-A947-70E740481C1C}">
+                <a14:useLocalDpi xmlns:a14="http://schemas.microsoft.com/office/drawing/2010/main" val="0"/>
+              </a:ext>
+            </a:extLst>
+          </a:blip>
+          <a:srcRect/>
+          <a:stretch>
+            <a:fillRect/>
+          </a:stretch>
+        </p:blipFill>
+        <p:spPr bwMode="auto">
+          <a:xfrm>
+            <a:off x="4572000" y="1112037"/>
+            <a:ext cx="4095750" cy="1933575"/>
+          </a:xfrm>
+          <a:prstGeom prst="rect">
+            <a:avLst/>
+          </a:prstGeom>
+          <a:noFill/>
+          <a:ln>
+            <a:noFill/>
+          </a:ln>
+          <a:extLst>
+            <a:ext uri="{909E8E84-426E-40DD-AFC4-6F175D3DCCD1}">
+              <a14:hiddenFill xmlns:a14="http://schemas.microsoft.com/office/drawing/2010/main">
+                <a:solidFill>
+                  <a:schemeClr val="accent1"/>
+                </a:solidFill>
+              </a14:hiddenFill>
+            </a:ext>
+            <a:ext uri="{91240B29-F687-4F45-9708-019B960494DF}">
+              <a14:hiddenLine xmlns:a14="http://schemas.microsoft.com/office/drawing/2010/main" w="9525">
+                <a:solidFill>
+                  <a:schemeClr val="tx1"/>
+                </a:solidFill>
+                <a:miter lim="800000"/>
+                <a:headEnd/>
+                <a:tailEnd/>
+              </a14:hiddenLine>
+            </a:ext>
+          </a:extLst>
+        </p:spPr>
+      </p:pic>
     </p:spTree>
   </p:cSld>
   <p:clrMapOvr>
